--- a/Docs/User Interface.pptx
+++ b/Docs/User Interface.pptx
@@ -7,9 +7,10 @@
   <p:sldIdLst>
     <p:sldId id="256" r:id="rId2"/>
     <p:sldId id="257" r:id="rId3"/>
-    <p:sldId id="259" r:id="rId4"/>
-    <p:sldId id="260" r:id="rId5"/>
-    <p:sldId id="261" r:id="rId6"/>
+    <p:sldId id="262" r:id="rId4"/>
+    <p:sldId id="259" r:id="rId5"/>
+    <p:sldId id="260" r:id="rId6"/>
+    <p:sldId id="261" r:id="rId7"/>
   </p:sldIdLst>
   <p:sldSz cx="12192000" cy="6858000"/>
   <p:notesSz cx="6858000" cy="9144000"/>
@@ -109,6 +110,20 @@
     </a:lvl9pPr>
   </p:defaultTextStyle>
   <p:extLst>
+    <p:ext uri="{521415D9-36F7-43E2-AB2F-B90AF26B5E84}">
+      <p14:sectionLst xmlns:p14="http://schemas.microsoft.com/office/powerpoint/2010/main">
+        <p14:section name="Default Section" id="{BF376AB6-ABC4-4D83-B070-6E2DFD2AF0AA}">
+          <p14:sldIdLst>
+            <p14:sldId id="256"/>
+            <p14:sldId id="257"/>
+            <p14:sldId id="262"/>
+            <p14:sldId id="259"/>
+            <p14:sldId id="260"/>
+            <p14:sldId id="261"/>
+          </p14:sldIdLst>
+        </p14:section>
+      </p14:sectionLst>
+    </p:ext>
     <p:ext uri="{EFAFB233-063F-42B5-8137-9DF3F51BA10A}">
       <p15:sldGuideLst xmlns:p15="http://schemas.microsoft.com/office/powerpoint/2012/main"/>
     </p:ext>
@@ -119,3270 +134,9 @@
 <file path=ppt/revisionInfo.xml><?xml version="1.0" encoding="utf-8"?>
 <p1510:revInfo xmlns:a="http://schemas.openxmlformats.org/drawingml/2006/main" xmlns:r="http://schemas.openxmlformats.org/officeDocument/2006/relationships" xmlns:p1510="http://schemas.microsoft.com/office/powerpoint/2015/10/main">
   <p1510:revLst>
-    <p1510:client id="{17E9AA18-5B07-4BF5-9104-333A15C8E89C}" v="6" dt="2024-10-02T04:49:13.776"/>
+    <p1510:client id="{17E9AA18-5B07-4BF5-9104-333A15C8E89C}" v="178" dt="2024-10-12T10:59:37.140"/>
   </p1510:revLst>
 </p1510:revInfo>
-</file>
-
-<file path=ppt/changesInfos/changesInfo1.xml><?xml version="1.0" encoding="utf-8"?>
-<pc:chgInfo xmlns:a="http://schemas.openxmlformats.org/drawingml/2006/main" xmlns:r="http://schemas.openxmlformats.org/officeDocument/2006/relationships" xmlns:ac="http://schemas.microsoft.com/office/drawing/2013/main/command" xmlns:pc="http://schemas.microsoft.com/office/powerpoint/2013/main/command">
-  <pc:docChgLst>
-    <pc:chgData name="Marq Gonzales" userId="8a8aa5cc-da4d-4428-991f-d72f7edc4e69" providerId="ADAL" clId="{7E2E03EA-53D8-4529-BA71-E8B3B6257776}"/>
-    <pc:docChg chg="undo custSel addSld delSld modSld">
-      <pc:chgData name="Marq Gonzales" userId="8a8aa5cc-da4d-4428-991f-d72f7edc4e69" providerId="ADAL" clId="{7E2E03EA-53D8-4529-BA71-E8B3B6257776}" dt="2024-10-01T01:14:25.077" v="1615" actId="1037"/>
-      <pc:docMkLst>
-        <pc:docMk/>
-      </pc:docMkLst>
-      <pc:sldChg chg="addSp delSp modSp mod">
-        <pc:chgData name="Marq Gonzales" userId="8a8aa5cc-da4d-4428-991f-d72f7edc4e69" providerId="ADAL" clId="{7E2E03EA-53D8-4529-BA71-E8B3B6257776}" dt="2024-10-01T01:14:25.077" v="1615" actId="1037"/>
-        <pc:sldMkLst>
-          <pc:docMk/>
-          <pc:sldMk cId="997480972" sldId="256"/>
-        </pc:sldMkLst>
-        <pc:spChg chg="mod">
-          <ac:chgData name="Marq Gonzales" userId="8a8aa5cc-da4d-4428-991f-d72f7edc4e69" providerId="ADAL" clId="{7E2E03EA-53D8-4529-BA71-E8B3B6257776}" dt="2024-10-01T01:05:50.266" v="1426" actId="14100"/>
-          <ac:spMkLst>
-            <pc:docMk/>
-            <pc:sldMk cId="997480972" sldId="256"/>
-            <ac:spMk id="5" creationId="{0CAB5757-D663-4FE7-A49A-93B152640943}"/>
-          </ac:spMkLst>
-        </pc:spChg>
-        <pc:spChg chg="mod">
-          <ac:chgData name="Marq Gonzales" userId="8a8aa5cc-da4d-4428-991f-d72f7edc4e69" providerId="ADAL" clId="{7E2E03EA-53D8-4529-BA71-E8B3B6257776}" dt="2024-10-01T01:06:23.473" v="1437" actId="1076"/>
-          <ac:spMkLst>
-            <pc:docMk/>
-            <pc:sldMk cId="997480972" sldId="256"/>
-            <ac:spMk id="6" creationId="{E7C24D5E-E12A-462B-B8A9-F066F26F9418}"/>
-          </ac:spMkLst>
-        </pc:spChg>
-        <pc:spChg chg="mod">
-          <ac:chgData name="Marq Gonzales" userId="8a8aa5cc-da4d-4428-991f-d72f7edc4e69" providerId="ADAL" clId="{7E2E03EA-53D8-4529-BA71-E8B3B6257776}" dt="2024-10-01T01:05:15.194" v="1391" actId="164"/>
-          <ac:spMkLst>
-            <pc:docMk/>
-            <pc:sldMk cId="997480972" sldId="256"/>
-            <ac:spMk id="7" creationId="{F016B50B-7632-48CB-AEBA-03C9A7CA9906}"/>
-          </ac:spMkLst>
-        </pc:spChg>
-        <pc:spChg chg="mod">
-          <ac:chgData name="Marq Gonzales" userId="8a8aa5cc-da4d-4428-991f-d72f7edc4e69" providerId="ADAL" clId="{7E2E03EA-53D8-4529-BA71-E8B3B6257776}" dt="2024-10-01T01:05:15.194" v="1391" actId="164"/>
-          <ac:spMkLst>
-            <pc:docMk/>
-            <pc:sldMk cId="997480972" sldId="256"/>
-            <ac:spMk id="8" creationId="{CFD5FD66-8BB1-44A8-9360-6B72FA1E497A}"/>
-          </ac:spMkLst>
-        </pc:spChg>
-        <pc:spChg chg="mod">
-          <ac:chgData name="Marq Gonzales" userId="8a8aa5cc-da4d-4428-991f-d72f7edc4e69" providerId="ADAL" clId="{7E2E03EA-53D8-4529-BA71-E8B3B6257776}" dt="2024-10-01T01:05:15.194" v="1391" actId="164"/>
-          <ac:spMkLst>
-            <pc:docMk/>
-            <pc:sldMk cId="997480972" sldId="256"/>
-            <ac:spMk id="9" creationId="{5D37EC79-5A09-4301-9BEA-38F1F88BFF16}"/>
-          </ac:spMkLst>
-        </pc:spChg>
-        <pc:spChg chg="mod">
-          <ac:chgData name="Marq Gonzales" userId="8a8aa5cc-da4d-4428-991f-d72f7edc4e69" providerId="ADAL" clId="{7E2E03EA-53D8-4529-BA71-E8B3B6257776}" dt="2024-10-01T01:05:15.194" v="1391" actId="164"/>
-          <ac:spMkLst>
-            <pc:docMk/>
-            <pc:sldMk cId="997480972" sldId="256"/>
-            <ac:spMk id="10" creationId="{75B322B1-B950-4D7F-81B6-5E8ECBD199A3}"/>
-          </ac:spMkLst>
-        </pc:spChg>
-        <pc:spChg chg="mod">
-          <ac:chgData name="Marq Gonzales" userId="8a8aa5cc-da4d-4428-991f-d72f7edc4e69" providerId="ADAL" clId="{7E2E03EA-53D8-4529-BA71-E8B3B6257776}" dt="2024-10-01T01:05:15.194" v="1391" actId="164"/>
-          <ac:spMkLst>
-            <pc:docMk/>
-            <pc:sldMk cId="997480972" sldId="256"/>
-            <ac:spMk id="11" creationId="{FF345DB1-8CC6-4AAA-AF53-2B9B0B81D01B}"/>
-          </ac:spMkLst>
-        </pc:spChg>
-        <pc:spChg chg="del mod">
-          <ac:chgData name="Marq Gonzales" userId="8a8aa5cc-da4d-4428-991f-d72f7edc4e69" providerId="ADAL" clId="{7E2E03EA-53D8-4529-BA71-E8B3B6257776}" dt="2024-10-01T01:05:28.819" v="1395" actId="478"/>
-          <ac:spMkLst>
-            <pc:docMk/>
-            <pc:sldMk cId="997480972" sldId="256"/>
-            <ac:spMk id="12" creationId="{C6EEB10C-B3E9-44F4-879B-D1C4C39C3BC4}"/>
-          </ac:spMkLst>
-        </pc:spChg>
-        <pc:spChg chg="add del mod">
-          <ac:chgData name="Marq Gonzales" userId="8a8aa5cc-da4d-4428-991f-d72f7edc4e69" providerId="ADAL" clId="{7E2E03EA-53D8-4529-BA71-E8B3B6257776}" dt="2024-10-01T01:05:44.776" v="1413" actId="1035"/>
-          <ac:spMkLst>
-            <pc:docMk/>
-            <pc:sldMk cId="997480972" sldId="256"/>
-            <ac:spMk id="13" creationId="{B2C524F2-34B7-44A2-A40B-D54E79F2ADA4}"/>
-          </ac:spMkLst>
-        </pc:spChg>
-        <pc:spChg chg="mod">
-          <ac:chgData name="Marq Gonzales" userId="8a8aa5cc-da4d-4428-991f-d72f7edc4e69" providerId="ADAL" clId="{7E2E03EA-53D8-4529-BA71-E8B3B6257776}" dt="2024-10-01T01:05:47.863" v="1425" actId="1035"/>
-          <ac:spMkLst>
-            <pc:docMk/>
-            <pc:sldMk cId="997480972" sldId="256"/>
-            <ac:spMk id="14" creationId="{E70E08AF-AEB8-4C6E-82EF-470974E06977}"/>
-          </ac:spMkLst>
-        </pc:spChg>
-        <pc:spChg chg="del mod">
-          <ac:chgData name="Marq Gonzales" userId="8a8aa5cc-da4d-4428-991f-d72f7edc4e69" providerId="ADAL" clId="{7E2E03EA-53D8-4529-BA71-E8B3B6257776}" dt="2024-10-01T01:05:38.969" v="1398" actId="478"/>
-          <ac:spMkLst>
-            <pc:docMk/>
-            <pc:sldMk cId="997480972" sldId="256"/>
-            <ac:spMk id="15" creationId="{42279CAA-4A72-4E2C-BF9A-7C2AEA3E93DF}"/>
-          </ac:spMkLst>
-        </pc:spChg>
-        <pc:spChg chg="mod">
-          <ac:chgData name="Marq Gonzales" userId="8a8aa5cc-da4d-4428-991f-d72f7edc4e69" providerId="ADAL" clId="{7E2E03EA-53D8-4529-BA71-E8B3B6257776}" dt="2024-10-01T01:10:47.638" v="1492" actId="404"/>
-          <ac:spMkLst>
-            <pc:docMk/>
-            <pc:sldMk cId="997480972" sldId="256"/>
-            <ac:spMk id="16" creationId="{D2E94428-FF53-4599-9FE4-10D4934DFEEF}"/>
-          </ac:spMkLst>
-        </pc:spChg>
-        <pc:spChg chg="mod">
-          <ac:chgData name="Marq Gonzales" userId="8a8aa5cc-da4d-4428-991f-d72f7edc4e69" providerId="ADAL" clId="{7E2E03EA-53D8-4529-BA71-E8B3B6257776}" dt="2024-10-01T01:07:20.399" v="1484" actId="1036"/>
-          <ac:spMkLst>
-            <pc:docMk/>
-            <pc:sldMk cId="997480972" sldId="256"/>
-            <ac:spMk id="18" creationId="{3EE54A65-6444-47E6-A5DA-EA0FC3632D4E}"/>
-          </ac:spMkLst>
-        </pc:spChg>
-        <pc:spChg chg="mod">
-          <ac:chgData name="Marq Gonzales" userId="8a8aa5cc-da4d-4428-991f-d72f7edc4e69" providerId="ADAL" clId="{7E2E03EA-53D8-4529-BA71-E8B3B6257776}" dt="2024-10-01T01:11:04.623" v="1553" actId="1037"/>
-          <ac:spMkLst>
-            <pc:docMk/>
-            <pc:sldMk cId="997480972" sldId="256"/>
-            <ac:spMk id="20" creationId="{97A4B07B-0476-423F-8071-3A6112EC2FB5}"/>
-          </ac:spMkLst>
-        </pc:spChg>
-        <pc:spChg chg="mod">
-          <ac:chgData name="Marq Gonzales" userId="8a8aa5cc-da4d-4428-991f-d72f7edc4e69" providerId="ADAL" clId="{7E2E03EA-53D8-4529-BA71-E8B3B6257776}" dt="2024-10-01T01:11:04.623" v="1553" actId="1037"/>
-          <ac:spMkLst>
-            <pc:docMk/>
-            <pc:sldMk cId="997480972" sldId="256"/>
-            <ac:spMk id="21" creationId="{5B43503E-DE86-4583-BC17-DED0C01882DC}"/>
-          </ac:spMkLst>
-        </pc:spChg>
-        <pc:grpChg chg="add mod">
-          <ac:chgData name="Marq Gonzales" userId="8a8aa5cc-da4d-4428-991f-d72f7edc4e69" providerId="ADAL" clId="{7E2E03EA-53D8-4529-BA71-E8B3B6257776}" dt="2024-10-01T01:14:25.077" v="1615" actId="1037"/>
-          <ac:grpSpMkLst>
-            <pc:docMk/>
-            <pc:sldMk cId="997480972" sldId="256"/>
-            <ac:grpSpMk id="2" creationId="{571521B8-E291-4AC4-BACD-214EC2F67B8F}"/>
-          </ac:grpSpMkLst>
-        </pc:grpChg>
-        <pc:picChg chg="mod">
-          <ac:chgData name="Marq Gonzales" userId="8a8aa5cc-da4d-4428-991f-d72f7edc4e69" providerId="ADAL" clId="{7E2E03EA-53D8-4529-BA71-E8B3B6257776}" dt="2024-10-01T01:10:48.881" v="1493" actId="1076"/>
-          <ac:picMkLst>
-            <pc:docMk/>
-            <pc:sldMk cId="997480972" sldId="256"/>
-            <ac:picMk id="4" creationId="{57C6FD99-1811-46CA-B9D6-CE86C75D70A7}"/>
-          </ac:picMkLst>
-        </pc:picChg>
-        <pc:picChg chg="mod">
-          <ac:chgData name="Marq Gonzales" userId="8a8aa5cc-da4d-4428-991f-d72f7edc4e69" providerId="ADAL" clId="{7E2E03EA-53D8-4529-BA71-E8B3B6257776}" dt="2024-10-01T01:06:59.759" v="1460" actId="1036"/>
-          <ac:picMkLst>
-            <pc:docMk/>
-            <pc:sldMk cId="997480972" sldId="256"/>
-            <ac:picMk id="17" creationId="{ADE3A167-FE01-4219-A214-2D6B3530F9D8}"/>
-          </ac:picMkLst>
-        </pc:picChg>
-      </pc:sldChg>
-      <pc:sldChg chg="addSp delSp modSp mod">
-        <pc:chgData name="Marq Gonzales" userId="8a8aa5cc-da4d-4428-991f-d72f7edc4e69" providerId="ADAL" clId="{7E2E03EA-53D8-4529-BA71-E8B3B6257776}" dt="2024-10-01T00:42:09.787" v="606" actId="732"/>
-        <pc:sldMkLst>
-          <pc:docMk/>
-          <pc:sldMk cId="2223823784" sldId="257"/>
-        </pc:sldMkLst>
-        <pc:spChg chg="mod">
-          <ac:chgData name="Marq Gonzales" userId="8a8aa5cc-da4d-4428-991f-d72f7edc4e69" providerId="ADAL" clId="{7E2E03EA-53D8-4529-BA71-E8B3B6257776}" dt="2024-10-01T00:17:27.336" v="284" actId="14100"/>
-          <ac:spMkLst>
-            <pc:docMk/>
-            <pc:sldMk cId="2223823784" sldId="257"/>
-            <ac:spMk id="4" creationId="{74A71E4B-C895-4A2D-8385-64C3E70D94FC}"/>
-          </ac:spMkLst>
-        </pc:spChg>
-        <pc:spChg chg="mod">
-          <ac:chgData name="Marq Gonzales" userId="8a8aa5cc-da4d-4428-991f-d72f7edc4e69" providerId="ADAL" clId="{7E2E03EA-53D8-4529-BA71-E8B3B6257776}" dt="2024-10-01T00:04:40.316" v="111" actId="20577"/>
-          <ac:spMkLst>
-            <pc:docMk/>
-            <pc:sldMk cId="2223823784" sldId="257"/>
-            <ac:spMk id="13" creationId="{AE8629C4-27FC-4CC3-B7E7-311C4747FFE5}"/>
-          </ac:spMkLst>
-        </pc:spChg>
-        <pc:spChg chg="mod">
-          <ac:chgData name="Marq Gonzales" userId="8a8aa5cc-da4d-4428-991f-d72f7edc4e69" providerId="ADAL" clId="{7E2E03EA-53D8-4529-BA71-E8B3B6257776}" dt="2024-10-01T00:04:44.909" v="123" actId="1038"/>
-          <ac:spMkLst>
-            <pc:docMk/>
-            <pc:sldMk cId="2223823784" sldId="257"/>
-            <ac:spMk id="15" creationId="{78DEFCFE-CB20-4CAA-9F4E-3C0B73B44785}"/>
-          </ac:spMkLst>
-        </pc:spChg>
-        <pc:spChg chg="mod">
-          <ac:chgData name="Marq Gonzales" userId="8a8aa5cc-da4d-4428-991f-d72f7edc4e69" providerId="ADAL" clId="{7E2E03EA-53D8-4529-BA71-E8B3B6257776}" dt="2024-10-01T00:16:52.497" v="274" actId="14100"/>
-          <ac:spMkLst>
-            <pc:docMk/>
-            <pc:sldMk cId="2223823784" sldId="257"/>
-            <ac:spMk id="19" creationId="{54AAB3AB-A446-488B-B1ED-07C11E7A0DC4}"/>
-          </ac:spMkLst>
-        </pc:spChg>
-        <pc:spChg chg="mod">
-          <ac:chgData name="Marq Gonzales" userId="8a8aa5cc-da4d-4428-991f-d72f7edc4e69" providerId="ADAL" clId="{7E2E03EA-53D8-4529-BA71-E8B3B6257776}" dt="2024-10-01T00:03:07.169" v="98" actId="1036"/>
-          <ac:spMkLst>
-            <pc:docMk/>
-            <pc:sldMk cId="2223823784" sldId="257"/>
-            <ac:spMk id="25" creationId="{4223E682-0182-4E01-A16E-316FC615F5BB}"/>
-          </ac:spMkLst>
-        </pc:spChg>
-        <pc:spChg chg="mod">
-          <ac:chgData name="Marq Gonzales" userId="8a8aa5cc-da4d-4428-991f-d72f7edc4e69" providerId="ADAL" clId="{7E2E03EA-53D8-4529-BA71-E8B3B6257776}" dt="2024-10-01T00:03:07.169" v="98" actId="1036"/>
-          <ac:spMkLst>
-            <pc:docMk/>
-            <pc:sldMk cId="2223823784" sldId="257"/>
-            <ac:spMk id="26" creationId="{F4535406-3C5E-43E4-B079-1519A85F5A0F}"/>
-          </ac:spMkLst>
-        </pc:spChg>
-        <pc:spChg chg="mod">
-          <ac:chgData name="Marq Gonzales" userId="8a8aa5cc-da4d-4428-991f-d72f7edc4e69" providerId="ADAL" clId="{7E2E03EA-53D8-4529-BA71-E8B3B6257776}" dt="2024-10-01T00:03:07.169" v="98" actId="1036"/>
-          <ac:spMkLst>
-            <pc:docMk/>
-            <pc:sldMk cId="2223823784" sldId="257"/>
-            <ac:spMk id="27" creationId="{2F48B041-03E4-45C5-A429-CC2B9A502467}"/>
-          </ac:spMkLst>
-        </pc:spChg>
-        <pc:spChg chg="mod">
-          <ac:chgData name="Marq Gonzales" userId="8a8aa5cc-da4d-4428-991f-d72f7edc4e69" providerId="ADAL" clId="{7E2E03EA-53D8-4529-BA71-E8B3B6257776}" dt="2024-10-01T00:03:09.397" v="99" actId="1036"/>
-          <ac:spMkLst>
-            <pc:docMk/>
-            <pc:sldMk cId="2223823784" sldId="257"/>
-            <ac:spMk id="29" creationId="{9DC78CB5-2CC4-4AE5-92C6-EDC6879BA1B2}"/>
-          </ac:spMkLst>
-        </pc:spChg>
-        <pc:spChg chg="mod">
-          <ac:chgData name="Marq Gonzales" userId="8a8aa5cc-da4d-4428-991f-d72f7edc4e69" providerId="ADAL" clId="{7E2E03EA-53D8-4529-BA71-E8B3B6257776}" dt="2024-10-01T00:03:09.397" v="99" actId="1036"/>
-          <ac:spMkLst>
-            <pc:docMk/>
-            <pc:sldMk cId="2223823784" sldId="257"/>
-            <ac:spMk id="30" creationId="{46457596-43AC-487C-9930-20211D647E90}"/>
-          </ac:spMkLst>
-        </pc:spChg>
-        <pc:spChg chg="mod">
-          <ac:chgData name="Marq Gonzales" userId="8a8aa5cc-da4d-4428-991f-d72f7edc4e69" providerId="ADAL" clId="{7E2E03EA-53D8-4529-BA71-E8B3B6257776}" dt="2024-10-01T00:03:09.397" v="99" actId="1036"/>
-          <ac:spMkLst>
-            <pc:docMk/>
-            <pc:sldMk cId="2223823784" sldId="257"/>
-            <ac:spMk id="31" creationId="{921377E4-D502-4E23-8383-C2E78426AEF9}"/>
-          </ac:spMkLst>
-        </pc:spChg>
-        <pc:spChg chg="mod">
-          <ac:chgData name="Marq Gonzales" userId="8a8aa5cc-da4d-4428-991f-d72f7edc4e69" providerId="ADAL" clId="{7E2E03EA-53D8-4529-BA71-E8B3B6257776}" dt="2024-10-01T00:03:12.218" v="100" actId="1036"/>
-          <ac:spMkLst>
-            <pc:docMk/>
-            <pc:sldMk cId="2223823784" sldId="257"/>
-            <ac:spMk id="33" creationId="{D434FF03-35FB-4DA1-907A-6F2556D6E0ED}"/>
-          </ac:spMkLst>
-        </pc:spChg>
-        <pc:spChg chg="mod">
-          <ac:chgData name="Marq Gonzales" userId="8a8aa5cc-da4d-4428-991f-d72f7edc4e69" providerId="ADAL" clId="{7E2E03EA-53D8-4529-BA71-E8B3B6257776}" dt="2024-10-01T00:03:12.218" v="100" actId="1036"/>
-          <ac:spMkLst>
-            <pc:docMk/>
-            <pc:sldMk cId="2223823784" sldId="257"/>
-            <ac:spMk id="34" creationId="{CDEC40D1-B4E0-4F04-BE07-EF9641127EC9}"/>
-          </ac:spMkLst>
-        </pc:spChg>
-        <pc:spChg chg="mod">
-          <ac:chgData name="Marq Gonzales" userId="8a8aa5cc-da4d-4428-991f-d72f7edc4e69" providerId="ADAL" clId="{7E2E03EA-53D8-4529-BA71-E8B3B6257776}" dt="2024-10-01T00:03:12.218" v="100" actId="1036"/>
-          <ac:spMkLst>
-            <pc:docMk/>
-            <pc:sldMk cId="2223823784" sldId="257"/>
-            <ac:spMk id="35" creationId="{115C2C40-D84E-40C5-80A0-E81650321E84}"/>
-          </ac:spMkLst>
-        </pc:spChg>
-        <pc:spChg chg="mod">
-          <ac:chgData name="Marq Gonzales" userId="8a8aa5cc-da4d-4428-991f-d72f7edc4e69" providerId="ADAL" clId="{7E2E03EA-53D8-4529-BA71-E8B3B6257776}" dt="2024-10-01T00:03:07.169" v="98" actId="1036"/>
-          <ac:spMkLst>
-            <pc:docMk/>
-            <pc:sldMk cId="2223823784" sldId="257"/>
-            <ac:spMk id="38" creationId="{A284F295-22E1-4BED-863F-9B04B2282289}"/>
-          </ac:spMkLst>
-        </pc:spChg>
-        <pc:spChg chg="mod">
-          <ac:chgData name="Marq Gonzales" userId="8a8aa5cc-da4d-4428-991f-d72f7edc4e69" providerId="ADAL" clId="{7E2E03EA-53D8-4529-BA71-E8B3B6257776}" dt="2024-10-01T00:03:09.397" v="99" actId="1036"/>
-          <ac:spMkLst>
-            <pc:docMk/>
-            <pc:sldMk cId="2223823784" sldId="257"/>
-            <ac:spMk id="39" creationId="{C9920877-CC18-4B7B-8347-EED95C153148}"/>
-          </ac:spMkLst>
-        </pc:spChg>
-        <pc:spChg chg="mod">
-          <ac:chgData name="Marq Gonzales" userId="8a8aa5cc-da4d-4428-991f-d72f7edc4e69" providerId="ADAL" clId="{7E2E03EA-53D8-4529-BA71-E8B3B6257776}" dt="2024-10-01T00:03:12.218" v="100" actId="1036"/>
-          <ac:spMkLst>
-            <pc:docMk/>
-            <pc:sldMk cId="2223823784" sldId="257"/>
-            <ac:spMk id="40" creationId="{99554871-0EA3-4337-9878-9C822E31ACD1}"/>
-          </ac:spMkLst>
-        </pc:spChg>
-        <pc:spChg chg="add mod">
-          <ac:chgData name="Marq Gonzales" userId="8a8aa5cc-da4d-4428-991f-d72f7edc4e69" providerId="ADAL" clId="{7E2E03EA-53D8-4529-BA71-E8B3B6257776}" dt="2024-09-30T23:57:06.079" v="59" actId="14100"/>
-          <ac:spMkLst>
-            <pc:docMk/>
-            <pc:sldMk cId="2223823784" sldId="257"/>
-            <ac:spMk id="51" creationId="{2D69533F-6F70-42B8-96BC-A3F298ED2169}"/>
-          </ac:spMkLst>
-        </pc:spChg>
-        <pc:spChg chg="mod">
-          <ac:chgData name="Marq Gonzales" userId="8a8aa5cc-da4d-4428-991f-d72f7edc4e69" providerId="ADAL" clId="{7E2E03EA-53D8-4529-BA71-E8B3B6257776}" dt="2024-10-01T00:14:33.528" v="243" actId="1037"/>
-          <ac:spMkLst>
-            <pc:docMk/>
-            <pc:sldMk cId="2223823784" sldId="257"/>
-            <ac:spMk id="54" creationId="{4CFC2E23-079B-4AEF-9C7C-7E557CB5B4F8}"/>
-          </ac:spMkLst>
-        </pc:spChg>
-        <pc:spChg chg="mod">
-          <ac:chgData name="Marq Gonzales" userId="8a8aa5cc-da4d-4428-991f-d72f7edc4e69" providerId="ADAL" clId="{7E2E03EA-53D8-4529-BA71-E8B3B6257776}" dt="2024-09-30T23:56:44.994" v="47" actId="14100"/>
-          <ac:spMkLst>
-            <pc:docMk/>
-            <pc:sldMk cId="2223823784" sldId="257"/>
-            <ac:spMk id="55" creationId="{9FCF40C6-3D8B-45D4-9A80-AF64B41E2FF5}"/>
-          </ac:spMkLst>
-        </pc:spChg>
-        <pc:spChg chg="add mod">
-          <ac:chgData name="Marq Gonzales" userId="8a8aa5cc-da4d-4428-991f-d72f7edc4e69" providerId="ADAL" clId="{7E2E03EA-53D8-4529-BA71-E8B3B6257776}" dt="2024-09-30T23:58:01.695" v="65" actId="1076"/>
-          <ac:spMkLst>
-            <pc:docMk/>
-            <pc:sldMk cId="2223823784" sldId="257"/>
-            <ac:spMk id="56" creationId="{1B3817B4-0BCC-4CBE-9628-DC6BF6757BF2}"/>
-          </ac:spMkLst>
-        </pc:spChg>
-        <pc:spChg chg="add mod ord">
-          <ac:chgData name="Marq Gonzales" userId="8a8aa5cc-da4d-4428-991f-d72f7edc4e69" providerId="ADAL" clId="{7E2E03EA-53D8-4529-BA71-E8B3B6257776}" dt="2024-10-01T00:13:24.146" v="195" actId="1076"/>
-          <ac:spMkLst>
-            <pc:docMk/>
-            <pc:sldMk cId="2223823784" sldId="257"/>
-            <ac:spMk id="61" creationId="{9FB60E3F-47B9-4076-B9B1-9130C6CA51B4}"/>
-          </ac:spMkLst>
-        </pc:spChg>
-        <pc:spChg chg="mod">
-          <ac:chgData name="Marq Gonzales" userId="8a8aa5cc-da4d-4428-991f-d72f7edc4e69" providerId="ADAL" clId="{7E2E03EA-53D8-4529-BA71-E8B3B6257776}" dt="2024-09-30T23:57:55.753" v="63" actId="14100"/>
-          <ac:spMkLst>
-            <pc:docMk/>
-            <pc:sldMk cId="2223823784" sldId="257"/>
-            <ac:spMk id="63" creationId="{80A7D17C-F4D3-41EC-9225-F71977685B85}"/>
-          </ac:spMkLst>
-        </pc:spChg>
-        <pc:grpChg chg="add del mod">
-          <ac:chgData name="Marq Gonzales" userId="8a8aa5cc-da4d-4428-991f-d72f7edc4e69" providerId="ADAL" clId="{7E2E03EA-53D8-4529-BA71-E8B3B6257776}" dt="2024-10-01T00:16:29.125" v="270" actId="478"/>
-          <ac:grpSpMkLst>
-            <pc:docMk/>
-            <pc:sldMk cId="2223823784" sldId="257"/>
-            <ac:grpSpMk id="65" creationId="{95B97F88-7619-44EF-9F29-8CD437E99B35}"/>
-          </ac:grpSpMkLst>
-        </pc:grpChg>
-        <pc:grpChg chg="add del mod">
-          <ac:chgData name="Marq Gonzales" userId="8a8aa5cc-da4d-4428-991f-d72f7edc4e69" providerId="ADAL" clId="{7E2E03EA-53D8-4529-BA71-E8B3B6257776}" dt="2024-10-01T00:16:27.537" v="268"/>
-          <ac:grpSpMkLst>
-            <pc:docMk/>
-            <pc:sldMk cId="2223823784" sldId="257"/>
-            <ac:grpSpMk id="66" creationId="{837464B3-B71E-44B2-9972-BABF01C7D164}"/>
-          </ac:grpSpMkLst>
-        </pc:grpChg>
-        <pc:picChg chg="add del mod">
-          <ac:chgData name="Marq Gonzales" userId="8a8aa5cc-da4d-4428-991f-d72f7edc4e69" providerId="ADAL" clId="{7E2E03EA-53D8-4529-BA71-E8B3B6257776}" dt="2024-09-30T23:50:13.424" v="2" actId="478"/>
-          <ac:picMkLst>
-            <pc:docMk/>
-            <pc:sldMk cId="2223823784" sldId="257"/>
-            <ac:picMk id="3" creationId="{BEDE2263-65AC-4302-9ED1-77056ED5A481}"/>
-          </ac:picMkLst>
-        </pc:picChg>
-        <pc:picChg chg="add del mod">
-          <ac:chgData name="Marq Gonzales" userId="8a8aa5cc-da4d-4428-991f-d72f7edc4e69" providerId="ADAL" clId="{7E2E03EA-53D8-4529-BA71-E8B3B6257776}" dt="2024-09-30T23:50:26.558" v="5" actId="478"/>
-          <ac:picMkLst>
-            <pc:docMk/>
-            <pc:sldMk cId="2223823784" sldId="257"/>
-            <ac:picMk id="12" creationId="{0D723190-4189-46E9-8ABC-BA247B5B3621}"/>
-          </ac:picMkLst>
-        </pc:picChg>
-        <pc:picChg chg="add del mod">
-          <ac:chgData name="Marq Gonzales" userId="8a8aa5cc-da4d-4428-991f-d72f7edc4e69" providerId="ADAL" clId="{7E2E03EA-53D8-4529-BA71-E8B3B6257776}" dt="2024-09-30T23:50:44.127" v="8" actId="478"/>
-          <ac:picMkLst>
-            <pc:docMk/>
-            <pc:sldMk cId="2223823784" sldId="257"/>
-            <ac:picMk id="17" creationId="{A2623E10-DFFD-4B37-8CC4-510BB836B1A2}"/>
-          </ac:picMkLst>
-        </pc:picChg>
-        <pc:picChg chg="mod">
-          <ac:chgData name="Marq Gonzales" userId="8a8aa5cc-da4d-4428-991f-d72f7edc4e69" providerId="ADAL" clId="{7E2E03EA-53D8-4529-BA71-E8B3B6257776}" dt="2024-10-01T00:04:44.909" v="123" actId="1038"/>
-          <ac:picMkLst>
-            <pc:docMk/>
-            <pc:sldMk cId="2223823784" sldId="257"/>
-            <ac:picMk id="18" creationId="{7A8BDECC-EBD8-4415-8E13-6191D63382A9}"/>
-          </ac:picMkLst>
-        </pc:picChg>
-        <pc:picChg chg="mod">
-          <ac:chgData name="Marq Gonzales" userId="8a8aa5cc-da4d-4428-991f-d72f7edc4e69" providerId="ADAL" clId="{7E2E03EA-53D8-4529-BA71-E8B3B6257776}" dt="2024-10-01T00:03:07.169" v="98" actId="1036"/>
-          <ac:picMkLst>
-            <pc:docMk/>
-            <pc:sldMk cId="2223823784" sldId="257"/>
-            <ac:picMk id="28" creationId="{92AE064B-5C7F-4BE6-A039-259199C8DB04}"/>
-          </ac:picMkLst>
-        </pc:picChg>
-        <pc:picChg chg="mod">
-          <ac:chgData name="Marq Gonzales" userId="8a8aa5cc-da4d-4428-991f-d72f7edc4e69" providerId="ADAL" clId="{7E2E03EA-53D8-4529-BA71-E8B3B6257776}" dt="2024-10-01T00:03:09.397" v="99" actId="1036"/>
-          <ac:picMkLst>
-            <pc:docMk/>
-            <pc:sldMk cId="2223823784" sldId="257"/>
-            <ac:picMk id="32" creationId="{E37D0BBC-F858-4F59-A730-914C52651A90}"/>
-          </ac:picMkLst>
-        </pc:picChg>
-        <pc:picChg chg="mod">
-          <ac:chgData name="Marq Gonzales" userId="8a8aa5cc-da4d-4428-991f-d72f7edc4e69" providerId="ADAL" clId="{7E2E03EA-53D8-4529-BA71-E8B3B6257776}" dt="2024-10-01T00:03:12.218" v="100" actId="1036"/>
-          <ac:picMkLst>
-            <pc:docMk/>
-            <pc:sldMk cId="2223823784" sldId="257"/>
-            <ac:picMk id="36" creationId="{677FC680-069A-4764-9915-2174689A499C}"/>
-          </ac:picMkLst>
-        </pc:picChg>
-        <pc:picChg chg="add mod">
-          <ac:chgData name="Marq Gonzales" userId="8a8aa5cc-da4d-4428-991f-d72f7edc4e69" providerId="ADAL" clId="{7E2E03EA-53D8-4529-BA71-E8B3B6257776}" dt="2024-10-01T00:42:02.193" v="604" actId="1036"/>
-          <ac:picMkLst>
-            <pc:docMk/>
-            <pc:sldMk cId="2223823784" sldId="257"/>
-            <ac:picMk id="46" creationId="{45CA6757-E1AB-4900-AC82-B8C75902D71C}"/>
-          </ac:picMkLst>
-        </pc:picChg>
-        <pc:picChg chg="add mod">
-          <ac:chgData name="Marq Gonzales" userId="8a8aa5cc-da4d-4428-991f-d72f7edc4e69" providerId="ADAL" clId="{7E2E03EA-53D8-4529-BA71-E8B3B6257776}" dt="2024-10-01T00:00:19.632" v="75" actId="12789"/>
-          <ac:picMkLst>
-            <pc:docMk/>
-            <pc:sldMk cId="2223823784" sldId="257"/>
-            <ac:picMk id="48" creationId="{30700B58-01CB-4443-9081-B811637CB4F7}"/>
-          </ac:picMkLst>
-        </pc:picChg>
-        <pc:picChg chg="add mod">
-          <ac:chgData name="Marq Gonzales" userId="8a8aa5cc-da4d-4428-991f-d72f7edc4e69" providerId="ADAL" clId="{7E2E03EA-53D8-4529-BA71-E8B3B6257776}" dt="2024-10-01T00:00:19.632" v="75" actId="12789"/>
-          <ac:picMkLst>
-            <pc:docMk/>
-            <pc:sldMk cId="2223823784" sldId="257"/>
-            <ac:picMk id="50" creationId="{28105EEA-6A97-4D57-A15A-DF551CBF33CA}"/>
-          </ac:picMkLst>
-        </pc:picChg>
-        <pc:picChg chg="add del mod">
-          <ac:chgData name="Marq Gonzales" userId="8a8aa5cc-da4d-4428-991f-d72f7edc4e69" providerId="ADAL" clId="{7E2E03EA-53D8-4529-BA71-E8B3B6257776}" dt="2024-09-30T23:56:21.814" v="35" actId="478"/>
-          <ac:picMkLst>
-            <pc:docMk/>
-            <pc:sldMk cId="2223823784" sldId="257"/>
-            <ac:picMk id="52" creationId="{0A312C55-8659-4F6B-AA65-85F544B1BE3A}"/>
-          </ac:picMkLst>
-        </pc:picChg>
-        <pc:picChg chg="add del mod">
-          <ac:chgData name="Marq Gonzales" userId="8a8aa5cc-da4d-4428-991f-d72f7edc4e69" providerId="ADAL" clId="{7E2E03EA-53D8-4529-BA71-E8B3B6257776}" dt="2024-09-30T23:58:19.955" v="66" actId="478"/>
-          <ac:picMkLst>
-            <pc:docMk/>
-            <pc:sldMk cId="2223823784" sldId="257"/>
-            <ac:picMk id="57" creationId="{DC62CA94-522E-4943-9E7B-AC29086D1669}"/>
-          </ac:picMkLst>
-        </pc:picChg>
-        <pc:picChg chg="add mod">
-          <ac:chgData name="Marq Gonzales" userId="8a8aa5cc-da4d-4428-991f-d72f7edc4e69" providerId="ADAL" clId="{7E2E03EA-53D8-4529-BA71-E8B3B6257776}" dt="2024-10-01T00:07:08.384" v="147" actId="1036"/>
-          <ac:picMkLst>
-            <pc:docMk/>
-            <pc:sldMk cId="2223823784" sldId="257"/>
-            <ac:picMk id="58" creationId="{21584744-06F1-4FFA-AA48-B010AE81C2AC}"/>
-          </ac:picMkLst>
-        </pc:picChg>
-        <pc:picChg chg="add mod ord modCrop">
-          <ac:chgData name="Marq Gonzales" userId="8a8aa5cc-da4d-4428-991f-d72f7edc4e69" providerId="ADAL" clId="{7E2E03EA-53D8-4529-BA71-E8B3B6257776}" dt="2024-10-01T00:16:02.513" v="257" actId="164"/>
-          <ac:picMkLst>
-            <pc:docMk/>
-            <pc:sldMk cId="2223823784" sldId="257"/>
-            <ac:picMk id="60" creationId="{32F46247-B9A1-42DC-BB3E-F62E409DF537}"/>
-          </ac:picMkLst>
-        </pc:picChg>
-        <pc:picChg chg="mod">
-          <ac:chgData name="Marq Gonzales" userId="8a8aa5cc-da4d-4428-991f-d72f7edc4e69" providerId="ADAL" clId="{7E2E03EA-53D8-4529-BA71-E8B3B6257776}" dt="2024-09-30T23:56:52.379" v="56" actId="1038"/>
-          <ac:picMkLst>
-            <pc:docMk/>
-            <pc:sldMk cId="2223823784" sldId="257"/>
-            <ac:picMk id="62" creationId="{5046ADDA-0073-4642-B657-0FBC7CC2F769}"/>
-          </ac:picMkLst>
-        </pc:picChg>
-        <pc:picChg chg="add mod modCrop">
-          <ac:chgData name="Marq Gonzales" userId="8a8aa5cc-da4d-4428-991f-d72f7edc4e69" providerId="ADAL" clId="{7E2E03EA-53D8-4529-BA71-E8B3B6257776}" dt="2024-10-01T00:16:02.513" v="257" actId="164"/>
-          <ac:picMkLst>
-            <pc:docMk/>
-            <pc:sldMk cId="2223823784" sldId="257"/>
-            <ac:picMk id="64" creationId="{0EC0F2C0-CF0E-427D-AD68-1D9414D51AF5}"/>
-          </ac:picMkLst>
-        </pc:picChg>
-        <pc:picChg chg="mod">
-          <ac:chgData name="Marq Gonzales" userId="8a8aa5cc-da4d-4428-991f-d72f7edc4e69" providerId="ADAL" clId="{7E2E03EA-53D8-4529-BA71-E8B3B6257776}" dt="2024-10-01T00:16:25.884" v="267"/>
-          <ac:picMkLst>
-            <pc:docMk/>
-            <pc:sldMk cId="2223823784" sldId="257"/>
-            <ac:picMk id="67" creationId="{E58AC600-8A6D-44AF-832B-29647C6CBC43}"/>
-          </ac:picMkLst>
-        </pc:picChg>
-        <pc:picChg chg="mod">
-          <ac:chgData name="Marq Gonzales" userId="8a8aa5cc-da4d-4428-991f-d72f7edc4e69" providerId="ADAL" clId="{7E2E03EA-53D8-4529-BA71-E8B3B6257776}" dt="2024-10-01T00:16:25.884" v="267"/>
-          <ac:picMkLst>
-            <pc:docMk/>
-            <pc:sldMk cId="2223823784" sldId="257"/>
-            <ac:picMk id="68" creationId="{811F9440-596C-4763-B2DA-D94FCFC3BBF8}"/>
-          </ac:picMkLst>
-        </pc:picChg>
-        <pc:picChg chg="add mod modCrop">
-          <ac:chgData name="Marq Gonzales" userId="8a8aa5cc-da4d-4428-991f-d72f7edc4e69" providerId="ADAL" clId="{7E2E03EA-53D8-4529-BA71-E8B3B6257776}" dt="2024-10-01T00:42:09.787" v="606" actId="732"/>
-          <ac:picMkLst>
-            <pc:docMk/>
-            <pc:sldMk cId="2223823784" sldId="257"/>
-            <ac:picMk id="69" creationId="{14A1BC1D-1D82-4E13-B1CF-BAFFAEAC16BA}"/>
-          </ac:picMkLst>
-        </pc:picChg>
-      </pc:sldChg>
-      <pc:sldChg chg="add del">
-        <pc:chgData name="Marq Gonzales" userId="8a8aa5cc-da4d-4428-991f-d72f7edc4e69" providerId="ADAL" clId="{7E2E03EA-53D8-4529-BA71-E8B3B6257776}" dt="2024-10-01T00:18:21.427" v="296" actId="47"/>
-        <pc:sldMkLst>
-          <pc:docMk/>
-          <pc:sldMk cId="326186996" sldId="258"/>
-        </pc:sldMkLst>
-      </pc:sldChg>
-      <pc:sldChg chg="new del">
-        <pc:chgData name="Marq Gonzales" userId="8a8aa5cc-da4d-4428-991f-d72f7edc4e69" providerId="ADAL" clId="{7E2E03EA-53D8-4529-BA71-E8B3B6257776}" dt="2024-10-01T00:05:42.978" v="125" actId="47"/>
-        <pc:sldMkLst>
-          <pc:docMk/>
-          <pc:sldMk cId="1336153665" sldId="258"/>
-        </pc:sldMkLst>
-      </pc:sldChg>
-      <pc:sldChg chg="addSp delSp modSp add mod">
-        <pc:chgData name="Marq Gonzales" userId="8a8aa5cc-da4d-4428-991f-d72f7edc4e69" providerId="ADAL" clId="{7E2E03EA-53D8-4529-BA71-E8B3B6257776}" dt="2024-10-01T00:36:34.743" v="505"/>
-        <pc:sldMkLst>
-          <pc:docMk/>
-          <pc:sldMk cId="775357094" sldId="259"/>
-        </pc:sldMkLst>
-        <pc:spChg chg="add mod">
-          <ac:chgData name="Marq Gonzales" userId="8a8aa5cc-da4d-4428-991f-d72f7edc4e69" providerId="ADAL" clId="{7E2E03EA-53D8-4529-BA71-E8B3B6257776}" dt="2024-10-01T00:19:33.531" v="354" actId="207"/>
-          <ac:spMkLst>
-            <pc:docMk/>
-            <pc:sldMk cId="775357094" sldId="259"/>
-            <ac:spMk id="3" creationId="{2DBCBBCB-9EA7-48CC-BE6C-1E0CD864A96E}"/>
-          </ac:spMkLst>
-        </pc:spChg>
-        <pc:spChg chg="del">
-          <ac:chgData name="Marq Gonzales" userId="8a8aa5cc-da4d-4428-991f-d72f7edc4e69" providerId="ADAL" clId="{7E2E03EA-53D8-4529-BA71-E8B3B6257776}" dt="2024-10-01T00:18:46.408" v="302" actId="478"/>
-          <ac:spMkLst>
-            <pc:docMk/>
-            <pc:sldMk cId="775357094" sldId="259"/>
-            <ac:spMk id="4" creationId="{74A71E4B-C895-4A2D-8385-64C3E70D94FC}"/>
-          </ac:spMkLst>
-        </pc:spChg>
-        <pc:spChg chg="del">
-          <ac:chgData name="Marq Gonzales" userId="8a8aa5cc-da4d-4428-991f-d72f7edc4e69" providerId="ADAL" clId="{7E2E03EA-53D8-4529-BA71-E8B3B6257776}" dt="2024-10-01T00:18:46.408" v="302" actId="478"/>
-          <ac:spMkLst>
-            <pc:docMk/>
-            <pc:sldMk cId="775357094" sldId="259"/>
-            <ac:spMk id="9" creationId="{DE09D98D-11E4-458E-B95B-F6C61FC88408}"/>
-          </ac:spMkLst>
-        </pc:spChg>
-        <pc:spChg chg="del">
-          <ac:chgData name="Marq Gonzales" userId="8a8aa5cc-da4d-4428-991f-d72f7edc4e69" providerId="ADAL" clId="{7E2E03EA-53D8-4529-BA71-E8B3B6257776}" dt="2024-10-01T00:18:46.408" v="302" actId="478"/>
-          <ac:spMkLst>
-            <pc:docMk/>
-            <pc:sldMk cId="775357094" sldId="259"/>
-            <ac:spMk id="10" creationId="{2DC00DB5-0AEF-4765-9C15-33A83A0BF32B}"/>
-          </ac:spMkLst>
-        </pc:spChg>
-        <pc:spChg chg="del">
-          <ac:chgData name="Marq Gonzales" userId="8a8aa5cc-da4d-4428-991f-d72f7edc4e69" providerId="ADAL" clId="{7E2E03EA-53D8-4529-BA71-E8B3B6257776}" dt="2024-10-01T00:18:46.408" v="302" actId="478"/>
-          <ac:spMkLst>
-            <pc:docMk/>
-            <pc:sldMk cId="775357094" sldId="259"/>
-            <ac:spMk id="13" creationId="{AE8629C4-27FC-4CC3-B7E7-311C4747FFE5}"/>
-          </ac:spMkLst>
-        </pc:spChg>
-        <pc:spChg chg="del">
-          <ac:chgData name="Marq Gonzales" userId="8a8aa5cc-da4d-4428-991f-d72f7edc4e69" providerId="ADAL" clId="{7E2E03EA-53D8-4529-BA71-E8B3B6257776}" dt="2024-10-01T00:18:46.408" v="302" actId="478"/>
-          <ac:spMkLst>
-            <pc:docMk/>
-            <pc:sldMk cId="775357094" sldId="259"/>
-            <ac:spMk id="15" creationId="{78DEFCFE-CB20-4CAA-9F4E-3C0B73B44785}"/>
-          </ac:spMkLst>
-        </pc:spChg>
-        <pc:spChg chg="del">
-          <ac:chgData name="Marq Gonzales" userId="8a8aa5cc-da4d-4428-991f-d72f7edc4e69" providerId="ADAL" clId="{7E2E03EA-53D8-4529-BA71-E8B3B6257776}" dt="2024-10-01T00:18:46.408" v="302" actId="478"/>
-          <ac:spMkLst>
-            <pc:docMk/>
-            <pc:sldMk cId="775357094" sldId="259"/>
-            <ac:spMk id="19" creationId="{54AAB3AB-A446-488B-B1ED-07C11E7A0DC4}"/>
-          </ac:spMkLst>
-        </pc:spChg>
-        <pc:spChg chg="del">
-          <ac:chgData name="Marq Gonzales" userId="8a8aa5cc-da4d-4428-991f-d72f7edc4e69" providerId="ADAL" clId="{7E2E03EA-53D8-4529-BA71-E8B3B6257776}" dt="2024-10-01T00:18:46.408" v="302" actId="478"/>
-          <ac:spMkLst>
-            <pc:docMk/>
-            <pc:sldMk cId="775357094" sldId="259"/>
-            <ac:spMk id="20" creationId="{28E7AF71-8B85-42C8-8F7A-E27F02546457}"/>
-          </ac:spMkLst>
-        </pc:spChg>
-        <pc:spChg chg="del">
-          <ac:chgData name="Marq Gonzales" userId="8a8aa5cc-da4d-4428-991f-d72f7edc4e69" providerId="ADAL" clId="{7E2E03EA-53D8-4529-BA71-E8B3B6257776}" dt="2024-10-01T00:18:46.408" v="302" actId="478"/>
-          <ac:spMkLst>
-            <pc:docMk/>
-            <pc:sldMk cId="775357094" sldId="259"/>
-            <ac:spMk id="21" creationId="{BFB71818-581A-4B3F-B3E6-10D2A25AE77C}"/>
-          </ac:spMkLst>
-        </pc:spChg>
-        <pc:spChg chg="del">
-          <ac:chgData name="Marq Gonzales" userId="8a8aa5cc-da4d-4428-991f-d72f7edc4e69" providerId="ADAL" clId="{7E2E03EA-53D8-4529-BA71-E8B3B6257776}" dt="2024-10-01T00:18:46.408" v="302" actId="478"/>
-          <ac:spMkLst>
-            <pc:docMk/>
-            <pc:sldMk cId="775357094" sldId="259"/>
-            <ac:spMk id="22" creationId="{8E091E8D-F1E2-4DB6-9E96-DCE6D01E8BA1}"/>
-          </ac:spMkLst>
-        </pc:spChg>
-        <pc:spChg chg="del">
-          <ac:chgData name="Marq Gonzales" userId="8a8aa5cc-da4d-4428-991f-d72f7edc4e69" providerId="ADAL" clId="{7E2E03EA-53D8-4529-BA71-E8B3B6257776}" dt="2024-10-01T00:18:46.408" v="302" actId="478"/>
-          <ac:spMkLst>
-            <pc:docMk/>
-            <pc:sldMk cId="775357094" sldId="259"/>
-            <ac:spMk id="23" creationId="{73BF7D0D-4D2C-4F36-A0C6-8A28B18C5BA8}"/>
-          </ac:spMkLst>
-        </pc:spChg>
-        <pc:spChg chg="del">
-          <ac:chgData name="Marq Gonzales" userId="8a8aa5cc-da4d-4428-991f-d72f7edc4e69" providerId="ADAL" clId="{7E2E03EA-53D8-4529-BA71-E8B3B6257776}" dt="2024-10-01T00:18:46.408" v="302" actId="478"/>
-          <ac:spMkLst>
-            <pc:docMk/>
-            <pc:sldMk cId="775357094" sldId="259"/>
-            <ac:spMk id="25" creationId="{4223E682-0182-4E01-A16E-316FC615F5BB}"/>
-          </ac:spMkLst>
-        </pc:spChg>
-        <pc:spChg chg="del">
-          <ac:chgData name="Marq Gonzales" userId="8a8aa5cc-da4d-4428-991f-d72f7edc4e69" providerId="ADAL" clId="{7E2E03EA-53D8-4529-BA71-E8B3B6257776}" dt="2024-10-01T00:18:46.408" v="302" actId="478"/>
-          <ac:spMkLst>
-            <pc:docMk/>
-            <pc:sldMk cId="775357094" sldId="259"/>
-            <ac:spMk id="26" creationId="{F4535406-3C5E-43E4-B079-1519A85F5A0F}"/>
-          </ac:spMkLst>
-        </pc:spChg>
-        <pc:spChg chg="del">
-          <ac:chgData name="Marq Gonzales" userId="8a8aa5cc-da4d-4428-991f-d72f7edc4e69" providerId="ADAL" clId="{7E2E03EA-53D8-4529-BA71-E8B3B6257776}" dt="2024-10-01T00:18:46.408" v="302" actId="478"/>
-          <ac:spMkLst>
-            <pc:docMk/>
-            <pc:sldMk cId="775357094" sldId="259"/>
-            <ac:spMk id="27" creationId="{2F48B041-03E4-45C5-A429-CC2B9A502467}"/>
-          </ac:spMkLst>
-        </pc:spChg>
-        <pc:spChg chg="del">
-          <ac:chgData name="Marq Gonzales" userId="8a8aa5cc-da4d-4428-991f-d72f7edc4e69" providerId="ADAL" clId="{7E2E03EA-53D8-4529-BA71-E8B3B6257776}" dt="2024-10-01T00:18:46.408" v="302" actId="478"/>
-          <ac:spMkLst>
-            <pc:docMk/>
-            <pc:sldMk cId="775357094" sldId="259"/>
-            <ac:spMk id="29" creationId="{9DC78CB5-2CC4-4AE5-92C6-EDC6879BA1B2}"/>
-          </ac:spMkLst>
-        </pc:spChg>
-        <pc:spChg chg="del">
-          <ac:chgData name="Marq Gonzales" userId="8a8aa5cc-da4d-4428-991f-d72f7edc4e69" providerId="ADAL" clId="{7E2E03EA-53D8-4529-BA71-E8B3B6257776}" dt="2024-10-01T00:18:46.408" v="302" actId="478"/>
-          <ac:spMkLst>
-            <pc:docMk/>
-            <pc:sldMk cId="775357094" sldId="259"/>
-            <ac:spMk id="30" creationId="{46457596-43AC-487C-9930-20211D647E90}"/>
-          </ac:spMkLst>
-        </pc:spChg>
-        <pc:spChg chg="del">
-          <ac:chgData name="Marq Gonzales" userId="8a8aa5cc-da4d-4428-991f-d72f7edc4e69" providerId="ADAL" clId="{7E2E03EA-53D8-4529-BA71-E8B3B6257776}" dt="2024-10-01T00:18:46.408" v="302" actId="478"/>
-          <ac:spMkLst>
-            <pc:docMk/>
-            <pc:sldMk cId="775357094" sldId="259"/>
-            <ac:spMk id="31" creationId="{921377E4-D502-4E23-8383-C2E78426AEF9}"/>
-          </ac:spMkLst>
-        </pc:spChg>
-        <pc:spChg chg="del">
-          <ac:chgData name="Marq Gonzales" userId="8a8aa5cc-da4d-4428-991f-d72f7edc4e69" providerId="ADAL" clId="{7E2E03EA-53D8-4529-BA71-E8B3B6257776}" dt="2024-10-01T00:18:46.408" v="302" actId="478"/>
-          <ac:spMkLst>
-            <pc:docMk/>
-            <pc:sldMk cId="775357094" sldId="259"/>
-            <ac:spMk id="33" creationId="{D434FF03-35FB-4DA1-907A-6F2556D6E0ED}"/>
-          </ac:spMkLst>
-        </pc:spChg>
-        <pc:spChg chg="del">
-          <ac:chgData name="Marq Gonzales" userId="8a8aa5cc-da4d-4428-991f-d72f7edc4e69" providerId="ADAL" clId="{7E2E03EA-53D8-4529-BA71-E8B3B6257776}" dt="2024-10-01T00:18:46.408" v="302" actId="478"/>
-          <ac:spMkLst>
-            <pc:docMk/>
-            <pc:sldMk cId="775357094" sldId="259"/>
-            <ac:spMk id="34" creationId="{CDEC40D1-B4E0-4F04-BE07-EF9641127EC9}"/>
-          </ac:spMkLst>
-        </pc:spChg>
-        <pc:spChg chg="del">
-          <ac:chgData name="Marq Gonzales" userId="8a8aa5cc-da4d-4428-991f-d72f7edc4e69" providerId="ADAL" clId="{7E2E03EA-53D8-4529-BA71-E8B3B6257776}" dt="2024-10-01T00:18:46.408" v="302" actId="478"/>
-          <ac:spMkLst>
-            <pc:docMk/>
-            <pc:sldMk cId="775357094" sldId="259"/>
-            <ac:spMk id="35" creationId="{115C2C40-D84E-40C5-80A0-E81650321E84}"/>
-          </ac:spMkLst>
-        </pc:spChg>
-        <pc:spChg chg="del">
-          <ac:chgData name="Marq Gonzales" userId="8a8aa5cc-da4d-4428-991f-d72f7edc4e69" providerId="ADAL" clId="{7E2E03EA-53D8-4529-BA71-E8B3B6257776}" dt="2024-10-01T00:18:46.408" v="302" actId="478"/>
-          <ac:spMkLst>
-            <pc:docMk/>
-            <pc:sldMk cId="775357094" sldId="259"/>
-            <ac:spMk id="37" creationId="{195BC12B-3DCE-42AC-B84D-86DCAC6198AC}"/>
-          </ac:spMkLst>
-        </pc:spChg>
-        <pc:spChg chg="del">
-          <ac:chgData name="Marq Gonzales" userId="8a8aa5cc-da4d-4428-991f-d72f7edc4e69" providerId="ADAL" clId="{7E2E03EA-53D8-4529-BA71-E8B3B6257776}" dt="2024-10-01T00:18:46.408" v="302" actId="478"/>
-          <ac:spMkLst>
-            <pc:docMk/>
-            <pc:sldMk cId="775357094" sldId="259"/>
-            <ac:spMk id="38" creationId="{A284F295-22E1-4BED-863F-9B04B2282289}"/>
-          </ac:spMkLst>
-        </pc:spChg>
-        <pc:spChg chg="del">
-          <ac:chgData name="Marq Gonzales" userId="8a8aa5cc-da4d-4428-991f-d72f7edc4e69" providerId="ADAL" clId="{7E2E03EA-53D8-4529-BA71-E8B3B6257776}" dt="2024-10-01T00:18:46.408" v="302" actId="478"/>
-          <ac:spMkLst>
-            <pc:docMk/>
-            <pc:sldMk cId="775357094" sldId="259"/>
-            <ac:spMk id="39" creationId="{C9920877-CC18-4B7B-8347-EED95C153148}"/>
-          </ac:spMkLst>
-        </pc:spChg>
-        <pc:spChg chg="del">
-          <ac:chgData name="Marq Gonzales" userId="8a8aa5cc-da4d-4428-991f-d72f7edc4e69" providerId="ADAL" clId="{7E2E03EA-53D8-4529-BA71-E8B3B6257776}" dt="2024-10-01T00:18:46.408" v="302" actId="478"/>
-          <ac:spMkLst>
-            <pc:docMk/>
-            <pc:sldMk cId="775357094" sldId="259"/>
-            <ac:spMk id="40" creationId="{99554871-0EA3-4337-9878-9C822E31ACD1}"/>
-          </ac:spMkLst>
-        </pc:spChg>
-        <pc:spChg chg="del">
-          <ac:chgData name="Marq Gonzales" userId="8a8aa5cc-da4d-4428-991f-d72f7edc4e69" providerId="ADAL" clId="{7E2E03EA-53D8-4529-BA71-E8B3B6257776}" dt="2024-10-01T00:18:46.408" v="302" actId="478"/>
-          <ac:spMkLst>
-            <pc:docMk/>
-            <pc:sldMk cId="775357094" sldId="259"/>
-            <ac:spMk id="43" creationId="{CA909FA3-6B14-4B0C-85D2-3C7C2D54F7C0}"/>
-          </ac:spMkLst>
-        </pc:spChg>
-        <pc:spChg chg="del">
-          <ac:chgData name="Marq Gonzales" userId="8a8aa5cc-da4d-4428-991f-d72f7edc4e69" providerId="ADAL" clId="{7E2E03EA-53D8-4529-BA71-E8B3B6257776}" dt="2024-10-01T00:18:46.408" v="302" actId="478"/>
-          <ac:spMkLst>
-            <pc:docMk/>
-            <pc:sldMk cId="775357094" sldId="259"/>
-            <ac:spMk id="44" creationId="{1D72D137-6AD2-4B1C-9DA2-7B6C43F20CD4}"/>
-          </ac:spMkLst>
-        </pc:spChg>
-        <pc:spChg chg="del">
-          <ac:chgData name="Marq Gonzales" userId="8a8aa5cc-da4d-4428-991f-d72f7edc4e69" providerId="ADAL" clId="{7E2E03EA-53D8-4529-BA71-E8B3B6257776}" dt="2024-10-01T00:18:46.408" v="302" actId="478"/>
-          <ac:spMkLst>
-            <pc:docMk/>
-            <pc:sldMk cId="775357094" sldId="259"/>
-            <ac:spMk id="51" creationId="{2D69533F-6F70-42B8-96BC-A3F298ED2169}"/>
-          </ac:spMkLst>
-        </pc:spChg>
-        <pc:spChg chg="add del mod">
-          <ac:chgData name="Marq Gonzales" userId="8a8aa5cc-da4d-4428-991f-d72f7edc4e69" providerId="ADAL" clId="{7E2E03EA-53D8-4529-BA71-E8B3B6257776}" dt="2024-10-01T00:18:46.408" v="302" actId="478"/>
-          <ac:spMkLst>
-            <pc:docMk/>
-            <pc:sldMk cId="775357094" sldId="259"/>
-            <ac:spMk id="52" creationId="{73F9B365-111A-4136-BA39-E7E0357783AC}"/>
-          </ac:spMkLst>
-        </pc:spChg>
-        <pc:spChg chg="add del mod">
-          <ac:chgData name="Marq Gonzales" userId="8a8aa5cc-da4d-4428-991f-d72f7edc4e69" providerId="ADAL" clId="{7E2E03EA-53D8-4529-BA71-E8B3B6257776}" dt="2024-10-01T00:18:49.983" v="304"/>
-          <ac:spMkLst>
-            <pc:docMk/>
-            <pc:sldMk cId="775357094" sldId="259"/>
-            <ac:spMk id="53" creationId="{1E0CC0BF-A724-4040-BFE8-E47162FBEE86}"/>
-          </ac:spMkLst>
-        </pc:spChg>
-        <pc:spChg chg="del">
-          <ac:chgData name="Marq Gonzales" userId="8a8aa5cc-da4d-4428-991f-d72f7edc4e69" providerId="ADAL" clId="{7E2E03EA-53D8-4529-BA71-E8B3B6257776}" dt="2024-10-01T00:18:46.408" v="302" actId="478"/>
-          <ac:spMkLst>
-            <pc:docMk/>
-            <pc:sldMk cId="775357094" sldId="259"/>
-            <ac:spMk id="54" creationId="{4CFC2E23-079B-4AEF-9C7C-7E557CB5B4F8}"/>
-          </ac:spMkLst>
-        </pc:spChg>
-        <pc:spChg chg="del">
-          <ac:chgData name="Marq Gonzales" userId="8a8aa5cc-da4d-4428-991f-d72f7edc4e69" providerId="ADAL" clId="{7E2E03EA-53D8-4529-BA71-E8B3B6257776}" dt="2024-10-01T00:18:46.408" v="302" actId="478"/>
-          <ac:spMkLst>
-            <pc:docMk/>
-            <pc:sldMk cId="775357094" sldId="259"/>
-            <ac:spMk id="55" creationId="{9FCF40C6-3D8B-45D4-9A80-AF64B41E2FF5}"/>
-          </ac:spMkLst>
-        </pc:spChg>
-        <pc:spChg chg="del">
-          <ac:chgData name="Marq Gonzales" userId="8a8aa5cc-da4d-4428-991f-d72f7edc4e69" providerId="ADAL" clId="{7E2E03EA-53D8-4529-BA71-E8B3B6257776}" dt="2024-10-01T00:18:46.408" v="302" actId="478"/>
-          <ac:spMkLst>
-            <pc:docMk/>
-            <pc:sldMk cId="775357094" sldId="259"/>
-            <ac:spMk id="56" creationId="{1B3817B4-0BCC-4CBE-9628-DC6BF6757BF2}"/>
-          </ac:spMkLst>
-        </pc:spChg>
-        <pc:spChg chg="add del mod">
-          <ac:chgData name="Marq Gonzales" userId="8a8aa5cc-da4d-4428-991f-d72f7edc4e69" providerId="ADAL" clId="{7E2E03EA-53D8-4529-BA71-E8B3B6257776}" dt="2024-10-01T00:18:49.983" v="304"/>
-          <ac:spMkLst>
-            <pc:docMk/>
-            <pc:sldMk cId="775357094" sldId="259"/>
-            <ac:spMk id="57" creationId="{C22C47E6-0CE2-4CEE-8D19-28B95F25B07E}"/>
-          </ac:spMkLst>
-        </pc:spChg>
-        <pc:spChg chg="mod">
-          <ac:chgData name="Marq Gonzales" userId="8a8aa5cc-da4d-4428-991f-d72f7edc4e69" providerId="ADAL" clId="{7E2E03EA-53D8-4529-BA71-E8B3B6257776}" dt="2024-10-01T00:18:46.661" v="303"/>
-          <ac:spMkLst>
-            <pc:docMk/>
-            <pc:sldMk cId="775357094" sldId="259"/>
-            <ac:spMk id="60" creationId="{C46B8DED-E939-4ACB-B9A8-3B1EFCDFAA82}"/>
-          </ac:spMkLst>
-        </pc:spChg>
-        <pc:spChg chg="del">
-          <ac:chgData name="Marq Gonzales" userId="8a8aa5cc-da4d-4428-991f-d72f7edc4e69" providerId="ADAL" clId="{7E2E03EA-53D8-4529-BA71-E8B3B6257776}" dt="2024-10-01T00:18:46.408" v="302" actId="478"/>
-          <ac:spMkLst>
-            <pc:docMk/>
-            <pc:sldMk cId="775357094" sldId="259"/>
-            <ac:spMk id="61" creationId="{9FB60E3F-47B9-4076-B9B1-9130C6CA51B4}"/>
-          </ac:spMkLst>
-        </pc:spChg>
-        <pc:spChg chg="del">
-          <ac:chgData name="Marq Gonzales" userId="8a8aa5cc-da4d-4428-991f-d72f7edc4e69" providerId="ADAL" clId="{7E2E03EA-53D8-4529-BA71-E8B3B6257776}" dt="2024-10-01T00:18:46.408" v="302" actId="478"/>
-          <ac:spMkLst>
-            <pc:docMk/>
-            <pc:sldMk cId="775357094" sldId="259"/>
-            <ac:spMk id="63" creationId="{80A7D17C-F4D3-41EC-9225-F71977685B85}"/>
-          </ac:spMkLst>
-        </pc:spChg>
-        <pc:spChg chg="add del mod">
-          <ac:chgData name="Marq Gonzales" userId="8a8aa5cc-da4d-4428-991f-d72f7edc4e69" providerId="ADAL" clId="{7E2E03EA-53D8-4529-BA71-E8B3B6257776}" dt="2024-10-01T00:18:49.983" v="304"/>
-          <ac:spMkLst>
-            <pc:docMk/>
-            <pc:sldMk cId="775357094" sldId="259"/>
-            <ac:spMk id="66" creationId="{6ECE4123-FF99-4349-A502-65B6B342EAA3}"/>
-          </ac:spMkLst>
-        </pc:spChg>
-        <pc:spChg chg="add del mod">
-          <ac:chgData name="Marq Gonzales" userId="8a8aa5cc-da4d-4428-991f-d72f7edc4e69" providerId="ADAL" clId="{7E2E03EA-53D8-4529-BA71-E8B3B6257776}" dt="2024-10-01T00:18:49.983" v="304"/>
-          <ac:spMkLst>
-            <pc:docMk/>
-            <pc:sldMk cId="775357094" sldId="259"/>
-            <ac:spMk id="67" creationId="{F8270BF8-9BD5-47AA-B713-9A177D1B19EC}"/>
-          </ac:spMkLst>
-        </pc:spChg>
-        <pc:spChg chg="add del mod">
-          <ac:chgData name="Marq Gonzales" userId="8a8aa5cc-da4d-4428-991f-d72f7edc4e69" providerId="ADAL" clId="{7E2E03EA-53D8-4529-BA71-E8B3B6257776}" dt="2024-10-01T00:18:49.983" v="304"/>
-          <ac:spMkLst>
-            <pc:docMk/>
-            <pc:sldMk cId="775357094" sldId="259"/>
-            <ac:spMk id="68" creationId="{184E6D02-2DE5-4833-A5D1-1324EFBD9C9B}"/>
-          </ac:spMkLst>
-        </pc:spChg>
-        <pc:spChg chg="add del mod">
-          <ac:chgData name="Marq Gonzales" userId="8a8aa5cc-da4d-4428-991f-d72f7edc4e69" providerId="ADAL" clId="{7E2E03EA-53D8-4529-BA71-E8B3B6257776}" dt="2024-10-01T00:18:49.983" v="304"/>
-          <ac:spMkLst>
-            <pc:docMk/>
-            <pc:sldMk cId="775357094" sldId="259"/>
-            <ac:spMk id="71" creationId="{40B1243E-EFCB-45CE-B751-996564CB2656}"/>
-          </ac:spMkLst>
-        </pc:spChg>
-        <pc:spChg chg="add del mod">
-          <ac:chgData name="Marq Gonzales" userId="8a8aa5cc-da4d-4428-991f-d72f7edc4e69" providerId="ADAL" clId="{7E2E03EA-53D8-4529-BA71-E8B3B6257776}" dt="2024-10-01T00:18:49.983" v="304"/>
-          <ac:spMkLst>
-            <pc:docMk/>
-            <pc:sldMk cId="775357094" sldId="259"/>
-            <ac:spMk id="73" creationId="{D21FF2E0-14D7-4AA7-BD11-77EF1F80801A}"/>
-          </ac:spMkLst>
-        </pc:spChg>
-        <pc:spChg chg="add del mod">
-          <ac:chgData name="Marq Gonzales" userId="8a8aa5cc-da4d-4428-991f-d72f7edc4e69" providerId="ADAL" clId="{7E2E03EA-53D8-4529-BA71-E8B3B6257776}" dt="2024-10-01T00:18:49.983" v="304"/>
-          <ac:spMkLst>
-            <pc:docMk/>
-            <pc:sldMk cId="775357094" sldId="259"/>
-            <ac:spMk id="74" creationId="{209FEDB2-8A72-4882-8E5D-3D61D143E183}"/>
-          </ac:spMkLst>
-        </pc:spChg>
-        <pc:spChg chg="add del mod">
-          <ac:chgData name="Marq Gonzales" userId="8a8aa5cc-da4d-4428-991f-d72f7edc4e69" providerId="ADAL" clId="{7E2E03EA-53D8-4529-BA71-E8B3B6257776}" dt="2024-10-01T00:18:49.983" v="304"/>
-          <ac:spMkLst>
-            <pc:docMk/>
-            <pc:sldMk cId="775357094" sldId="259"/>
-            <ac:spMk id="75" creationId="{2CE779BB-694F-4FC6-9C3B-D8EBB95BF3F4}"/>
-          </ac:spMkLst>
-        </pc:spChg>
-        <pc:spChg chg="add del mod">
-          <ac:chgData name="Marq Gonzales" userId="8a8aa5cc-da4d-4428-991f-d72f7edc4e69" providerId="ADAL" clId="{7E2E03EA-53D8-4529-BA71-E8B3B6257776}" dt="2024-10-01T00:18:49.983" v="304"/>
-          <ac:spMkLst>
-            <pc:docMk/>
-            <pc:sldMk cId="775357094" sldId="259"/>
-            <ac:spMk id="76" creationId="{7FDAA2A8-2A60-44E2-ACDC-F3225715F70C}"/>
-          </ac:spMkLst>
-        </pc:spChg>
-        <pc:spChg chg="add del mod">
-          <ac:chgData name="Marq Gonzales" userId="8a8aa5cc-da4d-4428-991f-d72f7edc4e69" providerId="ADAL" clId="{7E2E03EA-53D8-4529-BA71-E8B3B6257776}" dt="2024-10-01T00:18:49.983" v="304"/>
-          <ac:spMkLst>
-            <pc:docMk/>
-            <pc:sldMk cId="775357094" sldId="259"/>
-            <ac:spMk id="77" creationId="{C407C3F6-FA01-4DBA-92C7-38ACB7DEA966}"/>
-          </ac:spMkLst>
-        </pc:spChg>
-        <pc:spChg chg="add del mod">
-          <ac:chgData name="Marq Gonzales" userId="8a8aa5cc-da4d-4428-991f-d72f7edc4e69" providerId="ADAL" clId="{7E2E03EA-53D8-4529-BA71-E8B3B6257776}" dt="2024-10-01T00:18:49.983" v="304"/>
-          <ac:spMkLst>
-            <pc:docMk/>
-            <pc:sldMk cId="775357094" sldId="259"/>
-            <ac:spMk id="79" creationId="{54DEC27D-FEBE-4751-B6A5-6A76910C0C22}"/>
-          </ac:spMkLst>
-        </pc:spChg>
-        <pc:spChg chg="add del mod">
-          <ac:chgData name="Marq Gonzales" userId="8a8aa5cc-da4d-4428-991f-d72f7edc4e69" providerId="ADAL" clId="{7E2E03EA-53D8-4529-BA71-E8B3B6257776}" dt="2024-10-01T00:18:49.983" v="304"/>
-          <ac:spMkLst>
-            <pc:docMk/>
-            <pc:sldMk cId="775357094" sldId="259"/>
-            <ac:spMk id="80" creationId="{6FEDF907-8DB4-49D9-82EC-8450169F1C1E}"/>
-          </ac:spMkLst>
-        </pc:spChg>
-        <pc:spChg chg="add del mod">
-          <ac:chgData name="Marq Gonzales" userId="8a8aa5cc-da4d-4428-991f-d72f7edc4e69" providerId="ADAL" clId="{7E2E03EA-53D8-4529-BA71-E8B3B6257776}" dt="2024-10-01T00:18:49.983" v="304"/>
-          <ac:spMkLst>
-            <pc:docMk/>
-            <pc:sldMk cId="775357094" sldId="259"/>
-            <ac:spMk id="81" creationId="{F639D332-35C5-442E-A9D4-79D7C298446E}"/>
-          </ac:spMkLst>
-        </pc:spChg>
-        <pc:spChg chg="add del mod">
-          <ac:chgData name="Marq Gonzales" userId="8a8aa5cc-da4d-4428-991f-d72f7edc4e69" providerId="ADAL" clId="{7E2E03EA-53D8-4529-BA71-E8B3B6257776}" dt="2024-10-01T00:18:49.983" v="304"/>
-          <ac:spMkLst>
-            <pc:docMk/>
-            <pc:sldMk cId="775357094" sldId="259"/>
-            <ac:spMk id="83" creationId="{4E90225F-DDF9-423B-9C6C-CE80D66E48A5}"/>
-          </ac:spMkLst>
-        </pc:spChg>
-        <pc:spChg chg="add del mod">
-          <ac:chgData name="Marq Gonzales" userId="8a8aa5cc-da4d-4428-991f-d72f7edc4e69" providerId="ADAL" clId="{7E2E03EA-53D8-4529-BA71-E8B3B6257776}" dt="2024-10-01T00:18:49.983" v="304"/>
-          <ac:spMkLst>
-            <pc:docMk/>
-            <pc:sldMk cId="775357094" sldId="259"/>
-            <ac:spMk id="84" creationId="{93BB51CA-4322-4039-B990-7D86253BBBBA}"/>
-          </ac:spMkLst>
-        </pc:spChg>
-        <pc:spChg chg="add del mod">
-          <ac:chgData name="Marq Gonzales" userId="8a8aa5cc-da4d-4428-991f-d72f7edc4e69" providerId="ADAL" clId="{7E2E03EA-53D8-4529-BA71-E8B3B6257776}" dt="2024-10-01T00:18:49.983" v="304"/>
-          <ac:spMkLst>
-            <pc:docMk/>
-            <pc:sldMk cId="775357094" sldId="259"/>
-            <ac:spMk id="85" creationId="{21680ABF-C73D-4C31-99FE-03D37CC3FB90}"/>
-          </ac:spMkLst>
-        </pc:spChg>
-        <pc:spChg chg="add del mod">
-          <ac:chgData name="Marq Gonzales" userId="8a8aa5cc-da4d-4428-991f-d72f7edc4e69" providerId="ADAL" clId="{7E2E03EA-53D8-4529-BA71-E8B3B6257776}" dt="2024-10-01T00:18:49.983" v="304"/>
-          <ac:spMkLst>
-            <pc:docMk/>
-            <pc:sldMk cId="775357094" sldId="259"/>
-            <ac:spMk id="87" creationId="{CD36E6D4-4866-4C66-AA2E-F28426468264}"/>
-          </ac:spMkLst>
-        </pc:spChg>
-        <pc:spChg chg="add del mod">
-          <ac:chgData name="Marq Gonzales" userId="8a8aa5cc-da4d-4428-991f-d72f7edc4e69" providerId="ADAL" clId="{7E2E03EA-53D8-4529-BA71-E8B3B6257776}" dt="2024-10-01T00:18:49.983" v="304"/>
-          <ac:spMkLst>
-            <pc:docMk/>
-            <pc:sldMk cId="775357094" sldId="259"/>
-            <ac:spMk id="88" creationId="{88FABEDE-3CE4-4136-B067-0E2EFF9174D1}"/>
-          </ac:spMkLst>
-        </pc:spChg>
-        <pc:spChg chg="add del mod">
-          <ac:chgData name="Marq Gonzales" userId="8a8aa5cc-da4d-4428-991f-d72f7edc4e69" providerId="ADAL" clId="{7E2E03EA-53D8-4529-BA71-E8B3B6257776}" dt="2024-10-01T00:18:49.983" v="304"/>
-          <ac:spMkLst>
-            <pc:docMk/>
-            <pc:sldMk cId="775357094" sldId="259"/>
-            <ac:spMk id="89" creationId="{B6F94FD3-80BB-41B4-ACA7-9E8C1735134C}"/>
-          </ac:spMkLst>
-        </pc:spChg>
-        <pc:spChg chg="add del mod">
-          <ac:chgData name="Marq Gonzales" userId="8a8aa5cc-da4d-4428-991f-d72f7edc4e69" providerId="ADAL" clId="{7E2E03EA-53D8-4529-BA71-E8B3B6257776}" dt="2024-10-01T00:18:49.983" v="304"/>
-          <ac:spMkLst>
-            <pc:docMk/>
-            <pc:sldMk cId="775357094" sldId="259"/>
-            <ac:spMk id="91" creationId="{01B6D85E-5A74-4FB2-9CA8-4D20D2E0E4F8}"/>
-          </ac:spMkLst>
-        </pc:spChg>
-        <pc:spChg chg="add del mod">
-          <ac:chgData name="Marq Gonzales" userId="8a8aa5cc-da4d-4428-991f-d72f7edc4e69" providerId="ADAL" clId="{7E2E03EA-53D8-4529-BA71-E8B3B6257776}" dt="2024-10-01T00:18:49.983" v="304"/>
-          <ac:spMkLst>
-            <pc:docMk/>
-            <pc:sldMk cId="775357094" sldId="259"/>
-            <ac:spMk id="92" creationId="{597E4A52-A701-47AC-A216-E6ABC726A1A2}"/>
-          </ac:spMkLst>
-        </pc:spChg>
-        <pc:spChg chg="add del mod">
-          <ac:chgData name="Marq Gonzales" userId="8a8aa5cc-da4d-4428-991f-d72f7edc4e69" providerId="ADAL" clId="{7E2E03EA-53D8-4529-BA71-E8B3B6257776}" dt="2024-10-01T00:18:49.983" v="304"/>
-          <ac:spMkLst>
-            <pc:docMk/>
-            <pc:sldMk cId="775357094" sldId="259"/>
-            <ac:spMk id="93" creationId="{39371F8B-A718-4CC6-9EEC-821B3F670382}"/>
-          </ac:spMkLst>
-        </pc:spChg>
-        <pc:spChg chg="add del mod">
-          <ac:chgData name="Marq Gonzales" userId="8a8aa5cc-da4d-4428-991f-d72f7edc4e69" providerId="ADAL" clId="{7E2E03EA-53D8-4529-BA71-E8B3B6257776}" dt="2024-10-01T00:18:49.983" v="304"/>
-          <ac:spMkLst>
-            <pc:docMk/>
-            <pc:sldMk cId="775357094" sldId="259"/>
-            <ac:spMk id="94" creationId="{C8EF967E-0123-471F-8465-EC615FFDC1D7}"/>
-          </ac:spMkLst>
-        </pc:spChg>
-        <pc:spChg chg="add del mod">
-          <ac:chgData name="Marq Gonzales" userId="8a8aa5cc-da4d-4428-991f-d72f7edc4e69" providerId="ADAL" clId="{7E2E03EA-53D8-4529-BA71-E8B3B6257776}" dt="2024-10-01T00:18:49.983" v="304"/>
-          <ac:spMkLst>
-            <pc:docMk/>
-            <pc:sldMk cId="775357094" sldId="259"/>
-            <ac:spMk id="96" creationId="{B21FA9CF-7CE8-4B2A-B2A3-7064C17125AB}"/>
-          </ac:spMkLst>
-        </pc:spChg>
-        <pc:spChg chg="add del mod">
-          <ac:chgData name="Marq Gonzales" userId="8a8aa5cc-da4d-4428-991f-d72f7edc4e69" providerId="ADAL" clId="{7E2E03EA-53D8-4529-BA71-E8B3B6257776}" dt="2024-10-01T00:18:49.983" v="304"/>
-          <ac:spMkLst>
-            <pc:docMk/>
-            <pc:sldMk cId="775357094" sldId="259"/>
-            <ac:spMk id="97" creationId="{F679F991-15EE-4717-B9BA-8C39D692087E}"/>
-          </ac:spMkLst>
-        </pc:spChg>
-        <pc:spChg chg="add del mod">
-          <ac:chgData name="Marq Gonzales" userId="8a8aa5cc-da4d-4428-991f-d72f7edc4e69" providerId="ADAL" clId="{7E2E03EA-53D8-4529-BA71-E8B3B6257776}" dt="2024-10-01T00:18:49.983" v="304"/>
-          <ac:spMkLst>
-            <pc:docMk/>
-            <pc:sldMk cId="775357094" sldId="259"/>
-            <ac:spMk id="99" creationId="{60A77007-C42A-4A63-B53E-727DC773459F}"/>
-          </ac:spMkLst>
-        </pc:spChg>
-        <pc:spChg chg="add del mod">
-          <ac:chgData name="Marq Gonzales" userId="8a8aa5cc-da4d-4428-991f-d72f7edc4e69" providerId="ADAL" clId="{7E2E03EA-53D8-4529-BA71-E8B3B6257776}" dt="2024-10-01T00:18:49.983" v="304"/>
-          <ac:spMkLst>
-            <pc:docMk/>
-            <pc:sldMk cId="775357094" sldId="259"/>
-            <ac:spMk id="101" creationId="{DA0B68B6-B1E8-4630-BF66-120A4CF95656}"/>
-          </ac:spMkLst>
-        </pc:spChg>
-        <pc:spChg chg="add del mod">
-          <ac:chgData name="Marq Gonzales" userId="8a8aa5cc-da4d-4428-991f-d72f7edc4e69" providerId="ADAL" clId="{7E2E03EA-53D8-4529-BA71-E8B3B6257776}" dt="2024-10-01T00:18:49.983" v="304"/>
-          <ac:spMkLst>
-            <pc:docMk/>
-            <pc:sldMk cId="775357094" sldId="259"/>
-            <ac:spMk id="103" creationId="{9D50A9C1-3784-4503-B7F9-7D769C329F77}"/>
-          </ac:spMkLst>
-        </pc:spChg>
-        <pc:spChg chg="add del mod">
-          <ac:chgData name="Marq Gonzales" userId="8a8aa5cc-da4d-4428-991f-d72f7edc4e69" providerId="ADAL" clId="{7E2E03EA-53D8-4529-BA71-E8B3B6257776}" dt="2024-10-01T00:18:49.983" v="304"/>
-          <ac:spMkLst>
-            <pc:docMk/>
-            <pc:sldMk cId="775357094" sldId="259"/>
-            <ac:spMk id="105" creationId="{61704FD8-2CF2-4174-8CED-D6449EA51620}"/>
-          </ac:spMkLst>
-        </pc:spChg>
-        <pc:spChg chg="add del mod">
-          <ac:chgData name="Marq Gonzales" userId="8a8aa5cc-da4d-4428-991f-d72f7edc4e69" providerId="ADAL" clId="{7E2E03EA-53D8-4529-BA71-E8B3B6257776}" dt="2024-10-01T00:18:49.983" v="304"/>
-          <ac:spMkLst>
-            <pc:docMk/>
-            <pc:sldMk cId="775357094" sldId="259"/>
-            <ac:spMk id="108" creationId="{334805DB-594F-4327-A3DE-5DA94737ADD7}"/>
-          </ac:spMkLst>
-        </pc:spChg>
-        <pc:spChg chg="add mod ord">
-          <ac:chgData name="Marq Gonzales" userId="8a8aa5cc-da4d-4428-991f-d72f7edc4e69" providerId="ADAL" clId="{7E2E03EA-53D8-4529-BA71-E8B3B6257776}" dt="2024-10-01T00:33:46.838" v="481" actId="1076"/>
-          <ac:spMkLst>
-            <pc:docMk/>
-            <pc:sldMk cId="775357094" sldId="259"/>
-            <ac:spMk id="110" creationId="{3A436663-C76E-4034-923E-39185E08E0CB}"/>
-          </ac:spMkLst>
-        </pc:spChg>
-        <pc:spChg chg="add mod">
-          <ac:chgData name="Marq Gonzales" userId="8a8aa5cc-da4d-4428-991f-d72f7edc4e69" providerId="ADAL" clId="{7E2E03EA-53D8-4529-BA71-E8B3B6257776}" dt="2024-10-01T00:33:46.838" v="481" actId="1076"/>
-          <ac:spMkLst>
-            <pc:docMk/>
-            <pc:sldMk cId="775357094" sldId="259"/>
-            <ac:spMk id="111" creationId="{F376F08E-7885-4F3E-956C-763B7C3A8D64}"/>
-          </ac:spMkLst>
-        </pc:spChg>
-        <pc:grpChg chg="del">
-          <ac:chgData name="Marq Gonzales" userId="8a8aa5cc-da4d-4428-991f-d72f7edc4e69" providerId="ADAL" clId="{7E2E03EA-53D8-4529-BA71-E8B3B6257776}" dt="2024-10-01T00:18:46.408" v="302" actId="478"/>
-          <ac:grpSpMkLst>
-            <pc:docMk/>
-            <pc:sldMk cId="775357094" sldId="259"/>
-            <ac:grpSpMk id="5" creationId="{87D76D2E-2547-4303-B020-5A6CEBD88052}"/>
-          </ac:grpSpMkLst>
-        </pc:grpChg>
-        <pc:grpChg chg="add mod">
-          <ac:chgData name="Marq Gonzales" userId="8a8aa5cc-da4d-4428-991f-d72f7edc4e69" providerId="ADAL" clId="{7E2E03EA-53D8-4529-BA71-E8B3B6257776}" dt="2024-10-01T00:33:46.838" v="481" actId="1076"/>
-          <ac:grpSpMkLst>
-            <pc:docMk/>
-            <pc:sldMk cId="775357094" sldId="259"/>
-            <ac:grpSpMk id="16" creationId="{0EDB10A3-2E66-4B5D-9C83-6AFEC28122D3}"/>
-          </ac:grpSpMkLst>
-        </pc:grpChg>
-        <pc:grpChg chg="add del mod">
-          <ac:chgData name="Marq Gonzales" userId="8a8aa5cc-da4d-4428-991f-d72f7edc4e69" providerId="ADAL" clId="{7E2E03EA-53D8-4529-BA71-E8B3B6257776}" dt="2024-10-01T00:18:49.983" v="304"/>
-          <ac:grpSpMkLst>
-            <pc:docMk/>
-            <pc:sldMk cId="775357094" sldId="259"/>
-            <ac:grpSpMk id="59" creationId="{732462D7-5A8C-49FA-9F1B-39B836E22676}"/>
-          </ac:grpSpMkLst>
-        </pc:grpChg>
-        <pc:picChg chg="add">
-          <ac:chgData name="Marq Gonzales" userId="8a8aa5cc-da4d-4428-991f-d72f7edc4e69" providerId="ADAL" clId="{7E2E03EA-53D8-4529-BA71-E8B3B6257776}" dt="2024-10-01T00:18:50.091" v="305"/>
-          <ac:picMkLst>
-            <pc:docMk/>
-            <pc:sldMk cId="775357094" sldId="259"/>
-            <ac:picMk id="2" creationId="{E0A74331-5653-4320-A367-F387E8B26A3E}"/>
-          </ac:picMkLst>
-        </pc:picChg>
-        <pc:picChg chg="del">
-          <ac:chgData name="Marq Gonzales" userId="8a8aa5cc-da4d-4428-991f-d72f7edc4e69" providerId="ADAL" clId="{7E2E03EA-53D8-4529-BA71-E8B3B6257776}" dt="2024-10-01T00:18:46.408" v="302" actId="478"/>
-          <ac:picMkLst>
-            <pc:docMk/>
-            <pc:sldMk cId="775357094" sldId="259"/>
-            <ac:picMk id="8" creationId="{38C487D9-CCAC-4654-90FA-AE756ED5DC82}"/>
-          </ac:picMkLst>
-        </pc:picChg>
-        <pc:picChg chg="add mod modCrop">
-          <ac:chgData name="Marq Gonzales" userId="8a8aa5cc-da4d-4428-991f-d72f7edc4e69" providerId="ADAL" clId="{7E2E03EA-53D8-4529-BA71-E8B3B6257776}" dt="2024-10-01T00:27:45.235" v="434" actId="732"/>
-          <ac:picMkLst>
-            <pc:docMk/>
-            <pc:sldMk cId="775357094" sldId="259"/>
-            <ac:picMk id="12" creationId="{DB5AAEBC-7FE8-4F76-8948-E67206985274}"/>
-          </ac:picMkLst>
-        </pc:picChg>
-        <pc:picChg chg="del">
-          <ac:chgData name="Marq Gonzales" userId="8a8aa5cc-da4d-4428-991f-d72f7edc4e69" providerId="ADAL" clId="{7E2E03EA-53D8-4529-BA71-E8B3B6257776}" dt="2024-10-01T00:18:46.408" v="302" actId="478"/>
-          <ac:picMkLst>
-            <pc:docMk/>
-            <pc:sldMk cId="775357094" sldId="259"/>
-            <ac:picMk id="14" creationId="{26DE40FC-EAFD-414E-81BA-2C4E98C0B99B}"/>
-          </ac:picMkLst>
-        </pc:picChg>
-        <pc:picChg chg="del">
-          <ac:chgData name="Marq Gonzales" userId="8a8aa5cc-da4d-4428-991f-d72f7edc4e69" providerId="ADAL" clId="{7E2E03EA-53D8-4529-BA71-E8B3B6257776}" dt="2024-10-01T00:18:46.408" v="302" actId="478"/>
-          <ac:picMkLst>
-            <pc:docMk/>
-            <pc:sldMk cId="775357094" sldId="259"/>
-            <ac:picMk id="18" creationId="{7A8BDECC-EBD8-4415-8E13-6191D63382A9}"/>
-          </ac:picMkLst>
-        </pc:picChg>
-        <pc:picChg chg="del">
-          <ac:chgData name="Marq Gonzales" userId="8a8aa5cc-da4d-4428-991f-d72f7edc4e69" providerId="ADAL" clId="{7E2E03EA-53D8-4529-BA71-E8B3B6257776}" dt="2024-10-01T00:18:46.408" v="302" actId="478"/>
-          <ac:picMkLst>
-            <pc:docMk/>
-            <pc:sldMk cId="775357094" sldId="259"/>
-            <ac:picMk id="24" creationId="{BCD36225-30D9-4E7E-B3F0-6E8555719B0A}"/>
-          </ac:picMkLst>
-        </pc:picChg>
-        <pc:picChg chg="del">
-          <ac:chgData name="Marq Gonzales" userId="8a8aa5cc-da4d-4428-991f-d72f7edc4e69" providerId="ADAL" clId="{7E2E03EA-53D8-4529-BA71-E8B3B6257776}" dt="2024-10-01T00:18:46.408" v="302" actId="478"/>
-          <ac:picMkLst>
-            <pc:docMk/>
-            <pc:sldMk cId="775357094" sldId="259"/>
-            <ac:picMk id="28" creationId="{92AE064B-5C7F-4BE6-A039-259199C8DB04}"/>
-          </ac:picMkLst>
-        </pc:picChg>
-        <pc:picChg chg="del">
-          <ac:chgData name="Marq Gonzales" userId="8a8aa5cc-da4d-4428-991f-d72f7edc4e69" providerId="ADAL" clId="{7E2E03EA-53D8-4529-BA71-E8B3B6257776}" dt="2024-10-01T00:18:46.408" v="302" actId="478"/>
-          <ac:picMkLst>
-            <pc:docMk/>
-            <pc:sldMk cId="775357094" sldId="259"/>
-            <ac:picMk id="32" creationId="{E37D0BBC-F858-4F59-A730-914C52651A90}"/>
-          </ac:picMkLst>
-        </pc:picChg>
-        <pc:picChg chg="del">
-          <ac:chgData name="Marq Gonzales" userId="8a8aa5cc-da4d-4428-991f-d72f7edc4e69" providerId="ADAL" clId="{7E2E03EA-53D8-4529-BA71-E8B3B6257776}" dt="2024-10-01T00:18:46.408" v="302" actId="478"/>
-          <ac:picMkLst>
-            <pc:docMk/>
-            <pc:sldMk cId="775357094" sldId="259"/>
-            <ac:picMk id="36" creationId="{677FC680-069A-4764-9915-2174689A499C}"/>
-          </ac:picMkLst>
-        </pc:picChg>
-        <pc:picChg chg="add del mod">
-          <ac:chgData name="Marq Gonzales" userId="8a8aa5cc-da4d-4428-991f-d72f7edc4e69" providerId="ADAL" clId="{7E2E03EA-53D8-4529-BA71-E8B3B6257776}" dt="2024-10-01T00:30:35.427" v="452" actId="478"/>
-          <ac:picMkLst>
-            <pc:docMk/>
-            <pc:sldMk cId="775357094" sldId="259"/>
-            <ac:picMk id="41" creationId="{A493DD0A-0DF4-4F5F-891C-F9DF9C37E31C}"/>
-          </ac:picMkLst>
-        </pc:picChg>
-        <pc:picChg chg="del">
-          <ac:chgData name="Marq Gonzales" userId="8a8aa5cc-da4d-4428-991f-d72f7edc4e69" providerId="ADAL" clId="{7E2E03EA-53D8-4529-BA71-E8B3B6257776}" dt="2024-10-01T00:18:46.408" v="302" actId="478"/>
-          <ac:picMkLst>
-            <pc:docMk/>
-            <pc:sldMk cId="775357094" sldId="259"/>
-            <ac:picMk id="45" creationId="{C4BE9311-360F-45C9-A798-F91AA2A77EF0}"/>
-          </ac:picMkLst>
-        </pc:picChg>
-        <pc:picChg chg="del">
-          <ac:chgData name="Marq Gonzales" userId="8a8aa5cc-da4d-4428-991f-d72f7edc4e69" providerId="ADAL" clId="{7E2E03EA-53D8-4529-BA71-E8B3B6257776}" dt="2024-10-01T00:18:46.408" v="302" actId="478"/>
-          <ac:picMkLst>
-            <pc:docMk/>
-            <pc:sldMk cId="775357094" sldId="259"/>
-            <ac:picMk id="46" creationId="{45CA6757-E1AB-4900-AC82-B8C75902D71C}"/>
-          </ac:picMkLst>
-        </pc:picChg>
-        <pc:picChg chg="del">
-          <ac:chgData name="Marq Gonzales" userId="8a8aa5cc-da4d-4428-991f-d72f7edc4e69" providerId="ADAL" clId="{7E2E03EA-53D8-4529-BA71-E8B3B6257776}" dt="2024-10-01T00:18:46.408" v="302" actId="478"/>
-          <ac:picMkLst>
-            <pc:docMk/>
-            <pc:sldMk cId="775357094" sldId="259"/>
-            <ac:picMk id="48" creationId="{30700B58-01CB-4443-9081-B811637CB4F7}"/>
-          </ac:picMkLst>
-        </pc:picChg>
-        <pc:picChg chg="add mod">
-          <ac:chgData name="Marq Gonzales" userId="8a8aa5cc-da4d-4428-991f-d72f7edc4e69" providerId="ADAL" clId="{7E2E03EA-53D8-4529-BA71-E8B3B6257776}" dt="2024-10-01T00:33:46.838" v="481" actId="1076"/>
-          <ac:picMkLst>
-            <pc:docMk/>
-            <pc:sldMk cId="775357094" sldId="259"/>
-            <ac:picMk id="49" creationId="{3E704BB0-539D-41E0-9796-FACF025ADBAF}"/>
-          </ac:picMkLst>
-        </pc:picChg>
-        <pc:picChg chg="del">
-          <ac:chgData name="Marq Gonzales" userId="8a8aa5cc-da4d-4428-991f-d72f7edc4e69" providerId="ADAL" clId="{7E2E03EA-53D8-4529-BA71-E8B3B6257776}" dt="2024-10-01T00:18:46.408" v="302" actId="478"/>
-          <ac:picMkLst>
-            <pc:docMk/>
-            <pc:sldMk cId="775357094" sldId="259"/>
-            <ac:picMk id="50" creationId="{28105EEA-6A97-4D57-A15A-DF551CBF33CA}"/>
-          </ac:picMkLst>
-        </pc:picChg>
-        <pc:picChg chg="del">
-          <ac:chgData name="Marq Gonzales" userId="8a8aa5cc-da4d-4428-991f-d72f7edc4e69" providerId="ADAL" clId="{7E2E03EA-53D8-4529-BA71-E8B3B6257776}" dt="2024-10-01T00:18:46.408" v="302" actId="478"/>
-          <ac:picMkLst>
-            <pc:docMk/>
-            <pc:sldMk cId="775357094" sldId="259"/>
-            <ac:picMk id="58" creationId="{21584744-06F1-4FFA-AA48-B010AE81C2AC}"/>
-          </ac:picMkLst>
-        </pc:picChg>
-        <pc:picChg chg="del">
-          <ac:chgData name="Marq Gonzales" userId="8a8aa5cc-da4d-4428-991f-d72f7edc4e69" providerId="ADAL" clId="{7E2E03EA-53D8-4529-BA71-E8B3B6257776}" dt="2024-10-01T00:18:46.408" v="302" actId="478"/>
-          <ac:picMkLst>
-            <pc:docMk/>
-            <pc:sldMk cId="775357094" sldId="259"/>
-            <ac:picMk id="62" creationId="{5046ADDA-0073-4642-B657-0FBC7CC2F769}"/>
-          </ac:picMkLst>
-        </pc:picChg>
-        <pc:picChg chg="mod">
-          <ac:chgData name="Marq Gonzales" userId="8a8aa5cc-da4d-4428-991f-d72f7edc4e69" providerId="ADAL" clId="{7E2E03EA-53D8-4529-BA71-E8B3B6257776}" dt="2024-10-01T00:18:46.661" v="303"/>
-          <ac:picMkLst>
-            <pc:docMk/>
-            <pc:sldMk cId="775357094" sldId="259"/>
-            <ac:picMk id="64" creationId="{976E9E0D-2A98-47C4-AB37-42C30674F97D}"/>
-          </ac:picMkLst>
-        </pc:picChg>
-        <pc:picChg chg="add del mod">
-          <ac:chgData name="Marq Gonzales" userId="8a8aa5cc-da4d-4428-991f-d72f7edc4e69" providerId="ADAL" clId="{7E2E03EA-53D8-4529-BA71-E8B3B6257776}" dt="2024-10-01T00:18:49.983" v="304"/>
-          <ac:picMkLst>
-            <pc:docMk/>
-            <pc:sldMk cId="775357094" sldId="259"/>
-            <ac:picMk id="65" creationId="{01F7A542-63A2-4BB8-8CAB-23F881C00F64}"/>
-          </ac:picMkLst>
-        </pc:picChg>
-        <pc:picChg chg="del">
-          <ac:chgData name="Marq Gonzales" userId="8a8aa5cc-da4d-4428-991f-d72f7edc4e69" providerId="ADAL" clId="{7E2E03EA-53D8-4529-BA71-E8B3B6257776}" dt="2024-10-01T00:18:46.408" v="302" actId="478"/>
-          <ac:picMkLst>
-            <pc:docMk/>
-            <pc:sldMk cId="775357094" sldId="259"/>
-            <ac:picMk id="69" creationId="{14A1BC1D-1D82-4E13-B1CF-BAFFAEAC16BA}"/>
-          </ac:picMkLst>
-        </pc:picChg>
-        <pc:picChg chg="add del mod">
-          <ac:chgData name="Marq Gonzales" userId="8a8aa5cc-da4d-4428-991f-d72f7edc4e69" providerId="ADAL" clId="{7E2E03EA-53D8-4529-BA71-E8B3B6257776}" dt="2024-10-01T00:18:49.983" v="304"/>
-          <ac:picMkLst>
-            <pc:docMk/>
-            <pc:sldMk cId="775357094" sldId="259"/>
-            <ac:picMk id="70" creationId="{4086ABBB-E431-4B4D-91C5-D51132F57C05}"/>
-          </ac:picMkLst>
-        </pc:picChg>
-        <pc:picChg chg="add del mod">
-          <ac:chgData name="Marq Gonzales" userId="8a8aa5cc-da4d-4428-991f-d72f7edc4e69" providerId="ADAL" clId="{7E2E03EA-53D8-4529-BA71-E8B3B6257776}" dt="2024-10-01T00:18:49.983" v="304"/>
-          <ac:picMkLst>
-            <pc:docMk/>
-            <pc:sldMk cId="775357094" sldId="259"/>
-            <ac:picMk id="72" creationId="{36B7B9E1-1B69-47A8-8D0D-FCDAA72773B7}"/>
-          </ac:picMkLst>
-        </pc:picChg>
-        <pc:picChg chg="add del mod">
-          <ac:chgData name="Marq Gonzales" userId="8a8aa5cc-da4d-4428-991f-d72f7edc4e69" providerId="ADAL" clId="{7E2E03EA-53D8-4529-BA71-E8B3B6257776}" dt="2024-10-01T00:18:49.983" v="304"/>
-          <ac:picMkLst>
-            <pc:docMk/>
-            <pc:sldMk cId="775357094" sldId="259"/>
-            <ac:picMk id="78" creationId="{87303B5D-8AA9-4850-8886-DCB5A4F2E675}"/>
-          </ac:picMkLst>
-        </pc:picChg>
-        <pc:picChg chg="add del mod">
-          <ac:chgData name="Marq Gonzales" userId="8a8aa5cc-da4d-4428-991f-d72f7edc4e69" providerId="ADAL" clId="{7E2E03EA-53D8-4529-BA71-E8B3B6257776}" dt="2024-10-01T00:18:49.983" v="304"/>
-          <ac:picMkLst>
-            <pc:docMk/>
-            <pc:sldMk cId="775357094" sldId="259"/>
-            <ac:picMk id="82" creationId="{F02CF9FA-4DFF-4148-8639-8F2D770CFA88}"/>
-          </ac:picMkLst>
-        </pc:picChg>
-        <pc:picChg chg="add del mod">
-          <ac:chgData name="Marq Gonzales" userId="8a8aa5cc-da4d-4428-991f-d72f7edc4e69" providerId="ADAL" clId="{7E2E03EA-53D8-4529-BA71-E8B3B6257776}" dt="2024-10-01T00:18:49.983" v="304"/>
-          <ac:picMkLst>
-            <pc:docMk/>
-            <pc:sldMk cId="775357094" sldId="259"/>
-            <ac:picMk id="86" creationId="{20320A33-C0AC-4A8A-93B2-CC6D779AFBD5}"/>
-          </ac:picMkLst>
-        </pc:picChg>
-        <pc:picChg chg="add del mod">
-          <ac:chgData name="Marq Gonzales" userId="8a8aa5cc-da4d-4428-991f-d72f7edc4e69" providerId="ADAL" clId="{7E2E03EA-53D8-4529-BA71-E8B3B6257776}" dt="2024-10-01T00:18:49.983" v="304"/>
-          <ac:picMkLst>
-            <pc:docMk/>
-            <pc:sldMk cId="775357094" sldId="259"/>
-            <ac:picMk id="90" creationId="{E85677D4-4D0B-43F3-B1C6-3F09F1456D25}"/>
-          </ac:picMkLst>
-        </pc:picChg>
-        <pc:picChg chg="add del mod">
-          <ac:chgData name="Marq Gonzales" userId="8a8aa5cc-da4d-4428-991f-d72f7edc4e69" providerId="ADAL" clId="{7E2E03EA-53D8-4529-BA71-E8B3B6257776}" dt="2024-10-01T00:18:49.983" v="304"/>
-          <ac:picMkLst>
-            <pc:docMk/>
-            <pc:sldMk cId="775357094" sldId="259"/>
-            <ac:picMk id="98" creationId="{4D8874A0-4025-4876-B677-E54703B2C879}"/>
-          </ac:picMkLst>
-        </pc:picChg>
-        <pc:picChg chg="add del mod">
-          <ac:chgData name="Marq Gonzales" userId="8a8aa5cc-da4d-4428-991f-d72f7edc4e69" providerId="ADAL" clId="{7E2E03EA-53D8-4529-BA71-E8B3B6257776}" dt="2024-10-01T00:18:49.983" v="304"/>
-          <ac:picMkLst>
-            <pc:docMk/>
-            <pc:sldMk cId="775357094" sldId="259"/>
-            <ac:picMk id="100" creationId="{78A91AAD-8C6C-47A0-B735-D419EA316F05}"/>
-          </ac:picMkLst>
-        </pc:picChg>
-        <pc:picChg chg="add del mod">
-          <ac:chgData name="Marq Gonzales" userId="8a8aa5cc-da4d-4428-991f-d72f7edc4e69" providerId="ADAL" clId="{7E2E03EA-53D8-4529-BA71-E8B3B6257776}" dt="2024-10-01T00:18:49.983" v="304"/>
-          <ac:picMkLst>
-            <pc:docMk/>
-            <pc:sldMk cId="775357094" sldId="259"/>
-            <ac:picMk id="102" creationId="{7CDB3F1E-44D4-407B-BBE8-8E05EFA43B2A}"/>
-          </ac:picMkLst>
-        </pc:picChg>
-        <pc:picChg chg="add del mod">
-          <ac:chgData name="Marq Gonzales" userId="8a8aa5cc-da4d-4428-991f-d72f7edc4e69" providerId="ADAL" clId="{7E2E03EA-53D8-4529-BA71-E8B3B6257776}" dt="2024-10-01T00:18:49.983" v="304"/>
-          <ac:picMkLst>
-            <pc:docMk/>
-            <pc:sldMk cId="775357094" sldId="259"/>
-            <ac:picMk id="104" creationId="{D2A7C668-40D9-4BBC-AED4-CB04A97C8798}"/>
-          </ac:picMkLst>
-        </pc:picChg>
-        <pc:picChg chg="add del mod">
-          <ac:chgData name="Marq Gonzales" userId="8a8aa5cc-da4d-4428-991f-d72f7edc4e69" providerId="ADAL" clId="{7E2E03EA-53D8-4529-BA71-E8B3B6257776}" dt="2024-10-01T00:18:49.983" v="304"/>
-          <ac:picMkLst>
-            <pc:docMk/>
-            <pc:sldMk cId="775357094" sldId="259"/>
-            <ac:picMk id="106" creationId="{DE9D59FD-A6DE-46FD-B63B-975222AB1507}"/>
-          </ac:picMkLst>
-        </pc:picChg>
-        <pc:picChg chg="add del mod">
-          <ac:chgData name="Marq Gonzales" userId="8a8aa5cc-da4d-4428-991f-d72f7edc4e69" providerId="ADAL" clId="{7E2E03EA-53D8-4529-BA71-E8B3B6257776}" dt="2024-10-01T00:18:49.983" v="304"/>
-          <ac:picMkLst>
-            <pc:docMk/>
-            <pc:sldMk cId="775357094" sldId="259"/>
-            <ac:picMk id="107" creationId="{1BF1AB06-4F07-49BD-92C2-142ADF79AF76}"/>
-          </ac:picMkLst>
-        </pc:picChg>
-        <pc:picChg chg="add del mod">
-          <ac:chgData name="Marq Gonzales" userId="8a8aa5cc-da4d-4428-991f-d72f7edc4e69" providerId="ADAL" clId="{7E2E03EA-53D8-4529-BA71-E8B3B6257776}" dt="2024-10-01T00:18:49.983" v="304"/>
-          <ac:picMkLst>
-            <pc:docMk/>
-            <pc:sldMk cId="775357094" sldId="259"/>
-            <ac:picMk id="109" creationId="{41E58748-4E54-4711-98C1-40FA12D2D327}"/>
-          </ac:picMkLst>
-        </pc:picChg>
-        <pc:picChg chg="add mod modCrop">
-          <ac:chgData name="Marq Gonzales" userId="8a8aa5cc-da4d-4428-991f-d72f7edc4e69" providerId="ADAL" clId="{7E2E03EA-53D8-4529-BA71-E8B3B6257776}" dt="2024-10-01T00:27:33.009" v="429" actId="164"/>
-          <ac:picMkLst>
-            <pc:docMk/>
-            <pc:sldMk cId="775357094" sldId="259"/>
-            <ac:picMk id="113" creationId="{79B18DE7-AFB3-4DC9-A811-4C4F5A225C5E}"/>
-          </ac:picMkLst>
-        </pc:picChg>
-        <pc:picChg chg="add del mod">
-          <ac:chgData name="Marq Gonzales" userId="8a8aa5cc-da4d-4428-991f-d72f7edc4e69" providerId="ADAL" clId="{7E2E03EA-53D8-4529-BA71-E8B3B6257776}" dt="2024-10-01T00:31:10.519" v="459" actId="478"/>
-          <ac:picMkLst>
-            <pc:docMk/>
-            <pc:sldMk cId="775357094" sldId="259"/>
-            <ac:picMk id="115" creationId="{44E3856D-4EFE-42BB-A1CC-BA6D5BE81516}"/>
-          </ac:picMkLst>
-        </pc:picChg>
-        <pc:picChg chg="add mod">
-          <ac:chgData name="Marq Gonzales" userId="8a8aa5cc-da4d-4428-991f-d72f7edc4e69" providerId="ADAL" clId="{7E2E03EA-53D8-4529-BA71-E8B3B6257776}" dt="2024-10-01T00:33:46.838" v="481" actId="1076"/>
-          <ac:picMkLst>
-            <pc:docMk/>
-            <pc:sldMk cId="775357094" sldId="259"/>
-            <ac:picMk id="117" creationId="{998A4C93-B0A1-4102-93CC-1537425AE379}"/>
-          </ac:picMkLst>
-        </pc:picChg>
-        <pc:picChg chg="add mod">
-          <ac:chgData name="Marq Gonzales" userId="8a8aa5cc-da4d-4428-991f-d72f7edc4e69" providerId="ADAL" clId="{7E2E03EA-53D8-4529-BA71-E8B3B6257776}" dt="2024-10-01T00:36:34.743" v="505"/>
-          <ac:picMkLst>
-            <pc:docMk/>
-            <pc:sldMk cId="775357094" sldId="259"/>
-            <ac:picMk id="118" creationId="{AC8ADD88-BA9A-4690-BE34-FDFFE9A8BEF9}"/>
-          </ac:picMkLst>
-        </pc:picChg>
-        <pc:cxnChg chg="del">
-          <ac:chgData name="Marq Gonzales" userId="8a8aa5cc-da4d-4428-991f-d72f7edc4e69" providerId="ADAL" clId="{7E2E03EA-53D8-4529-BA71-E8B3B6257776}" dt="2024-10-01T00:18:46.408" v="302" actId="478"/>
-          <ac:cxnSpMkLst>
-            <pc:docMk/>
-            <pc:sldMk cId="775357094" sldId="259"/>
-            <ac:cxnSpMk id="42" creationId="{D8450B4B-73CC-4741-86DD-57D97E3DD1F3}"/>
-          </ac:cxnSpMkLst>
-        </pc:cxnChg>
-        <pc:cxnChg chg="add del mod">
-          <ac:chgData name="Marq Gonzales" userId="8a8aa5cc-da4d-4428-991f-d72f7edc4e69" providerId="ADAL" clId="{7E2E03EA-53D8-4529-BA71-E8B3B6257776}" dt="2024-10-01T00:18:49.983" v="304"/>
-          <ac:cxnSpMkLst>
-            <pc:docMk/>
-            <pc:sldMk cId="775357094" sldId="259"/>
-            <ac:cxnSpMk id="95" creationId="{FF227C53-A520-4A9F-BE33-07221977F2A6}"/>
-          </ac:cxnSpMkLst>
-        </pc:cxnChg>
-        <pc:cxnChg chg="add mod">
-          <ac:chgData name="Marq Gonzales" userId="8a8aa5cc-da4d-4428-991f-d72f7edc4e69" providerId="ADAL" clId="{7E2E03EA-53D8-4529-BA71-E8B3B6257776}" dt="2024-10-01T00:33:46.838" v="481" actId="1076"/>
-          <ac:cxnSpMkLst>
-            <pc:docMk/>
-            <pc:sldMk cId="775357094" sldId="259"/>
-            <ac:cxnSpMk id="112" creationId="{E70BBC89-5CFD-4BE0-BAEC-200ADD0B11BF}"/>
-          </ac:cxnSpMkLst>
-        </pc:cxnChg>
-      </pc:sldChg>
-      <pc:sldChg chg="addSp delSp modSp add mod">
-        <pc:chgData name="Marq Gonzales" userId="8a8aa5cc-da4d-4428-991f-d72f7edc4e69" providerId="ADAL" clId="{7E2E03EA-53D8-4529-BA71-E8B3B6257776}" dt="2024-10-01T00:41:08.574" v="597" actId="1036"/>
-        <pc:sldMkLst>
-          <pc:docMk/>
-          <pc:sldMk cId="1001343673" sldId="260"/>
-        </pc:sldMkLst>
-        <pc:spChg chg="add mod">
-          <ac:chgData name="Marq Gonzales" userId="8a8aa5cc-da4d-4428-991f-d72f7edc4e69" providerId="ADAL" clId="{7E2E03EA-53D8-4529-BA71-E8B3B6257776}" dt="2024-10-01T00:39:58.016" v="584" actId="164"/>
-          <ac:spMkLst>
-            <pc:docMk/>
-            <pc:sldMk cId="1001343673" sldId="260"/>
-            <ac:spMk id="14" creationId="{A554C900-B349-4861-A5DB-F4EF0E6FB418}"/>
-          </ac:spMkLst>
-        </pc:spChg>
-        <pc:spChg chg="del">
-          <ac:chgData name="Marq Gonzales" userId="8a8aa5cc-da4d-4428-991f-d72f7edc4e69" providerId="ADAL" clId="{7E2E03EA-53D8-4529-BA71-E8B3B6257776}" dt="2024-10-01T00:34:28.295" v="483" actId="478"/>
-          <ac:spMkLst>
-            <pc:docMk/>
-            <pc:sldMk cId="1001343673" sldId="260"/>
-            <ac:spMk id="110" creationId="{3A436663-C76E-4034-923E-39185E08E0CB}"/>
-          </ac:spMkLst>
-        </pc:spChg>
-        <pc:spChg chg="del">
-          <ac:chgData name="Marq Gonzales" userId="8a8aa5cc-da4d-4428-991f-d72f7edc4e69" providerId="ADAL" clId="{7E2E03EA-53D8-4529-BA71-E8B3B6257776}" dt="2024-10-01T00:34:30.788" v="484" actId="478"/>
-          <ac:spMkLst>
-            <pc:docMk/>
-            <pc:sldMk cId="1001343673" sldId="260"/>
-            <ac:spMk id="111" creationId="{F376F08E-7885-4F3E-956C-763B7C3A8D64}"/>
-          </ac:spMkLst>
-        </pc:spChg>
-        <pc:grpChg chg="del">
-          <ac:chgData name="Marq Gonzales" userId="8a8aa5cc-da4d-4428-991f-d72f7edc4e69" providerId="ADAL" clId="{7E2E03EA-53D8-4529-BA71-E8B3B6257776}" dt="2024-10-01T00:34:30.788" v="484" actId="478"/>
-          <ac:grpSpMkLst>
-            <pc:docMk/>
-            <pc:sldMk cId="1001343673" sldId="260"/>
-            <ac:grpSpMk id="16" creationId="{0EDB10A3-2E66-4B5D-9C83-6AFEC28122D3}"/>
-          </ac:grpSpMkLst>
-        </pc:grpChg>
-        <pc:grpChg chg="add mod">
-          <ac:chgData name="Marq Gonzales" userId="8a8aa5cc-da4d-4428-991f-d72f7edc4e69" providerId="ADAL" clId="{7E2E03EA-53D8-4529-BA71-E8B3B6257776}" dt="2024-10-01T00:40:04.547" v="585" actId="1076"/>
-          <ac:grpSpMkLst>
-            <pc:docMk/>
-            <pc:sldMk cId="1001343673" sldId="260"/>
-            <ac:grpSpMk id="23" creationId="{806FFEB5-4386-4134-BD1F-C28B30B4F233}"/>
-          </ac:grpSpMkLst>
-        </pc:grpChg>
-        <pc:picChg chg="add del mod">
-          <ac:chgData name="Marq Gonzales" userId="8a8aa5cc-da4d-4428-991f-d72f7edc4e69" providerId="ADAL" clId="{7E2E03EA-53D8-4529-BA71-E8B3B6257776}" dt="2024-10-01T00:35:10.535" v="487" actId="478"/>
-          <ac:picMkLst>
-            <pc:docMk/>
-            <pc:sldMk cId="1001343673" sldId="260"/>
-            <ac:picMk id="5" creationId="{CD89CA9A-1522-4AA7-BF28-17E0EC4FF3DC}"/>
-          </ac:picMkLst>
-        </pc:picChg>
-        <pc:picChg chg="add del mod">
-          <ac:chgData name="Marq Gonzales" userId="8a8aa5cc-da4d-4428-991f-d72f7edc4e69" providerId="ADAL" clId="{7E2E03EA-53D8-4529-BA71-E8B3B6257776}" dt="2024-10-01T00:36:39.274" v="506" actId="478"/>
-          <ac:picMkLst>
-            <pc:docMk/>
-            <pc:sldMk cId="1001343673" sldId="260"/>
-            <ac:picMk id="7" creationId="{CF931EF9-FFF3-4ACE-ACDE-CCE3817118EA}"/>
-          </ac:picMkLst>
-        </pc:picChg>
-        <pc:picChg chg="add del mod">
-          <ac:chgData name="Marq Gonzales" userId="8a8aa5cc-da4d-4428-991f-d72f7edc4e69" providerId="ADAL" clId="{7E2E03EA-53D8-4529-BA71-E8B3B6257776}" dt="2024-10-01T00:37:15.969" v="514" actId="478"/>
-          <ac:picMkLst>
-            <pc:docMk/>
-            <pc:sldMk cId="1001343673" sldId="260"/>
-            <ac:picMk id="9" creationId="{B6DFA0AF-266F-42F5-9CD4-F761D6EDD76C}"/>
-          </ac:picMkLst>
-        </pc:picChg>
-        <pc:picChg chg="add mod">
-          <ac:chgData name="Marq Gonzales" userId="8a8aa5cc-da4d-4428-991f-d72f7edc4e69" providerId="ADAL" clId="{7E2E03EA-53D8-4529-BA71-E8B3B6257776}" dt="2024-10-01T00:39:58.016" v="584" actId="164"/>
-          <ac:picMkLst>
-            <pc:docMk/>
-            <pc:sldMk cId="1001343673" sldId="260"/>
-            <ac:picMk id="11" creationId="{1548BAF8-7D2B-4EB3-A1D3-65E7C890E873}"/>
-          </ac:picMkLst>
-        </pc:picChg>
-        <pc:picChg chg="add mod">
-          <ac:chgData name="Marq Gonzales" userId="8a8aa5cc-da4d-4428-991f-d72f7edc4e69" providerId="ADAL" clId="{7E2E03EA-53D8-4529-BA71-E8B3B6257776}" dt="2024-10-01T00:39:58.016" v="584" actId="164"/>
-          <ac:picMkLst>
-            <pc:docMk/>
-            <pc:sldMk cId="1001343673" sldId="260"/>
-            <ac:picMk id="15" creationId="{BEA0C97E-5AD5-4C61-9A0E-E82733C5B820}"/>
-          </ac:picMkLst>
-        </pc:picChg>
-        <pc:picChg chg="add del mod">
-          <ac:chgData name="Marq Gonzales" userId="8a8aa5cc-da4d-4428-991f-d72f7edc4e69" providerId="ADAL" clId="{7E2E03EA-53D8-4529-BA71-E8B3B6257776}" dt="2024-10-01T00:36:40.222" v="507" actId="478"/>
-          <ac:picMkLst>
-            <pc:docMk/>
-            <pc:sldMk cId="1001343673" sldId="260"/>
-            <ac:picMk id="17" creationId="{4E6A1D54-26D8-44DE-BD07-7515A73AE645}"/>
-          </ac:picMkLst>
-        </pc:picChg>
-        <pc:picChg chg="add del mod">
-          <ac:chgData name="Marq Gonzales" userId="8a8aa5cc-da4d-4428-991f-d72f7edc4e69" providerId="ADAL" clId="{7E2E03EA-53D8-4529-BA71-E8B3B6257776}" dt="2024-10-01T00:37:20.870" v="515" actId="478"/>
-          <ac:picMkLst>
-            <pc:docMk/>
-            <pc:sldMk cId="1001343673" sldId="260"/>
-            <ac:picMk id="18" creationId="{F688922D-5E80-495C-83EE-B8D6F6BCC36B}"/>
-          </ac:picMkLst>
-        </pc:picChg>
-        <pc:picChg chg="add mod">
-          <ac:chgData name="Marq Gonzales" userId="8a8aa5cc-da4d-4428-991f-d72f7edc4e69" providerId="ADAL" clId="{7E2E03EA-53D8-4529-BA71-E8B3B6257776}" dt="2024-10-01T00:41:08.574" v="597" actId="1036"/>
-          <ac:picMkLst>
-            <pc:docMk/>
-            <pc:sldMk cId="1001343673" sldId="260"/>
-            <ac:picMk id="20" creationId="{CE65856E-3460-4791-A459-EDB77BE633D4}"/>
-          </ac:picMkLst>
-        </pc:picChg>
-        <pc:picChg chg="add mod modCrop">
-          <ac:chgData name="Marq Gonzales" userId="8a8aa5cc-da4d-4428-991f-d72f7edc4e69" providerId="ADAL" clId="{7E2E03EA-53D8-4529-BA71-E8B3B6257776}" dt="2024-10-01T00:39:58.016" v="584" actId="164"/>
-          <ac:picMkLst>
-            <pc:docMk/>
-            <pc:sldMk cId="1001343673" sldId="260"/>
-            <ac:picMk id="22" creationId="{89C971C9-61C3-4757-B2A0-B091609BA097}"/>
-          </ac:picMkLst>
-        </pc:picChg>
-        <pc:picChg chg="add mod">
-          <ac:chgData name="Marq Gonzales" userId="8a8aa5cc-da4d-4428-991f-d72f7edc4e69" providerId="ADAL" clId="{7E2E03EA-53D8-4529-BA71-E8B3B6257776}" dt="2024-10-01T00:40:33.851" v="594" actId="1035"/>
-          <ac:picMkLst>
-            <pc:docMk/>
-            <pc:sldMk cId="1001343673" sldId="260"/>
-            <ac:picMk id="30" creationId="{5CDFD572-9DA1-4698-B926-A59845F6856C}"/>
-          </ac:picMkLst>
-        </pc:picChg>
-        <pc:picChg chg="del">
-          <ac:chgData name="Marq Gonzales" userId="8a8aa5cc-da4d-4428-991f-d72f7edc4e69" providerId="ADAL" clId="{7E2E03EA-53D8-4529-BA71-E8B3B6257776}" dt="2024-10-01T00:34:30.788" v="484" actId="478"/>
-          <ac:picMkLst>
-            <pc:docMk/>
-            <pc:sldMk cId="1001343673" sldId="260"/>
-            <ac:picMk id="49" creationId="{3E704BB0-539D-41E0-9796-FACF025ADBAF}"/>
-          </ac:picMkLst>
-        </pc:picChg>
-        <pc:picChg chg="del">
-          <ac:chgData name="Marq Gonzales" userId="8a8aa5cc-da4d-4428-991f-d72f7edc4e69" providerId="ADAL" clId="{7E2E03EA-53D8-4529-BA71-E8B3B6257776}" dt="2024-10-01T00:34:30.788" v="484" actId="478"/>
-          <ac:picMkLst>
-            <pc:docMk/>
-            <pc:sldMk cId="1001343673" sldId="260"/>
-            <ac:picMk id="117" creationId="{998A4C93-B0A1-4102-93CC-1537425AE379}"/>
-          </ac:picMkLst>
-        </pc:picChg>
-        <pc:cxnChg chg="del">
-          <ac:chgData name="Marq Gonzales" userId="8a8aa5cc-da4d-4428-991f-d72f7edc4e69" providerId="ADAL" clId="{7E2E03EA-53D8-4529-BA71-E8B3B6257776}" dt="2024-10-01T00:34:30.788" v="484" actId="478"/>
-          <ac:cxnSpMkLst>
-            <pc:docMk/>
-            <pc:sldMk cId="1001343673" sldId="260"/>
-            <ac:cxnSpMk id="112" creationId="{E70BBC89-5CFD-4BE0-BAEC-200ADD0B11BF}"/>
-          </ac:cxnSpMkLst>
-        </pc:cxnChg>
-      </pc:sldChg>
-      <pc:sldChg chg="addSp delSp modSp add mod">
-        <pc:chgData name="Marq Gonzales" userId="8a8aa5cc-da4d-4428-991f-d72f7edc4e69" providerId="ADAL" clId="{7E2E03EA-53D8-4529-BA71-E8B3B6257776}" dt="2024-10-01T01:13:55.392" v="1612" actId="14100"/>
-        <pc:sldMkLst>
-          <pc:docMk/>
-          <pc:sldMk cId="1158769170" sldId="261"/>
-        </pc:sldMkLst>
-        <pc:spChg chg="del">
-          <ac:chgData name="Marq Gonzales" userId="8a8aa5cc-da4d-4428-991f-d72f7edc4e69" providerId="ADAL" clId="{7E2E03EA-53D8-4529-BA71-E8B3B6257776}" dt="2024-10-01T00:42:36.294" v="608" actId="478"/>
-          <ac:spMkLst>
-            <pc:docMk/>
-            <pc:sldMk cId="1158769170" sldId="261"/>
-            <ac:spMk id="3" creationId="{2DBCBBCB-9EA7-48CC-BE6C-1E0CD864A96E}"/>
-          </ac:spMkLst>
-        </pc:spChg>
-        <pc:spChg chg="add mod">
-          <ac:chgData name="Marq Gonzales" userId="8a8aa5cc-da4d-4428-991f-d72f7edc4e69" providerId="ADAL" clId="{7E2E03EA-53D8-4529-BA71-E8B3B6257776}" dt="2024-10-01T00:59:34.319" v="1308" actId="1038"/>
-          <ac:spMkLst>
-            <pc:docMk/>
-            <pc:sldMk cId="1158769170" sldId="261"/>
-            <ac:spMk id="4" creationId="{AA47AD31-9528-4A8A-A2D5-E81DB2F4FB77}"/>
-          </ac:spMkLst>
-        </pc:spChg>
-        <pc:spChg chg="add del mod">
-          <ac:chgData name="Marq Gonzales" userId="8a8aa5cc-da4d-4428-991f-d72f7edc4e69" providerId="ADAL" clId="{7E2E03EA-53D8-4529-BA71-E8B3B6257776}" dt="2024-10-01T00:46:08.085" v="723" actId="478"/>
-          <ac:spMkLst>
-            <pc:docMk/>
-            <pc:sldMk cId="1158769170" sldId="261"/>
-            <ac:spMk id="12" creationId="{9FAC61B9-DC95-439D-A8CE-C780011A77E1}"/>
-          </ac:spMkLst>
-        </pc:spChg>
-        <pc:spChg chg="add del mod">
-          <ac:chgData name="Marq Gonzales" userId="8a8aa5cc-da4d-4428-991f-d72f7edc4e69" providerId="ADAL" clId="{7E2E03EA-53D8-4529-BA71-E8B3B6257776}" dt="2024-10-01T00:46:08.085" v="723" actId="478"/>
-          <ac:spMkLst>
-            <pc:docMk/>
-            <pc:sldMk cId="1158769170" sldId="261"/>
-            <ac:spMk id="13" creationId="{437780AE-BEC8-4B8A-9AC0-09EB4A88F2D1}"/>
-          </ac:spMkLst>
-        </pc:spChg>
-        <pc:spChg chg="add del mod">
-          <ac:chgData name="Marq Gonzales" userId="8a8aa5cc-da4d-4428-991f-d72f7edc4e69" providerId="ADAL" clId="{7E2E03EA-53D8-4529-BA71-E8B3B6257776}" dt="2024-10-01T00:46:08.085" v="723" actId="478"/>
-          <ac:spMkLst>
-            <pc:docMk/>
-            <pc:sldMk cId="1158769170" sldId="261"/>
-            <ac:spMk id="16" creationId="{CC38690A-6C56-4E16-8FAE-4300ED0C6BF9}"/>
-          </ac:spMkLst>
-        </pc:spChg>
-        <pc:spChg chg="add del mod">
-          <ac:chgData name="Marq Gonzales" userId="8a8aa5cc-da4d-4428-991f-d72f7edc4e69" providerId="ADAL" clId="{7E2E03EA-53D8-4529-BA71-E8B3B6257776}" dt="2024-10-01T00:46:08.085" v="723" actId="478"/>
-          <ac:spMkLst>
-            <pc:docMk/>
-            <pc:sldMk cId="1158769170" sldId="261"/>
-            <ac:spMk id="17" creationId="{8E826FD6-F105-4CD6-A3E4-153A2B65A843}"/>
-          </ac:spMkLst>
-        </pc:spChg>
-        <pc:spChg chg="add del mod">
-          <ac:chgData name="Marq Gonzales" userId="8a8aa5cc-da4d-4428-991f-d72f7edc4e69" providerId="ADAL" clId="{7E2E03EA-53D8-4529-BA71-E8B3B6257776}" dt="2024-10-01T00:46:08.085" v="723" actId="478"/>
-          <ac:spMkLst>
-            <pc:docMk/>
-            <pc:sldMk cId="1158769170" sldId="261"/>
-            <ac:spMk id="18" creationId="{D43C5E45-7597-4E73-9AB1-41316A9EA19C}"/>
-          </ac:spMkLst>
-        </pc:spChg>
-        <pc:spChg chg="add del mod">
-          <ac:chgData name="Marq Gonzales" userId="8a8aa5cc-da4d-4428-991f-d72f7edc4e69" providerId="ADAL" clId="{7E2E03EA-53D8-4529-BA71-E8B3B6257776}" dt="2024-10-01T00:46:08.085" v="723" actId="478"/>
-          <ac:spMkLst>
-            <pc:docMk/>
-            <pc:sldMk cId="1158769170" sldId="261"/>
-            <ac:spMk id="19" creationId="{BC470C7E-5C1C-45C1-AEFE-5DD41E72C959}"/>
-          </ac:spMkLst>
-        </pc:spChg>
-        <pc:spChg chg="add mod">
-          <ac:chgData name="Marq Gonzales" userId="8a8aa5cc-da4d-4428-991f-d72f7edc4e69" providerId="ADAL" clId="{7E2E03EA-53D8-4529-BA71-E8B3B6257776}" dt="2024-10-01T00:59:34.319" v="1308" actId="1038"/>
-          <ac:spMkLst>
-            <pc:docMk/>
-            <pc:sldMk cId="1158769170" sldId="261"/>
-            <ac:spMk id="21" creationId="{0F5E004F-2715-4313-9A0D-9EFD48809938}"/>
-          </ac:spMkLst>
-        </pc:spChg>
-        <pc:spChg chg="add mod">
-          <ac:chgData name="Marq Gonzales" userId="8a8aa5cc-da4d-4428-991f-d72f7edc4e69" providerId="ADAL" clId="{7E2E03EA-53D8-4529-BA71-E8B3B6257776}" dt="2024-10-01T00:59:34.319" v="1308" actId="1038"/>
-          <ac:spMkLst>
-            <pc:docMk/>
-            <pc:sldMk cId="1158769170" sldId="261"/>
-            <ac:spMk id="24" creationId="{61EE927C-6424-487D-9C01-537B4D0FC33E}"/>
-          </ac:spMkLst>
-        </pc:spChg>
-        <pc:spChg chg="add mod">
-          <ac:chgData name="Marq Gonzales" userId="8a8aa5cc-da4d-4428-991f-d72f7edc4e69" providerId="ADAL" clId="{7E2E03EA-53D8-4529-BA71-E8B3B6257776}" dt="2024-10-01T01:13:12.563" v="1598" actId="20577"/>
-          <ac:spMkLst>
-            <pc:docMk/>
-            <pc:sldMk cId="1158769170" sldId="261"/>
-            <ac:spMk id="25" creationId="{C302703C-793A-4E94-B827-475FE349828B}"/>
-          </ac:spMkLst>
-        </pc:spChg>
-        <pc:spChg chg="add mod">
-          <ac:chgData name="Marq Gonzales" userId="8a8aa5cc-da4d-4428-991f-d72f7edc4e69" providerId="ADAL" clId="{7E2E03EA-53D8-4529-BA71-E8B3B6257776}" dt="2024-10-01T00:59:34.319" v="1308" actId="1038"/>
-          <ac:spMkLst>
-            <pc:docMk/>
-            <pc:sldMk cId="1158769170" sldId="261"/>
-            <ac:spMk id="26" creationId="{EEB0EEBA-CED2-490F-A07A-4A7C556F7309}"/>
-          </ac:spMkLst>
-        </pc:spChg>
-        <pc:spChg chg="add mod">
-          <ac:chgData name="Marq Gonzales" userId="8a8aa5cc-da4d-4428-991f-d72f7edc4e69" providerId="ADAL" clId="{7E2E03EA-53D8-4529-BA71-E8B3B6257776}" dt="2024-10-01T00:59:34.319" v="1308" actId="1038"/>
-          <ac:spMkLst>
-            <pc:docMk/>
-            <pc:sldMk cId="1158769170" sldId="261"/>
-            <ac:spMk id="27" creationId="{E860052A-CAD8-434F-9511-19FF6F8858A5}"/>
-          </ac:spMkLst>
-        </pc:spChg>
-        <pc:spChg chg="add mod">
-          <ac:chgData name="Marq Gonzales" userId="8a8aa5cc-da4d-4428-991f-d72f7edc4e69" providerId="ADAL" clId="{7E2E03EA-53D8-4529-BA71-E8B3B6257776}" dt="2024-10-01T00:59:34.319" v="1308" actId="1038"/>
-          <ac:spMkLst>
-            <pc:docMk/>
-            <pc:sldMk cId="1158769170" sldId="261"/>
-            <ac:spMk id="28" creationId="{485FE7F5-712C-400A-90A7-CB6D47218408}"/>
-          </ac:spMkLst>
-        </pc:spChg>
-        <pc:spChg chg="add mod">
-          <ac:chgData name="Marq Gonzales" userId="8a8aa5cc-da4d-4428-991f-d72f7edc4e69" providerId="ADAL" clId="{7E2E03EA-53D8-4529-BA71-E8B3B6257776}" dt="2024-10-01T00:59:34.319" v="1308" actId="1038"/>
-          <ac:spMkLst>
-            <pc:docMk/>
-            <pc:sldMk cId="1158769170" sldId="261"/>
-            <ac:spMk id="29" creationId="{BA3F1788-493E-446B-B1AB-C2EA277CD9FF}"/>
-          </ac:spMkLst>
-        </pc:spChg>
-        <pc:spChg chg="add mod">
-          <ac:chgData name="Marq Gonzales" userId="8a8aa5cc-da4d-4428-991f-d72f7edc4e69" providerId="ADAL" clId="{7E2E03EA-53D8-4529-BA71-E8B3B6257776}" dt="2024-10-01T01:11:59.406" v="1560" actId="20577"/>
-          <ac:spMkLst>
-            <pc:docMk/>
-            <pc:sldMk cId="1158769170" sldId="261"/>
-            <ac:spMk id="31" creationId="{EA936881-AABF-4490-B8E9-3E19C385F78A}"/>
-          </ac:spMkLst>
-        </pc:spChg>
-        <pc:spChg chg="add mod">
-          <ac:chgData name="Marq Gonzales" userId="8a8aa5cc-da4d-4428-991f-d72f7edc4e69" providerId="ADAL" clId="{7E2E03EA-53D8-4529-BA71-E8B3B6257776}" dt="2024-10-01T00:59:34.319" v="1308" actId="1038"/>
-          <ac:spMkLst>
-            <pc:docMk/>
-            <pc:sldMk cId="1158769170" sldId="261"/>
-            <ac:spMk id="32" creationId="{2FD4FC1C-585A-466B-990F-C9948D0A7F95}"/>
-          </ac:spMkLst>
-        </pc:spChg>
-        <pc:spChg chg="add mod">
-          <ac:chgData name="Marq Gonzales" userId="8a8aa5cc-da4d-4428-991f-d72f7edc4e69" providerId="ADAL" clId="{7E2E03EA-53D8-4529-BA71-E8B3B6257776}" dt="2024-10-01T00:59:34.319" v="1308" actId="1038"/>
-          <ac:spMkLst>
-            <pc:docMk/>
-            <pc:sldMk cId="1158769170" sldId="261"/>
-            <ac:spMk id="33" creationId="{2DC52494-E4A0-408B-9354-6F52751FB679}"/>
-          </ac:spMkLst>
-        </pc:spChg>
-        <pc:spChg chg="add mod">
-          <ac:chgData name="Marq Gonzales" userId="8a8aa5cc-da4d-4428-991f-d72f7edc4e69" providerId="ADAL" clId="{7E2E03EA-53D8-4529-BA71-E8B3B6257776}" dt="2024-10-01T00:59:34.319" v="1308" actId="1038"/>
-          <ac:spMkLst>
-            <pc:docMk/>
-            <pc:sldMk cId="1158769170" sldId="261"/>
-            <ac:spMk id="34" creationId="{14F7D0BC-F284-4FE5-A991-F6D86E8B42C8}"/>
-          </ac:spMkLst>
-        </pc:spChg>
-        <pc:spChg chg="add del mod">
-          <ac:chgData name="Marq Gonzales" userId="8a8aa5cc-da4d-4428-991f-d72f7edc4e69" providerId="ADAL" clId="{7E2E03EA-53D8-4529-BA71-E8B3B6257776}" dt="2024-10-01T00:47:46.682" v="854" actId="478"/>
-          <ac:spMkLst>
-            <pc:docMk/>
-            <pc:sldMk cId="1158769170" sldId="261"/>
-            <ac:spMk id="35" creationId="{829E98BE-9108-4078-84A9-7E1CFC7ED033}"/>
-          </ac:spMkLst>
-        </pc:spChg>
-        <pc:spChg chg="add del mod">
-          <ac:chgData name="Marq Gonzales" userId="8a8aa5cc-da4d-4428-991f-d72f7edc4e69" providerId="ADAL" clId="{7E2E03EA-53D8-4529-BA71-E8B3B6257776}" dt="2024-10-01T00:47:46.682" v="854" actId="478"/>
-          <ac:spMkLst>
-            <pc:docMk/>
-            <pc:sldMk cId="1158769170" sldId="261"/>
-            <ac:spMk id="36" creationId="{0B640824-1539-4BDC-B457-77C00A98BED6}"/>
-          </ac:spMkLst>
-        </pc:spChg>
-        <pc:spChg chg="add del mod">
-          <ac:chgData name="Marq Gonzales" userId="8a8aa5cc-da4d-4428-991f-d72f7edc4e69" providerId="ADAL" clId="{7E2E03EA-53D8-4529-BA71-E8B3B6257776}" dt="2024-10-01T00:47:46.682" v="854" actId="478"/>
-          <ac:spMkLst>
-            <pc:docMk/>
-            <pc:sldMk cId="1158769170" sldId="261"/>
-            <ac:spMk id="37" creationId="{67749FC2-A9B0-4D39-8B15-6E4A6DF99877}"/>
-          </ac:spMkLst>
-        </pc:spChg>
-        <pc:spChg chg="add del mod">
-          <ac:chgData name="Marq Gonzales" userId="8a8aa5cc-da4d-4428-991f-d72f7edc4e69" providerId="ADAL" clId="{7E2E03EA-53D8-4529-BA71-E8B3B6257776}" dt="2024-10-01T00:47:46.682" v="854" actId="478"/>
-          <ac:spMkLst>
-            <pc:docMk/>
-            <pc:sldMk cId="1158769170" sldId="261"/>
-            <ac:spMk id="38" creationId="{8AFD8683-A5B1-4AA0-A639-7F0FC5FEDA4D}"/>
-          </ac:spMkLst>
-        </pc:spChg>
-        <pc:spChg chg="add mod">
-          <ac:chgData name="Marq Gonzales" userId="8a8aa5cc-da4d-4428-991f-d72f7edc4e69" providerId="ADAL" clId="{7E2E03EA-53D8-4529-BA71-E8B3B6257776}" dt="2024-10-01T01:13:20.739" v="1602" actId="14100"/>
-          <ac:spMkLst>
-            <pc:docMk/>
-            <pc:sldMk cId="1158769170" sldId="261"/>
-            <ac:spMk id="39" creationId="{FCFD2106-0F6C-48DA-BFFE-6EA195C3CF47}"/>
-          </ac:spMkLst>
-        </pc:spChg>
-        <pc:spChg chg="add mod">
-          <ac:chgData name="Marq Gonzales" userId="8a8aa5cc-da4d-4428-991f-d72f7edc4e69" providerId="ADAL" clId="{7E2E03EA-53D8-4529-BA71-E8B3B6257776}" dt="2024-10-01T01:13:52.419" v="1610" actId="14100"/>
-          <ac:spMkLst>
-            <pc:docMk/>
-            <pc:sldMk cId="1158769170" sldId="261"/>
-            <ac:spMk id="40" creationId="{A03FACEA-CD5A-457E-B405-C81C3DAEB320}"/>
-          </ac:spMkLst>
-        </pc:spChg>
-        <pc:spChg chg="add mod">
-          <ac:chgData name="Marq Gonzales" userId="8a8aa5cc-da4d-4428-991f-d72f7edc4e69" providerId="ADAL" clId="{7E2E03EA-53D8-4529-BA71-E8B3B6257776}" dt="2024-10-01T01:01:48.146" v="1342" actId="1035"/>
-          <ac:spMkLst>
-            <pc:docMk/>
-            <pc:sldMk cId="1158769170" sldId="261"/>
-            <ac:spMk id="41" creationId="{0D2ECE0A-E0D7-431C-89D0-4AB04F2E46E6}"/>
-          </ac:spMkLst>
-        </pc:spChg>
-        <pc:spChg chg="add mod">
-          <ac:chgData name="Marq Gonzales" userId="8a8aa5cc-da4d-4428-991f-d72f7edc4e69" providerId="ADAL" clId="{7E2E03EA-53D8-4529-BA71-E8B3B6257776}" dt="2024-10-01T01:01:48.146" v="1342" actId="1035"/>
-          <ac:spMkLst>
-            <pc:docMk/>
-            <pc:sldMk cId="1158769170" sldId="261"/>
-            <ac:spMk id="42" creationId="{7BDFB353-0526-4E79-AAC2-5090DFCAB3AA}"/>
-          </ac:spMkLst>
-        </pc:spChg>
-        <pc:spChg chg="add mod">
-          <ac:chgData name="Marq Gonzales" userId="8a8aa5cc-da4d-4428-991f-d72f7edc4e69" providerId="ADAL" clId="{7E2E03EA-53D8-4529-BA71-E8B3B6257776}" dt="2024-10-01T01:01:48.146" v="1342" actId="1035"/>
-          <ac:spMkLst>
-            <pc:docMk/>
-            <pc:sldMk cId="1158769170" sldId="261"/>
-            <ac:spMk id="43" creationId="{9E6853B2-30C0-4F3A-98F8-E59E06401DEC}"/>
-          </ac:spMkLst>
-        </pc:spChg>
-        <pc:spChg chg="add mod">
-          <ac:chgData name="Marq Gonzales" userId="8a8aa5cc-da4d-4428-991f-d72f7edc4e69" providerId="ADAL" clId="{7E2E03EA-53D8-4529-BA71-E8B3B6257776}" dt="2024-10-01T01:13:51.285" v="1608" actId="14100"/>
-          <ac:spMkLst>
-            <pc:docMk/>
-            <pc:sldMk cId="1158769170" sldId="261"/>
-            <ac:spMk id="44" creationId="{AFF345BB-1C76-435A-BCE0-40F1B869DF3A}"/>
-          </ac:spMkLst>
-        </pc:spChg>
-        <pc:spChg chg="add mod">
-          <ac:chgData name="Marq Gonzales" userId="8a8aa5cc-da4d-4428-991f-d72f7edc4e69" providerId="ADAL" clId="{7E2E03EA-53D8-4529-BA71-E8B3B6257776}" dt="2024-10-01T01:01:48.146" v="1342" actId="1035"/>
-          <ac:spMkLst>
-            <pc:docMk/>
-            <pc:sldMk cId="1158769170" sldId="261"/>
-            <ac:spMk id="45" creationId="{2172813E-A88E-4D27-8876-B8A5A3177089}"/>
-          </ac:spMkLst>
-        </pc:spChg>
-        <pc:spChg chg="add mod">
-          <ac:chgData name="Marq Gonzales" userId="8a8aa5cc-da4d-4428-991f-d72f7edc4e69" providerId="ADAL" clId="{7E2E03EA-53D8-4529-BA71-E8B3B6257776}" dt="2024-10-01T01:01:48.146" v="1342" actId="1035"/>
-          <ac:spMkLst>
-            <pc:docMk/>
-            <pc:sldMk cId="1158769170" sldId="261"/>
-            <ac:spMk id="46" creationId="{3A1609D3-F4E1-4E0D-AA60-D93265E856F4}"/>
-          </ac:spMkLst>
-        </pc:spChg>
-        <pc:spChg chg="add mod">
-          <ac:chgData name="Marq Gonzales" userId="8a8aa5cc-da4d-4428-991f-d72f7edc4e69" providerId="ADAL" clId="{7E2E03EA-53D8-4529-BA71-E8B3B6257776}" dt="2024-10-01T01:01:48.146" v="1342" actId="1035"/>
-          <ac:spMkLst>
-            <pc:docMk/>
-            <pc:sldMk cId="1158769170" sldId="261"/>
-            <ac:spMk id="47" creationId="{EFA00086-541D-4449-B1AE-1685CF0BE70D}"/>
-          </ac:spMkLst>
-        </pc:spChg>
-        <pc:spChg chg="add mod">
-          <ac:chgData name="Marq Gonzales" userId="8a8aa5cc-da4d-4428-991f-d72f7edc4e69" providerId="ADAL" clId="{7E2E03EA-53D8-4529-BA71-E8B3B6257776}" dt="2024-10-01T01:03:35.712" v="1388" actId="1036"/>
-          <ac:spMkLst>
-            <pc:docMk/>
-            <pc:sldMk cId="1158769170" sldId="261"/>
-            <ac:spMk id="48" creationId="{CC367105-56BB-4C19-8C78-D5C2DA39E53D}"/>
-          </ac:spMkLst>
-        </pc:spChg>
-        <pc:spChg chg="add mod">
-          <ac:chgData name="Marq Gonzales" userId="8a8aa5cc-da4d-4428-991f-d72f7edc4e69" providerId="ADAL" clId="{7E2E03EA-53D8-4529-BA71-E8B3B6257776}" dt="2024-10-01T01:03:35.712" v="1388" actId="1036"/>
-          <ac:spMkLst>
-            <pc:docMk/>
-            <pc:sldMk cId="1158769170" sldId="261"/>
-            <ac:spMk id="49" creationId="{2A3FC7C1-52E7-4369-8C05-7D3A7929F4EC}"/>
-          </ac:spMkLst>
-        </pc:spChg>
-        <pc:spChg chg="add mod">
-          <ac:chgData name="Marq Gonzales" userId="8a8aa5cc-da4d-4428-991f-d72f7edc4e69" providerId="ADAL" clId="{7E2E03EA-53D8-4529-BA71-E8B3B6257776}" dt="2024-10-01T01:03:35.712" v="1388" actId="1036"/>
-          <ac:spMkLst>
-            <pc:docMk/>
-            <pc:sldMk cId="1158769170" sldId="261"/>
-            <ac:spMk id="50" creationId="{F72884AF-7E79-461C-A983-E5966392C9A2}"/>
-          </ac:spMkLst>
-        </pc:spChg>
-        <pc:spChg chg="add mod">
-          <ac:chgData name="Marq Gonzales" userId="8a8aa5cc-da4d-4428-991f-d72f7edc4e69" providerId="ADAL" clId="{7E2E03EA-53D8-4529-BA71-E8B3B6257776}" dt="2024-10-01T01:03:35.712" v="1388" actId="1036"/>
-          <ac:spMkLst>
-            <pc:docMk/>
-            <pc:sldMk cId="1158769170" sldId="261"/>
-            <ac:spMk id="51" creationId="{295E0C33-4D7A-4B91-BC4A-2E9465C92AAC}"/>
-          </ac:spMkLst>
-        </pc:spChg>
-        <pc:spChg chg="add mod">
-          <ac:chgData name="Marq Gonzales" userId="8a8aa5cc-da4d-4428-991f-d72f7edc4e69" providerId="ADAL" clId="{7E2E03EA-53D8-4529-BA71-E8B3B6257776}" dt="2024-10-01T01:03:35.712" v="1388" actId="1036"/>
-          <ac:spMkLst>
-            <pc:docMk/>
-            <pc:sldMk cId="1158769170" sldId="261"/>
-            <ac:spMk id="52" creationId="{7ADD65C3-620E-4B52-99B1-7CAEDAFB14D6}"/>
-          </ac:spMkLst>
-        </pc:spChg>
-        <pc:spChg chg="add mod">
-          <ac:chgData name="Marq Gonzales" userId="8a8aa5cc-da4d-4428-991f-d72f7edc4e69" providerId="ADAL" clId="{7E2E03EA-53D8-4529-BA71-E8B3B6257776}" dt="2024-10-01T01:03:35.712" v="1388" actId="1036"/>
-          <ac:spMkLst>
-            <pc:docMk/>
-            <pc:sldMk cId="1158769170" sldId="261"/>
-            <ac:spMk id="53" creationId="{CFCBBDA5-7C19-49C1-BCEF-29B136FA26A6}"/>
-          </ac:spMkLst>
-        </pc:spChg>
-        <pc:spChg chg="add mod">
-          <ac:chgData name="Marq Gonzales" userId="8a8aa5cc-da4d-4428-991f-d72f7edc4e69" providerId="ADAL" clId="{7E2E03EA-53D8-4529-BA71-E8B3B6257776}" dt="2024-10-01T01:03:35.712" v="1388" actId="1036"/>
-          <ac:spMkLst>
-            <pc:docMk/>
-            <pc:sldMk cId="1158769170" sldId="261"/>
-            <ac:spMk id="54" creationId="{8D78ABEB-814F-4853-91F8-F9ECF74A9949}"/>
-          </ac:spMkLst>
-        </pc:spChg>
-        <pc:spChg chg="add mod">
-          <ac:chgData name="Marq Gonzales" userId="8a8aa5cc-da4d-4428-991f-d72f7edc4e69" providerId="ADAL" clId="{7E2E03EA-53D8-4529-BA71-E8B3B6257776}" dt="2024-10-01T01:03:35.712" v="1388" actId="1036"/>
-          <ac:spMkLst>
-            <pc:docMk/>
-            <pc:sldMk cId="1158769170" sldId="261"/>
-            <ac:spMk id="55" creationId="{5221EB77-8406-48DB-8BFE-486BBA5417EA}"/>
-          </ac:spMkLst>
-        </pc:spChg>
-        <pc:spChg chg="add mod">
-          <ac:chgData name="Marq Gonzales" userId="8a8aa5cc-da4d-4428-991f-d72f7edc4e69" providerId="ADAL" clId="{7E2E03EA-53D8-4529-BA71-E8B3B6257776}" dt="2024-10-01T01:03:37.761" v="1389" actId="1036"/>
-          <ac:spMkLst>
-            <pc:docMk/>
-            <pc:sldMk cId="1158769170" sldId="261"/>
-            <ac:spMk id="56" creationId="{BC843872-B117-4715-AFEB-FDA52621EE92}"/>
-          </ac:spMkLst>
-        </pc:spChg>
-        <pc:spChg chg="add mod">
-          <ac:chgData name="Marq Gonzales" userId="8a8aa5cc-da4d-4428-991f-d72f7edc4e69" providerId="ADAL" clId="{7E2E03EA-53D8-4529-BA71-E8B3B6257776}" dt="2024-10-01T01:03:37.761" v="1389" actId="1036"/>
-          <ac:spMkLst>
-            <pc:docMk/>
-            <pc:sldMk cId="1158769170" sldId="261"/>
-            <ac:spMk id="57" creationId="{885E04ED-DD71-4B17-A7F8-2CB4DA0BD8CB}"/>
-          </ac:spMkLst>
-        </pc:spChg>
-        <pc:spChg chg="add mod">
-          <ac:chgData name="Marq Gonzales" userId="8a8aa5cc-da4d-4428-991f-d72f7edc4e69" providerId="ADAL" clId="{7E2E03EA-53D8-4529-BA71-E8B3B6257776}" dt="2024-10-01T01:03:37.761" v="1389" actId="1036"/>
-          <ac:spMkLst>
-            <pc:docMk/>
-            <pc:sldMk cId="1158769170" sldId="261"/>
-            <ac:spMk id="58" creationId="{BAF12562-5B1C-4035-BE1D-E6EB98822EF0}"/>
-          </ac:spMkLst>
-        </pc:spChg>
-        <pc:spChg chg="add mod">
-          <ac:chgData name="Marq Gonzales" userId="8a8aa5cc-da4d-4428-991f-d72f7edc4e69" providerId="ADAL" clId="{7E2E03EA-53D8-4529-BA71-E8B3B6257776}" dt="2024-10-01T01:03:37.761" v="1389" actId="1036"/>
-          <ac:spMkLst>
-            <pc:docMk/>
-            <pc:sldMk cId="1158769170" sldId="261"/>
-            <ac:spMk id="59" creationId="{463EDB59-EC51-4953-AC52-5BEE12DCDE2E}"/>
-          </ac:spMkLst>
-        </pc:spChg>
-        <pc:spChg chg="add mod">
-          <ac:chgData name="Marq Gonzales" userId="8a8aa5cc-da4d-4428-991f-d72f7edc4e69" providerId="ADAL" clId="{7E2E03EA-53D8-4529-BA71-E8B3B6257776}" dt="2024-10-01T01:03:37.761" v="1389" actId="1036"/>
-          <ac:spMkLst>
-            <pc:docMk/>
-            <pc:sldMk cId="1158769170" sldId="261"/>
-            <ac:spMk id="60" creationId="{C1058AE5-6013-47CA-90AC-EF567D374A1E}"/>
-          </ac:spMkLst>
-        </pc:spChg>
-        <pc:spChg chg="add mod">
-          <ac:chgData name="Marq Gonzales" userId="8a8aa5cc-da4d-4428-991f-d72f7edc4e69" providerId="ADAL" clId="{7E2E03EA-53D8-4529-BA71-E8B3B6257776}" dt="2024-10-01T01:03:37.761" v="1389" actId="1036"/>
-          <ac:spMkLst>
-            <pc:docMk/>
-            <pc:sldMk cId="1158769170" sldId="261"/>
-            <ac:spMk id="61" creationId="{8658A9C9-526F-4CBA-AF92-025F47423992}"/>
-          </ac:spMkLst>
-        </pc:spChg>
-        <pc:spChg chg="add mod">
-          <ac:chgData name="Marq Gonzales" userId="8a8aa5cc-da4d-4428-991f-d72f7edc4e69" providerId="ADAL" clId="{7E2E03EA-53D8-4529-BA71-E8B3B6257776}" dt="2024-10-01T01:03:37.761" v="1389" actId="1036"/>
-          <ac:spMkLst>
-            <pc:docMk/>
-            <pc:sldMk cId="1158769170" sldId="261"/>
-            <ac:spMk id="62" creationId="{4EC17126-D333-4262-847D-E131E7D8A433}"/>
-          </ac:spMkLst>
-        </pc:spChg>
-        <pc:spChg chg="add mod">
-          <ac:chgData name="Marq Gonzales" userId="8a8aa5cc-da4d-4428-991f-d72f7edc4e69" providerId="ADAL" clId="{7E2E03EA-53D8-4529-BA71-E8B3B6257776}" dt="2024-10-01T01:03:37.761" v="1389" actId="1036"/>
-          <ac:spMkLst>
-            <pc:docMk/>
-            <pc:sldMk cId="1158769170" sldId="261"/>
-            <ac:spMk id="63" creationId="{BD5A1E3E-1C48-40B2-8BC7-6E0C164E99B7}"/>
-          </ac:spMkLst>
-        </pc:spChg>
-        <pc:spChg chg="add mod">
-          <ac:chgData name="Marq Gonzales" userId="8a8aa5cc-da4d-4428-991f-d72f7edc4e69" providerId="ADAL" clId="{7E2E03EA-53D8-4529-BA71-E8B3B6257776}" dt="2024-10-01T01:13:55.392" v="1612" actId="14100"/>
-          <ac:spMkLst>
-            <pc:docMk/>
-            <pc:sldMk cId="1158769170" sldId="261"/>
-            <ac:spMk id="64" creationId="{9DB03079-4FA8-4B84-8967-AD0D0833B3C1}"/>
-          </ac:spMkLst>
-        </pc:spChg>
-        <pc:spChg chg="add mod">
-          <ac:chgData name="Marq Gonzales" userId="8a8aa5cc-da4d-4428-991f-d72f7edc4e69" providerId="ADAL" clId="{7E2E03EA-53D8-4529-BA71-E8B3B6257776}" dt="2024-10-01T00:59:26.672" v="1288" actId="1036"/>
-          <ac:spMkLst>
-            <pc:docMk/>
-            <pc:sldMk cId="1158769170" sldId="261"/>
-            <ac:spMk id="65" creationId="{CB02D248-9279-46A7-8761-55E3F154FE61}"/>
-          </ac:spMkLst>
-        </pc:spChg>
-        <pc:spChg chg="add mod">
-          <ac:chgData name="Marq Gonzales" userId="8a8aa5cc-da4d-4428-991f-d72f7edc4e69" providerId="ADAL" clId="{7E2E03EA-53D8-4529-BA71-E8B3B6257776}" dt="2024-10-01T00:59:26.672" v="1288" actId="1036"/>
-          <ac:spMkLst>
-            <pc:docMk/>
-            <pc:sldMk cId="1158769170" sldId="261"/>
-            <ac:spMk id="66" creationId="{BA8E38EE-4631-4B77-9B11-510AE665D5A0}"/>
-          </ac:spMkLst>
-        </pc:spChg>
-        <pc:spChg chg="add mod">
-          <ac:chgData name="Marq Gonzales" userId="8a8aa5cc-da4d-4428-991f-d72f7edc4e69" providerId="ADAL" clId="{7E2E03EA-53D8-4529-BA71-E8B3B6257776}" dt="2024-10-01T00:59:26.672" v="1288" actId="1036"/>
-          <ac:spMkLst>
-            <pc:docMk/>
-            <pc:sldMk cId="1158769170" sldId="261"/>
-            <ac:spMk id="67" creationId="{EDD80C56-B9F4-4AD5-BA5C-43D1801EAAEC}"/>
-          </ac:spMkLst>
-        </pc:spChg>
-        <pc:spChg chg="add mod">
-          <ac:chgData name="Marq Gonzales" userId="8a8aa5cc-da4d-4428-991f-d72f7edc4e69" providerId="ADAL" clId="{7E2E03EA-53D8-4529-BA71-E8B3B6257776}" dt="2024-10-01T00:59:26.672" v="1288" actId="1036"/>
-          <ac:spMkLst>
-            <pc:docMk/>
-            <pc:sldMk cId="1158769170" sldId="261"/>
-            <ac:spMk id="68" creationId="{1195ACC5-3FC8-4FEE-9B34-CDB8F6EBB691}"/>
-          </ac:spMkLst>
-        </pc:spChg>
-        <pc:spChg chg="add mod">
-          <ac:chgData name="Marq Gonzales" userId="8a8aa5cc-da4d-4428-991f-d72f7edc4e69" providerId="ADAL" clId="{7E2E03EA-53D8-4529-BA71-E8B3B6257776}" dt="2024-10-01T00:59:26.672" v="1288" actId="1036"/>
-          <ac:spMkLst>
-            <pc:docMk/>
-            <pc:sldMk cId="1158769170" sldId="261"/>
-            <ac:spMk id="69" creationId="{4FE5903B-EC8C-4BDA-B0C8-B904A1F89EB0}"/>
-          </ac:spMkLst>
-        </pc:spChg>
-        <pc:spChg chg="add mod">
-          <ac:chgData name="Marq Gonzales" userId="8a8aa5cc-da4d-4428-991f-d72f7edc4e69" providerId="ADAL" clId="{7E2E03EA-53D8-4529-BA71-E8B3B6257776}" dt="2024-10-01T00:59:26.672" v="1288" actId="1036"/>
-          <ac:spMkLst>
-            <pc:docMk/>
-            <pc:sldMk cId="1158769170" sldId="261"/>
-            <ac:spMk id="70" creationId="{E0A9B3E0-EF54-4DEF-B91B-90A033534140}"/>
-          </ac:spMkLst>
-        </pc:spChg>
-        <pc:spChg chg="add del mod">
-          <ac:chgData name="Marq Gonzales" userId="8a8aa5cc-da4d-4428-991f-d72f7edc4e69" providerId="ADAL" clId="{7E2E03EA-53D8-4529-BA71-E8B3B6257776}" dt="2024-10-01T01:01:33.525" v="1319" actId="478"/>
-          <ac:spMkLst>
-            <pc:docMk/>
-            <pc:sldMk cId="1158769170" sldId="261"/>
-            <ac:spMk id="71" creationId="{413FD1CC-E60C-4D1F-8B36-D60F62F1ADA5}"/>
-          </ac:spMkLst>
-        </pc:spChg>
-        <pc:spChg chg="add del mod">
-          <ac:chgData name="Marq Gonzales" userId="8a8aa5cc-da4d-4428-991f-d72f7edc4e69" providerId="ADAL" clId="{7E2E03EA-53D8-4529-BA71-E8B3B6257776}" dt="2024-10-01T01:01:33.525" v="1319" actId="478"/>
-          <ac:spMkLst>
-            <pc:docMk/>
-            <pc:sldMk cId="1158769170" sldId="261"/>
-            <ac:spMk id="72" creationId="{6D37E929-0E62-4E2C-9FAB-38AB75162B08}"/>
-          </ac:spMkLst>
-        </pc:spChg>
-        <pc:spChg chg="add del mod">
-          <ac:chgData name="Marq Gonzales" userId="8a8aa5cc-da4d-4428-991f-d72f7edc4e69" providerId="ADAL" clId="{7E2E03EA-53D8-4529-BA71-E8B3B6257776}" dt="2024-10-01T01:01:33.525" v="1319" actId="478"/>
-          <ac:spMkLst>
-            <pc:docMk/>
-            <pc:sldMk cId="1158769170" sldId="261"/>
-            <ac:spMk id="73" creationId="{AB4C0FD0-55DF-4232-8687-6E36C340072C}"/>
-          </ac:spMkLst>
-        </pc:spChg>
-        <pc:spChg chg="add del mod">
-          <ac:chgData name="Marq Gonzales" userId="8a8aa5cc-da4d-4428-991f-d72f7edc4e69" providerId="ADAL" clId="{7E2E03EA-53D8-4529-BA71-E8B3B6257776}" dt="2024-10-01T01:01:33.525" v="1319" actId="478"/>
-          <ac:spMkLst>
-            <pc:docMk/>
-            <pc:sldMk cId="1158769170" sldId="261"/>
-            <ac:spMk id="74" creationId="{4C0D98E1-FDE9-4CA3-A90A-4C76E4EFDA1B}"/>
-          </ac:spMkLst>
-        </pc:spChg>
-        <pc:spChg chg="add del mod">
-          <ac:chgData name="Marq Gonzales" userId="8a8aa5cc-da4d-4428-991f-d72f7edc4e69" providerId="ADAL" clId="{7E2E03EA-53D8-4529-BA71-E8B3B6257776}" dt="2024-10-01T01:01:24.858" v="1311" actId="478"/>
-          <ac:spMkLst>
-            <pc:docMk/>
-            <pc:sldMk cId="1158769170" sldId="261"/>
-            <ac:spMk id="75" creationId="{89BE8D36-BE5A-49ED-BE1C-C813AF33C4AD}"/>
-          </ac:spMkLst>
-        </pc:spChg>
-        <pc:spChg chg="add del mod">
-          <ac:chgData name="Marq Gonzales" userId="8a8aa5cc-da4d-4428-991f-d72f7edc4e69" providerId="ADAL" clId="{7E2E03EA-53D8-4529-BA71-E8B3B6257776}" dt="2024-10-01T01:01:33.525" v="1319" actId="478"/>
-          <ac:spMkLst>
-            <pc:docMk/>
-            <pc:sldMk cId="1158769170" sldId="261"/>
-            <ac:spMk id="76" creationId="{CEBD5E98-57C4-4293-BC93-A35B14608EF8}"/>
-          </ac:spMkLst>
-        </pc:spChg>
-        <pc:spChg chg="add del mod">
-          <ac:chgData name="Marq Gonzales" userId="8a8aa5cc-da4d-4428-991f-d72f7edc4e69" providerId="ADAL" clId="{7E2E03EA-53D8-4529-BA71-E8B3B6257776}" dt="2024-10-01T01:01:33.525" v="1319" actId="478"/>
-          <ac:spMkLst>
-            <pc:docMk/>
-            <pc:sldMk cId="1158769170" sldId="261"/>
-            <ac:spMk id="77" creationId="{A43FF416-590F-4525-AC58-2BF61E31BDA8}"/>
-          </ac:spMkLst>
-        </pc:spChg>
-        <pc:spChg chg="add del mod">
-          <ac:chgData name="Marq Gonzales" userId="8a8aa5cc-da4d-4428-991f-d72f7edc4e69" providerId="ADAL" clId="{7E2E03EA-53D8-4529-BA71-E8B3B6257776}" dt="2024-10-01T01:01:33.525" v="1319" actId="478"/>
-          <ac:spMkLst>
-            <pc:docMk/>
-            <pc:sldMk cId="1158769170" sldId="261"/>
-            <ac:spMk id="78" creationId="{A9C40056-9124-421A-9A0B-BF9D06EE7E4F}"/>
-          </ac:spMkLst>
-        </pc:spChg>
-        <pc:spChg chg="add mod">
-          <ac:chgData name="Marq Gonzales" userId="8a8aa5cc-da4d-4428-991f-d72f7edc4e69" providerId="ADAL" clId="{7E2E03EA-53D8-4529-BA71-E8B3B6257776}" dt="2024-10-01T01:03:35.712" v="1388" actId="1036"/>
-          <ac:spMkLst>
-            <pc:docMk/>
-            <pc:sldMk cId="1158769170" sldId="261"/>
-            <ac:spMk id="79" creationId="{489AB3B9-8B01-46D2-9F40-CBB09DAEA81C}"/>
-          </ac:spMkLst>
-        </pc:spChg>
-        <pc:spChg chg="add del mod">
-          <ac:chgData name="Marq Gonzales" userId="8a8aa5cc-da4d-4428-991f-d72f7edc4e69" providerId="ADAL" clId="{7E2E03EA-53D8-4529-BA71-E8B3B6257776}" dt="2024-10-01T01:02:53.849" v="1350"/>
-          <ac:spMkLst>
-            <pc:docMk/>
-            <pc:sldMk cId="1158769170" sldId="261"/>
-            <ac:spMk id="80" creationId="{12BD55F1-E0F8-43E1-BFAF-BFDA502743C2}"/>
-          </ac:spMkLst>
-        </pc:spChg>
-        <pc:spChg chg="add del mod">
-          <ac:chgData name="Marq Gonzales" userId="8a8aa5cc-da4d-4428-991f-d72f7edc4e69" providerId="ADAL" clId="{7E2E03EA-53D8-4529-BA71-E8B3B6257776}" dt="2024-10-01T01:02:53.849" v="1350"/>
-          <ac:spMkLst>
-            <pc:docMk/>
-            <pc:sldMk cId="1158769170" sldId="261"/>
-            <ac:spMk id="81" creationId="{6493C51C-604D-4123-9BBA-5C24CB45DD80}"/>
-          </ac:spMkLst>
-        </pc:spChg>
-        <pc:spChg chg="add del mod">
-          <ac:chgData name="Marq Gonzales" userId="8a8aa5cc-da4d-4428-991f-d72f7edc4e69" providerId="ADAL" clId="{7E2E03EA-53D8-4529-BA71-E8B3B6257776}" dt="2024-10-01T01:02:53.849" v="1350"/>
-          <ac:spMkLst>
-            <pc:docMk/>
-            <pc:sldMk cId="1158769170" sldId="261"/>
-            <ac:spMk id="82" creationId="{10D588D3-93D9-4608-B796-C2F786E5FE5C}"/>
-          </ac:spMkLst>
-        </pc:spChg>
-        <pc:spChg chg="add del mod">
-          <ac:chgData name="Marq Gonzales" userId="8a8aa5cc-da4d-4428-991f-d72f7edc4e69" providerId="ADAL" clId="{7E2E03EA-53D8-4529-BA71-E8B3B6257776}" dt="2024-10-01T01:02:53.849" v="1350"/>
-          <ac:spMkLst>
-            <pc:docMk/>
-            <pc:sldMk cId="1158769170" sldId="261"/>
-            <ac:spMk id="83" creationId="{3A3D83B9-7013-4E60-890C-2E734A254FCE}"/>
-          </ac:spMkLst>
-        </pc:spChg>
-        <pc:spChg chg="add del mod">
-          <ac:chgData name="Marq Gonzales" userId="8a8aa5cc-da4d-4428-991f-d72f7edc4e69" providerId="ADAL" clId="{7E2E03EA-53D8-4529-BA71-E8B3B6257776}" dt="2024-10-01T01:02:53.849" v="1350"/>
-          <ac:spMkLst>
-            <pc:docMk/>
-            <pc:sldMk cId="1158769170" sldId="261"/>
-            <ac:spMk id="84" creationId="{20E163DB-0BEE-43B8-8BF6-91BF9349555E}"/>
-          </ac:spMkLst>
-        </pc:spChg>
-        <pc:spChg chg="add del mod">
-          <ac:chgData name="Marq Gonzales" userId="8a8aa5cc-da4d-4428-991f-d72f7edc4e69" providerId="ADAL" clId="{7E2E03EA-53D8-4529-BA71-E8B3B6257776}" dt="2024-10-01T01:02:53.617" v="1349"/>
-          <ac:spMkLst>
-            <pc:docMk/>
-            <pc:sldMk cId="1158769170" sldId="261"/>
-            <ac:spMk id="85" creationId="{2119BDEF-1FD1-4EE0-8752-3CF301BE95D8}"/>
-          </ac:spMkLst>
-        </pc:spChg>
-        <pc:spChg chg="add del mod">
-          <ac:chgData name="Marq Gonzales" userId="8a8aa5cc-da4d-4428-991f-d72f7edc4e69" providerId="ADAL" clId="{7E2E03EA-53D8-4529-BA71-E8B3B6257776}" dt="2024-10-01T01:02:53.617" v="1349"/>
-          <ac:spMkLst>
-            <pc:docMk/>
-            <pc:sldMk cId="1158769170" sldId="261"/>
-            <ac:spMk id="86" creationId="{657842F6-C2A9-42CC-A3BF-BA7DD5B4E89B}"/>
-          </ac:spMkLst>
-        </pc:spChg>
-        <pc:spChg chg="add del mod">
-          <ac:chgData name="Marq Gonzales" userId="8a8aa5cc-da4d-4428-991f-d72f7edc4e69" providerId="ADAL" clId="{7E2E03EA-53D8-4529-BA71-E8B3B6257776}" dt="2024-10-01T01:02:53.617" v="1349"/>
-          <ac:spMkLst>
-            <pc:docMk/>
-            <pc:sldMk cId="1158769170" sldId="261"/>
-            <ac:spMk id="87" creationId="{6158DB36-1670-4553-88F3-96BCC7A72BF2}"/>
-          </ac:spMkLst>
-        </pc:spChg>
-        <pc:spChg chg="add del mod">
-          <ac:chgData name="Marq Gonzales" userId="8a8aa5cc-da4d-4428-991f-d72f7edc4e69" providerId="ADAL" clId="{7E2E03EA-53D8-4529-BA71-E8B3B6257776}" dt="2024-10-01T01:02:53.617" v="1349"/>
-          <ac:spMkLst>
-            <pc:docMk/>
-            <pc:sldMk cId="1158769170" sldId="261"/>
-            <ac:spMk id="88" creationId="{B32BFECA-4CBE-4063-9556-B833B55DA42A}"/>
-          </ac:spMkLst>
-        </pc:spChg>
-        <pc:spChg chg="add del mod">
-          <ac:chgData name="Marq Gonzales" userId="8a8aa5cc-da4d-4428-991f-d72f7edc4e69" providerId="ADAL" clId="{7E2E03EA-53D8-4529-BA71-E8B3B6257776}" dt="2024-10-01T01:02:53.617" v="1349"/>
-          <ac:spMkLst>
-            <pc:docMk/>
-            <pc:sldMk cId="1158769170" sldId="261"/>
-            <ac:spMk id="89" creationId="{129BCE60-D131-4E0A-A508-C9C0CCE9BF20}"/>
-          </ac:spMkLst>
-        </pc:spChg>
-        <pc:spChg chg="add mod">
-          <ac:chgData name="Marq Gonzales" userId="8a8aa5cc-da4d-4428-991f-d72f7edc4e69" providerId="ADAL" clId="{7E2E03EA-53D8-4529-BA71-E8B3B6257776}" dt="2024-10-01T01:03:08.913" v="1360" actId="14100"/>
-          <ac:spMkLst>
-            <pc:docMk/>
-            <pc:sldMk cId="1158769170" sldId="261"/>
-            <ac:spMk id="90" creationId="{88740BD7-5D78-4BF2-9A52-9B1244564953}"/>
-          </ac:spMkLst>
-        </pc:spChg>
-        <pc:spChg chg="add mod">
-          <ac:chgData name="Marq Gonzales" userId="8a8aa5cc-da4d-4428-991f-d72f7edc4e69" providerId="ADAL" clId="{7E2E03EA-53D8-4529-BA71-E8B3B6257776}" dt="2024-10-01T01:03:23.780" v="1384" actId="20577"/>
-          <ac:spMkLst>
-            <pc:docMk/>
-            <pc:sldMk cId="1158769170" sldId="261"/>
-            <ac:spMk id="91" creationId="{8560BAF3-821A-4DB9-8699-F3965E88D886}"/>
-          </ac:spMkLst>
-        </pc:spChg>
-        <pc:spChg chg="add mod">
-          <ac:chgData name="Marq Gonzales" userId="8a8aa5cc-da4d-4428-991f-d72f7edc4e69" providerId="ADAL" clId="{7E2E03EA-53D8-4529-BA71-E8B3B6257776}" dt="2024-10-01T01:03:08.913" v="1360" actId="14100"/>
-          <ac:spMkLst>
-            <pc:docMk/>
-            <pc:sldMk cId="1158769170" sldId="261"/>
-            <ac:spMk id="92" creationId="{1638563C-09E1-49C0-A1EB-3B68D5FE7BA5}"/>
-          </ac:spMkLst>
-        </pc:spChg>
-        <pc:spChg chg="add mod">
-          <ac:chgData name="Marq Gonzales" userId="8a8aa5cc-da4d-4428-991f-d72f7edc4e69" providerId="ADAL" clId="{7E2E03EA-53D8-4529-BA71-E8B3B6257776}" dt="2024-10-01T01:03:08.913" v="1360" actId="14100"/>
-          <ac:spMkLst>
-            <pc:docMk/>
-            <pc:sldMk cId="1158769170" sldId="261"/>
-            <ac:spMk id="93" creationId="{8094A295-B195-4449-901E-966243FC2E48}"/>
-          </ac:spMkLst>
-        </pc:spChg>
-        <pc:spChg chg="add mod">
-          <ac:chgData name="Marq Gonzales" userId="8a8aa5cc-da4d-4428-991f-d72f7edc4e69" providerId="ADAL" clId="{7E2E03EA-53D8-4529-BA71-E8B3B6257776}" dt="2024-10-01T01:03:19.739" v="1377" actId="20577"/>
-          <ac:spMkLst>
-            <pc:docMk/>
-            <pc:sldMk cId="1158769170" sldId="261"/>
-            <ac:spMk id="94" creationId="{77AFF2F8-AD1A-4A3D-8E0D-EF48C6E4AB87}"/>
-          </ac:spMkLst>
-        </pc:spChg>
-        <pc:spChg chg="add del mod">
-          <ac:chgData name="Marq Gonzales" userId="8a8aa5cc-da4d-4428-991f-d72f7edc4e69" providerId="ADAL" clId="{7E2E03EA-53D8-4529-BA71-E8B3B6257776}" dt="2024-10-01T01:11:47.202" v="1555"/>
-          <ac:spMkLst>
-            <pc:docMk/>
-            <pc:sldMk cId="1158769170" sldId="261"/>
-            <ac:spMk id="95" creationId="{71621573-DA42-46B2-8F42-111E3BD33E72}"/>
-          </ac:spMkLst>
-        </pc:spChg>
-        <pc:grpChg chg="del">
-          <ac:chgData name="Marq Gonzales" userId="8a8aa5cc-da4d-4428-991f-d72f7edc4e69" providerId="ADAL" clId="{7E2E03EA-53D8-4529-BA71-E8B3B6257776}" dt="2024-10-01T00:42:38.178" v="609" actId="478"/>
-          <ac:grpSpMkLst>
-            <pc:docMk/>
-            <pc:sldMk cId="1158769170" sldId="261"/>
-            <ac:grpSpMk id="23" creationId="{806FFEB5-4386-4134-BD1F-C28B30B4F233}"/>
-          </ac:grpSpMkLst>
-        </pc:grpChg>
-        <pc:picChg chg="del">
-          <ac:chgData name="Marq Gonzales" userId="8a8aa5cc-da4d-4428-991f-d72f7edc4e69" providerId="ADAL" clId="{7E2E03EA-53D8-4529-BA71-E8B3B6257776}" dt="2024-10-01T00:42:38.178" v="609" actId="478"/>
-          <ac:picMkLst>
-            <pc:docMk/>
-            <pc:sldMk cId="1158769170" sldId="261"/>
-            <ac:picMk id="2" creationId="{E0A74331-5653-4320-A367-F387E8B26A3E}"/>
-          </ac:picMkLst>
-        </pc:picChg>
-        <pc:picChg chg="del">
-          <ac:chgData name="Marq Gonzales" userId="8a8aa5cc-da4d-4428-991f-d72f7edc4e69" providerId="ADAL" clId="{7E2E03EA-53D8-4529-BA71-E8B3B6257776}" dt="2024-10-01T00:42:38.178" v="609" actId="478"/>
-          <ac:picMkLst>
-            <pc:docMk/>
-            <pc:sldMk cId="1158769170" sldId="261"/>
-            <ac:picMk id="30" creationId="{5CDFD572-9DA1-4698-B926-A59845F6856C}"/>
-          </ac:picMkLst>
-        </pc:picChg>
-      </pc:sldChg>
-    </pc:docChg>
-  </pc:docChgLst>
-  <pc:docChgLst>
-    <pc:chgData name="Marq Gonzales" userId="8a8aa5cc-da4d-4428-991f-d72f7edc4e69" providerId="ADAL" clId="{17E9AA18-5B07-4BF5-9104-333A15C8E89C}"/>
-    <pc:docChg chg="custSel addSld delSld modSld">
-      <pc:chgData name="Marq Gonzales" userId="8a8aa5cc-da4d-4428-991f-d72f7edc4e69" providerId="ADAL" clId="{17E9AA18-5B07-4BF5-9104-333A15C8E89C}" dt="2024-10-03T02:16:58.276" v="43" actId="2696"/>
-      <pc:docMkLst>
-        <pc:docMk/>
-      </pc:docMkLst>
-      <pc:sldChg chg="delSp modSp mod">
-        <pc:chgData name="Marq Gonzales" userId="8a8aa5cc-da4d-4428-991f-d72f7edc4e69" providerId="ADAL" clId="{17E9AA18-5B07-4BF5-9104-333A15C8E89C}" dt="2024-10-02T10:35:05.279" v="41" actId="207"/>
-        <pc:sldMkLst>
-          <pc:docMk/>
-          <pc:sldMk cId="2223823784" sldId="257"/>
-        </pc:sldMkLst>
-        <pc:spChg chg="mod">
-          <ac:chgData name="Marq Gonzales" userId="8a8aa5cc-da4d-4428-991f-d72f7edc4e69" providerId="ADAL" clId="{17E9AA18-5B07-4BF5-9104-333A15C8E89C}" dt="2024-10-02T05:54:52.084" v="39" actId="1036"/>
-          <ac:spMkLst>
-            <pc:docMk/>
-            <pc:sldMk cId="2223823784" sldId="257"/>
-            <ac:spMk id="21" creationId="{BFB71818-581A-4B3F-B3E6-10D2A25AE77C}"/>
-          </ac:spMkLst>
-        </pc:spChg>
-        <pc:spChg chg="mod">
-          <ac:chgData name="Marq Gonzales" userId="8a8aa5cc-da4d-4428-991f-d72f7edc4e69" providerId="ADAL" clId="{17E9AA18-5B07-4BF5-9104-333A15C8E89C}" dt="2024-10-02T05:54:52.084" v="39" actId="1036"/>
-          <ac:spMkLst>
-            <pc:docMk/>
-            <pc:sldMk cId="2223823784" sldId="257"/>
-            <ac:spMk id="22" creationId="{8E091E8D-F1E2-4DB6-9E96-DCE6D01E8BA1}"/>
-          </ac:spMkLst>
-        </pc:spChg>
-        <pc:spChg chg="mod">
-          <ac:chgData name="Marq Gonzales" userId="8a8aa5cc-da4d-4428-991f-d72f7edc4e69" providerId="ADAL" clId="{17E9AA18-5B07-4BF5-9104-333A15C8E89C}" dt="2024-10-02T05:54:52.084" v="39" actId="1036"/>
-          <ac:spMkLst>
-            <pc:docMk/>
-            <pc:sldMk cId="2223823784" sldId="257"/>
-            <ac:spMk id="23" creationId="{73BF7D0D-4D2C-4F36-A0C6-8A28B18C5BA8}"/>
-          </ac:spMkLst>
-        </pc:spChg>
-        <pc:spChg chg="mod">
-          <ac:chgData name="Marq Gonzales" userId="8a8aa5cc-da4d-4428-991f-d72f7edc4e69" providerId="ADAL" clId="{17E9AA18-5B07-4BF5-9104-333A15C8E89C}" dt="2024-10-02T05:54:52.084" v="39" actId="1036"/>
-          <ac:spMkLst>
-            <pc:docMk/>
-            <pc:sldMk cId="2223823784" sldId="257"/>
-            <ac:spMk id="25" creationId="{4223E682-0182-4E01-A16E-316FC615F5BB}"/>
-          </ac:spMkLst>
-        </pc:spChg>
-        <pc:spChg chg="mod">
-          <ac:chgData name="Marq Gonzales" userId="8a8aa5cc-da4d-4428-991f-d72f7edc4e69" providerId="ADAL" clId="{17E9AA18-5B07-4BF5-9104-333A15C8E89C}" dt="2024-10-02T05:54:52.084" v="39" actId="1036"/>
-          <ac:spMkLst>
-            <pc:docMk/>
-            <pc:sldMk cId="2223823784" sldId="257"/>
-            <ac:spMk id="26" creationId="{F4535406-3C5E-43E4-B079-1519A85F5A0F}"/>
-          </ac:spMkLst>
-        </pc:spChg>
-        <pc:spChg chg="mod">
-          <ac:chgData name="Marq Gonzales" userId="8a8aa5cc-da4d-4428-991f-d72f7edc4e69" providerId="ADAL" clId="{17E9AA18-5B07-4BF5-9104-333A15C8E89C}" dt="2024-10-02T05:54:52.084" v="39" actId="1036"/>
-          <ac:spMkLst>
-            <pc:docMk/>
-            <pc:sldMk cId="2223823784" sldId="257"/>
-            <ac:spMk id="27" creationId="{2F48B041-03E4-45C5-A429-CC2B9A502467}"/>
-          </ac:spMkLst>
-        </pc:spChg>
-        <pc:spChg chg="mod">
-          <ac:chgData name="Marq Gonzales" userId="8a8aa5cc-da4d-4428-991f-d72f7edc4e69" providerId="ADAL" clId="{17E9AA18-5B07-4BF5-9104-333A15C8E89C}" dt="2024-10-02T05:54:52.084" v="39" actId="1036"/>
-          <ac:spMkLst>
-            <pc:docMk/>
-            <pc:sldMk cId="2223823784" sldId="257"/>
-            <ac:spMk id="29" creationId="{9DC78CB5-2CC4-4AE5-92C6-EDC6879BA1B2}"/>
-          </ac:spMkLst>
-        </pc:spChg>
-        <pc:spChg chg="mod">
-          <ac:chgData name="Marq Gonzales" userId="8a8aa5cc-da4d-4428-991f-d72f7edc4e69" providerId="ADAL" clId="{17E9AA18-5B07-4BF5-9104-333A15C8E89C}" dt="2024-10-02T05:54:52.084" v="39" actId="1036"/>
-          <ac:spMkLst>
-            <pc:docMk/>
-            <pc:sldMk cId="2223823784" sldId="257"/>
-            <ac:spMk id="30" creationId="{46457596-43AC-487C-9930-20211D647E90}"/>
-          </ac:spMkLst>
-        </pc:spChg>
-        <pc:spChg chg="mod">
-          <ac:chgData name="Marq Gonzales" userId="8a8aa5cc-da4d-4428-991f-d72f7edc4e69" providerId="ADAL" clId="{17E9AA18-5B07-4BF5-9104-333A15C8E89C}" dt="2024-10-02T05:54:52.084" v="39" actId="1036"/>
-          <ac:spMkLst>
-            <pc:docMk/>
-            <pc:sldMk cId="2223823784" sldId="257"/>
-            <ac:spMk id="31" creationId="{921377E4-D502-4E23-8383-C2E78426AEF9}"/>
-          </ac:spMkLst>
-        </pc:spChg>
-        <pc:spChg chg="mod">
-          <ac:chgData name="Marq Gonzales" userId="8a8aa5cc-da4d-4428-991f-d72f7edc4e69" providerId="ADAL" clId="{17E9AA18-5B07-4BF5-9104-333A15C8E89C}" dt="2024-10-02T05:54:52.084" v="39" actId="1036"/>
-          <ac:spMkLst>
-            <pc:docMk/>
-            <pc:sldMk cId="2223823784" sldId="257"/>
-            <ac:spMk id="33" creationId="{D434FF03-35FB-4DA1-907A-6F2556D6E0ED}"/>
-          </ac:spMkLst>
-        </pc:spChg>
-        <pc:spChg chg="mod">
-          <ac:chgData name="Marq Gonzales" userId="8a8aa5cc-da4d-4428-991f-d72f7edc4e69" providerId="ADAL" clId="{17E9AA18-5B07-4BF5-9104-333A15C8E89C}" dt="2024-10-02T05:54:52.084" v="39" actId="1036"/>
-          <ac:spMkLst>
-            <pc:docMk/>
-            <pc:sldMk cId="2223823784" sldId="257"/>
-            <ac:spMk id="34" creationId="{CDEC40D1-B4E0-4F04-BE07-EF9641127EC9}"/>
-          </ac:spMkLst>
-        </pc:spChg>
-        <pc:spChg chg="mod">
-          <ac:chgData name="Marq Gonzales" userId="8a8aa5cc-da4d-4428-991f-d72f7edc4e69" providerId="ADAL" clId="{17E9AA18-5B07-4BF5-9104-333A15C8E89C}" dt="2024-10-02T05:54:52.084" v="39" actId="1036"/>
-          <ac:spMkLst>
-            <pc:docMk/>
-            <pc:sldMk cId="2223823784" sldId="257"/>
-            <ac:spMk id="35" creationId="{115C2C40-D84E-40C5-80A0-E81650321E84}"/>
-          </ac:spMkLst>
-        </pc:spChg>
-        <pc:spChg chg="mod">
-          <ac:chgData name="Marq Gonzales" userId="8a8aa5cc-da4d-4428-991f-d72f7edc4e69" providerId="ADAL" clId="{17E9AA18-5B07-4BF5-9104-333A15C8E89C}" dt="2024-10-02T05:54:52.084" v="39" actId="1036"/>
-          <ac:spMkLst>
-            <pc:docMk/>
-            <pc:sldMk cId="2223823784" sldId="257"/>
-            <ac:spMk id="37" creationId="{195BC12B-3DCE-42AC-B84D-86DCAC6198AC}"/>
-          </ac:spMkLst>
-        </pc:spChg>
-        <pc:spChg chg="mod">
-          <ac:chgData name="Marq Gonzales" userId="8a8aa5cc-da4d-4428-991f-d72f7edc4e69" providerId="ADAL" clId="{17E9AA18-5B07-4BF5-9104-333A15C8E89C}" dt="2024-10-02T05:54:52.084" v="39" actId="1036"/>
-          <ac:spMkLst>
-            <pc:docMk/>
-            <pc:sldMk cId="2223823784" sldId="257"/>
-            <ac:spMk id="38" creationId="{A284F295-22E1-4BED-863F-9B04B2282289}"/>
-          </ac:spMkLst>
-        </pc:spChg>
-        <pc:spChg chg="mod">
-          <ac:chgData name="Marq Gonzales" userId="8a8aa5cc-da4d-4428-991f-d72f7edc4e69" providerId="ADAL" clId="{17E9AA18-5B07-4BF5-9104-333A15C8E89C}" dt="2024-10-02T05:54:52.084" v="39" actId="1036"/>
-          <ac:spMkLst>
-            <pc:docMk/>
-            <pc:sldMk cId="2223823784" sldId="257"/>
-            <ac:spMk id="39" creationId="{C9920877-CC18-4B7B-8347-EED95C153148}"/>
-          </ac:spMkLst>
-        </pc:spChg>
-        <pc:spChg chg="mod">
-          <ac:chgData name="Marq Gonzales" userId="8a8aa5cc-da4d-4428-991f-d72f7edc4e69" providerId="ADAL" clId="{17E9AA18-5B07-4BF5-9104-333A15C8E89C}" dt="2024-10-02T05:54:52.084" v="39" actId="1036"/>
-          <ac:spMkLst>
-            <pc:docMk/>
-            <pc:sldMk cId="2223823784" sldId="257"/>
-            <ac:spMk id="40" creationId="{99554871-0EA3-4337-9878-9C822E31ACD1}"/>
-          </ac:spMkLst>
-        </pc:spChg>
-        <pc:spChg chg="del">
-          <ac:chgData name="Marq Gonzales" userId="8a8aa5cc-da4d-4428-991f-d72f7edc4e69" providerId="ADAL" clId="{17E9AA18-5B07-4BF5-9104-333A15C8E89C}" dt="2024-10-02T05:54:43.795" v="15" actId="478"/>
-          <ac:spMkLst>
-            <pc:docMk/>
-            <pc:sldMk cId="2223823784" sldId="257"/>
-            <ac:spMk id="43" creationId="{CA909FA3-6B14-4B0C-85D2-3C7C2D54F7C0}"/>
-          </ac:spMkLst>
-        </pc:spChg>
-        <pc:spChg chg="del">
-          <ac:chgData name="Marq Gonzales" userId="8a8aa5cc-da4d-4428-991f-d72f7edc4e69" providerId="ADAL" clId="{17E9AA18-5B07-4BF5-9104-333A15C8E89C}" dt="2024-10-02T05:54:45.348" v="16" actId="478"/>
-          <ac:spMkLst>
-            <pc:docMk/>
-            <pc:sldMk cId="2223823784" sldId="257"/>
-            <ac:spMk id="44" creationId="{1D72D137-6AD2-4B1C-9DA2-7B6C43F20CD4}"/>
-          </ac:spMkLst>
-        </pc:spChg>
-        <pc:spChg chg="mod">
-          <ac:chgData name="Marq Gonzales" userId="8a8aa5cc-da4d-4428-991f-d72f7edc4e69" providerId="ADAL" clId="{17E9AA18-5B07-4BF5-9104-333A15C8E89C}" dt="2024-10-02T10:35:05.279" v="41" actId="207"/>
-          <ac:spMkLst>
-            <pc:docMk/>
-            <pc:sldMk cId="2223823784" sldId="257"/>
-            <ac:spMk id="55" creationId="{9FCF40C6-3D8B-45D4-9A80-AF64B41E2FF5}"/>
-          </ac:spMkLst>
-        </pc:spChg>
-        <pc:picChg chg="mod">
-          <ac:chgData name="Marq Gonzales" userId="8a8aa5cc-da4d-4428-991f-d72f7edc4e69" providerId="ADAL" clId="{17E9AA18-5B07-4BF5-9104-333A15C8E89C}" dt="2024-10-02T05:54:52.084" v="39" actId="1036"/>
-          <ac:picMkLst>
-            <pc:docMk/>
-            <pc:sldMk cId="2223823784" sldId="257"/>
-            <ac:picMk id="24" creationId="{BCD36225-30D9-4E7E-B3F0-6E8555719B0A}"/>
-          </ac:picMkLst>
-        </pc:picChg>
-        <pc:picChg chg="mod">
-          <ac:chgData name="Marq Gonzales" userId="8a8aa5cc-da4d-4428-991f-d72f7edc4e69" providerId="ADAL" clId="{17E9AA18-5B07-4BF5-9104-333A15C8E89C}" dt="2024-10-02T05:54:52.084" v="39" actId="1036"/>
-          <ac:picMkLst>
-            <pc:docMk/>
-            <pc:sldMk cId="2223823784" sldId="257"/>
-            <ac:picMk id="28" creationId="{92AE064B-5C7F-4BE6-A039-259199C8DB04}"/>
-          </ac:picMkLst>
-        </pc:picChg>
-        <pc:picChg chg="mod">
-          <ac:chgData name="Marq Gonzales" userId="8a8aa5cc-da4d-4428-991f-d72f7edc4e69" providerId="ADAL" clId="{17E9AA18-5B07-4BF5-9104-333A15C8E89C}" dt="2024-10-02T05:54:52.084" v="39" actId="1036"/>
-          <ac:picMkLst>
-            <pc:docMk/>
-            <pc:sldMk cId="2223823784" sldId="257"/>
-            <ac:picMk id="32" creationId="{E37D0BBC-F858-4F59-A730-914C52651A90}"/>
-          </ac:picMkLst>
-        </pc:picChg>
-        <pc:picChg chg="mod">
-          <ac:chgData name="Marq Gonzales" userId="8a8aa5cc-da4d-4428-991f-d72f7edc4e69" providerId="ADAL" clId="{17E9AA18-5B07-4BF5-9104-333A15C8E89C}" dt="2024-10-02T05:54:52.084" v="39" actId="1036"/>
-          <ac:picMkLst>
-            <pc:docMk/>
-            <pc:sldMk cId="2223823784" sldId="257"/>
-            <ac:picMk id="36" creationId="{677FC680-069A-4764-9915-2174689A499C}"/>
-          </ac:picMkLst>
-        </pc:picChg>
-        <pc:picChg chg="del">
-          <ac:chgData name="Marq Gonzales" userId="8a8aa5cc-da4d-4428-991f-d72f7edc4e69" providerId="ADAL" clId="{17E9AA18-5B07-4BF5-9104-333A15C8E89C}" dt="2024-10-02T05:54:45.348" v="16" actId="478"/>
-          <ac:picMkLst>
-            <pc:docMk/>
-            <pc:sldMk cId="2223823784" sldId="257"/>
-            <ac:picMk id="45" creationId="{C4BE9311-360F-45C9-A798-F91AA2A77EF0}"/>
-          </ac:picMkLst>
-        </pc:picChg>
-      </pc:sldChg>
-      <pc:sldChg chg="addSp delSp modSp new del mod">
-        <pc:chgData name="Marq Gonzales" userId="8a8aa5cc-da4d-4428-991f-d72f7edc4e69" providerId="ADAL" clId="{17E9AA18-5B07-4BF5-9104-333A15C8E89C}" dt="2024-10-03T02:16:58.276" v="43" actId="2696"/>
-        <pc:sldMkLst>
-          <pc:docMk/>
-          <pc:sldMk cId="607385192" sldId="262"/>
-        </pc:sldMkLst>
-        <pc:spChg chg="del">
-          <ac:chgData name="Marq Gonzales" userId="8a8aa5cc-da4d-4428-991f-d72f7edc4e69" providerId="ADAL" clId="{17E9AA18-5B07-4BF5-9104-333A15C8E89C}" dt="2024-10-02T00:39:28.778" v="1" actId="478"/>
-          <ac:spMkLst>
-            <pc:docMk/>
-            <pc:sldMk cId="607385192" sldId="262"/>
-            <ac:spMk id="2" creationId="{C2AED960-D5A7-443A-8F5B-811EF593E915}"/>
-          </ac:spMkLst>
-        </pc:spChg>
-        <pc:spChg chg="del">
-          <ac:chgData name="Marq Gonzales" userId="8a8aa5cc-da4d-4428-991f-d72f7edc4e69" providerId="ADAL" clId="{17E9AA18-5B07-4BF5-9104-333A15C8E89C}" dt="2024-10-02T00:39:28.778" v="1" actId="478"/>
-          <ac:spMkLst>
-            <pc:docMk/>
-            <pc:sldMk cId="607385192" sldId="262"/>
-            <ac:spMk id="3" creationId="{4463C1B8-21E1-4911-BA00-A681C3EDC8CE}"/>
-          </ac:spMkLst>
-        </pc:spChg>
-        <pc:spChg chg="add del mod">
-          <ac:chgData name="Marq Gonzales" userId="8a8aa5cc-da4d-4428-991f-d72f7edc4e69" providerId="ADAL" clId="{17E9AA18-5B07-4BF5-9104-333A15C8E89C}" dt="2024-10-02T00:39:36.088" v="3"/>
-          <ac:spMkLst>
-            <pc:docMk/>
-            <pc:sldMk cId="607385192" sldId="262"/>
-            <ac:spMk id="4" creationId="{16B6DB7C-D0E2-4B39-9B6E-E4FFE7A5CACC}"/>
-          </ac:spMkLst>
-        </pc:spChg>
-        <pc:spChg chg="add del mod">
-          <ac:chgData name="Marq Gonzales" userId="8a8aa5cc-da4d-4428-991f-d72f7edc4e69" providerId="ADAL" clId="{17E9AA18-5B07-4BF5-9104-333A15C8E89C}" dt="2024-10-02T00:39:36.088" v="3"/>
-          <ac:spMkLst>
-            <pc:docMk/>
-            <pc:sldMk cId="607385192" sldId="262"/>
-            <ac:spMk id="5" creationId="{A44EC9B9-8200-49F2-865A-F1AAC2D1EC81}"/>
-          </ac:spMkLst>
-        </pc:spChg>
-        <pc:spChg chg="mod">
-          <ac:chgData name="Marq Gonzales" userId="8a8aa5cc-da4d-4428-991f-d72f7edc4e69" providerId="ADAL" clId="{17E9AA18-5B07-4BF5-9104-333A15C8E89C}" dt="2024-10-02T00:39:29.437" v="2"/>
-          <ac:spMkLst>
-            <pc:docMk/>
-            <pc:sldMk cId="607385192" sldId="262"/>
-            <ac:spMk id="7" creationId="{EE5233E0-72C1-4BEE-9F9C-5FEA9894ED4F}"/>
-          </ac:spMkLst>
-        </pc:spChg>
-        <pc:spChg chg="add del mod">
-          <ac:chgData name="Marq Gonzales" userId="8a8aa5cc-da4d-4428-991f-d72f7edc4e69" providerId="ADAL" clId="{17E9AA18-5B07-4BF5-9104-333A15C8E89C}" dt="2024-10-02T00:39:36.088" v="3"/>
-          <ac:spMkLst>
-            <pc:docMk/>
-            <pc:sldMk cId="607385192" sldId="262"/>
-            <ac:spMk id="10" creationId="{47BB90B4-C2E6-4BE1-BB72-54CF601B381A}"/>
-          </ac:spMkLst>
-        </pc:spChg>
-        <pc:spChg chg="add del mod">
-          <ac:chgData name="Marq Gonzales" userId="8a8aa5cc-da4d-4428-991f-d72f7edc4e69" providerId="ADAL" clId="{17E9AA18-5B07-4BF5-9104-333A15C8E89C}" dt="2024-10-02T00:39:36.088" v="3"/>
-          <ac:spMkLst>
-            <pc:docMk/>
-            <pc:sldMk cId="607385192" sldId="262"/>
-            <ac:spMk id="11" creationId="{F1E3531E-A3D4-4B78-96B9-A7B09015609C}"/>
-          </ac:spMkLst>
-        </pc:spChg>
-        <pc:spChg chg="add del mod">
-          <ac:chgData name="Marq Gonzales" userId="8a8aa5cc-da4d-4428-991f-d72f7edc4e69" providerId="ADAL" clId="{17E9AA18-5B07-4BF5-9104-333A15C8E89C}" dt="2024-10-02T00:39:36.088" v="3"/>
-          <ac:spMkLst>
-            <pc:docMk/>
-            <pc:sldMk cId="607385192" sldId="262"/>
-            <ac:spMk id="12" creationId="{89455834-298C-4CA8-BE94-6087B783DBF2}"/>
-          </ac:spMkLst>
-        </pc:spChg>
-        <pc:spChg chg="add del mod">
-          <ac:chgData name="Marq Gonzales" userId="8a8aa5cc-da4d-4428-991f-d72f7edc4e69" providerId="ADAL" clId="{17E9AA18-5B07-4BF5-9104-333A15C8E89C}" dt="2024-10-02T00:39:36.088" v="3"/>
-          <ac:spMkLst>
-            <pc:docMk/>
-            <pc:sldMk cId="607385192" sldId="262"/>
-            <ac:spMk id="14" creationId="{D7B76A66-5E45-460F-8BDF-DEFD77BFDF40}"/>
-          </ac:spMkLst>
-        </pc:spChg>
-        <pc:spChg chg="add del mod">
-          <ac:chgData name="Marq Gonzales" userId="8a8aa5cc-da4d-4428-991f-d72f7edc4e69" providerId="ADAL" clId="{17E9AA18-5B07-4BF5-9104-333A15C8E89C}" dt="2024-10-02T00:39:36.088" v="3"/>
-          <ac:spMkLst>
-            <pc:docMk/>
-            <pc:sldMk cId="607385192" sldId="262"/>
-            <ac:spMk id="16" creationId="{615992A9-58D9-4773-965E-9A0773336B00}"/>
-          </ac:spMkLst>
-        </pc:spChg>
-        <pc:spChg chg="add del mod">
-          <ac:chgData name="Marq Gonzales" userId="8a8aa5cc-da4d-4428-991f-d72f7edc4e69" providerId="ADAL" clId="{17E9AA18-5B07-4BF5-9104-333A15C8E89C}" dt="2024-10-02T00:39:36.088" v="3"/>
-          <ac:spMkLst>
-            <pc:docMk/>
-            <pc:sldMk cId="607385192" sldId="262"/>
-            <ac:spMk id="17" creationId="{67276173-10CD-4931-9DBD-F7421DA7B56E}"/>
-          </ac:spMkLst>
-        </pc:spChg>
-        <pc:spChg chg="add del mod">
-          <ac:chgData name="Marq Gonzales" userId="8a8aa5cc-da4d-4428-991f-d72f7edc4e69" providerId="ADAL" clId="{17E9AA18-5B07-4BF5-9104-333A15C8E89C}" dt="2024-10-02T00:39:36.088" v="3"/>
-          <ac:spMkLst>
-            <pc:docMk/>
-            <pc:sldMk cId="607385192" sldId="262"/>
-            <ac:spMk id="18" creationId="{4EA409B1-1CC1-4B14-84C9-00962E53EBA3}"/>
-          </ac:spMkLst>
-        </pc:spChg>
-        <pc:spChg chg="add del mod">
-          <ac:chgData name="Marq Gonzales" userId="8a8aa5cc-da4d-4428-991f-d72f7edc4e69" providerId="ADAL" clId="{17E9AA18-5B07-4BF5-9104-333A15C8E89C}" dt="2024-10-02T00:39:36.088" v="3"/>
-          <ac:spMkLst>
-            <pc:docMk/>
-            <pc:sldMk cId="607385192" sldId="262"/>
-            <ac:spMk id="19" creationId="{C9907F6B-9DE6-4CF7-BFFD-B8328B37C8A6}"/>
-          </ac:spMkLst>
-        </pc:spChg>
-        <pc:spChg chg="add del mod">
-          <ac:chgData name="Marq Gonzales" userId="8a8aa5cc-da4d-4428-991f-d72f7edc4e69" providerId="ADAL" clId="{17E9AA18-5B07-4BF5-9104-333A15C8E89C}" dt="2024-10-02T00:39:36.088" v="3"/>
-          <ac:spMkLst>
-            <pc:docMk/>
-            <pc:sldMk cId="607385192" sldId="262"/>
-            <ac:spMk id="20" creationId="{46E063F3-A3D0-4597-9F05-8AD8B6E93694}"/>
-          </ac:spMkLst>
-        </pc:spChg>
-        <pc:spChg chg="add del mod">
-          <ac:chgData name="Marq Gonzales" userId="8a8aa5cc-da4d-4428-991f-d72f7edc4e69" providerId="ADAL" clId="{17E9AA18-5B07-4BF5-9104-333A15C8E89C}" dt="2024-10-02T00:39:36.088" v="3"/>
-          <ac:spMkLst>
-            <pc:docMk/>
-            <pc:sldMk cId="607385192" sldId="262"/>
-            <ac:spMk id="22" creationId="{C975A348-FB2C-4407-B4A6-67FD86503821}"/>
-          </ac:spMkLst>
-        </pc:spChg>
-        <pc:spChg chg="add del mod">
-          <ac:chgData name="Marq Gonzales" userId="8a8aa5cc-da4d-4428-991f-d72f7edc4e69" providerId="ADAL" clId="{17E9AA18-5B07-4BF5-9104-333A15C8E89C}" dt="2024-10-02T00:39:36.088" v="3"/>
-          <ac:spMkLst>
-            <pc:docMk/>
-            <pc:sldMk cId="607385192" sldId="262"/>
-            <ac:spMk id="23" creationId="{A3B51459-4936-4693-A4BA-95D93E5678DD}"/>
-          </ac:spMkLst>
-        </pc:spChg>
-        <pc:spChg chg="add del mod">
-          <ac:chgData name="Marq Gonzales" userId="8a8aa5cc-da4d-4428-991f-d72f7edc4e69" providerId="ADAL" clId="{17E9AA18-5B07-4BF5-9104-333A15C8E89C}" dt="2024-10-02T00:39:36.088" v="3"/>
-          <ac:spMkLst>
-            <pc:docMk/>
-            <pc:sldMk cId="607385192" sldId="262"/>
-            <ac:spMk id="24" creationId="{A04B27B6-B829-4DA4-BAF7-752DFDF3FFBF}"/>
-          </ac:spMkLst>
-        </pc:spChg>
-        <pc:spChg chg="add del mod">
-          <ac:chgData name="Marq Gonzales" userId="8a8aa5cc-da4d-4428-991f-d72f7edc4e69" providerId="ADAL" clId="{17E9AA18-5B07-4BF5-9104-333A15C8E89C}" dt="2024-10-02T00:39:36.088" v="3"/>
-          <ac:spMkLst>
-            <pc:docMk/>
-            <pc:sldMk cId="607385192" sldId="262"/>
-            <ac:spMk id="26" creationId="{7C25580C-393D-49D7-853C-3AFC720A0361}"/>
-          </ac:spMkLst>
-        </pc:spChg>
-        <pc:spChg chg="add del mod">
-          <ac:chgData name="Marq Gonzales" userId="8a8aa5cc-da4d-4428-991f-d72f7edc4e69" providerId="ADAL" clId="{17E9AA18-5B07-4BF5-9104-333A15C8E89C}" dt="2024-10-02T00:39:36.088" v="3"/>
-          <ac:spMkLst>
-            <pc:docMk/>
-            <pc:sldMk cId="607385192" sldId="262"/>
-            <ac:spMk id="27" creationId="{9CDEF441-84E0-4898-9B09-BFB52E243631}"/>
-          </ac:spMkLst>
-        </pc:spChg>
-        <pc:spChg chg="add del mod">
-          <ac:chgData name="Marq Gonzales" userId="8a8aa5cc-da4d-4428-991f-d72f7edc4e69" providerId="ADAL" clId="{17E9AA18-5B07-4BF5-9104-333A15C8E89C}" dt="2024-10-02T00:39:36.088" v="3"/>
-          <ac:spMkLst>
-            <pc:docMk/>
-            <pc:sldMk cId="607385192" sldId="262"/>
-            <ac:spMk id="28" creationId="{BD784370-7F33-4AAC-AD94-8CFD63637F8F}"/>
-          </ac:spMkLst>
-        </pc:spChg>
-        <pc:spChg chg="add del mod">
-          <ac:chgData name="Marq Gonzales" userId="8a8aa5cc-da4d-4428-991f-d72f7edc4e69" providerId="ADAL" clId="{17E9AA18-5B07-4BF5-9104-333A15C8E89C}" dt="2024-10-02T00:39:36.088" v="3"/>
-          <ac:spMkLst>
-            <pc:docMk/>
-            <pc:sldMk cId="607385192" sldId="262"/>
-            <ac:spMk id="30" creationId="{FAD76168-9705-4FAA-8861-46B232E40FF2}"/>
-          </ac:spMkLst>
-        </pc:spChg>
-        <pc:spChg chg="add del mod">
-          <ac:chgData name="Marq Gonzales" userId="8a8aa5cc-da4d-4428-991f-d72f7edc4e69" providerId="ADAL" clId="{17E9AA18-5B07-4BF5-9104-333A15C8E89C}" dt="2024-10-02T00:39:36.088" v="3"/>
-          <ac:spMkLst>
-            <pc:docMk/>
-            <pc:sldMk cId="607385192" sldId="262"/>
-            <ac:spMk id="31" creationId="{A8D599D3-0E52-47F8-B563-CAF96CAE26D0}"/>
-          </ac:spMkLst>
-        </pc:spChg>
-        <pc:spChg chg="add del mod">
-          <ac:chgData name="Marq Gonzales" userId="8a8aa5cc-da4d-4428-991f-d72f7edc4e69" providerId="ADAL" clId="{17E9AA18-5B07-4BF5-9104-333A15C8E89C}" dt="2024-10-02T00:39:36.088" v="3"/>
-          <ac:spMkLst>
-            <pc:docMk/>
-            <pc:sldMk cId="607385192" sldId="262"/>
-            <ac:spMk id="32" creationId="{59A8D70A-8B27-4947-B331-140C73ED0493}"/>
-          </ac:spMkLst>
-        </pc:spChg>
-        <pc:spChg chg="add del mod">
-          <ac:chgData name="Marq Gonzales" userId="8a8aa5cc-da4d-4428-991f-d72f7edc4e69" providerId="ADAL" clId="{17E9AA18-5B07-4BF5-9104-333A15C8E89C}" dt="2024-10-02T00:39:36.088" v="3"/>
-          <ac:spMkLst>
-            <pc:docMk/>
-            <pc:sldMk cId="607385192" sldId="262"/>
-            <ac:spMk id="34" creationId="{3D1806B8-4739-4EB1-B2F5-E6A150D23246}"/>
-          </ac:spMkLst>
-        </pc:spChg>
-        <pc:spChg chg="add del mod">
-          <ac:chgData name="Marq Gonzales" userId="8a8aa5cc-da4d-4428-991f-d72f7edc4e69" providerId="ADAL" clId="{17E9AA18-5B07-4BF5-9104-333A15C8E89C}" dt="2024-10-02T00:39:36.088" v="3"/>
-          <ac:spMkLst>
-            <pc:docMk/>
-            <pc:sldMk cId="607385192" sldId="262"/>
-            <ac:spMk id="35" creationId="{449E54FD-7780-4A79-8966-1E642B645238}"/>
-          </ac:spMkLst>
-        </pc:spChg>
-        <pc:spChg chg="add del mod">
-          <ac:chgData name="Marq Gonzales" userId="8a8aa5cc-da4d-4428-991f-d72f7edc4e69" providerId="ADAL" clId="{17E9AA18-5B07-4BF5-9104-333A15C8E89C}" dt="2024-10-02T00:39:36.088" v="3"/>
-          <ac:spMkLst>
-            <pc:docMk/>
-            <pc:sldMk cId="607385192" sldId="262"/>
-            <ac:spMk id="36" creationId="{6A270C9C-E56D-46AF-8B16-EC7D8CF6A28B}"/>
-          </ac:spMkLst>
-        </pc:spChg>
-        <pc:spChg chg="add del mod">
-          <ac:chgData name="Marq Gonzales" userId="8a8aa5cc-da4d-4428-991f-d72f7edc4e69" providerId="ADAL" clId="{17E9AA18-5B07-4BF5-9104-333A15C8E89C}" dt="2024-10-02T00:39:36.088" v="3"/>
-          <ac:spMkLst>
-            <pc:docMk/>
-            <pc:sldMk cId="607385192" sldId="262"/>
-            <ac:spMk id="37" creationId="{EDFBEBA4-8E7E-46BD-9833-E3A8A8D32053}"/>
-          </ac:spMkLst>
-        </pc:spChg>
-        <pc:spChg chg="add del mod">
-          <ac:chgData name="Marq Gonzales" userId="8a8aa5cc-da4d-4428-991f-d72f7edc4e69" providerId="ADAL" clId="{17E9AA18-5B07-4BF5-9104-333A15C8E89C}" dt="2024-10-02T00:39:36.088" v="3"/>
-          <ac:spMkLst>
-            <pc:docMk/>
-            <pc:sldMk cId="607385192" sldId="262"/>
-            <ac:spMk id="39" creationId="{84773FA3-CD2F-4FD8-85EA-5747ED0A7F4D}"/>
-          </ac:spMkLst>
-        </pc:spChg>
-        <pc:spChg chg="add del mod">
-          <ac:chgData name="Marq Gonzales" userId="8a8aa5cc-da4d-4428-991f-d72f7edc4e69" providerId="ADAL" clId="{17E9AA18-5B07-4BF5-9104-333A15C8E89C}" dt="2024-10-02T00:39:36.088" v="3"/>
-          <ac:spMkLst>
-            <pc:docMk/>
-            <pc:sldMk cId="607385192" sldId="262"/>
-            <ac:spMk id="40" creationId="{1354F6F1-371C-4AB1-AF46-D7A6E30995B3}"/>
-          </ac:spMkLst>
-        </pc:spChg>
-        <pc:spChg chg="add del mod">
-          <ac:chgData name="Marq Gonzales" userId="8a8aa5cc-da4d-4428-991f-d72f7edc4e69" providerId="ADAL" clId="{17E9AA18-5B07-4BF5-9104-333A15C8E89C}" dt="2024-10-02T00:39:36.088" v="3"/>
-          <ac:spMkLst>
-            <pc:docMk/>
-            <pc:sldMk cId="607385192" sldId="262"/>
-            <ac:spMk id="42" creationId="{F224436A-B9DA-4732-A277-EC8637D6C5AD}"/>
-          </ac:spMkLst>
-        </pc:spChg>
-        <pc:spChg chg="add del mod">
-          <ac:chgData name="Marq Gonzales" userId="8a8aa5cc-da4d-4428-991f-d72f7edc4e69" providerId="ADAL" clId="{17E9AA18-5B07-4BF5-9104-333A15C8E89C}" dt="2024-10-02T00:39:36.088" v="3"/>
-          <ac:spMkLst>
-            <pc:docMk/>
-            <pc:sldMk cId="607385192" sldId="262"/>
-            <ac:spMk id="44" creationId="{D0A68170-9544-4BBD-8FB0-4CC6B1C66D48}"/>
-          </ac:spMkLst>
-        </pc:spChg>
-        <pc:spChg chg="add del mod">
-          <ac:chgData name="Marq Gonzales" userId="8a8aa5cc-da4d-4428-991f-d72f7edc4e69" providerId="ADAL" clId="{17E9AA18-5B07-4BF5-9104-333A15C8E89C}" dt="2024-10-02T00:39:36.088" v="3"/>
-          <ac:spMkLst>
-            <pc:docMk/>
-            <pc:sldMk cId="607385192" sldId="262"/>
-            <ac:spMk id="46" creationId="{66A9AE01-128E-4646-B347-228E3E12FCDF}"/>
-          </ac:spMkLst>
-        </pc:spChg>
-        <pc:spChg chg="add del mod">
-          <ac:chgData name="Marq Gonzales" userId="8a8aa5cc-da4d-4428-991f-d72f7edc4e69" providerId="ADAL" clId="{17E9AA18-5B07-4BF5-9104-333A15C8E89C}" dt="2024-10-02T00:39:36.088" v="3"/>
-          <ac:spMkLst>
-            <pc:docMk/>
-            <pc:sldMk cId="607385192" sldId="262"/>
-            <ac:spMk id="48" creationId="{5A1EABD7-F703-4607-80CD-3B76A81BEF6C}"/>
-          </ac:spMkLst>
-        </pc:spChg>
-        <pc:spChg chg="add del mod">
-          <ac:chgData name="Marq Gonzales" userId="8a8aa5cc-da4d-4428-991f-d72f7edc4e69" providerId="ADAL" clId="{17E9AA18-5B07-4BF5-9104-333A15C8E89C}" dt="2024-10-02T00:39:36.088" v="3"/>
-          <ac:spMkLst>
-            <pc:docMk/>
-            <pc:sldMk cId="607385192" sldId="262"/>
-            <ac:spMk id="51" creationId="{48D8FC08-CDD7-4789-B2ED-957ED59992E5}"/>
-          </ac:spMkLst>
-        </pc:spChg>
-        <pc:grpChg chg="add del mod">
-          <ac:chgData name="Marq Gonzales" userId="8a8aa5cc-da4d-4428-991f-d72f7edc4e69" providerId="ADAL" clId="{17E9AA18-5B07-4BF5-9104-333A15C8E89C}" dt="2024-10-02T00:39:36.088" v="3"/>
-          <ac:grpSpMkLst>
-            <pc:docMk/>
-            <pc:sldMk cId="607385192" sldId="262"/>
-            <ac:grpSpMk id="6" creationId="{55C3A86E-E09C-4E56-8F73-BD6C11D56311}"/>
-          </ac:grpSpMkLst>
-        </pc:grpChg>
-        <pc:picChg chg="mod">
-          <ac:chgData name="Marq Gonzales" userId="8a8aa5cc-da4d-4428-991f-d72f7edc4e69" providerId="ADAL" clId="{17E9AA18-5B07-4BF5-9104-333A15C8E89C}" dt="2024-10-02T00:39:29.437" v="2"/>
-          <ac:picMkLst>
-            <pc:docMk/>
-            <pc:sldMk cId="607385192" sldId="262"/>
-            <ac:picMk id="8" creationId="{010A2DE1-7434-4968-B28F-AAAC6A4ACBBE}"/>
-          </ac:picMkLst>
-        </pc:picChg>
-        <pc:picChg chg="add del mod">
-          <ac:chgData name="Marq Gonzales" userId="8a8aa5cc-da4d-4428-991f-d72f7edc4e69" providerId="ADAL" clId="{17E9AA18-5B07-4BF5-9104-333A15C8E89C}" dt="2024-10-02T00:39:36.088" v="3"/>
-          <ac:picMkLst>
-            <pc:docMk/>
-            <pc:sldMk cId="607385192" sldId="262"/>
-            <ac:picMk id="9" creationId="{F6E405EA-5657-4C6A-9465-7CA39680ED94}"/>
-          </ac:picMkLst>
-        </pc:picChg>
-        <pc:picChg chg="add del mod">
-          <ac:chgData name="Marq Gonzales" userId="8a8aa5cc-da4d-4428-991f-d72f7edc4e69" providerId="ADAL" clId="{17E9AA18-5B07-4BF5-9104-333A15C8E89C}" dt="2024-10-02T00:39:36.088" v="3"/>
-          <ac:picMkLst>
-            <pc:docMk/>
-            <pc:sldMk cId="607385192" sldId="262"/>
-            <ac:picMk id="13" creationId="{F5CF64A6-82BF-4206-A0AB-DD86A8539511}"/>
-          </ac:picMkLst>
-        </pc:picChg>
-        <pc:picChg chg="add del mod">
-          <ac:chgData name="Marq Gonzales" userId="8a8aa5cc-da4d-4428-991f-d72f7edc4e69" providerId="ADAL" clId="{17E9AA18-5B07-4BF5-9104-333A15C8E89C}" dt="2024-10-02T00:39:36.088" v="3"/>
-          <ac:picMkLst>
-            <pc:docMk/>
-            <pc:sldMk cId="607385192" sldId="262"/>
-            <ac:picMk id="15" creationId="{F452053F-14AE-4AA8-8D93-40017DB4E6AC}"/>
-          </ac:picMkLst>
-        </pc:picChg>
-        <pc:picChg chg="add del mod">
-          <ac:chgData name="Marq Gonzales" userId="8a8aa5cc-da4d-4428-991f-d72f7edc4e69" providerId="ADAL" clId="{17E9AA18-5B07-4BF5-9104-333A15C8E89C}" dt="2024-10-02T00:39:36.088" v="3"/>
-          <ac:picMkLst>
-            <pc:docMk/>
-            <pc:sldMk cId="607385192" sldId="262"/>
-            <ac:picMk id="21" creationId="{97A64614-CFE5-4DFF-8A94-91F3867CAA45}"/>
-          </ac:picMkLst>
-        </pc:picChg>
-        <pc:picChg chg="add del mod">
-          <ac:chgData name="Marq Gonzales" userId="8a8aa5cc-da4d-4428-991f-d72f7edc4e69" providerId="ADAL" clId="{17E9AA18-5B07-4BF5-9104-333A15C8E89C}" dt="2024-10-02T00:39:36.088" v="3"/>
-          <ac:picMkLst>
-            <pc:docMk/>
-            <pc:sldMk cId="607385192" sldId="262"/>
-            <ac:picMk id="25" creationId="{C41DC86B-FD6B-43F4-815A-2B2200855C31}"/>
-          </ac:picMkLst>
-        </pc:picChg>
-        <pc:picChg chg="add del mod">
-          <ac:chgData name="Marq Gonzales" userId="8a8aa5cc-da4d-4428-991f-d72f7edc4e69" providerId="ADAL" clId="{17E9AA18-5B07-4BF5-9104-333A15C8E89C}" dt="2024-10-02T00:39:36.088" v="3"/>
-          <ac:picMkLst>
-            <pc:docMk/>
-            <pc:sldMk cId="607385192" sldId="262"/>
-            <ac:picMk id="29" creationId="{FE465ECD-6E44-408B-991E-325074FBBB2A}"/>
-          </ac:picMkLst>
-        </pc:picChg>
-        <pc:picChg chg="add del mod">
-          <ac:chgData name="Marq Gonzales" userId="8a8aa5cc-da4d-4428-991f-d72f7edc4e69" providerId="ADAL" clId="{17E9AA18-5B07-4BF5-9104-333A15C8E89C}" dt="2024-10-02T00:39:36.088" v="3"/>
-          <ac:picMkLst>
-            <pc:docMk/>
-            <pc:sldMk cId="607385192" sldId="262"/>
-            <ac:picMk id="33" creationId="{65C2F646-6EB2-42C1-A4C1-E60B5BA2CBAC}"/>
-          </ac:picMkLst>
-        </pc:picChg>
-        <pc:picChg chg="add del mod">
-          <ac:chgData name="Marq Gonzales" userId="8a8aa5cc-da4d-4428-991f-d72f7edc4e69" providerId="ADAL" clId="{17E9AA18-5B07-4BF5-9104-333A15C8E89C}" dt="2024-10-02T00:39:36.088" v="3"/>
-          <ac:picMkLst>
-            <pc:docMk/>
-            <pc:sldMk cId="607385192" sldId="262"/>
-            <ac:picMk id="41" creationId="{40F9EA9C-1822-44F9-9F08-7899E87F51CC}"/>
-          </ac:picMkLst>
-        </pc:picChg>
-        <pc:picChg chg="add del mod">
-          <ac:chgData name="Marq Gonzales" userId="8a8aa5cc-da4d-4428-991f-d72f7edc4e69" providerId="ADAL" clId="{17E9AA18-5B07-4BF5-9104-333A15C8E89C}" dt="2024-10-02T00:39:36.088" v="3"/>
-          <ac:picMkLst>
-            <pc:docMk/>
-            <pc:sldMk cId="607385192" sldId="262"/>
-            <ac:picMk id="43" creationId="{5FE34381-FC09-4A0C-9FD9-C49097C122CB}"/>
-          </ac:picMkLst>
-        </pc:picChg>
-        <pc:picChg chg="add del mod">
-          <ac:chgData name="Marq Gonzales" userId="8a8aa5cc-da4d-4428-991f-d72f7edc4e69" providerId="ADAL" clId="{17E9AA18-5B07-4BF5-9104-333A15C8E89C}" dt="2024-10-02T00:39:36.088" v="3"/>
-          <ac:picMkLst>
-            <pc:docMk/>
-            <pc:sldMk cId="607385192" sldId="262"/>
-            <ac:picMk id="45" creationId="{D89C4631-6F77-4128-A25E-009AED782DFD}"/>
-          </ac:picMkLst>
-        </pc:picChg>
-        <pc:picChg chg="add del mod">
-          <ac:chgData name="Marq Gonzales" userId="8a8aa5cc-da4d-4428-991f-d72f7edc4e69" providerId="ADAL" clId="{17E9AA18-5B07-4BF5-9104-333A15C8E89C}" dt="2024-10-02T00:39:36.088" v="3"/>
-          <ac:picMkLst>
-            <pc:docMk/>
-            <pc:sldMk cId="607385192" sldId="262"/>
-            <ac:picMk id="47" creationId="{76C21D88-F197-454A-9BB2-0C23886A75F3}"/>
-          </ac:picMkLst>
-        </pc:picChg>
-        <pc:picChg chg="add del mod">
-          <ac:chgData name="Marq Gonzales" userId="8a8aa5cc-da4d-4428-991f-d72f7edc4e69" providerId="ADAL" clId="{17E9AA18-5B07-4BF5-9104-333A15C8E89C}" dt="2024-10-02T00:39:36.088" v="3"/>
-          <ac:picMkLst>
-            <pc:docMk/>
-            <pc:sldMk cId="607385192" sldId="262"/>
-            <ac:picMk id="49" creationId="{1AAEBA48-4FF2-4A0E-9292-CA0CBCF71556}"/>
-          </ac:picMkLst>
-        </pc:picChg>
-        <pc:picChg chg="add del mod">
-          <ac:chgData name="Marq Gonzales" userId="8a8aa5cc-da4d-4428-991f-d72f7edc4e69" providerId="ADAL" clId="{17E9AA18-5B07-4BF5-9104-333A15C8E89C}" dt="2024-10-02T00:39:36.088" v="3"/>
-          <ac:picMkLst>
-            <pc:docMk/>
-            <pc:sldMk cId="607385192" sldId="262"/>
-            <ac:picMk id="50" creationId="{B7A99E6F-9777-41FB-A850-80209C0E6786}"/>
-          </ac:picMkLst>
-        </pc:picChg>
-        <pc:picChg chg="add del mod">
-          <ac:chgData name="Marq Gonzales" userId="8a8aa5cc-da4d-4428-991f-d72f7edc4e69" providerId="ADAL" clId="{17E9AA18-5B07-4BF5-9104-333A15C8E89C}" dt="2024-10-02T00:39:36.088" v="3"/>
-          <ac:picMkLst>
-            <pc:docMk/>
-            <pc:sldMk cId="607385192" sldId="262"/>
-            <ac:picMk id="52" creationId="{CA22AA96-0B1A-4863-93D6-8CAF62445E78}"/>
-          </ac:picMkLst>
-        </pc:picChg>
-        <pc:picChg chg="add">
-          <ac:chgData name="Marq Gonzales" userId="8a8aa5cc-da4d-4428-991f-d72f7edc4e69" providerId="ADAL" clId="{17E9AA18-5B07-4BF5-9104-333A15C8E89C}" dt="2024-10-02T00:39:36.192" v="4"/>
-          <ac:picMkLst>
-            <pc:docMk/>
-            <pc:sldMk cId="607385192" sldId="262"/>
-            <ac:picMk id="53" creationId="{48F4D0CE-D256-41CA-BFAB-1BE1C95BB86F}"/>
-          </ac:picMkLst>
-        </pc:picChg>
-        <pc:cxnChg chg="add del mod">
-          <ac:chgData name="Marq Gonzales" userId="8a8aa5cc-da4d-4428-991f-d72f7edc4e69" providerId="ADAL" clId="{17E9AA18-5B07-4BF5-9104-333A15C8E89C}" dt="2024-10-02T00:39:36.088" v="3"/>
-          <ac:cxnSpMkLst>
-            <pc:docMk/>
-            <pc:sldMk cId="607385192" sldId="262"/>
-            <ac:cxnSpMk id="38" creationId="{D3B3E7D2-B9FA-440B-BE54-8E3006741398}"/>
-          </ac:cxnSpMkLst>
-        </pc:cxnChg>
-      </pc:sldChg>
-      <pc:sldChg chg="addSp delSp modSp add del mod">
-        <pc:chgData name="Marq Gonzales" userId="8a8aa5cc-da4d-4428-991f-d72f7edc4e69" providerId="ADAL" clId="{17E9AA18-5B07-4BF5-9104-333A15C8E89C}" dt="2024-10-03T02:16:46.886" v="42" actId="2696"/>
-        <pc:sldMkLst>
-          <pc:docMk/>
-          <pc:sldMk cId="3912507219" sldId="263"/>
-        </pc:sldMkLst>
-        <pc:spChg chg="del">
-          <ac:chgData name="Marq Gonzales" userId="8a8aa5cc-da4d-4428-991f-d72f7edc4e69" providerId="ADAL" clId="{17E9AA18-5B07-4BF5-9104-333A15C8E89C}" dt="2024-10-02T04:49:05.065" v="10" actId="478"/>
-          <ac:spMkLst>
-            <pc:docMk/>
-            <pc:sldMk cId="3912507219" sldId="263"/>
-            <ac:spMk id="9" creationId="{DE09D98D-11E4-458E-B95B-F6C61FC88408}"/>
-          </ac:spMkLst>
-        </pc:spChg>
-        <pc:spChg chg="del">
-          <ac:chgData name="Marq Gonzales" userId="8a8aa5cc-da4d-4428-991f-d72f7edc4e69" providerId="ADAL" clId="{17E9AA18-5B07-4BF5-9104-333A15C8E89C}" dt="2024-10-02T04:49:03.880" v="9" actId="478"/>
-          <ac:spMkLst>
-            <pc:docMk/>
-            <pc:sldMk cId="3912507219" sldId="263"/>
-            <ac:spMk id="10" creationId="{2DC00DB5-0AEF-4765-9C15-33A83A0BF32B}"/>
-          </ac:spMkLst>
-        </pc:spChg>
-        <pc:spChg chg="del">
-          <ac:chgData name="Marq Gonzales" userId="8a8aa5cc-da4d-4428-991f-d72f7edc4e69" providerId="ADAL" clId="{17E9AA18-5B07-4BF5-9104-333A15C8E89C}" dt="2024-10-02T04:49:06.791" v="11" actId="478"/>
-          <ac:spMkLst>
-            <pc:docMk/>
-            <pc:sldMk cId="3912507219" sldId="263"/>
-            <ac:spMk id="13" creationId="{AE8629C4-27FC-4CC3-B7E7-311C4747FFE5}"/>
-          </ac:spMkLst>
-        </pc:spChg>
-        <pc:spChg chg="del">
-          <ac:chgData name="Marq Gonzales" userId="8a8aa5cc-da4d-4428-991f-d72f7edc4e69" providerId="ADAL" clId="{17E9AA18-5B07-4BF5-9104-333A15C8E89C}" dt="2024-10-02T04:49:06.791" v="11" actId="478"/>
-          <ac:spMkLst>
-            <pc:docMk/>
-            <pc:sldMk cId="3912507219" sldId="263"/>
-            <ac:spMk id="15" creationId="{78DEFCFE-CB20-4CAA-9F4E-3C0B73B44785}"/>
-          </ac:spMkLst>
-        </pc:spChg>
-        <pc:spChg chg="del">
-          <ac:chgData name="Marq Gonzales" userId="8a8aa5cc-da4d-4428-991f-d72f7edc4e69" providerId="ADAL" clId="{17E9AA18-5B07-4BF5-9104-333A15C8E89C}" dt="2024-10-02T04:38:00.557" v="6" actId="478"/>
-          <ac:spMkLst>
-            <pc:docMk/>
-            <pc:sldMk cId="3912507219" sldId="263"/>
-            <ac:spMk id="20" creationId="{28E7AF71-8B85-42C8-8F7A-E27F02546457}"/>
-          </ac:spMkLst>
-        </pc:spChg>
-        <pc:spChg chg="del">
-          <ac:chgData name="Marq Gonzales" userId="8a8aa5cc-da4d-4428-991f-d72f7edc4e69" providerId="ADAL" clId="{17E9AA18-5B07-4BF5-9104-333A15C8E89C}" dt="2024-10-02T04:38:00.557" v="6" actId="478"/>
-          <ac:spMkLst>
-            <pc:docMk/>
-            <pc:sldMk cId="3912507219" sldId="263"/>
-            <ac:spMk id="21" creationId="{BFB71818-581A-4B3F-B3E6-10D2A25AE77C}"/>
-          </ac:spMkLst>
-        </pc:spChg>
-        <pc:spChg chg="del">
-          <ac:chgData name="Marq Gonzales" userId="8a8aa5cc-da4d-4428-991f-d72f7edc4e69" providerId="ADAL" clId="{17E9AA18-5B07-4BF5-9104-333A15C8E89C}" dt="2024-10-02T04:38:00.557" v="6" actId="478"/>
-          <ac:spMkLst>
-            <pc:docMk/>
-            <pc:sldMk cId="3912507219" sldId="263"/>
-            <ac:spMk id="22" creationId="{8E091E8D-F1E2-4DB6-9E96-DCE6D01E8BA1}"/>
-          </ac:spMkLst>
-        </pc:spChg>
-        <pc:spChg chg="del">
-          <ac:chgData name="Marq Gonzales" userId="8a8aa5cc-da4d-4428-991f-d72f7edc4e69" providerId="ADAL" clId="{17E9AA18-5B07-4BF5-9104-333A15C8E89C}" dt="2024-10-02T04:38:00.557" v="6" actId="478"/>
-          <ac:spMkLst>
-            <pc:docMk/>
-            <pc:sldMk cId="3912507219" sldId="263"/>
-            <ac:spMk id="23" creationId="{73BF7D0D-4D2C-4F36-A0C6-8A28B18C5BA8}"/>
-          </ac:spMkLst>
-        </pc:spChg>
-        <pc:spChg chg="del">
-          <ac:chgData name="Marq Gonzales" userId="8a8aa5cc-da4d-4428-991f-d72f7edc4e69" providerId="ADAL" clId="{17E9AA18-5B07-4BF5-9104-333A15C8E89C}" dt="2024-10-02T04:38:00.557" v="6" actId="478"/>
-          <ac:spMkLst>
-            <pc:docMk/>
-            <pc:sldMk cId="3912507219" sldId="263"/>
-            <ac:spMk id="25" creationId="{4223E682-0182-4E01-A16E-316FC615F5BB}"/>
-          </ac:spMkLst>
-        </pc:spChg>
-        <pc:spChg chg="del">
-          <ac:chgData name="Marq Gonzales" userId="8a8aa5cc-da4d-4428-991f-d72f7edc4e69" providerId="ADAL" clId="{17E9AA18-5B07-4BF5-9104-333A15C8E89C}" dt="2024-10-02T04:38:00.557" v="6" actId="478"/>
-          <ac:spMkLst>
-            <pc:docMk/>
-            <pc:sldMk cId="3912507219" sldId="263"/>
-            <ac:spMk id="26" creationId="{F4535406-3C5E-43E4-B079-1519A85F5A0F}"/>
-          </ac:spMkLst>
-        </pc:spChg>
-        <pc:spChg chg="del">
-          <ac:chgData name="Marq Gonzales" userId="8a8aa5cc-da4d-4428-991f-d72f7edc4e69" providerId="ADAL" clId="{17E9AA18-5B07-4BF5-9104-333A15C8E89C}" dt="2024-10-02T04:38:00.557" v="6" actId="478"/>
-          <ac:spMkLst>
-            <pc:docMk/>
-            <pc:sldMk cId="3912507219" sldId="263"/>
-            <ac:spMk id="27" creationId="{2F48B041-03E4-45C5-A429-CC2B9A502467}"/>
-          </ac:spMkLst>
-        </pc:spChg>
-        <pc:spChg chg="del">
-          <ac:chgData name="Marq Gonzales" userId="8a8aa5cc-da4d-4428-991f-d72f7edc4e69" providerId="ADAL" clId="{17E9AA18-5B07-4BF5-9104-333A15C8E89C}" dt="2024-10-02T04:38:00.557" v="6" actId="478"/>
-          <ac:spMkLst>
-            <pc:docMk/>
-            <pc:sldMk cId="3912507219" sldId="263"/>
-            <ac:spMk id="29" creationId="{9DC78CB5-2CC4-4AE5-92C6-EDC6879BA1B2}"/>
-          </ac:spMkLst>
-        </pc:spChg>
-        <pc:spChg chg="del">
-          <ac:chgData name="Marq Gonzales" userId="8a8aa5cc-da4d-4428-991f-d72f7edc4e69" providerId="ADAL" clId="{17E9AA18-5B07-4BF5-9104-333A15C8E89C}" dt="2024-10-02T04:38:00.557" v="6" actId="478"/>
-          <ac:spMkLst>
-            <pc:docMk/>
-            <pc:sldMk cId="3912507219" sldId="263"/>
-            <ac:spMk id="30" creationId="{46457596-43AC-487C-9930-20211D647E90}"/>
-          </ac:spMkLst>
-        </pc:spChg>
-        <pc:spChg chg="del">
-          <ac:chgData name="Marq Gonzales" userId="8a8aa5cc-da4d-4428-991f-d72f7edc4e69" providerId="ADAL" clId="{17E9AA18-5B07-4BF5-9104-333A15C8E89C}" dt="2024-10-02T04:38:00.557" v="6" actId="478"/>
-          <ac:spMkLst>
-            <pc:docMk/>
-            <pc:sldMk cId="3912507219" sldId="263"/>
-            <ac:spMk id="31" creationId="{921377E4-D502-4E23-8383-C2E78426AEF9}"/>
-          </ac:spMkLst>
-        </pc:spChg>
-        <pc:spChg chg="del">
-          <ac:chgData name="Marq Gonzales" userId="8a8aa5cc-da4d-4428-991f-d72f7edc4e69" providerId="ADAL" clId="{17E9AA18-5B07-4BF5-9104-333A15C8E89C}" dt="2024-10-02T04:38:00.557" v="6" actId="478"/>
-          <ac:spMkLst>
-            <pc:docMk/>
-            <pc:sldMk cId="3912507219" sldId="263"/>
-            <ac:spMk id="33" creationId="{D434FF03-35FB-4DA1-907A-6F2556D6E0ED}"/>
-          </ac:spMkLst>
-        </pc:spChg>
-        <pc:spChg chg="del">
-          <ac:chgData name="Marq Gonzales" userId="8a8aa5cc-da4d-4428-991f-d72f7edc4e69" providerId="ADAL" clId="{17E9AA18-5B07-4BF5-9104-333A15C8E89C}" dt="2024-10-02T04:38:00.557" v="6" actId="478"/>
-          <ac:spMkLst>
-            <pc:docMk/>
-            <pc:sldMk cId="3912507219" sldId="263"/>
-            <ac:spMk id="34" creationId="{CDEC40D1-B4E0-4F04-BE07-EF9641127EC9}"/>
-          </ac:spMkLst>
-        </pc:spChg>
-        <pc:spChg chg="del">
-          <ac:chgData name="Marq Gonzales" userId="8a8aa5cc-da4d-4428-991f-d72f7edc4e69" providerId="ADAL" clId="{17E9AA18-5B07-4BF5-9104-333A15C8E89C}" dt="2024-10-02T04:38:00.557" v="6" actId="478"/>
-          <ac:spMkLst>
-            <pc:docMk/>
-            <pc:sldMk cId="3912507219" sldId="263"/>
-            <ac:spMk id="35" creationId="{115C2C40-D84E-40C5-80A0-E81650321E84}"/>
-          </ac:spMkLst>
-        </pc:spChg>
-        <pc:spChg chg="del">
-          <ac:chgData name="Marq Gonzales" userId="8a8aa5cc-da4d-4428-991f-d72f7edc4e69" providerId="ADAL" clId="{17E9AA18-5B07-4BF5-9104-333A15C8E89C}" dt="2024-10-02T04:38:00.557" v="6" actId="478"/>
-          <ac:spMkLst>
-            <pc:docMk/>
-            <pc:sldMk cId="3912507219" sldId="263"/>
-            <ac:spMk id="37" creationId="{195BC12B-3DCE-42AC-B84D-86DCAC6198AC}"/>
-          </ac:spMkLst>
-        </pc:spChg>
-        <pc:spChg chg="del">
-          <ac:chgData name="Marq Gonzales" userId="8a8aa5cc-da4d-4428-991f-d72f7edc4e69" providerId="ADAL" clId="{17E9AA18-5B07-4BF5-9104-333A15C8E89C}" dt="2024-10-02T04:38:00.557" v="6" actId="478"/>
-          <ac:spMkLst>
-            <pc:docMk/>
-            <pc:sldMk cId="3912507219" sldId="263"/>
-            <ac:spMk id="38" creationId="{A284F295-22E1-4BED-863F-9B04B2282289}"/>
-          </ac:spMkLst>
-        </pc:spChg>
-        <pc:spChg chg="del">
-          <ac:chgData name="Marq Gonzales" userId="8a8aa5cc-da4d-4428-991f-d72f7edc4e69" providerId="ADAL" clId="{17E9AA18-5B07-4BF5-9104-333A15C8E89C}" dt="2024-10-02T04:38:00.557" v="6" actId="478"/>
-          <ac:spMkLst>
-            <pc:docMk/>
-            <pc:sldMk cId="3912507219" sldId="263"/>
-            <ac:spMk id="39" creationId="{C9920877-CC18-4B7B-8347-EED95C153148}"/>
-          </ac:spMkLst>
-        </pc:spChg>
-        <pc:spChg chg="del">
-          <ac:chgData name="Marq Gonzales" userId="8a8aa5cc-da4d-4428-991f-d72f7edc4e69" providerId="ADAL" clId="{17E9AA18-5B07-4BF5-9104-333A15C8E89C}" dt="2024-10-02T04:38:00.557" v="6" actId="478"/>
-          <ac:spMkLst>
-            <pc:docMk/>
-            <pc:sldMk cId="3912507219" sldId="263"/>
-            <ac:spMk id="40" creationId="{99554871-0EA3-4337-9878-9C822E31ACD1}"/>
-          </ac:spMkLst>
-        </pc:spChg>
-        <pc:spChg chg="del">
-          <ac:chgData name="Marq Gonzales" userId="8a8aa5cc-da4d-4428-991f-d72f7edc4e69" providerId="ADAL" clId="{17E9AA18-5B07-4BF5-9104-333A15C8E89C}" dt="2024-10-02T04:38:00.557" v="6" actId="478"/>
-          <ac:spMkLst>
-            <pc:docMk/>
-            <pc:sldMk cId="3912507219" sldId="263"/>
-            <ac:spMk id="43" creationId="{CA909FA3-6B14-4B0C-85D2-3C7C2D54F7C0}"/>
-          </ac:spMkLst>
-        </pc:spChg>
-        <pc:spChg chg="del">
-          <ac:chgData name="Marq Gonzales" userId="8a8aa5cc-da4d-4428-991f-d72f7edc4e69" providerId="ADAL" clId="{17E9AA18-5B07-4BF5-9104-333A15C8E89C}" dt="2024-10-02T04:38:00.557" v="6" actId="478"/>
-          <ac:spMkLst>
-            <pc:docMk/>
-            <pc:sldMk cId="3912507219" sldId="263"/>
-            <ac:spMk id="44" creationId="{1D72D137-6AD2-4B1C-9DA2-7B6C43F20CD4}"/>
-          </ac:spMkLst>
-        </pc:spChg>
-        <pc:spChg chg="del">
-          <ac:chgData name="Marq Gonzales" userId="8a8aa5cc-da4d-4428-991f-d72f7edc4e69" providerId="ADAL" clId="{17E9AA18-5B07-4BF5-9104-333A15C8E89C}" dt="2024-10-02T04:38:05.677" v="8" actId="478"/>
-          <ac:spMkLst>
-            <pc:docMk/>
-            <pc:sldMk cId="3912507219" sldId="263"/>
-            <ac:spMk id="51" creationId="{2D69533F-6F70-42B8-96BC-A3F298ED2169}"/>
-          </ac:spMkLst>
-        </pc:spChg>
-        <pc:spChg chg="add del mod">
-          <ac:chgData name="Marq Gonzales" userId="8a8aa5cc-da4d-4428-991f-d72f7edc4e69" providerId="ADAL" clId="{17E9AA18-5B07-4BF5-9104-333A15C8E89C}" dt="2024-10-02T04:49:13.735" v="13"/>
-          <ac:spMkLst>
-            <pc:docMk/>
-            <pc:sldMk cId="3912507219" sldId="263"/>
-            <ac:spMk id="52" creationId="{117F6866-886E-47EB-90F4-483C3690A44C}"/>
-          </ac:spMkLst>
-        </pc:spChg>
-        <pc:spChg chg="add del mod">
-          <ac:chgData name="Marq Gonzales" userId="8a8aa5cc-da4d-4428-991f-d72f7edc4e69" providerId="ADAL" clId="{17E9AA18-5B07-4BF5-9104-333A15C8E89C}" dt="2024-10-02T04:49:13.735" v="13"/>
-          <ac:spMkLst>
-            <pc:docMk/>
-            <pc:sldMk cId="3912507219" sldId="263"/>
-            <ac:spMk id="53" creationId="{928FC2CA-95B2-4C33-8622-0C98E832C208}"/>
-          </ac:spMkLst>
-        </pc:spChg>
-        <pc:spChg chg="del">
-          <ac:chgData name="Marq Gonzales" userId="8a8aa5cc-da4d-4428-991f-d72f7edc4e69" providerId="ADAL" clId="{17E9AA18-5B07-4BF5-9104-333A15C8E89C}" dt="2024-10-02T04:38:05.677" v="8" actId="478"/>
-          <ac:spMkLst>
-            <pc:docMk/>
-            <pc:sldMk cId="3912507219" sldId="263"/>
-            <ac:spMk id="54" creationId="{4CFC2E23-079B-4AEF-9C7C-7E557CB5B4F8}"/>
-          </ac:spMkLst>
-        </pc:spChg>
-        <pc:spChg chg="del">
-          <ac:chgData name="Marq Gonzales" userId="8a8aa5cc-da4d-4428-991f-d72f7edc4e69" providerId="ADAL" clId="{17E9AA18-5B07-4BF5-9104-333A15C8E89C}" dt="2024-10-02T04:38:05.677" v="8" actId="478"/>
-          <ac:spMkLst>
-            <pc:docMk/>
-            <pc:sldMk cId="3912507219" sldId="263"/>
-            <ac:spMk id="55" creationId="{9FCF40C6-3D8B-45D4-9A80-AF64B41E2FF5}"/>
-          </ac:spMkLst>
-        </pc:spChg>
-        <pc:spChg chg="del">
-          <ac:chgData name="Marq Gonzales" userId="8a8aa5cc-da4d-4428-991f-d72f7edc4e69" providerId="ADAL" clId="{17E9AA18-5B07-4BF5-9104-333A15C8E89C}" dt="2024-10-02T04:38:05.677" v="8" actId="478"/>
-          <ac:spMkLst>
-            <pc:docMk/>
-            <pc:sldMk cId="3912507219" sldId="263"/>
-            <ac:spMk id="56" creationId="{1B3817B4-0BCC-4CBE-9628-DC6BF6757BF2}"/>
-          </ac:spMkLst>
-        </pc:spChg>
-        <pc:spChg chg="del">
-          <ac:chgData name="Marq Gonzales" userId="8a8aa5cc-da4d-4428-991f-d72f7edc4e69" providerId="ADAL" clId="{17E9AA18-5B07-4BF5-9104-333A15C8E89C}" dt="2024-10-02T04:38:05.677" v="8" actId="478"/>
-          <ac:spMkLst>
-            <pc:docMk/>
-            <pc:sldMk cId="3912507219" sldId="263"/>
-            <ac:spMk id="61" creationId="{9FB60E3F-47B9-4076-B9B1-9130C6CA51B4}"/>
-          </ac:spMkLst>
-        </pc:spChg>
-        <pc:spChg chg="del">
-          <ac:chgData name="Marq Gonzales" userId="8a8aa5cc-da4d-4428-991f-d72f7edc4e69" providerId="ADAL" clId="{17E9AA18-5B07-4BF5-9104-333A15C8E89C}" dt="2024-10-02T04:38:05.677" v="8" actId="478"/>
-          <ac:spMkLst>
-            <pc:docMk/>
-            <pc:sldMk cId="3912507219" sldId="263"/>
-            <ac:spMk id="63" creationId="{80A7D17C-F4D3-41EC-9225-F71977685B85}"/>
-          </ac:spMkLst>
-        </pc:spChg>
-        <pc:grpChg chg="del">
-          <ac:chgData name="Marq Gonzales" userId="8a8aa5cc-da4d-4428-991f-d72f7edc4e69" providerId="ADAL" clId="{17E9AA18-5B07-4BF5-9104-333A15C8E89C}" dt="2024-10-02T04:49:03.880" v="9" actId="478"/>
-          <ac:grpSpMkLst>
-            <pc:docMk/>
-            <pc:sldMk cId="3912507219" sldId="263"/>
-            <ac:grpSpMk id="5" creationId="{87D76D2E-2547-4303-B020-5A6CEBD88052}"/>
-          </ac:grpSpMkLst>
-        </pc:grpChg>
-        <pc:picChg chg="add">
-          <ac:chgData name="Marq Gonzales" userId="8a8aa5cc-da4d-4428-991f-d72f7edc4e69" providerId="ADAL" clId="{17E9AA18-5B07-4BF5-9104-333A15C8E89C}" dt="2024-10-02T04:49:13.776" v="14"/>
-          <ac:picMkLst>
-            <pc:docMk/>
-            <pc:sldMk cId="3912507219" sldId="263"/>
-            <ac:picMk id="2" creationId="{FEDAD249-80FF-4C4E-9B0F-74DA122E3BEE}"/>
-          </ac:picMkLst>
-        </pc:picChg>
-        <pc:picChg chg="del">
-          <ac:chgData name="Marq Gonzales" userId="8a8aa5cc-da4d-4428-991f-d72f7edc4e69" providerId="ADAL" clId="{17E9AA18-5B07-4BF5-9104-333A15C8E89C}" dt="2024-10-02T04:49:05.065" v="10" actId="478"/>
-          <ac:picMkLst>
-            <pc:docMk/>
-            <pc:sldMk cId="3912507219" sldId="263"/>
-            <ac:picMk id="8" creationId="{38C487D9-CCAC-4654-90FA-AE756ED5DC82}"/>
-          </ac:picMkLst>
-        </pc:picChg>
-        <pc:picChg chg="del">
-          <ac:chgData name="Marq Gonzales" userId="8a8aa5cc-da4d-4428-991f-d72f7edc4e69" providerId="ADAL" clId="{17E9AA18-5B07-4BF5-9104-333A15C8E89C}" dt="2024-10-02T04:49:06.791" v="11" actId="478"/>
-          <ac:picMkLst>
-            <pc:docMk/>
-            <pc:sldMk cId="3912507219" sldId="263"/>
-            <ac:picMk id="14" creationId="{26DE40FC-EAFD-414E-81BA-2C4E98C0B99B}"/>
-          </ac:picMkLst>
-        </pc:picChg>
-        <pc:picChg chg="del">
-          <ac:chgData name="Marq Gonzales" userId="8a8aa5cc-da4d-4428-991f-d72f7edc4e69" providerId="ADAL" clId="{17E9AA18-5B07-4BF5-9104-333A15C8E89C}" dt="2024-10-02T04:49:06.791" v="11" actId="478"/>
-          <ac:picMkLst>
-            <pc:docMk/>
-            <pc:sldMk cId="3912507219" sldId="263"/>
-            <ac:picMk id="18" creationId="{7A8BDECC-EBD8-4415-8E13-6191D63382A9}"/>
-          </ac:picMkLst>
-        </pc:picChg>
-        <pc:picChg chg="del">
-          <ac:chgData name="Marq Gonzales" userId="8a8aa5cc-da4d-4428-991f-d72f7edc4e69" providerId="ADAL" clId="{17E9AA18-5B07-4BF5-9104-333A15C8E89C}" dt="2024-10-02T04:38:00.557" v="6" actId="478"/>
-          <ac:picMkLst>
-            <pc:docMk/>
-            <pc:sldMk cId="3912507219" sldId="263"/>
-            <ac:picMk id="24" creationId="{BCD36225-30D9-4E7E-B3F0-6E8555719B0A}"/>
-          </ac:picMkLst>
-        </pc:picChg>
-        <pc:picChg chg="del">
-          <ac:chgData name="Marq Gonzales" userId="8a8aa5cc-da4d-4428-991f-d72f7edc4e69" providerId="ADAL" clId="{17E9AA18-5B07-4BF5-9104-333A15C8E89C}" dt="2024-10-02T04:38:00.557" v="6" actId="478"/>
-          <ac:picMkLst>
-            <pc:docMk/>
-            <pc:sldMk cId="3912507219" sldId="263"/>
-            <ac:picMk id="28" creationId="{92AE064B-5C7F-4BE6-A039-259199C8DB04}"/>
-          </ac:picMkLst>
-        </pc:picChg>
-        <pc:picChg chg="del">
-          <ac:chgData name="Marq Gonzales" userId="8a8aa5cc-da4d-4428-991f-d72f7edc4e69" providerId="ADAL" clId="{17E9AA18-5B07-4BF5-9104-333A15C8E89C}" dt="2024-10-02T04:38:00.557" v="6" actId="478"/>
-          <ac:picMkLst>
-            <pc:docMk/>
-            <pc:sldMk cId="3912507219" sldId="263"/>
-            <ac:picMk id="32" creationId="{E37D0BBC-F858-4F59-A730-914C52651A90}"/>
-          </ac:picMkLst>
-        </pc:picChg>
-        <pc:picChg chg="del">
-          <ac:chgData name="Marq Gonzales" userId="8a8aa5cc-da4d-4428-991f-d72f7edc4e69" providerId="ADAL" clId="{17E9AA18-5B07-4BF5-9104-333A15C8E89C}" dt="2024-10-02T04:38:00.557" v="6" actId="478"/>
-          <ac:picMkLst>
-            <pc:docMk/>
-            <pc:sldMk cId="3912507219" sldId="263"/>
-            <ac:picMk id="36" creationId="{677FC680-069A-4764-9915-2174689A499C}"/>
-          </ac:picMkLst>
-        </pc:picChg>
-        <pc:picChg chg="del">
-          <ac:chgData name="Marq Gonzales" userId="8a8aa5cc-da4d-4428-991f-d72f7edc4e69" providerId="ADAL" clId="{17E9AA18-5B07-4BF5-9104-333A15C8E89C}" dt="2024-10-02T04:38:00.557" v="6" actId="478"/>
-          <ac:picMkLst>
-            <pc:docMk/>
-            <pc:sldMk cId="3912507219" sldId="263"/>
-            <ac:picMk id="45" creationId="{C4BE9311-360F-45C9-A798-F91AA2A77EF0}"/>
-          </ac:picMkLst>
-        </pc:picChg>
-        <pc:picChg chg="del">
-          <ac:chgData name="Marq Gonzales" userId="8a8aa5cc-da4d-4428-991f-d72f7edc4e69" providerId="ADAL" clId="{17E9AA18-5B07-4BF5-9104-333A15C8E89C}" dt="2024-10-02T04:38:05.677" v="8" actId="478"/>
-          <ac:picMkLst>
-            <pc:docMk/>
-            <pc:sldMk cId="3912507219" sldId="263"/>
-            <ac:picMk id="46" creationId="{45CA6757-E1AB-4900-AC82-B8C75902D71C}"/>
-          </ac:picMkLst>
-        </pc:picChg>
-        <pc:picChg chg="del">
-          <ac:chgData name="Marq Gonzales" userId="8a8aa5cc-da4d-4428-991f-d72f7edc4e69" providerId="ADAL" clId="{17E9AA18-5B07-4BF5-9104-333A15C8E89C}" dt="2024-10-02T04:38:05.677" v="8" actId="478"/>
-          <ac:picMkLst>
-            <pc:docMk/>
-            <pc:sldMk cId="3912507219" sldId="263"/>
-            <ac:picMk id="48" creationId="{30700B58-01CB-4443-9081-B811637CB4F7}"/>
-          </ac:picMkLst>
-        </pc:picChg>
-        <pc:picChg chg="del">
-          <ac:chgData name="Marq Gonzales" userId="8a8aa5cc-da4d-4428-991f-d72f7edc4e69" providerId="ADAL" clId="{17E9AA18-5B07-4BF5-9104-333A15C8E89C}" dt="2024-10-02T04:38:05.677" v="8" actId="478"/>
-          <ac:picMkLst>
-            <pc:docMk/>
-            <pc:sldMk cId="3912507219" sldId="263"/>
-            <ac:picMk id="50" creationId="{28105EEA-6A97-4D57-A15A-DF551CBF33CA}"/>
-          </ac:picMkLst>
-        </pc:picChg>
-        <pc:picChg chg="del">
-          <ac:chgData name="Marq Gonzales" userId="8a8aa5cc-da4d-4428-991f-d72f7edc4e69" providerId="ADAL" clId="{17E9AA18-5B07-4BF5-9104-333A15C8E89C}" dt="2024-10-02T04:49:06.791" v="11" actId="478"/>
-          <ac:picMkLst>
-            <pc:docMk/>
-            <pc:sldMk cId="3912507219" sldId="263"/>
-            <ac:picMk id="58" creationId="{21584744-06F1-4FFA-AA48-B010AE81C2AC}"/>
-          </ac:picMkLst>
-        </pc:picChg>
-        <pc:picChg chg="del">
-          <ac:chgData name="Marq Gonzales" userId="8a8aa5cc-da4d-4428-991f-d72f7edc4e69" providerId="ADAL" clId="{17E9AA18-5B07-4BF5-9104-333A15C8E89C}" dt="2024-10-02T04:38:05.677" v="8" actId="478"/>
-          <ac:picMkLst>
-            <pc:docMk/>
-            <pc:sldMk cId="3912507219" sldId="263"/>
-            <ac:picMk id="62" creationId="{5046ADDA-0073-4642-B657-0FBC7CC2F769}"/>
-          </ac:picMkLst>
-        </pc:picChg>
-        <pc:picChg chg="del">
-          <ac:chgData name="Marq Gonzales" userId="8a8aa5cc-da4d-4428-991f-d72f7edc4e69" providerId="ADAL" clId="{17E9AA18-5B07-4BF5-9104-333A15C8E89C}" dt="2024-10-02T04:38:05.677" v="8" actId="478"/>
-          <ac:picMkLst>
-            <pc:docMk/>
-            <pc:sldMk cId="3912507219" sldId="263"/>
-            <ac:picMk id="69" creationId="{14A1BC1D-1D82-4E13-B1CF-BAFFAEAC16BA}"/>
-          </ac:picMkLst>
-        </pc:picChg>
-        <pc:cxnChg chg="del">
-          <ac:chgData name="Marq Gonzales" userId="8a8aa5cc-da4d-4428-991f-d72f7edc4e69" providerId="ADAL" clId="{17E9AA18-5B07-4BF5-9104-333A15C8E89C}" dt="2024-10-02T04:38:02.540" v="7" actId="478"/>
-          <ac:cxnSpMkLst>
-            <pc:docMk/>
-            <pc:sldMk cId="3912507219" sldId="263"/>
-            <ac:cxnSpMk id="42" creationId="{D8450B4B-73CC-4741-86DD-57D97E3DD1F3}"/>
-          </ac:cxnSpMkLst>
-        </pc:cxnChg>
-      </pc:sldChg>
-    </pc:docChg>
-  </pc:docChgLst>
-</pc:chgInfo>
 </file>
 
 <file path=ppt/slideLayouts/slideLayout1.xml><?xml version="1.0" encoding="utf-8"?>
@@ -3534,7 +288,7 @@
           <a:p>
             <a:fld id="{AE19CE15-4131-427B-8B25-C3DE264DA446}" type="datetimeFigureOut">
               <a:rPr lang="en-PH" smtClean="0"/>
-              <a:t>10/03/2024</a:t>
+              <a:t>10/12/2024</a:t>
             </a:fld>
             <a:endParaRPr lang="en-PH"/>
           </a:p>
@@ -3734,7 +488,7 @@
           <a:p>
             <a:fld id="{AE19CE15-4131-427B-8B25-C3DE264DA446}" type="datetimeFigureOut">
               <a:rPr lang="en-PH" smtClean="0"/>
-              <a:t>10/03/2024</a:t>
+              <a:t>10/12/2024</a:t>
             </a:fld>
             <a:endParaRPr lang="en-PH"/>
           </a:p>
@@ -3944,7 +698,7 @@
           <a:p>
             <a:fld id="{AE19CE15-4131-427B-8B25-C3DE264DA446}" type="datetimeFigureOut">
               <a:rPr lang="en-PH" smtClean="0"/>
-              <a:t>10/03/2024</a:t>
+              <a:t>10/12/2024</a:t>
             </a:fld>
             <a:endParaRPr lang="en-PH"/>
           </a:p>
@@ -4144,7 +898,7 @@
           <a:p>
             <a:fld id="{AE19CE15-4131-427B-8B25-C3DE264DA446}" type="datetimeFigureOut">
               <a:rPr lang="en-PH" smtClean="0"/>
-              <a:t>10/03/2024</a:t>
+              <a:t>10/12/2024</a:t>
             </a:fld>
             <a:endParaRPr lang="en-PH"/>
           </a:p>
@@ -4420,7 +1174,7 @@
           <a:p>
             <a:fld id="{AE19CE15-4131-427B-8B25-C3DE264DA446}" type="datetimeFigureOut">
               <a:rPr lang="en-PH" smtClean="0"/>
-              <a:t>10/03/2024</a:t>
+              <a:t>10/12/2024</a:t>
             </a:fld>
             <a:endParaRPr lang="en-PH"/>
           </a:p>
@@ -4688,7 +1442,7 @@
           <a:p>
             <a:fld id="{AE19CE15-4131-427B-8B25-C3DE264DA446}" type="datetimeFigureOut">
               <a:rPr lang="en-PH" smtClean="0"/>
-              <a:t>10/03/2024</a:t>
+              <a:t>10/12/2024</a:t>
             </a:fld>
             <a:endParaRPr lang="en-PH"/>
           </a:p>
@@ -5103,7 +1857,7 @@
           <a:p>
             <a:fld id="{AE19CE15-4131-427B-8B25-C3DE264DA446}" type="datetimeFigureOut">
               <a:rPr lang="en-PH" smtClean="0"/>
-              <a:t>10/03/2024</a:t>
+              <a:t>10/12/2024</a:t>
             </a:fld>
             <a:endParaRPr lang="en-PH"/>
           </a:p>
@@ -5245,7 +1999,7 @@
           <a:p>
             <a:fld id="{AE19CE15-4131-427B-8B25-C3DE264DA446}" type="datetimeFigureOut">
               <a:rPr lang="en-PH" smtClean="0"/>
-              <a:t>10/03/2024</a:t>
+              <a:t>10/12/2024</a:t>
             </a:fld>
             <a:endParaRPr lang="en-PH"/>
           </a:p>
@@ -5358,7 +2112,7 @@
           <a:p>
             <a:fld id="{AE19CE15-4131-427B-8B25-C3DE264DA446}" type="datetimeFigureOut">
               <a:rPr lang="en-PH" smtClean="0"/>
-              <a:t>10/03/2024</a:t>
+              <a:t>10/12/2024</a:t>
             </a:fld>
             <a:endParaRPr lang="en-PH"/>
           </a:p>
@@ -5671,7 +2425,7 @@
           <a:p>
             <a:fld id="{AE19CE15-4131-427B-8B25-C3DE264DA446}" type="datetimeFigureOut">
               <a:rPr lang="en-PH" smtClean="0"/>
-              <a:t>10/03/2024</a:t>
+              <a:t>10/12/2024</a:t>
             </a:fld>
             <a:endParaRPr lang="en-PH"/>
           </a:p>
@@ -5960,7 +2714,7 @@
           <a:p>
             <a:fld id="{AE19CE15-4131-427B-8B25-C3DE264DA446}" type="datetimeFigureOut">
               <a:rPr lang="en-PH" smtClean="0"/>
-              <a:t>10/03/2024</a:t>
+              <a:t>10/12/2024</a:t>
             </a:fld>
             <a:endParaRPr lang="en-PH"/>
           </a:p>
@@ -6203,7 +2957,7 @@
           <a:p>
             <a:fld id="{AE19CE15-4131-427B-8B25-C3DE264DA446}" type="datetimeFigureOut">
               <a:rPr lang="en-PH" smtClean="0"/>
-              <a:t>10/03/2024</a:t>
+              <a:t>10/12/2024</a:t>
             </a:fld>
             <a:endParaRPr lang="en-PH"/>
           </a:p>
@@ -7529,12 +4283,57 @@
           <a:chExt cx="0" cy="0"/>
         </a:xfrm>
       </p:grpSpPr>
-      <p:sp>
-        <p:nvSpPr>
-          <p:cNvPr id="63" name="Rectangle: Rounded Corners 62">
-            <a:extLst>
-              <a:ext uri="{FF2B5EF4-FFF2-40B4-BE49-F238E27FC236}">
-                <a16:creationId xmlns:a16="http://schemas.microsoft.com/office/drawing/2014/main" id="{80A7D17C-F4D3-41EC-9225-F71977685B85}"/>
+      <p:pic>
+        <p:nvPicPr>
+          <p:cNvPr id="139" name="Picture 6" descr="Flat design of abstract background">
+            <a:extLst>
+              <a:ext uri="{FF2B5EF4-FFF2-40B4-BE49-F238E27FC236}">
+                <a16:creationId xmlns:a16="http://schemas.microsoft.com/office/drawing/2014/main" id="{9AE81CC5-1BA1-42B7-BAED-D0FDA244040F}"/>
+              </a:ext>
+            </a:extLst>
+          </p:cNvPr>
+          <p:cNvPicPr>
+            <a:picLocks noChangeAspect="1" noChangeArrowheads="1"/>
+          </p:cNvPicPr>
+          <p:nvPr/>
+        </p:nvPicPr>
+        <p:blipFill rotWithShape="1">
+          <a:blip r:embed="rId2">
+            <a:extLst>
+              <a:ext uri="{28A0092B-C50C-407E-A947-70E740481C1C}">
+                <a14:useLocalDpi xmlns:a14="http://schemas.microsoft.com/office/drawing/2010/main" val="0"/>
+              </a:ext>
+            </a:extLst>
+          </a:blip>
+          <a:srcRect l="36733" r="41456" b="7778"/>
+          <a:stretch/>
+        </p:blipFill>
+        <p:spPr bwMode="auto">
+          <a:xfrm>
+            <a:off x="-419" y="406088"/>
+            <a:ext cx="2301415" cy="6481936"/>
+          </a:xfrm>
+          <a:prstGeom prst="rect">
+            <a:avLst/>
+          </a:prstGeom>
+          <a:noFill/>
+          <a:extLst>
+            <a:ext uri="{909E8E84-426E-40DD-AFC4-6F175D3DCCD1}">
+              <a14:hiddenFill xmlns:a14="http://schemas.microsoft.com/office/drawing/2010/main">
+                <a:solidFill>
+                  <a:srgbClr val="FFFFFF"/>
+                </a:solidFill>
+              </a14:hiddenFill>
+            </a:ext>
+          </a:extLst>
+        </p:spPr>
+      </p:pic>
+      <p:sp>
+        <p:nvSpPr>
+          <p:cNvPr id="16" name="Rectangle 15">
+            <a:extLst>
+              <a:ext uri="{FF2B5EF4-FFF2-40B4-BE49-F238E27FC236}">
+                <a16:creationId xmlns:a16="http://schemas.microsoft.com/office/drawing/2014/main" id="{D5BDD208-A3A2-42BA-8EE8-27672339831F}"/>
               </a:ext>
             </a:extLst>
           </p:cNvPr>
@@ -7543,16 +4342,14 @@
         </p:nvSpPr>
         <p:spPr>
           <a:xfrm>
-            <a:off x="3773680" y="515885"/>
-            <a:ext cx="7207572" cy="454741"/>
-          </a:xfrm>
-          <a:prstGeom prst="roundRect">
-            <a:avLst>
-              <a:gd name="adj" fmla="val 15584"/>
-            </a:avLst>
+            <a:off x="0" y="0"/>
+            <a:ext cx="12191999" cy="6857999"/>
+          </a:xfrm>
+          <a:prstGeom prst="rect">
+            <a:avLst/>
           </a:prstGeom>
           <a:solidFill>
-            <a:srgbClr val="014C63"/>
+            <a:schemeClr val="bg1"/>
           </a:solidFill>
           <a:ln>
             <a:noFill/>
@@ -7585,6 +4382,110 @@
       </p:sp>
       <p:sp>
         <p:nvSpPr>
+          <p:cNvPr id="19" name="Rectangle: Rounded Corners 18">
+            <a:extLst>
+              <a:ext uri="{FF2B5EF4-FFF2-40B4-BE49-F238E27FC236}">
+                <a16:creationId xmlns:a16="http://schemas.microsoft.com/office/drawing/2014/main" id="{54AAB3AB-A446-488B-B1ED-07C11E7A0DC4}"/>
+              </a:ext>
+            </a:extLst>
+          </p:cNvPr>
+          <p:cNvSpPr/>
+          <p:nvPr/>
+        </p:nvSpPr>
+        <p:spPr>
+          <a:xfrm rot="16200000" flipV="1">
+            <a:off x="-2072598" y="2480351"/>
+            <a:ext cx="6450246" cy="2305050"/>
+          </a:xfrm>
+          <a:prstGeom prst="roundRect">
+            <a:avLst>
+              <a:gd name="adj" fmla="val 0"/>
+            </a:avLst>
+          </a:prstGeom>
+          <a:solidFill>
+            <a:schemeClr val="tx2"/>
+          </a:solidFill>
+          <a:ln w="3175">
+            <a:solidFill>
+              <a:schemeClr val="bg2"/>
+            </a:solidFill>
+          </a:ln>
+          <a:effectLst/>
+        </p:spPr>
+        <p:style>
+          <a:lnRef idx="2">
+            <a:schemeClr val="accent1">
+              <a:shade val="50000"/>
+            </a:schemeClr>
+          </a:lnRef>
+          <a:fillRef idx="1">
+            <a:schemeClr val="accent1"/>
+          </a:fillRef>
+          <a:effectRef idx="0">
+            <a:schemeClr val="accent1"/>
+          </a:effectRef>
+          <a:fontRef idx="minor">
+            <a:schemeClr val="lt1"/>
+          </a:fontRef>
+        </p:style>
+        <p:txBody>
+          <a:bodyPr rtlCol="0" anchor="ctr"/>
+          <a:lstStyle/>
+          <a:p>
+            <a:pPr algn="ctr"/>
+            <a:endParaRPr lang="en-PH"/>
+          </a:p>
+        </p:txBody>
+      </p:sp>
+      <p:sp>
+        <p:nvSpPr>
+          <p:cNvPr id="20" name="TextBox 19">
+            <a:extLst>
+              <a:ext uri="{FF2B5EF4-FFF2-40B4-BE49-F238E27FC236}">
+                <a16:creationId xmlns:a16="http://schemas.microsoft.com/office/drawing/2014/main" id="{28E7AF71-8B85-42C8-8F7A-E27F02546457}"/>
+              </a:ext>
+            </a:extLst>
+          </p:cNvPr>
+          <p:cNvSpPr txBox="1"/>
+          <p:nvPr/>
+        </p:nvSpPr>
+        <p:spPr>
+          <a:xfrm>
+            <a:off x="158998" y="574738"/>
+            <a:ext cx="1974601" cy="1816036"/>
+          </a:xfrm>
+          <a:prstGeom prst="roundRect">
+            <a:avLst>
+              <a:gd name="adj" fmla="val 5774"/>
+            </a:avLst>
+          </a:prstGeom>
+          <a:solidFill>
+            <a:srgbClr val="FFFFFF"/>
+          </a:solidFill>
+          <a:ln>
+            <a:solidFill>
+              <a:schemeClr val="bg2">
+                <a:lumMod val="90000"/>
+              </a:schemeClr>
+            </a:solidFill>
+          </a:ln>
+        </p:spPr>
+        <p:txBody>
+          <a:bodyPr wrap="square" rtlCol="0" anchor="t" anchorCtr="0">
+            <a:noAutofit/>
+          </a:bodyPr>
+          <a:lstStyle/>
+          <a:p>
+            <a:r>
+              <a:rPr lang="en-US" sz="1200" b="1" dirty="0"/>
+              <a:t> </a:t>
+            </a:r>
+            <a:endParaRPr lang="en-PH" sz="1200" b="1" dirty="0"/>
+          </a:p>
+        </p:txBody>
+      </p:sp>
+      <p:sp>
+        <p:nvSpPr>
           <p:cNvPr id="4" name="Rectangle 3">
             <a:extLst>
               <a:ext uri="{FF2B5EF4-FFF2-40B4-BE49-F238E27FC236}">
@@ -7597,8 +4498,8 @@
         </p:nvSpPr>
         <p:spPr>
           <a:xfrm>
-            <a:off x="0" y="0"/>
-            <a:ext cx="12179300" cy="369652"/>
+            <a:off x="-1" y="0"/>
+            <a:ext cx="12192000" cy="407752"/>
           </a:xfrm>
           <a:prstGeom prst="rect">
             <a:avLst/>
@@ -7607,12 +4508,9 @@
             <a:schemeClr val="bg1"/>
           </a:solidFill>
           <a:ln>
-            <a:solidFill>
-              <a:schemeClr val="bg1">
-                <a:lumMod val="95000"/>
-              </a:schemeClr>
-            </a:solidFill>
+            <a:noFill/>
           </a:ln>
+          <a:effectLst/>
         </p:spPr>
         <p:style>
           <a:lnRef idx="2">
@@ -7639,12 +4537,730 @@
           </a:p>
         </p:txBody>
       </p:sp>
+      <p:sp>
+        <p:nvSpPr>
+          <p:cNvPr id="6" name="TextBox 5">
+            <a:extLst>
+              <a:ext uri="{FF2B5EF4-FFF2-40B4-BE49-F238E27FC236}">
+                <a16:creationId xmlns:a16="http://schemas.microsoft.com/office/drawing/2014/main" id="{38B6700A-FF70-4BC9-B81A-F39AE28E4E30}"/>
+              </a:ext>
+            </a:extLst>
+          </p:cNvPr>
+          <p:cNvSpPr txBox="1"/>
+          <p:nvPr/>
+        </p:nvSpPr>
+        <p:spPr>
+          <a:xfrm>
+            <a:off x="5455229" y="3670"/>
+            <a:ext cx="1284216" cy="246221"/>
+          </a:xfrm>
+          <a:prstGeom prst="rect">
+            <a:avLst/>
+          </a:prstGeom>
+          <a:noFill/>
+        </p:spPr>
+        <p:txBody>
+          <a:bodyPr wrap="square" rtlCol="0">
+            <a:spAutoFit/>
+          </a:bodyPr>
+          <a:lstStyle/>
+          <a:p>
+            <a:r>
+              <a:rPr lang="en-US" sz="1000" b="1" dirty="0">
+                <a:solidFill>
+                  <a:srgbClr val="000000"/>
+                </a:solidFill>
+              </a:rPr>
+              <a:t>TPC Support Logs</a:t>
+            </a:r>
+            <a:endParaRPr lang="en-PH" sz="1000" b="1" dirty="0">
+              <a:solidFill>
+                <a:srgbClr val="000000"/>
+              </a:solidFill>
+            </a:endParaRPr>
+          </a:p>
+        </p:txBody>
+      </p:sp>
+      <p:pic>
+        <p:nvPicPr>
+          <p:cNvPr id="7" name="Picture 6">
+            <a:extLst>
+              <a:ext uri="{FF2B5EF4-FFF2-40B4-BE49-F238E27FC236}">
+                <a16:creationId xmlns:a16="http://schemas.microsoft.com/office/drawing/2014/main" id="{3B93EFA9-42EB-4155-A021-8FF798F89F87}"/>
+              </a:ext>
+            </a:extLst>
+          </p:cNvPr>
+          <p:cNvPicPr>
+            <a:picLocks noChangeAspect="1"/>
+          </p:cNvPicPr>
+          <p:nvPr/>
+        </p:nvPicPr>
+        <p:blipFill>
+          <a:blip r:embed="rId3"/>
+          <a:stretch>
+            <a:fillRect/>
+          </a:stretch>
+        </p:blipFill>
+        <p:spPr>
+          <a:xfrm>
+            <a:off x="5242590" y="106927"/>
+            <a:ext cx="209084" cy="209084"/>
+          </a:xfrm>
+          <a:prstGeom prst="rect">
+            <a:avLst/>
+          </a:prstGeom>
+        </p:spPr>
+      </p:pic>
+      <p:pic>
+        <p:nvPicPr>
+          <p:cNvPr id="8" name="Picture 7" descr="A person in a blue shirt&#10;&#10;Description automatically generated">
+            <a:extLst>
+              <a:ext uri="{FF2B5EF4-FFF2-40B4-BE49-F238E27FC236}">
+                <a16:creationId xmlns:a16="http://schemas.microsoft.com/office/drawing/2014/main" id="{38C487D9-CCAC-4654-90FA-AE756ED5DC82}"/>
+              </a:ext>
+            </a:extLst>
+          </p:cNvPr>
+          <p:cNvPicPr>
+            <a:picLocks noChangeAspect="1"/>
+          </p:cNvPicPr>
+          <p:nvPr/>
+        </p:nvPicPr>
+        <p:blipFill>
+          <a:blip r:embed="rId4">
+            <a:extLst>
+              <a:ext uri="{28A0092B-C50C-407E-A947-70E740481C1C}">
+                <a14:useLocalDpi xmlns:a14="http://schemas.microsoft.com/office/drawing/2010/main" val="0"/>
+              </a:ext>
+            </a:extLst>
+          </a:blip>
+          <a:stretch>
+            <a:fillRect/>
+          </a:stretch>
+        </p:blipFill>
+        <p:spPr>
+          <a:xfrm>
+            <a:off x="11649235" y="73835"/>
+            <a:ext cx="249910" cy="249910"/>
+          </a:xfrm>
+          <a:prstGeom prst="flowChartConnector">
+            <a:avLst/>
+          </a:prstGeom>
+        </p:spPr>
+      </p:pic>
+      <p:sp>
+        <p:nvSpPr>
+          <p:cNvPr id="10" name="Rectangle: Rounded Corners 9">
+            <a:extLst>
+              <a:ext uri="{FF2B5EF4-FFF2-40B4-BE49-F238E27FC236}">
+                <a16:creationId xmlns:a16="http://schemas.microsoft.com/office/drawing/2014/main" id="{2DC00DB5-0AEF-4765-9C15-33A83A0BF32B}"/>
+              </a:ext>
+            </a:extLst>
+          </p:cNvPr>
+          <p:cNvSpPr/>
+          <p:nvPr/>
+        </p:nvSpPr>
+        <p:spPr>
+          <a:xfrm>
+            <a:off x="5545974" y="216538"/>
+            <a:ext cx="550026" cy="127919"/>
+          </a:xfrm>
+          <a:prstGeom prst="roundRect">
+            <a:avLst>
+              <a:gd name="adj" fmla="val 50000"/>
+            </a:avLst>
+          </a:prstGeom>
+          <a:solidFill>
+            <a:srgbClr val="00B050"/>
+          </a:solidFill>
+          <a:ln>
+            <a:noFill/>
+          </a:ln>
+        </p:spPr>
+        <p:style>
+          <a:lnRef idx="2">
+            <a:schemeClr val="accent1">
+              <a:shade val="50000"/>
+            </a:schemeClr>
+          </a:lnRef>
+          <a:fillRef idx="1">
+            <a:schemeClr val="accent1"/>
+          </a:fillRef>
+          <a:effectRef idx="0">
+            <a:schemeClr val="accent1"/>
+          </a:effectRef>
+          <a:fontRef idx="minor">
+            <a:schemeClr val="lt1"/>
+          </a:fontRef>
+        </p:style>
+        <p:txBody>
+          <a:bodyPr lIns="0" rIns="0" rtlCol="0" anchor="ctr"/>
+          <a:lstStyle/>
+          <a:p>
+            <a:pPr algn="ctr"/>
+            <a:r>
+              <a:rPr lang="en-US" sz="600" dirty="0"/>
+              <a:t>1.0.0.0  </a:t>
+            </a:r>
+            <a:r>
+              <a:rPr lang="en-US" sz="600" b="1" dirty="0"/>
+              <a:t>LIVE</a:t>
+            </a:r>
+            <a:endParaRPr lang="en-PH" sz="600" b="1" dirty="0"/>
+          </a:p>
+        </p:txBody>
+      </p:sp>
+      <p:sp>
+        <p:nvSpPr>
+          <p:cNvPr id="21" name="Rectangle: Rounded Corners 20">
+            <a:extLst>
+              <a:ext uri="{FF2B5EF4-FFF2-40B4-BE49-F238E27FC236}">
+                <a16:creationId xmlns:a16="http://schemas.microsoft.com/office/drawing/2014/main" id="{BFB71818-581A-4B3F-B3E6-10D2A25AE77C}"/>
+              </a:ext>
+            </a:extLst>
+          </p:cNvPr>
+          <p:cNvSpPr/>
+          <p:nvPr/>
+        </p:nvSpPr>
+        <p:spPr>
+          <a:xfrm>
+            <a:off x="277997" y="949540"/>
+            <a:ext cx="1741074" cy="263699"/>
+          </a:xfrm>
+          <a:prstGeom prst="roundRect">
+            <a:avLst>
+              <a:gd name="adj" fmla="val 50000"/>
+            </a:avLst>
+          </a:prstGeom>
+          <a:solidFill>
+            <a:srgbClr val="D4E3FA"/>
+          </a:solidFill>
+          <a:ln w="3175">
+            <a:noFill/>
+          </a:ln>
+          <a:effectLst>
+            <a:softEdge rad="0"/>
+          </a:effectLst>
+        </p:spPr>
+        <p:style>
+          <a:lnRef idx="2">
+            <a:schemeClr val="accent1">
+              <a:shade val="50000"/>
+            </a:schemeClr>
+          </a:lnRef>
+          <a:fillRef idx="1">
+            <a:schemeClr val="accent1"/>
+          </a:fillRef>
+          <a:effectRef idx="0">
+            <a:schemeClr val="accent1"/>
+          </a:effectRef>
+          <a:fontRef idx="minor">
+            <a:schemeClr val="lt1"/>
+          </a:fontRef>
+        </p:style>
+        <p:txBody>
+          <a:bodyPr rtlCol="0" anchor="ctr"/>
+          <a:lstStyle/>
+          <a:p>
+            <a:pPr algn="ctr"/>
+            <a:endParaRPr lang="en-PH" sz="1200"/>
+          </a:p>
+        </p:txBody>
+      </p:sp>
+      <p:sp>
+        <p:nvSpPr>
+          <p:cNvPr id="22" name="TextBox 21">
+            <a:extLst>
+              <a:ext uri="{FF2B5EF4-FFF2-40B4-BE49-F238E27FC236}">
+                <a16:creationId xmlns:a16="http://schemas.microsoft.com/office/drawing/2014/main" id="{8E091E8D-F1E2-4DB6-9E96-DCE6D01E8BA1}"/>
+              </a:ext>
+            </a:extLst>
+          </p:cNvPr>
+          <p:cNvSpPr txBox="1"/>
+          <p:nvPr/>
+        </p:nvSpPr>
+        <p:spPr>
+          <a:xfrm>
+            <a:off x="523885" y="940763"/>
+            <a:ext cx="1293719" cy="276999"/>
+          </a:xfrm>
+          <a:prstGeom prst="rect">
+            <a:avLst/>
+          </a:prstGeom>
+          <a:noFill/>
+        </p:spPr>
+        <p:txBody>
+          <a:bodyPr wrap="square" rtlCol="0">
+            <a:spAutoFit/>
+          </a:bodyPr>
+          <a:lstStyle/>
+          <a:p>
+            <a:r>
+              <a:rPr lang="en-US" sz="1200" dirty="0">
+                <a:solidFill>
+                  <a:schemeClr val="tx2">
+                    <a:lumMod val="75000"/>
+                  </a:schemeClr>
+                </a:solidFill>
+              </a:rPr>
+              <a:t>Infrastructure</a:t>
+            </a:r>
+            <a:endParaRPr lang="en-PH" sz="1200" dirty="0">
+              <a:solidFill>
+                <a:schemeClr val="tx2">
+                  <a:lumMod val="75000"/>
+                </a:schemeClr>
+              </a:solidFill>
+            </a:endParaRPr>
+          </a:p>
+        </p:txBody>
+      </p:sp>
+      <p:pic>
+        <p:nvPicPr>
+          <p:cNvPr id="24" name="Picture 23">
+            <a:extLst>
+              <a:ext uri="{FF2B5EF4-FFF2-40B4-BE49-F238E27FC236}">
+                <a16:creationId xmlns:a16="http://schemas.microsoft.com/office/drawing/2014/main" id="{BCD36225-30D9-4E7E-B3F0-6E8555719B0A}"/>
+              </a:ext>
+            </a:extLst>
+          </p:cNvPr>
+          <p:cNvPicPr>
+            <a:picLocks noChangeAspect="1"/>
+          </p:cNvPicPr>
+          <p:nvPr/>
+        </p:nvPicPr>
+        <p:blipFill>
+          <a:blip r:embed="rId5"/>
+          <a:stretch>
+            <a:fillRect/>
+          </a:stretch>
+        </p:blipFill>
+        <p:spPr>
+          <a:xfrm>
+            <a:off x="355010" y="995848"/>
+            <a:ext cx="168062" cy="191722"/>
+          </a:xfrm>
+          <a:prstGeom prst="rect">
+            <a:avLst/>
+          </a:prstGeom>
+        </p:spPr>
+      </p:pic>
+      <p:sp>
+        <p:nvSpPr>
+          <p:cNvPr id="25" name="Rectangle 24">
+            <a:extLst>
+              <a:ext uri="{FF2B5EF4-FFF2-40B4-BE49-F238E27FC236}">
+                <a16:creationId xmlns:a16="http://schemas.microsoft.com/office/drawing/2014/main" id="{4223E682-0182-4E01-A16E-316FC615F5BB}"/>
+              </a:ext>
+            </a:extLst>
+          </p:cNvPr>
+          <p:cNvSpPr/>
+          <p:nvPr/>
+        </p:nvSpPr>
+        <p:spPr>
+          <a:xfrm>
+            <a:off x="277997" y="1333138"/>
+            <a:ext cx="1684152" cy="330179"/>
+          </a:xfrm>
+          <a:prstGeom prst="rect">
+            <a:avLst/>
+          </a:prstGeom>
+          <a:solidFill>
+            <a:srgbClr val="FFFFFF"/>
+          </a:solidFill>
+          <a:ln w="3175">
+            <a:noFill/>
+          </a:ln>
+          <a:effectLst>
+            <a:softEdge rad="0"/>
+          </a:effectLst>
+        </p:spPr>
+        <p:style>
+          <a:lnRef idx="2">
+            <a:schemeClr val="accent1">
+              <a:shade val="50000"/>
+            </a:schemeClr>
+          </a:lnRef>
+          <a:fillRef idx="1">
+            <a:schemeClr val="accent1"/>
+          </a:fillRef>
+          <a:effectRef idx="0">
+            <a:schemeClr val="accent1"/>
+          </a:effectRef>
+          <a:fontRef idx="minor">
+            <a:schemeClr val="lt1"/>
+          </a:fontRef>
+        </p:style>
+        <p:txBody>
+          <a:bodyPr rtlCol="0" anchor="ctr"/>
+          <a:lstStyle/>
+          <a:p>
+            <a:pPr algn="ctr"/>
+            <a:endParaRPr lang="en-PH" sz="1200"/>
+          </a:p>
+        </p:txBody>
+      </p:sp>
+      <p:sp>
+        <p:nvSpPr>
+          <p:cNvPr id="26" name="TextBox 25">
+            <a:extLst>
+              <a:ext uri="{FF2B5EF4-FFF2-40B4-BE49-F238E27FC236}">
+                <a16:creationId xmlns:a16="http://schemas.microsoft.com/office/drawing/2014/main" id="{F4535406-3C5E-43E4-B079-1519A85F5A0F}"/>
+              </a:ext>
+            </a:extLst>
+          </p:cNvPr>
+          <p:cNvSpPr txBox="1"/>
+          <p:nvPr/>
+        </p:nvSpPr>
+        <p:spPr>
+          <a:xfrm>
+            <a:off x="523885" y="1319397"/>
+            <a:ext cx="1508497" cy="276999"/>
+          </a:xfrm>
+          <a:prstGeom prst="rect">
+            <a:avLst/>
+          </a:prstGeom>
+          <a:solidFill>
+            <a:srgbClr val="FFFFFF"/>
+          </a:solidFill>
+        </p:spPr>
+        <p:txBody>
+          <a:bodyPr wrap="square" rtlCol="0">
+            <a:spAutoFit/>
+          </a:bodyPr>
+          <a:lstStyle/>
+          <a:p>
+            <a:r>
+              <a:rPr lang="en-US" sz="1200" dirty="0">
+                <a:solidFill>
+                  <a:schemeClr val="tx2">
+                    <a:lumMod val="75000"/>
+                  </a:schemeClr>
+                </a:solidFill>
+              </a:rPr>
+              <a:t>ERPS Systems</a:t>
+            </a:r>
+            <a:endParaRPr lang="en-PH" sz="1200" dirty="0">
+              <a:solidFill>
+                <a:schemeClr val="tx2">
+                  <a:lumMod val="75000"/>
+                </a:schemeClr>
+              </a:solidFill>
+            </a:endParaRPr>
+          </a:p>
+        </p:txBody>
+      </p:sp>
+      <p:pic>
+        <p:nvPicPr>
+          <p:cNvPr id="28" name="Picture 27">
+            <a:extLst>
+              <a:ext uri="{FF2B5EF4-FFF2-40B4-BE49-F238E27FC236}">
+                <a16:creationId xmlns:a16="http://schemas.microsoft.com/office/drawing/2014/main" id="{92AE064B-5C7F-4BE6-A039-259199C8DB04}"/>
+              </a:ext>
+            </a:extLst>
+          </p:cNvPr>
+          <p:cNvPicPr>
+            <a:picLocks noChangeAspect="1"/>
+          </p:cNvPicPr>
+          <p:nvPr/>
+        </p:nvPicPr>
+        <p:blipFill>
+          <a:blip r:embed="rId6"/>
+          <a:stretch>
+            <a:fillRect/>
+          </a:stretch>
+        </p:blipFill>
+        <p:spPr>
+          <a:xfrm>
+            <a:off x="368241" y="1367218"/>
+            <a:ext cx="115170" cy="175307"/>
+          </a:xfrm>
+          <a:prstGeom prst="rect">
+            <a:avLst/>
+          </a:prstGeom>
+        </p:spPr>
+      </p:pic>
+      <p:sp>
+        <p:nvSpPr>
+          <p:cNvPr id="29" name="Rectangle 28">
+            <a:extLst>
+              <a:ext uri="{FF2B5EF4-FFF2-40B4-BE49-F238E27FC236}">
+                <a16:creationId xmlns:a16="http://schemas.microsoft.com/office/drawing/2014/main" id="{9DC78CB5-2CC4-4AE5-92C6-EDC6879BA1B2}"/>
+              </a:ext>
+            </a:extLst>
+          </p:cNvPr>
+          <p:cNvSpPr/>
+          <p:nvPr/>
+        </p:nvSpPr>
+        <p:spPr>
+          <a:xfrm>
+            <a:off x="277997" y="1663414"/>
+            <a:ext cx="1688160" cy="330179"/>
+          </a:xfrm>
+          <a:prstGeom prst="rect">
+            <a:avLst/>
+          </a:prstGeom>
+          <a:solidFill>
+            <a:srgbClr val="FFFFFF"/>
+          </a:solidFill>
+          <a:ln w="3175">
+            <a:noFill/>
+          </a:ln>
+          <a:effectLst>
+            <a:softEdge rad="0"/>
+          </a:effectLst>
+        </p:spPr>
+        <p:style>
+          <a:lnRef idx="2">
+            <a:schemeClr val="accent1">
+              <a:shade val="50000"/>
+            </a:schemeClr>
+          </a:lnRef>
+          <a:fillRef idx="1">
+            <a:schemeClr val="accent1"/>
+          </a:fillRef>
+          <a:effectRef idx="0">
+            <a:schemeClr val="accent1"/>
+          </a:effectRef>
+          <a:fontRef idx="minor">
+            <a:schemeClr val="lt1"/>
+          </a:fontRef>
+        </p:style>
+        <p:txBody>
+          <a:bodyPr rtlCol="0" anchor="ctr"/>
+          <a:lstStyle/>
+          <a:p>
+            <a:pPr algn="ctr"/>
+            <a:endParaRPr lang="en-PH" sz="1200"/>
+          </a:p>
+        </p:txBody>
+      </p:sp>
+      <p:sp>
+        <p:nvSpPr>
+          <p:cNvPr id="30" name="TextBox 29">
+            <a:extLst>
+              <a:ext uri="{FF2B5EF4-FFF2-40B4-BE49-F238E27FC236}">
+                <a16:creationId xmlns:a16="http://schemas.microsoft.com/office/drawing/2014/main" id="{46457596-43AC-487C-9930-20211D647E90}"/>
+              </a:ext>
+            </a:extLst>
+          </p:cNvPr>
+          <p:cNvSpPr txBox="1"/>
+          <p:nvPr/>
+        </p:nvSpPr>
+        <p:spPr>
+          <a:xfrm>
+            <a:off x="527892" y="1649673"/>
+            <a:ext cx="1508497" cy="276999"/>
+          </a:xfrm>
+          <a:prstGeom prst="rect">
+            <a:avLst/>
+          </a:prstGeom>
+          <a:solidFill>
+            <a:srgbClr val="FFFFFF"/>
+          </a:solidFill>
+        </p:spPr>
+        <p:txBody>
+          <a:bodyPr wrap="square" rtlCol="0">
+            <a:spAutoFit/>
+          </a:bodyPr>
+          <a:lstStyle/>
+          <a:p>
+            <a:r>
+              <a:rPr lang="en-US" sz="1200" dirty="0">
+                <a:solidFill>
+                  <a:schemeClr val="tx2">
+                    <a:lumMod val="75000"/>
+                  </a:schemeClr>
+                </a:solidFill>
+              </a:rPr>
+              <a:t>Common Systems</a:t>
+            </a:r>
+            <a:endParaRPr lang="en-PH" sz="1200" dirty="0">
+              <a:solidFill>
+                <a:schemeClr val="tx2">
+                  <a:lumMod val="75000"/>
+                </a:schemeClr>
+              </a:solidFill>
+            </a:endParaRPr>
+          </a:p>
+        </p:txBody>
+      </p:sp>
+      <p:pic>
+        <p:nvPicPr>
+          <p:cNvPr id="32" name="Picture 31">
+            <a:extLst>
+              <a:ext uri="{FF2B5EF4-FFF2-40B4-BE49-F238E27FC236}">
+                <a16:creationId xmlns:a16="http://schemas.microsoft.com/office/drawing/2014/main" id="{E37D0BBC-F858-4F59-A730-914C52651A90}"/>
+              </a:ext>
+            </a:extLst>
+          </p:cNvPr>
+          <p:cNvPicPr>
+            <a:picLocks noChangeAspect="1"/>
+          </p:cNvPicPr>
+          <p:nvPr/>
+        </p:nvPicPr>
+        <p:blipFill>
+          <a:blip r:embed="rId7"/>
+          <a:stretch>
+            <a:fillRect/>
+          </a:stretch>
+        </p:blipFill>
+        <p:spPr>
+          <a:xfrm>
+            <a:off x="343585" y="1683983"/>
+            <a:ext cx="135266" cy="205898"/>
+          </a:xfrm>
+          <a:prstGeom prst="rect">
+            <a:avLst/>
+          </a:prstGeom>
+          <a:solidFill>
+            <a:srgbClr val="FFFFFF"/>
+          </a:solidFill>
+        </p:spPr>
+      </p:pic>
+      <p:sp>
+        <p:nvSpPr>
+          <p:cNvPr id="33" name="Rectangle 32">
+            <a:extLst>
+              <a:ext uri="{FF2B5EF4-FFF2-40B4-BE49-F238E27FC236}">
+                <a16:creationId xmlns:a16="http://schemas.microsoft.com/office/drawing/2014/main" id="{D434FF03-35FB-4DA1-907A-6F2556D6E0ED}"/>
+              </a:ext>
+            </a:extLst>
+          </p:cNvPr>
+          <p:cNvSpPr/>
+          <p:nvPr/>
+        </p:nvSpPr>
+        <p:spPr>
+          <a:xfrm>
+            <a:off x="273989" y="1997674"/>
+            <a:ext cx="1688160" cy="330179"/>
+          </a:xfrm>
+          <a:prstGeom prst="rect">
+            <a:avLst/>
+          </a:prstGeom>
+          <a:solidFill>
+            <a:srgbClr val="FFFFFF"/>
+          </a:solidFill>
+          <a:ln w="3175">
+            <a:noFill/>
+          </a:ln>
+          <a:effectLst>
+            <a:softEdge rad="0"/>
+          </a:effectLst>
+        </p:spPr>
+        <p:style>
+          <a:lnRef idx="2">
+            <a:schemeClr val="accent1">
+              <a:shade val="50000"/>
+            </a:schemeClr>
+          </a:lnRef>
+          <a:fillRef idx="1">
+            <a:schemeClr val="accent1"/>
+          </a:fillRef>
+          <a:effectRef idx="0">
+            <a:schemeClr val="accent1"/>
+          </a:effectRef>
+          <a:fontRef idx="minor">
+            <a:schemeClr val="lt1"/>
+          </a:fontRef>
+        </p:style>
+        <p:txBody>
+          <a:bodyPr rtlCol="0" anchor="ctr"/>
+          <a:lstStyle/>
+          <a:p>
+            <a:pPr algn="ctr"/>
+            <a:endParaRPr lang="en-PH" sz="1200"/>
+          </a:p>
+        </p:txBody>
+      </p:sp>
+      <p:sp>
+        <p:nvSpPr>
+          <p:cNvPr id="34" name="TextBox 33">
+            <a:extLst>
+              <a:ext uri="{FF2B5EF4-FFF2-40B4-BE49-F238E27FC236}">
+                <a16:creationId xmlns:a16="http://schemas.microsoft.com/office/drawing/2014/main" id="{CDEC40D1-B4E0-4F04-BE07-EF9641127EC9}"/>
+              </a:ext>
+            </a:extLst>
+          </p:cNvPr>
+          <p:cNvSpPr txBox="1"/>
+          <p:nvPr/>
+        </p:nvSpPr>
+        <p:spPr>
+          <a:xfrm>
+            <a:off x="523886" y="1983933"/>
+            <a:ext cx="1508496" cy="276999"/>
+          </a:xfrm>
+          <a:prstGeom prst="rect">
+            <a:avLst/>
+          </a:prstGeom>
+          <a:solidFill>
+            <a:srgbClr val="FFFFFF"/>
+          </a:solidFill>
+        </p:spPr>
+        <p:txBody>
+          <a:bodyPr wrap="square" rtlCol="0">
+            <a:spAutoFit/>
+          </a:bodyPr>
+          <a:lstStyle/>
+          <a:p>
+            <a:r>
+              <a:rPr lang="en-US" sz="1200" dirty="0">
+                <a:solidFill>
+                  <a:schemeClr val="tx2">
+                    <a:lumMod val="75000"/>
+                  </a:schemeClr>
+                </a:solidFill>
+              </a:rPr>
+              <a:t>Manufacturing</a:t>
+            </a:r>
+            <a:endParaRPr lang="en-PH" sz="1200" dirty="0">
+              <a:solidFill>
+                <a:schemeClr val="tx2">
+                  <a:lumMod val="75000"/>
+                </a:schemeClr>
+              </a:solidFill>
+            </a:endParaRPr>
+          </a:p>
+        </p:txBody>
+      </p:sp>
+      <p:pic>
+        <p:nvPicPr>
+          <p:cNvPr id="36" name="Picture 35">
+            <a:extLst>
+              <a:ext uri="{FF2B5EF4-FFF2-40B4-BE49-F238E27FC236}">
+                <a16:creationId xmlns:a16="http://schemas.microsoft.com/office/drawing/2014/main" id="{677FC680-069A-4764-9915-2174689A499C}"/>
+              </a:ext>
+            </a:extLst>
+          </p:cNvPr>
+          <p:cNvPicPr>
+            <a:picLocks noChangeAspect="1"/>
+          </p:cNvPicPr>
+          <p:nvPr/>
+        </p:nvPicPr>
+        <p:blipFill>
+          <a:blip r:embed="rId8"/>
+          <a:stretch>
+            <a:fillRect/>
+          </a:stretch>
+        </p:blipFill>
+        <p:spPr>
+          <a:xfrm>
+            <a:off x="325458" y="2004574"/>
+            <a:ext cx="150041" cy="228388"/>
+          </a:xfrm>
+          <a:prstGeom prst="rect">
+            <a:avLst/>
+          </a:prstGeom>
+          <a:solidFill>
+            <a:srgbClr val="FFFFFF"/>
+          </a:solidFill>
+        </p:spPr>
+      </p:pic>
       <p:grpSp>
         <p:nvGrpSpPr>
-          <p:cNvPr id="5" name="Group 4">
-            <a:extLst>
-              <a:ext uri="{FF2B5EF4-FFF2-40B4-BE49-F238E27FC236}">
-                <a16:creationId xmlns:a16="http://schemas.microsoft.com/office/drawing/2014/main" id="{87D76D2E-2547-4303-B020-5A6CEBD88052}"/>
+          <p:cNvPr id="91" name="Group 90">
+            <a:extLst>
+              <a:ext uri="{FF2B5EF4-FFF2-40B4-BE49-F238E27FC236}">
+                <a16:creationId xmlns:a16="http://schemas.microsoft.com/office/drawing/2014/main" id="{A80E17D8-D563-4B26-A271-46940D85E08A}"/>
               </a:ext>
             </a:extLst>
           </p:cNvPr>
@@ -7653,18 +5269,493 @@
         </p:nvGrpSpPr>
         <p:grpSpPr>
           <a:xfrm>
-            <a:off x="4585604" y="60839"/>
-            <a:ext cx="1665953" cy="261610"/>
-            <a:chOff x="4875531" y="46325"/>
-            <a:chExt cx="1665953" cy="261610"/>
+            <a:off x="2511014" y="576870"/>
+            <a:ext cx="453682" cy="454741"/>
+            <a:chOff x="3079508" y="515885"/>
+            <a:chExt cx="453682" cy="454741"/>
           </a:xfrm>
         </p:grpSpPr>
         <p:sp>
           <p:nvSpPr>
-            <p:cNvPr id="6" name="TextBox 5">
+            <p:cNvPr id="55" name="Rectangle: Rounded Corners 54">
               <a:extLst>
                 <a:ext uri="{FF2B5EF4-FFF2-40B4-BE49-F238E27FC236}">
-                  <a16:creationId xmlns:a16="http://schemas.microsoft.com/office/drawing/2014/main" id="{38B6700A-FF70-4BC9-B81A-F39AE28E4E30}"/>
+                  <a16:creationId xmlns:a16="http://schemas.microsoft.com/office/drawing/2014/main" id="{9FCF40C6-3D8B-45D4-9A80-AF64B41E2FF5}"/>
+                </a:ext>
+              </a:extLst>
+            </p:cNvPr>
+            <p:cNvSpPr/>
+            <p:nvPr/>
+          </p:nvSpPr>
+          <p:spPr>
+            <a:xfrm>
+              <a:off x="3079508" y="515885"/>
+              <a:ext cx="453682" cy="454741"/>
+            </a:xfrm>
+            <a:prstGeom prst="roundRect">
+              <a:avLst>
+                <a:gd name="adj" fmla="val 13626"/>
+              </a:avLst>
+            </a:prstGeom>
+            <a:gradFill flip="none" rotWithShape="1">
+              <a:gsLst>
+                <a:gs pos="0">
+                  <a:srgbClr val="D2D2D2"/>
+                </a:gs>
+                <a:gs pos="50000">
+                  <a:srgbClr val="E4E4E4"/>
+                </a:gs>
+                <a:gs pos="100000">
+                  <a:schemeClr val="bg1">
+                    <a:lumMod val="95000"/>
+                    <a:shade val="100000"/>
+                    <a:satMod val="115000"/>
+                  </a:schemeClr>
+                </a:gs>
+              </a:gsLst>
+              <a:lin ang="13500000" scaled="1"/>
+              <a:tileRect/>
+            </a:gradFill>
+            <a:ln w="3175">
+              <a:solidFill>
+                <a:schemeClr val="bg1">
+                  <a:lumMod val="85000"/>
+                </a:schemeClr>
+              </a:solidFill>
+            </a:ln>
+            <a:effectLst/>
+          </p:spPr>
+          <p:style>
+            <a:lnRef idx="2">
+              <a:schemeClr val="accent1">
+                <a:shade val="50000"/>
+              </a:schemeClr>
+            </a:lnRef>
+            <a:fillRef idx="1">
+              <a:schemeClr val="accent1"/>
+            </a:fillRef>
+            <a:effectRef idx="0">
+              <a:schemeClr val="accent1"/>
+            </a:effectRef>
+            <a:fontRef idx="minor">
+              <a:schemeClr val="lt1"/>
+            </a:fontRef>
+          </p:style>
+          <p:txBody>
+            <a:bodyPr rtlCol="0" anchor="ctr"/>
+            <a:lstStyle/>
+            <a:p>
+              <a:pPr algn="ctr"/>
+              <a:endParaRPr lang="en-PH"/>
+            </a:p>
+          </p:txBody>
+        </p:sp>
+        <p:pic>
+          <p:nvPicPr>
+            <p:cNvPr id="62" name="Picture 61">
+              <a:extLst>
+                <a:ext uri="{FF2B5EF4-FFF2-40B4-BE49-F238E27FC236}">
+                  <a16:creationId xmlns:a16="http://schemas.microsoft.com/office/drawing/2014/main" id="{5046ADDA-0073-4642-B657-0FBC7CC2F769}"/>
+                </a:ext>
+              </a:extLst>
+            </p:cNvPr>
+            <p:cNvPicPr>
+              <a:picLocks noChangeAspect="1"/>
+            </p:cNvPicPr>
+            <p:nvPr/>
+          </p:nvPicPr>
+          <p:blipFill>
+            <a:blip r:embed="rId9"/>
+            <a:stretch>
+              <a:fillRect/>
+            </a:stretch>
+          </p:blipFill>
+          <p:spPr>
+            <a:xfrm>
+              <a:off x="3184329" y="609378"/>
+              <a:ext cx="255054" cy="255054"/>
+            </a:xfrm>
+            <a:prstGeom prst="rect">
+              <a:avLst/>
+            </a:prstGeom>
+          </p:spPr>
+        </p:pic>
+      </p:grpSp>
+      <p:pic>
+        <p:nvPicPr>
+          <p:cNvPr id="46" name="Picture 45">
+            <a:extLst>
+              <a:ext uri="{FF2B5EF4-FFF2-40B4-BE49-F238E27FC236}">
+                <a16:creationId xmlns:a16="http://schemas.microsoft.com/office/drawing/2014/main" id="{45CA6757-E1AB-4900-AC82-B8C75902D71C}"/>
+              </a:ext>
+            </a:extLst>
+          </p:cNvPr>
+          <p:cNvPicPr>
+            <a:picLocks noChangeAspect="1"/>
+          </p:cNvPicPr>
+          <p:nvPr/>
+        </p:nvPicPr>
+        <p:blipFill rotWithShape="1">
+          <a:blip r:embed="rId10"/>
+          <a:srcRect l="2832" t="15279" r="2741" b="4979"/>
+          <a:stretch/>
+        </p:blipFill>
+        <p:spPr>
+          <a:xfrm>
+            <a:off x="2526181" y="1179962"/>
+            <a:ext cx="8948689" cy="3431403"/>
+          </a:xfrm>
+          <a:prstGeom prst="roundRect">
+            <a:avLst>
+              <a:gd name="adj" fmla="val 2688"/>
+            </a:avLst>
+          </a:prstGeom>
+          <a:ln w="3175">
+            <a:solidFill>
+              <a:schemeClr val="bg2">
+                <a:lumMod val="90000"/>
+              </a:schemeClr>
+            </a:solidFill>
+          </a:ln>
+        </p:spPr>
+      </p:pic>
+      <p:grpSp>
+        <p:nvGrpSpPr>
+          <p:cNvPr id="93" name="Group 92">
+            <a:extLst>
+              <a:ext uri="{FF2B5EF4-FFF2-40B4-BE49-F238E27FC236}">
+                <a16:creationId xmlns:a16="http://schemas.microsoft.com/office/drawing/2014/main" id="{2EC38241-D258-47F0-950B-4A63E4A2FE6D}"/>
+              </a:ext>
+            </a:extLst>
+          </p:cNvPr>
+          <p:cNvGrpSpPr/>
+          <p:nvPr/>
+        </p:nvGrpSpPr>
+        <p:grpSpPr>
+          <a:xfrm>
+            <a:off x="11531546" y="584695"/>
+            <a:ext cx="453682" cy="454741"/>
+            <a:chOff x="11566399" y="515885"/>
+            <a:chExt cx="453682" cy="454741"/>
+          </a:xfrm>
+        </p:grpSpPr>
+        <p:sp>
+          <p:nvSpPr>
+            <p:cNvPr id="51" name="Rectangle: Rounded Corners 50">
+              <a:extLst>
+                <a:ext uri="{FF2B5EF4-FFF2-40B4-BE49-F238E27FC236}">
+                  <a16:creationId xmlns:a16="http://schemas.microsoft.com/office/drawing/2014/main" id="{2D69533F-6F70-42B8-96BC-A3F298ED2169}"/>
+                </a:ext>
+              </a:extLst>
+            </p:cNvPr>
+            <p:cNvSpPr/>
+            <p:nvPr/>
+          </p:nvSpPr>
+          <p:spPr>
+            <a:xfrm>
+              <a:off x="11566399" y="515885"/>
+              <a:ext cx="453682" cy="454741"/>
+            </a:xfrm>
+            <a:prstGeom prst="roundRect">
+              <a:avLst>
+                <a:gd name="adj" fmla="val 13626"/>
+              </a:avLst>
+            </a:prstGeom>
+            <a:gradFill flip="none" rotWithShape="1">
+              <a:gsLst>
+                <a:gs pos="0">
+                  <a:srgbClr val="CFCFCF"/>
+                </a:gs>
+                <a:gs pos="50000">
+                  <a:srgbClr val="E4E4E4"/>
+                </a:gs>
+                <a:gs pos="100000">
+                  <a:schemeClr val="bg1">
+                    <a:lumMod val="95000"/>
+                    <a:shade val="100000"/>
+                    <a:satMod val="115000"/>
+                  </a:schemeClr>
+                </a:gs>
+              </a:gsLst>
+              <a:lin ang="13500000" scaled="1"/>
+              <a:tileRect/>
+            </a:gradFill>
+            <a:ln w="3175">
+              <a:solidFill>
+                <a:schemeClr val="bg1">
+                  <a:lumMod val="85000"/>
+                </a:schemeClr>
+              </a:solidFill>
+            </a:ln>
+            <a:effectLst/>
+          </p:spPr>
+          <p:style>
+            <a:lnRef idx="2">
+              <a:schemeClr val="accent1">
+                <a:shade val="50000"/>
+              </a:schemeClr>
+            </a:lnRef>
+            <a:fillRef idx="1">
+              <a:schemeClr val="accent1"/>
+            </a:fillRef>
+            <a:effectRef idx="0">
+              <a:schemeClr val="accent1"/>
+            </a:effectRef>
+            <a:fontRef idx="minor">
+              <a:schemeClr val="lt1"/>
+            </a:fontRef>
+          </p:style>
+          <p:txBody>
+            <a:bodyPr rtlCol="0" anchor="ctr"/>
+            <a:lstStyle/>
+            <a:p>
+              <a:pPr algn="ctr"/>
+              <a:endParaRPr lang="en-PH"/>
+            </a:p>
+          </p:txBody>
+        </p:sp>
+        <p:pic>
+          <p:nvPicPr>
+            <p:cNvPr id="48" name="Picture 47">
+              <a:extLst>
+                <a:ext uri="{FF2B5EF4-FFF2-40B4-BE49-F238E27FC236}">
+                  <a16:creationId xmlns:a16="http://schemas.microsoft.com/office/drawing/2014/main" id="{30700B58-01CB-4443-9081-B811637CB4F7}"/>
+                </a:ext>
+              </a:extLst>
+            </p:cNvPr>
+            <p:cNvPicPr>
+              <a:picLocks noChangeAspect="1"/>
+            </p:cNvPicPr>
+            <p:nvPr/>
+          </p:nvPicPr>
+          <p:blipFill>
+            <a:blip r:embed="rId11"/>
+            <a:stretch>
+              <a:fillRect/>
+            </a:stretch>
+          </p:blipFill>
+          <p:spPr>
+            <a:xfrm>
+              <a:off x="11650457" y="611564"/>
+              <a:ext cx="255054" cy="255054"/>
+            </a:xfrm>
+            <a:prstGeom prst="rect">
+              <a:avLst/>
+            </a:prstGeom>
+          </p:spPr>
+        </p:pic>
+      </p:grpSp>
+      <p:grpSp>
+        <p:nvGrpSpPr>
+          <p:cNvPr id="92" name="Group 91">
+            <a:extLst>
+              <a:ext uri="{FF2B5EF4-FFF2-40B4-BE49-F238E27FC236}">
+                <a16:creationId xmlns:a16="http://schemas.microsoft.com/office/drawing/2014/main" id="{2801CA69-B6FC-43AB-AAA5-CA956479107E}"/>
+              </a:ext>
+            </a:extLst>
+          </p:cNvPr>
+          <p:cNvGrpSpPr/>
+          <p:nvPr/>
+        </p:nvGrpSpPr>
+        <p:grpSpPr>
+          <a:xfrm>
+            <a:off x="10998287" y="584695"/>
+            <a:ext cx="453682" cy="454741"/>
+            <a:chOff x="11033140" y="515885"/>
+            <a:chExt cx="453682" cy="454741"/>
+          </a:xfrm>
+        </p:grpSpPr>
+        <p:sp>
+          <p:nvSpPr>
+            <p:cNvPr id="56" name="Rectangle: Rounded Corners 55">
+              <a:extLst>
+                <a:ext uri="{FF2B5EF4-FFF2-40B4-BE49-F238E27FC236}">
+                  <a16:creationId xmlns:a16="http://schemas.microsoft.com/office/drawing/2014/main" id="{1B3817B4-0BCC-4CBE-9628-DC6BF6757BF2}"/>
+                </a:ext>
+              </a:extLst>
+            </p:cNvPr>
+            <p:cNvSpPr/>
+            <p:nvPr/>
+          </p:nvSpPr>
+          <p:spPr>
+            <a:xfrm>
+              <a:off x="11033140" y="515885"/>
+              <a:ext cx="453682" cy="454741"/>
+            </a:xfrm>
+            <a:prstGeom prst="roundRect">
+              <a:avLst>
+                <a:gd name="adj" fmla="val 13626"/>
+              </a:avLst>
+            </a:prstGeom>
+            <a:gradFill flip="none" rotWithShape="1">
+              <a:gsLst>
+                <a:gs pos="0">
+                  <a:srgbClr val="CFCFCF"/>
+                </a:gs>
+                <a:gs pos="50000">
+                  <a:srgbClr val="E4E4E4"/>
+                </a:gs>
+                <a:gs pos="100000">
+                  <a:schemeClr val="bg1">
+                    <a:lumMod val="95000"/>
+                    <a:shade val="100000"/>
+                    <a:satMod val="115000"/>
+                  </a:schemeClr>
+                </a:gs>
+              </a:gsLst>
+              <a:lin ang="13500000" scaled="1"/>
+              <a:tileRect/>
+            </a:gradFill>
+            <a:ln w="3175">
+              <a:solidFill>
+                <a:schemeClr val="bg1">
+                  <a:lumMod val="85000"/>
+                </a:schemeClr>
+              </a:solidFill>
+            </a:ln>
+            <a:effectLst/>
+          </p:spPr>
+          <p:style>
+            <a:lnRef idx="2">
+              <a:schemeClr val="accent1">
+                <a:shade val="50000"/>
+              </a:schemeClr>
+            </a:lnRef>
+            <a:fillRef idx="1">
+              <a:schemeClr val="accent1"/>
+            </a:fillRef>
+            <a:effectRef idx="0">
+              <a:schemeClr val="accent1"/>
+            </a:effectRef>
+            <a:fontRef idx="minor">
+              <a:schemeClr val="lt1"/>
+            </a:fontRef>
+          </p:style>
+          <p:txBody>
+            <a:bodyPr rtlCol="0" anchor="ctr"/>
+            <a:lstStyle/>
+            <a:p>
+              <a:pPr algn="ctr"/>
+              <a:endParaRPr lang="en-PH"/>
+            </a:p>
+          </p:txBody>
+        </p:sp>
+        <p:pic>
+          <p:nvPicPr>
+            <p:cNvPr id="50" name="Picture 49">
+              <a:extLst>
+                <a:ext uri="{FF2B5EF4-FFF2-40B4-BE49-F238E27FC236}">
+                  <a16:creationId xmlns:a16="http://schemas.microsoft.com/office/drawing/2014/main" id="{28105EEA-6A97-4D57-A15A-DF551CBF33CA}"/>
+                </a:ext>
+              </a:extLst>
+            </p:cNvPr>
+            <p:cNvPicPr>
+              <a:picLocks noChangeAspect="1"/>
+            </p:cNvPicPr>
+            <p:nvPr/>
+          </p:nvPicPr>
+          <p:blipFill>
+            <a:blip r:embed="rId12"/>
+            <a:stretch>
+              <a:fillRect/>
+            </a:stretch>
+          </p:blipFill>
+          <p:spPr>
+            <a:xfrm>
+              <a:off x="11137638" y="614367"/>
+              <a:ext cx="249448" cy="249448"/>
+            </a:xfrm>
+            <a:prstGeom prst="rect">
+              <a:avLst/>
+            </a:prstGeom>
+          </p:spPr>
+        </p:pic>
+      </p:grpSp>
+      <p:grpSp>
+        <p:nvGrpSpPr>
+          <p:cNvPr id="94" name="Group 93">
+            <a:extLst>
+              <a:ext uri="{FF2B5EF4-FFF2-40B4-BE49-F238E27FC236}">
+                <a16:creationId xmlns:a16="http://schemas.microsoft.com/office/drawing/2014/main" id="{0A358CD7-E9A3-41DD-925A-DF375B66E503}"/>
+              </a:ext>
+            </a:extLst>
+          </p:cNvPr>
+          <p:cNvGrpSpPr/>
+          <p:nvPr/>
+        </p:nvGrpSpPr>
+        <p:grpSpPr>
+          <a:xfrm>
+            <a:off x="3056432" y="577149"/>
+            <a:ext cx="7862278" cy="454741"/>
+            <a:chOff x="3638011" y="515885"/>
+            <a:chExt cx="7315551" cy="454741"/>
+          </a:xfrm>
+        </p:grpSpPr>
+        <p:sp>
+          <p:nvSpPr>
+            <p:cNvPr id="63" name="Rectangle: Rounded Corners 62">
+              <a:extLst>
+                <a:ext uri="{FF2B5EF4-FFF2-40B4-BE49-F238E27FC236}">
+                  <a16:creationId xmlns:a16="http://schemas.microsoft.com/office/drawing/2014/main" id="{80A7D17C-F4D3-41EC-9225-F71977685B85}"/>
+                </a:ext>
+              </a:extLst>
+            </p:cNvPr>
+            <p:cNvSpPr/>
+            <p:nvPr/>
+          </p:nvSpPr>
+          <p:spPr>
+            <a:xfrm>
+              <a:off x="3638011" y="515885"/>
+              <a:ext cx="7315551" cy="454741"/>
+            </a:xfrm>
+            <a:prstGeom prst="roundRect">
+              <a:avLst>
+                <a:gd name="adj" fmla="val 23418"/>
+              </a:avLst>
+            </a:prstGeom>
+            <a:solidFill>
+              <a:srgbClr val="014C63"/>
+            </a:solidFill>
+            <a:ln w="3175">
+              <a:solidFill>
+                <a:schemeClr val="bg1">
+                  <a:lumMod val="85000"/>
+                </a:schemeClr>
+              </a:solidFill>
+            </a:ln>
+            <a:effectLst/>
+          </p:spPr>
+          <p:style>
+            <a:lnRef idx="2">
+              <a:schemeClr val="accent1">
+                <a:shade val="50000"/>
+              </a:schemeClr>
+            </a:lnRef>
+            <a:fillRef idx="1">
+              <a:schemeClr val="accent1"/>
+            </a:fillRef>
+            <a:effectRef idx="0">
+              <a:schemeClr val="accent1"/>
+            </a:effectRef>
+            <a:fontRef idx="minor">
+              <a:schemeClr val="lt1"/>
+            </a:fontRef>
+          </p:style>
+          <p:txBody>
+            <a:bodyPr rtlCol="0" anchor="ctr"/>
+            <a:lstStyle/>
+            <a:p>
+              <a:pPr algn="ctr"/>
+              <a:endParaRPr lang="en-PH"/>
+            </a:p>
+          </p:txBody>
+        </p:sp>
+        <p:sp>
+          <p:nvSpPr>
+            <p:cNvPr id="54" name="TextBox 53">
+              <a:extLst>
+                <a:ext uri="{FF2B5EF4-FFF2-40B4-BE49-F238E27FC236}">
+                  <a16:creationId xmlns:a16="http://schemas.microsoft.com/office/drawing/2014/main" id="{4CFC2E23-079B-4AEF-9C7C-7E557CB5B4F8}"/>
                 </a:ext>
               </a:extLst>
             </p:cNvPr>
@@ -7673,8 +5764,58 @@
           </p:nvSpPr>
           <p:spPr>
             <a:xfrm>
-              <a:off x="5086310" y="46325"/>
-              <a:ext cx="1455174" cy="261610"/>
+              <a:off x="3710807" y="556672"/>
+              <a:ext cx="1983894" cy="369332"/>
+            </a:xfrm>
+            <a:prstGeom prst="roundRect">
+              <a:avLst>
+                <a:gd name="adj" fmla="val 0"/>
+              </a:avLst>
+            </a:prstGeom>
+            <a:noFill/>
+          </p:spPr>
+          <p:txBody>
+            <a:bodyPr wrap="square" rtlCol="0">
+              <a:spAutoFit/>
+            </a:bodyPr>
+            <a:lstStyle/>
+            <a:p>
+              <a:r>
+                <a:rPr lang="en-US" b="1" dirty="0">
+                  <a:solidFill>
+                    <a:schemeClr val="bg1">
+                      <a:lumMod val="95000"/>
+                    </a:schemeClr>
+                  </a:solidFill>
+                </a:rPr>
+                <a:t>Infrastructure</a:t>
+              </a:r>
+              <a:endParaRPr lang="en-PH" b="1" dirty="0">
+                <a:solidFill>
+                  <a:schemeClr val="bg1">
+                    <a:lumMod val="95000"/>
+                  </a:schemeClr>
+                </a:solidFill>
+              </a:endParaRPr>
+            </a:p>
+          </p:txBody>
+        </p:sp>
+        <p:sp>
+          <p:nvSpPr>
+            <p:cNvPr id="61" name="TextBox 60">
+              <a:extLst>
+                <a:ext uri="{FF2B5EF4-FFF2-40B4-BE49-F238E27FC236}">
+                  <a16:creationId xmlns:a16="http://schemas.microsoft.com/office/drawing/2014/main" id="{9FB60E3F-47B9-4076-B9B1-9130C6CA51B4}"/>
+                </a:ext>
+              </a:extLst>
+            </p:cNvPr>
+            <p:cNvSpPr txBox="1"/>
+            <p:nvPr/>
+          </p:nvSpPr>
+          <p:spPr>
+            <a:xfrm>
+              <a:off x="9098292" y="612450"/>
+              <a:ext cx="1762562" cy="261610"/>
             </a:xfrm>
             <a:prstGeom prst="rect">
               <a:avLst/>
@@ -7687,59 +5828,38 @@
             </a:bodyPr>
             <a:lstStyle/>
             <a:p>
+              <a:pPr algn="r">
+                <a:tabLst>
+                  <a:tab pos="1257300" algn="l"/>
+                </a:tabLst>
+              </a:pPr>
               <a:r>
-                <a:rPr lang="en-US" sz="1100" b="1" dirty="0">
+                <a:rPr lang="en-US" sz="1050" dirty="0">
                   <a:solidFill>
-                    <a:srgbClr val="000000"/>
+                    <a:schemeClr val="bg1">
+                      <a:lumMod val="95000"/>
+                    </a:schemeClr>
                   </a:solidFill>
                 </a:rPr>
-                <a:t>TPC Support Logs</a:t>
+                <a:t>142 rows</a:t>
               </a:r>
-              <a:endParaRPr lang="en-PH" sz="1100" b="1" dirty="0">
+              <a:endParaRPr lang="en-PH" sz="1050" dirty="0">
                 <a:solidFill>
-                  <a:srgbClr val="000000"/>
+                  <a:schemeClr val="bg1">
+                    <a:lumMod val="95000"/>
+                  </a:schemeClr>
                 </a:solidFill>
               </a:endParaRPr>
             </a:p>
           </p:txBody>
         </p:sp>
-        <p:pic>
-          <p:nvPicPr>
-            <p:cNvPr id="7" name="Picture 6">
-              <a:extLst>
-                <a:ext uri="{FF2B5EF4-FFF2-40B4-BE49-F238E27FC236}">
-                  <a16:creationId xmlns:a16="http://schemas.microsoft.com/office/drawing/2014/main" id="{3B93EFA9-42EB-4155-A021-8FF798F89F87}"/>
-                </a:ext>
-              </a:extLst>
-            </p:cNvPr>
-            <p:cNvPicPr>
-              <a:picLocks noChangeAspect="1"/>
-            </p:cNvPicPr>
-            <p:nvPr/>
-          </p:nvPicPr>
-          <p:blipFill>
-            <a:blip r:embed="rId2"/>
-            <a:stretch>
-              <a:fillRect/>
-            </a:stretch>
-          </p:blipFill>
-          <p:spPr>
-            <a:xfrm>
-              <a:off x="4875531" y="77500"/>
-              <a:ext cx="210779" cy="210779"/>
-            </a:xfrm>
-            <a:prstGeom prst="rect">
-              <a:avLst/>
-            </a:prstGeom>
-          </p:spPr>
-        </p:pic>
       </p:grpSp>
       <p:pic>
         <p:nvPicPr>
-          <p:cNvPr id="8" name="Picture 7" descr="A person in a blue shirt&#10;&#10;Description automatically generated">
-            <a:extLst>
-              <a:ext uri="{FF2B5EF4-FFF2-40B4-BE49-F238E27FC236}">
-                <a16:creationId xmlns:a16="http://schemas.microsoft.com/office/drawing/2014/main" id="{38C487D9-CCAC-4654-90FA-AE756ED5DC82}"/>
+          <p:cNvPr id="69" name="Picture 68">
+            <a:extLst>
+              <a:ext uri="{FF2B5EF4-FFF2-40B4-BE49-F238E27FC236}">
+                <a16:creationId xmlns:a16="http://schemas.microsoft.com/office/drawing/2014/main" id="{14A1BC1D-1D82-4E13-B1CF-BAFFAEAC16BA}"/>
               </a:ext>
             </a:extLst>
           </p:cNvPr>
@@ -7748,65 +5868,150 @@
           </p:cNvPicPr>
           <p:nvPr/>
         </p:nvPicPr>
+        <p:blipFill rotWithShape="1">
+          <a:blip r:embed="rId13"/>
+          <a:srcRect l="965" t="2944" r="996" b="28802"/>
+          <a:stretch/>
+        </p:blipFill>
+        <p:spPr>
+          <a:xfrm>
+            <a:off x="2535237" y="4761013"/>
+            <a:ext cx="9446744" cy="2092892"/>
+          </a:xfrm>
+          <a:prstGeom prst="roundRect">
+            <a:avLst>
+              <a:gd name="adj" fmla="val 3041"/>
+            </a:avLst>
+          </a:prstGeom>
+          <a:ln w="3175">
+            <a:solidFill>
+              <a:schemeClr val="bg2">
+                <a:lumMod val="90000"/>
+              </a:schemeClr>
+            </a:solidFill>
+          </a:ln>
+        </p:spPr>
+      </p:pic>
+      <p:pic>
+        <p:nvPicPr>
+          <p:cNvPr id="1028" name="Picture 4" descr="TDK Logo and symbol, meaning, history, PNG, brand">
+            <a:extLst>
+              <a:ext uri="{FF2B5EF4-FFF2-40B4-BE49-F238E27FC236}">
+                <a16:creationId xmlns:a16="http://schemas.microsoft.com/office/drawing/2014/main" id="{4353987C-694D-47F0-AFBB-707006700D92}"/>
+              </a:ext>
+            </a:extLst>
+          </p:cNvPr>
+          <p:cNvPicPr>
+            <a:picLocks noChangeAspect="1" noChangeArrowheads="1"/>
+          </p:cNvPicPr>
+          <p:nvPr/>
+        </p:nvPicPr>
         <p:blipFill>
-          <a:blip r:embed="rId3">
+          <a:blip r:embed="rId14">
             <a:extLst>
               <a:ext uri="{28A0092B-C50C-407E-A947-70E740481C1C}">
                 <a14:useLocalDpi xmlns:a14="http://schemas.microsoft.com/office/drawing/2010/main" val="0"/>
               </a:ext>
             </a:extLst>
           </a:blip>
+          <a:srcRect/>
           <a:stretch>
             <a:fillRect/>
           </a:stretch>
         </p:blipFill>
-        <p:spPr>
-          <a:xfrm>
-            <a:off x="11805673" y="57696"/>
-            <a:ext cx="249910" cy="249910"/>
-          </a:xfrm>
-          <a:prstGeom prst="flowChartConnector">
-            <a:avLst/>
-          </a:prstGeom>
-        </p:spPr>
-      </p:pic>
-      <p:sp>
-        <p:nvSpPr>
-          <p:cNvPr id="9" name="TextBox 8">
-            <a:extLst>
-              <a:ext uri="{FF2B5EF4-FFF2-40B4-BE49-F238E27FC236}">
-                <a16:creationId xmlns:a16="http://schemas.microsoft.com/office/drawing/2014/main" id="{DE09D98D-11E4-458E-B95B-F6C61FC88408}"/>
-              </a:ext>
-            </a:extLst>
-          </p:cNvPr>
-          <p:cNvSpPr txBox="1"/>
-          <p:nvPr/>
-        </p:nvSpPr>
-        <p:spPr>
-          <a:xfrm>
-            <a:off x="10796885" y="51846"/>
-            <a:ext cx="1062194" cy="253916"/>
+        <p:spPr bwMode="auto">
+          <a:xfrm>
+            <a:off x="130833" y="30025"/>
+            <a:ext cx="620708" cy="349150"/>
           </a:xfrm>
           <a:prstGeom prst="rect">
             <a:avLst/>
           </a:prstGeom>
           <a:noFill/>
-        </p:spPr>
-        <p:txBody>
-          <a:bodyPr wrap="square" rtlCol="0">
-            <a:spAutoFit/>
+          <a:extLst>
+            <a:ext uri="{909E8E84-426E-40DD-AFC4-6F175D3DCCD1}">
+              <a14:hiddenFill xmlns:a14="http://schemas.microsoft.com/office/drawing/2010/main">
+                <a:solidFill>
+                  <a:srgbClr val="FFFFFF"/>
+                </a:solidFill>
+              </a14:hiddenFill>
+            </a:ext>
+          </a:extLst>
+        </p:spPr>
+      </p:pic>
+      <p:pic>
+        <p:nvPicPr>
+          <p:cNvPr id="112" name="Picture 111">
+            <a:extLst>
+              <a:ext uri="{FF2B5EF4-FFF2-40B4-BE49-F238E27FC236}">
+                <a16:creationId xmlns:a16="http://schemas.microsoft.com/office/drawing/2014/main" id="{240D0F48-804F-40DC-A8BC-9310297AE346}"/>
+              </a:ext>
+            </a:extLst>
+          </p:cNvPr>
+          <p:cNvPicPr>
+            <a:picLocks noChangeAspect="1"/>
+          </p:cNvPicPr>
+          <p:nvPr/>
+        </p:nvPicPr>
+        <p:blipFill>
+          <a:blip r:embed="rId15"/>
+          <a:stretch>
+            <a:fillRect/>
+          </a:stretch>
+        </p:blipFill>
+        <p:spPr>
+          <a:xfrm>
+            <a:off x="6560343" y="124437"/>
+            <a:ext cx="138621" cy="138621"/>
+          </a:xfrm>
+          <a:prstGeom prst="rect">
+            <a:avLst/>
+          </a:prstGeom>
+        </p:spPr>
+      </p:pic>
+      <p:sp>
+        <p:nvSpPr>
+          <p:cNvPr id="116" name="TextBox 115">
+            <a:extLst>
+              <a:ext uri="{FF2B5EF4-FFF2-40B4-BE49-F238E27FC236}">
+                <a16:creationId xmlns:a16="http://schemas.microsoft.com/office/drawing/2014/main" id="{7D3947DB-73BC-45D8-9338-E781B166C032}"/>
+              </a:ext>
+            </a:extLst>
+          </p:cNvPr>
+          <p:cNvSpPr txBox="1"/>
+          <p:nvPr/>
+        </p:nvSpPr>
+        <p:spPr>
+          <a:xfrm>
+            <a:off x="10023475" y="14956"/>
+            <a:ext cx="1657509" cy="216285"/>
+          </a:xfrm>
+          <a:prstGeom prst="roundRect">
+            <a:avLst>
+              <a:gd name="adj" fmla="val 50000"/>
+            </a:avLst>
+          </a:prstGeom>
+          <a:noFill/>
+          <a:ln>
+            <a:noFill/>
+          </a:ln>
+        </p:spPr>
+        <p:txBody>
+          <a:bodyPr wrap="square" rtlCol="0" anchor="ctr" anchorCtr="0">
+            <a:noAutofit/>
           </a:bodyPr>
           <a:lstStyle/>
           <a:p>
-            <a:r>
-              <a:rPr lang="en-US" sz="1000" dirty="0">
+            <a:pPr algn="r"/>
+            <a:r>
+              <a:rPr lang="en-US" sz="800" b="1" dirty="0">
                 <a:solidFill>
                   <a:srgbClr val="000000"/>
                 </a:solidFill>
               </a:rPr>
-              <a:t>Marq Gonzales</a:t>
-            </a:r>
-            <a:endParaRPr lang="en-PH" sz="1000" dirty="0">
+              <a:t>Marq Paul Gonzales</a:t>
+            </a:r>
+            <a:endParaRPr lang="en-PH" sz="800" b="1" dirty="0">
               <a:solidFill>
                 <a:srgbClr val="000000"/>
               </a:solidFill>
@@ -7816,10 +6021,10 @@
       </p:sp>
       <p:sp>
         <p:nvSpPr>
-          <p:cNvPr id="10" name="Rectangle: Rounded Corners 9">
-            <a:extLst>
-              <a:ext uri="{FF2B5EF4-FFF2-40B4-BE49-F238E27FC236}">
-                <a16:creationId xmlns:a16="http://schemas.microsoft.com/office/drawing/2014/main" id="{2DC00DB5-0AEF-4765-9C15-33A83A0BF32B}"/>
+          <p:cNvPr id="123" name="Rectangle: Rounded Corners 122">
+            <a:extLst>
+              <a:ext uri="{FF2B5EF4-FFF2-40B4-BE49-F238E27FC236}">
+                <a16:creationId xmlns:a16="http://schemas.microsoft.com/office/drawing/2014/main" id="{9B3BC808-2014-4951-A7D6-C50C6217F731}"/>
               </a:ext>
             </a:extLst>
           </p:cNvPr>
@@ -7828,8 +6033,8 @@
         </p:nvSpPr>
         <p:spPr>
           <a:xfrm>
-            <a:off x="5978998" y="103815"/>
-            <a:ext cx="680219" cy="175659"/>
+            <a:off x="10972800" y="211469"/>
+            <a:ext cx="596846" cy="127919"/>
           </a:xfrm>
           <a:prstGeom prst="roundRect">
             <a:avLst>
@@ -7865,67 +6070,19 @@
           <a:p>
             <a:pPr algn="ctr"/>
             <a:r>
-              <a:rPr lang="en-US" sz="700" dirty="0"/>
-              <a:t>1.0.0.0  </a:t>
-            </a:r>
-            <a:r>
-              <a:rPr lang="en-US" sz="700" b="1" dirty="0"/>
-              <a:t>LIVE</a:t>
-            </a:r>
-            <a:endParaRPr lang="en-PH" sz="700" b="1" dirty="0"/>
-          </a:p>
-        </p:txBody>
-      </p:sp>
-      <p:sp>
-        <p:nvSpPr>
-          <p:cNvPr id="13" name="TextBox 12">
-            <a:extLst>
-              <a:ext uri="{FF2B5EF4-FFF2-40B4-BE49-F238E27FC236}">
-                <a16:creationId xmlns:a16="http://schemas.microsoft.com/office/drawing/2014/main" id="{AE8629C4-27FC-4CC3-B7E7-311C4747FFE5}"/>
-              </a:ext>
-            </a:extLst>
-          </p:cNvPr>
-          <p:cNvSpPr txBox="1"/>
-          <p:nvPr/>
-        </p:nvSpPr>
-        <p:spPr>
-          <a:xfrm>
-            <a:off x="287339" y="40775"/>
-            <a:ext cx="612110" cy="246221"/>
-          </a:xfrm>
-          <a:prstGeom prst="rect">
-            <a:avLst/>
-          </a:prstGeom>
-          <a:noFill/>
-        </p:spPr>
-        <p:txBody>
-          <a:bodyPr wrap="square" rtlCol="0">
-            <a:spAutoFit/>
-          </a:bodyPr>
-          <a:lstStyle/>
-          <a:p>
-            <a:r>
-              <a:rPr lang="en-US" sz="1000" dirty="0">
-                <a:solidFill>
-                  <a:srgbClr val="000000"/>
-                </a:solidFill>
-              </a:rPr>
-              <a:t>List</a:t>
-            </a:r>
-            <a:endParaRPr lang="en-PH" sz="1000" dirty="0">
-              <a:solidFill>
-                <a:srgbClr val="000000"/>
-              </a:solidFill>
-            </a:endParaRPr>
+              <a:rPr lang="en-US" sz="600" dirty="0"/>
+              <a:t>Standard User</a:t>
+            </a:r>
+            <a:endParaRPr lang="en-PH" sz="600" b="1" dirty="0"/>
           </a:p>
         </p:txBody>
       </p:sp>
       <p:pic>
         <p:nvPicPr>
-          <p:cNvPr id="14" name="Picture 13">
-            <a:extLst>
-              <a:ext uri="{FF2B5EF4-FFF2-40B4-BE49-F238E27FC236}">
-                <a16:creationId xmlns:a16="http://schemas.microsoft.com/office/drawing/2014/main" id="{26DE40FC-EAFD-414E-81BA-2C4E98C0B99B}"/>
+          <p:cNvPr id="124" name="Picture 123">
+            <a:extLst>
+              <a:ext uri="{FF2B5EF4-FFF2-40B4-BE49-F238E27FC236}">
+                <a16:creationId xmlns:a16="http://schemas.microsoft.com/office/drawing/2014/main" id="{3FB2C4EA-F6B8-46CB-8EED-D266A697B136}"/>
               </a:ext>
             </a:extLst>
           </p:cNvPr>
@@ -7935,71 +6092,27 @@
           <p:nvPr/>
         </p:nvPicPr>
         <p:blipFill>
-          <a:blip r:embed="rId4"/>
+          <a:blip r:embed="rId15"/>
           <a:stretch>
             <a:fillRect/>
           </a:stretch>
         </p:blipFill>
         <p:spPr>
           <a:xfrm>
-            <a:off x="167589" y="91318"/>
-            <a:ext cx="145134" cy="145134"/>
+            <a:off x="11952910" y="148632"/>
+            <a:ext cx="138621" cy="138621"/>
           </a:xfrm>
           <a:prstGeom prst="rect">
             <a:avLst/>
           </a:prstGeom>
         </p:spPr>
       </p:pic>
-      <p:sp>
-        <p:nvSpPr>
-          <p:cNvPr id="15" name="TextBox 14">
-            <a:extLst>
-              <a:ext uri="{FF2B5EF4-FFF2-40B4-BE49-F238E27FC236}">
-                <a16:creationId xmlns:a16="http://schemas.microsoft.com/office/drawing/2014/main" id="{78DEFCFE-CB20-4CAA-9F4E-3C0B73B44785}"/>
-              </a:ext>
-            </a:extLst>
-          </p:cNvPr>
-          <p:cNvSpPr txBox="1"/>
-          <p:nvPr/>
-        </p:nvSpPr>
-        <p:spPr>
-          <a:xfrm>
-            <a:off x="814678" y="40775"/>
-            <a:ext cx="1034172" cy="246221"/>
-          </a:xfrm>
-          <a:prstGeom prst="rect">
-            <a:avLst/>
-          </a:prstGeom>
-          <a:noFill/>
-        </p:spPr>
-        <p:txBody>
-          <a:bodyPr wrap="square" rtlCol="0">
-            <a:spAutoFit/>
-          </a:bodyPr>
-          <a:lstStyle/>
-          <a:p>
-            <a:r>
-              <a:rPr lang="en-US" sz="1000" dirty="0">
-                <a:solidFill>
-                  <a:srgbClr val="000000"/>
-                </a:solidFill>
-              </a:rPr>
-              <a:t>Maintenance</a:t>
-            </a:r>
-            <a:endParaRPr lang="en-PH" sz="1000" dirty="0">
-              <a:solidFill>
-                <a:srgbClr val="000000"/>
-              </a:solidFill>
-            </a:endParaRPr>
-          </a:p>
-        </p:txBody>
-      </p:sp>
       <p:pic>
         <p:nvPicPr>
-          <p:cNvPr id="18" name="Graphic 17" descr="Single gear with solid fill">
-            <a:extLst>
-              <a:ext uri="{FF2B5EF4-FFF2-40B4-BE49-F238E27FC236}">
-                <a16:creationId xmlns:a16="http://schemas.microsoft.com/office/drawing/2014/main" id="{7A8BDECC-EBD8-4415-8E13-6191D63382A9}"/>
+          <p:cNvPr id="127" name="Picture 126">
+            <a:extLst>
+              <a:ext uri="{FF2B5EF4-FFF2-40B4-BE49-F238E27FC236}">
+                <a16:creationId xmlns:a16="http://schemas.microsoft.com/office/drawing/2014/main" id="{6A8A4097-1B11-4896-8DCF-5FD129D26E89}"/>
               </a:ext>
             </a:extLst>
           </p:cNvPr>
@@ -8008,1047 +6121,36 @@
           </p:cNvPicPr>
           <p:nvPr/>
         </p:nvPicPr>
-        <p:blipFill>
-          <a:blip r:embed="rId5">
-            <a:extLst>
-              <a:ext uri="{28A0092B-C50C-407E-A947-70E740481C1C}">
-                <a14:useLocalDpi xmlns:a14="http://schemas.microsoft.com/office/drawing/2010/main" val="0"/>
-              </a:ext>
-              <a:ext uri="{96DAC541-7B7A-43D3-8B79-37D633B846F1}">
-                <asvg:svgBlip xmlns:asvg="http://schemas.microsoft.com/office/drawing/2016/SVG/main" r:embed="rId6"/>
-              </a:ext>
-            </a:extLst>
-          </a:blip>
-          <a:stretch>
-            <a:fillRect/>
-          </a:stretch>
+        <p:blipFill rotWithShape="1">
+          <a:blip r:embed="rId10"/>
+          <a:srcRect l="58785" t="15279" r="2741" b="4979"/>
+          <a:stretch/>
         </p:blipFill>
         <p:spPr>
           <a:xfrm>
-            <a:off x="679965" y="82425"/>
-            <a:ext cx="185223" cy="185223"/>
-          </a:xfrm>
-          <a:prstGeom prst="rect">
-            <a:avLst/>
-          </a:prstGeom>
-        </p:spPr>
-      </p:pic>
-      <p:sp>
-        <p:nvSpPr>
-          <p:cNvPr id="19" name="Rectangle: Single Corner Rounded 18">
-            <a:extLst>
-              <a:ext uri="{FF2B5EF4-FFF2-40B4-BE49-F238E27FC236}">
-                <a16:creationId xmlns:a16="http://schemas.microsoft.com/office/drawing/2014/main" id="{54AAB3AB-A446-488B-B1ED-07C11E7A0DC4}"/>
-              </a:ext>
-            </a:extLst>
-          </p:cNvPr>
-          <p:cNvSpPr/>
-          <p:nvPr/>
-        </p:nvSpPr>
-        <p:spPr>
-          <a:xfrm rot="16200000" flipV="1">
-            <a:off x="-1716165" y="2085816"/>
-            <a:ext cx="6488348" cy="3056020"/>
-          </a:xfrm>
-          <a:prstGeom prst="round1Rect">
+            <a:off x="8335879" y="1185019"/>
+            <a:ext cx="3646102" cy="3431403"/>
+          </a:xfrm>
+          <a:prstGeom prst="roundRect">
             <a:avLst>
-              <a:gd name="adj" fmla="val 0"/>
+              <a:gd name="adj" fmla="val 2688"/>
             </a:avLst>
           </a:prstGeom>
-          <a:solidFill>
-            <a:srgbClr val="F7F7F7"/>
-          </a:solidFill>
           <a:ln w="3175">
-            <a:noFill/>
-          </a:ln>
-        </p:spPr>
-        <p:style>
-          <a:lnRef idx="2">
-            <a:schemeClr val="accent1">
-              <a:shade val="50000"/>
-            </a:schemeClr>
-          </a:lnRef>
-          <a:fillRef idx="1">
-            <a:schemeClr val="accent1"/>
-          </a:fillRef>
-          <a:effectRef idx="0">
-            <a:schemeClr val="accent1"/>
-          </a:effectRef>
-          <a:fontRef idx="minor">
-            <a:schemeClr val="lt1"/>
-          </a:fontRef>
-        </p:style>
-        <p:txBody>
-          <a:bodyPr rtlCol="0" anchor="ctr"/>
-          <a:lstStyle/>
-          <a:p>
-            <a:pPr algn="ctr"/>
-            <a:endParaRPr lang="en-PH"/>
-          </a:p>
-        </p:txBody>
-      </p:sp>
-      <p:sp>
-        <p:nvSpPr>
-          <p:cNvPr id="20" name="TextBox 19">
-            <a:extLst>
-              <a:ext uri="{FF2B5EF4-FFF2-40B4-BE49-F238E27FC236}">
-                <a16:creationId xmlns:a16="http://schemas.microsoft.com/office/drawing/2014/main" id="{28E7AF71-8B85-42C8-8F7A-E27F02546457}"/>
-              </a:ext>
-            </a:extLst>
-          </p:cNvPr>
-          <p:cNvSpPr txBox="1"/>
-          <p:nvPr/>
-        </p:nvSpPr>
-        <p:spPr>
-          <a:xfrm>
-            <a:off x="131488" y="484151"/>
-            <a:ext cx="1669916" cy="307777"/>
-          </a:xfrm>
-          <a:prstGeom prst="rect">
-            <a:avLst/>
-          </a:prstGeom>
-          <a:noFill/>
-        </p:spPr>
-        <p:txBody>
-          <a:bodyPr wrap="square" rtlCol="0">
-            <a:spAutoFit/>
-          </a:bodyPr>
-          <a:lstStyle/>
-          <a:p>
-            <a:r>
-              <a:rPr lang="en-US" sz="1400" b="1" dirty="0"/>
-              <a:t>Drawer</a:t>
-            </a:r>
-            <a:endParaRPr lang="en-PH" sz="1400" b="1" dirty="0"/>
-          </a:p>
-        </p:txBody>
-      </p:sp>
-      <p:sp>
-        <p:nvSpPr>
-          <p:cNvPr id="21" name="Rectangle: Rounded Corners 20">
-            <a:extLst>
-              <a:ext uri="{FF2B5EF4-FFF2-40B4-BE49-F238E27FC236}">
-                <a16:creationId xmlns:a16="http://schemas.microsoft.com/office/drawing/2014/main" id="{BFB71818-581A-4B3F-B3E6-10D2A25AE77C}"/>
-              </a:ext>
-            </a:extLst>
-          </p:cNvPr>
-          <p:cNvSpPr/>
-          <p:nvPr/>
-        </p:nvSpPr>
-        <p:spPr>
-          <a:xfrm>
-            <a:off x="199534" y="1075646"/>
-            <a:ext cx="2631835" cy="542202"/>
-          </a:xfrm>
-          <a:prstGeom prst="roundRect">
-            <a:avLst>
-              <a:gd name="adj" fmla="val 10565"/>
-            </a:avLst>
-          </a:prstGeom>
-          <a:solidFill>
-            <a:schemeClr val="bg1"/>
-          </a:solidFill>
-          <a:ln>
             <a:solidFill>
-              <a:schemeClr val="bg1">
-                <a:lumMod val="95000"/>
+              <a:schemeClr val="bg2">
+                <a:lumMod val="90000"/>
               </a:schemeClr>
             </a:solidFill>
           </a:ln>
-          <a:effectLst>
-            <a:outerShdw blurRad="50800" dist="38100" dir="8100000" sx="97000" sy="97000" algn="tr" rotWithShape="0">
-              <a:prstClr val="black">
-                <a:alpha val="16000"/>
-              </a:prstClr>
-            </a:outerShdw>
-            <a:softEdge rad="0"/>
-          </a:effectLst>
-        </p:spPr>
-        <p:style>
-          <a:lnRef idx="2">
-            <a:schemeClr val="accent1">
-              <a:shade val="50000"/>
-            </a:schemeClr>
-          </a:lnRef>
-          <a:fillRef idx="1">
-            <a:schemeClr val="accent1"/>
-          </a:fillRef>
-          <a:effectRef idx="0">
-            <a:schemeClr val="accent1"/>
-          </a:effectRef>
-          <a:fontRef idx="minor">
-            <a:schemeClr val="lt1"/>
-          </a:fontRef>
-        </p:style>
-        <p:txBody>
-          <a:bodyPr rtlCol="0" anchor="ctr"/>
-          <a:lstStyle/>
-          <a:p>
-            <a:pPr algn="ctr"/>
-            <a:endParaRPr lang="en-PH" sz="1400"/>
-          </a:p>
-        </p:txBody>
-      </p:sp>
-      <p:sp>
-        <p:nvSpPr>
-          <p:cNvPr id="22" name="TextBox 21">
-            <a:extLst>
-              <a:ext uri="{FF2B5EF4-FFF2-40B4-BE49-F238E27FC236}">
-                <a16:creationId xmlns:a16="http://schemas.microsoft.com/office/drawing/2014/main" id="{8E091E8D-F1E2-4DB6-9E96-DCE6D01E8BA1}"/>
-              </a:ext>
-            </a:extLst>
-          </p:cNvPr>
-          <p:cNvSpPr txBox="1"/>
-          <p:nvPr/>
-        </p:nvSpPr>
-        <p:spPr>
-          <a:xfrm>
-            <a:off x="725019" y="1111635"/>
-            <a:ext cx="847157" cy="307777"/>
-          </a:xfrm>
-          <a:prstGeom prst="rect">
-            <a:avLst/>
-          </a:prstGeom>
-          <a:noFill/>
-        </p:spPr>
-        <p:txBody>
-          <a:bodyPr wrap="square" rtlCol="0">
-            <a:spAutoFit/>
-          </a:bodyPr>
-          <a:lstStyle/>
-          <a:p>
-            <a:r>
-              <a:rPr lang="en-US" sz="1400" b="1" dirty="0">
-                <a:solidFill>
-                  <a:srgbClr val="321318"/>
-                </a:solidFill>
-              </a:rPr>
-              <a:t>INFRA</a:t>
-            </a:r>
-            <a:endParaRPr lang="en-PH" sz="1400" b="1" dirty="0">
-              <a:solidFill>
-                <a:srgbClr val="321318"/>
-              </a:solidFill>
-            </a:endParaRPr>
-          </a:p>
-        </p:txBody>
-      </p:sp>
-      <p:sp>
-        <p:nvSpPr>
-          <p:cNvPr id="23" name="TextBox 22">
-            <a:extLst>
-              <a:ext uri="{FF2B5EF4-FFF2-40B4-BE49-F238E27FC236}">
-                <a16:creationId xmlns:a16="http://schemas.microsoft.com/office/drawing/2014/main" id="{73BF7D0D-4D2C-4F36-A0C6-8A28B18C5BA8}"/>
-              </a:ext>
-            </a:extLst>
-          </p:cNvPr>
-          <p:cNvSpPr txBox="1"/>
-          <p:nvPr/>
-        </p:nvSpPr>
-        <p:spPr>
-          <a:xfrm>
-            <a:off x="743948" y="1323211"/>
-            <a:ext cx="1762562" cy="261610"/>
-          </a:xfrm>
-          <a:prstGeom prst="rect">
-            <a:avLst/>
-          </a:prstGeom>
-          <a:noFill/>
-        </p:spPr>
-        <p:txBody>
-          <a:bodyPr wrap="square" rtlCol="0">
-            <a:spAutoFit/>
-          </a:bodyPr>
-          <a:lstStyle/>
-          <a:p>
-            <a:r>
-              <a:rPr lang="en-US" sz="1050" dirty="0">
-                <a:solidFill>
-                  <a:srgbClr val="321318"/>
-                </a:solidFill>
-              </a:rPr>
-              <a:t>Infrastructure</a:t>
-            </a:r>
-            <a:endParaRPr lang="en-PH" sz="1050" dirty="0">
-              <a:solidFill>
-                <a:srgbClr val="321318"/>
-              </a:solidFill>
-            </a:endParaRPr>
-          </a:p>
-        </p:txBody>
-      </p:sp>
-      <p:pic>
-        <p:nvPicPr>
-          <p:cNvPr id="24" name="Picture 23">
-            <a:extLst>
-              <a:ext uri="{FF2B5EF4-FFF2-40B4-BE49-F238E27FC236}">
-                <a16:creationId xmlns:a16="http://schemas.microsoft.com/office/drawing/2014/main" id="{BCD36225-30D9-4E7E-B3F0-6E8555719B0A}"/>
-              </a:ext>
-            </a:extLst>
-          </p:cNvPr>
-          <p:cNvPicPr>
-            <a:picLocks noChangeAspect="1"/>
-          </p:cNvPicPr>
-          <p:nvPr/>
-        </p:nvPicPr>
-        <p:blipFill>
-          <a:blip r:embed="rId7"/>
-          <a:stretch>
-            <a:fillRect/>
-          </a:stretch>
-        </p:blipFill>
-        <p:spPr>
-          <a:xfrm>
-            <a:off x="380820" y="1192220"/>
-            <a:ext cx="309054" cy="309054"/>
-          </a:xfrm>
-          <a:prstGeom prst="rect">
-            <a:avLst/>
-          </a:prstGeom>
         </p:spPr>
       </p:pic>
-      <p:sp>
-        <p:nvSpPr>
-          <p:cNvPr id="25" name="Rectangle: Rounded Corners 24">
-            <a:extLst>
-              <a:ext uri="{FF2B5EF4-FFF2-40B4-BE49-F238E27FC236}">
-                <a16:creationId xmlns:a16="http://schemas.microsoft.com/office/drawing/2014/main" id="{4223E682-0182-4E01-A16E-316FC615F5BB}"/>
-              </a:ext>
-            </a:extLst>
-          </p:cNvPr>
-          <p:cNvSpPr/>
-          <p:nvPr/>
-        </p:nvSpPr>
-        <p:spPr>
-          <a:xfrm>
-            <a:off x="199534" y="1703735"/>
-            <a:ext cx="2631835" cy="542202"/>
-          </a:xfrm>
-          <a:prstGeom prst="roundRect">
-            <a:avLst>
-              <a:gd name="adj" fmla="val 8222"/>
-            </a:avLst>
-          </a:prstGeom>
-          <a:solidFill>
-            <a:schemeClr val="bg1"/>
-          </a:solidFill>
-          <a:ln>
-            <a:solidFill>
-              <a:schemeClr val="bg1">
-                <a:lumMod val="95000"/>
-              </a:schemeClr>
-            </a:solidFill>
-          </a:ln>
-          <a:effectLst>
-            <a:outerShdw blurRad="50800" dist="38100" dir="8100000" sx="97000" sy="97000" algn="tr" rotWithShape="0">
-              <a:prstClr val="black">
-                <a:alpha val="16000"/>
-              </a:prstClr>
-            </a:outerShdw>
-            <a:softEdge rad="0"/>
-          </a:effectLst>
-        </p:spPr>
-        <p:style>
-          <a:lnRef idx="2">
-            <a:schemeClr val="accent1">
-              <a:shade val="50000"/>
-            </a:schemeClr>
-          </a:lnRef>
-          <a:fillRef idx="1">
-            <a:schemeClr val="accent1"/>
-          </a:fillRef>
-          <a:effectRef idx="0">
-            <a:schemeClr val="accent1"/>
-          </a:effectRef>
-          <a:fontRef idx="minor">
-            <a:schemeClr val="lt1"/>
-          </a:fontRef>
-        </p:style>
-        <p:txBody>
-          <a:bodyPr rtlCol="0" anchor="ctr"/>
-          <a:lstStyle/>
-          <a:p>
-            <a:pPr algn="ctr"/>
-            <a:endParaRPr lang="en-PH" sz="1400"/>
-          </a:p>
-        </p:txBody>
-      </p:sp>
-      <p:sp>
-        <p:nvSpPr>
-          <p:cNvPr id="26" name="TextBox 25">
-            <a:extLst>
-              <a:ext uri="{FF2B5EF4-FFF2-40B4-BE49-F238E27FC236}">
-                <a16:creationId xmlns:a16="http://schemas.microsoft.com/office/drawing/2014/main" id="{F4535406-3C5E-43E4-B079-1519A85F5A0F}"/>
-              </a:ext>
-            </a:extLst>
-          </p:cNvPr>
-          <p:cNvSpPr txBox="1"/>
-          <p:nvPr/>
-        </p:nvSpPr>
-        <p:spPr>
-          <a:xfrm>
-            <a:off x="725019" y="1739724"/>
-            <a:ext cx="847157" cy="307777"/>
-          </a:xfrm>
-          <a:prstGeom prst="rect">
-            <a:avLst/>
-          </a:prstGeom>
-          <a:noFill/>
-        </p:spPr>
-        <p:txBody>
-          <a:bodyPr wrap="square" rtlCol="0">
-            <a:spAutoFit/>
-          </a:bodyPr>
-          <a:lstStyle/>
-          <a:p>
-            <a:r>
-              <a:rPr lang="en-US" sz="1400" b="1" dirty="0">
-                <a:solidFill>
-                  <a:srgbClr val="321318"/>
-                </a:solidFill>
-              </a:rPr>
-              <a:t>ERPS</a:t>
-            </a:r>
-            <a:endParaRPr lang="en-PH" sz="1400" b="1" dirty="0">
-              <a:solidFill>
-                <a:srgbClr val="321318"/>
-              </a:solidFill>
-            </a:endParaRPr>
-          </a:p>
-        </p:txBody>
-      </p:sp>
-      <p:sp>
-        <p:nvSpPr>
-          <p:cNvPr id="27" name="TextBox 26">
-            <a:extLst>
-              <a:ext uri="{FF2B5EF4-FFF2-40B4-BE49-F238E27FC236}">
-                <a16:creationId xmlns:a16="http://schemas.microsoft.com/office/drawing/2014/main" id="{2F48B041-03E4-45C5-A429-CC2B9A502467}"/>
-              </a:ext>
-            </a:extLst>
-          </p:cNvPr>
-          <p:cNvSpPr txBox="1"/>
-          <p:nvPr/>
-        </p:nvSpPr>
-        <p:spPr>
-          <a:xfrm>
-            <a:off x="743947" y="1951300"/>
-            <a:ext cx="1914965" cy="261610"/>
-          </a:xfrm>
-          <a:prstGeom prst="rect">
-            <a:avLst/>
-          </a:prstGeom>
-          <a:noFill/>
-        </p:spPr>
-        <p:txBody>
-          <a:bodyPr wrap="square" rtlCol="0">
-            <a:spAutoFit/>
-          </a:bodyPr>
-          <a:lstStyle/>
-          <a:p>
-            <a:r>
-              <a:rPr lang="en-US" sz="1050" dirty="0">
-                <a:solidFill>
-                  <a:srgbClr val="321318"/>
-                </a:solidFill>
-              </a:rPr>
-              <a:t>SAP ERPS</a:t>
-            </a:r>
-            <a:endParaRPr lang="en-PH" sz="1050" dirty="0">
-              <a:solidFill>
-                <a:srgbClr val="321318"/>
-              </a:solidFill>
-            </a:endParaRPr>
-          </a:p>
-        </p:txBody>
-      </p:sp>
-      <p:pic>
-        <p:nvPicPr>
-          <p:cNvPr id="28" name="Picture 27">
-            <a:extLst>
-              <a:ext uri="{FF2B5EF4-FFF2-40B4-BE49-F238E27FC236}">
-                <a16:creationId xmlns:a16="http://schemas.microsoft.com/office/drawing/2014/main" id="{92AE064B-5C7F-4BE6-A039-259199C8DB04}"/>
-              </a:ext>
-            </a:extLst>
-          </p:cNvPr>
-          <p:cNvPicPr>
-            <a:picLocks noChangeAspect="1"/>
-          </p:cNvPicPr>
-          <p:nvPr/>
-        </p:nvPicPr>
-        <p:blipFill>
-          <a:blip r:embed="rId8"/>
-          <a:stretch>
-            <a:fillRect/>
-          </a:stretch>
-        </p:blipFill>
-        <p:spPr>
-          <a:xfrm>
-            <a:off x="394049" y="1832196"/>
-            <a:ext cx="282596" cy="282596"/>
-          </a:xfrm>
-          <a:prstGeom prst="rect">
-            <a:avLst/>
-          </a:prstGeom>
-        </p:spPr>
-      </p:pic>
-      <p:sp>
-        <p:nvSpPr>
-          <p:cNvPr id="29" name="Rectangle: Rounded Corners 28">
-            <a:extLst>
-              <a:ext uri="{FF2B5EF4-FFF2-40B4-BE49-F238E27FC236}">
-                <a16:creationId xmlns:a16="http://schemas.microsoft.com/office/drawing/2014/main" id="{9DC78CB5-2CC4-4AE5-92C6-EDC6879BA1B2}"/>
-              </a:ext>
-            </a:extLst>
-          </p:cNvPr>
-          <p:cNvSpPr/>
-          <p:nvPr/>
-        </p:nvSpPr>
-        <p:spPr>
-          <a:xfrm>
-            <a:off x="203542" y="2339211"/>
-            <a:ext cx="2631835" cy="542202"/>
-          </a:xfrm>
-          <a:prstGeom prst="roundRect">
-            <a:avLst>
-              <a:gd name="adj" fmla="val 11736"/>
-            </a:avLst>
-          </a:prstGeom>
-          <a:solidFill>
-            <a:schemeClr val="bg1"/>
-          </a:solidFill>
-          <a:ln>
-            <a:solidFill>
-              <a:schemeClr val="bg1">
-                <a:lumMod val="95000"/>
-              </a:schemeClr>
-            </a:solidFill>
-          </a:ln>
-          <a:effectLst>
-            <a:outerShdw blurRad="50800" dist="38100" dir="8100000" sx="97000" sy="97000" algn="tr" rotWithShape="0">
-              <a:prstClr val="black">
-                <a:alpha val="16000"/>
-              </a:prstClr>
-            </a:outerShdw>
-            <a:softEdge rad="0"/>
-          </a:effectLst>
-        </p:spPr>
-        <p:style>
-          <a:lnRef idx="2">
-            <a:schemeClr val="accent1">
-              <a:shade val="50000"/>
-            </a:schemeClr>
-          </a:lnRef>
-          <a:fillRef idx="1">
-            <a:schemeClr val="accent1"/>
-          </a:fillRef>
-          <a:effectRef idx="0">
-            <a:schemeClr val="accent1"/>
-          </a:effectRef>
-          <a:fontRef idx="minor">
-            <a:schemeClr val="lt1"/>
-          </a:fontRef>
-        </p:style>
-        <p:txBody>
-          <a:bodyPr rtlCol="0" anchor="ctr"/>
-          <a:lstStyle/>
-          <a:p>
-            <a:pPr algn="ctr"/>
-            <a:endParaRPr lang="en-PH" sz="1400"/>
-          </a:p>
-        </p:txBody>
-      </p:sp>
-      <p:sp>
-        <p:nvSpPr>
-          <p:cNvPr id="30" name="TextBox 29">
-            <a:extLst>
-              <a:ext uri="{FF2B5EF4-FFF2-40B4-BE49-F238E27FC236}">
-                <a16:creationId xmlns:a16="http://schemas.microsoft.com/office/drawing/2014/main" id="{46457596-43AC-487C-9930-20211D647E90}"/>
-              </a:ext>
-            </a:extLst>
-          </p:cNvPr>
-          <p:cNvSpPr txBox="1"/>
-          <p:nvPr/>
-        </p:nvSpPr>
-        <p:spPr>
-          <a:xfrm>
-            <a:off x="729027" y="2375200"/>
-            <a:ext cx="1110924" cy="307777"/>
-          </a:xfrm>
-          <a:prstGeom prst="rect">
-            <a:avLst/>
-          </a:prstGeom>
-          <a:noFill/>
-        </p:spPr>
-        <p:txBody>
-          <a:bodyPr wrap="square" rtlCol="0">
-            <a:spAutoFit/>
-          </a:bodyPr>
-          <a:lstStyle/>
-          <a:p>
-            <a:r>
-              <a:rPr lang="en-US" sz="1400" b="1" dirty="0">
-                <a:solidFill>
-                  <a:srgbClr val="321318"/>
-                </a:solidFill>
-              </a:rPr>
-              <a:t>NON PROD</a:t>
-            </a:r>
-            <a:endParaRPr lang="en-PH" sz="1400" b="1" dirty="0">
-              <a:solidFill>
-                <a:srgbClr val="321318"/>
-              </a:solidFill>
-            </a:endParaRPr>
-          </a:p>
-        </p:txBody>
-      </p:sp>
-      <p:sp>
-        <p:nvSpPr>
-          <p:cNvPr id="31" name="TextBox 30">
-            <a:extLst>
-              <a:ext uri="{FF2B5EF4-FFF2-40B4-BE49-F238E27FC236}">
-                <a16:creationId xmlns:a16="http://schemas.microsoft.com/office/drawing/2014/main" id="{921377E4-D502-4E23-8383-C2E78426AEF9}"/>
-              </a:ext>
-            </a:extLst>
-          </p:cNvPr>
-          <p:cNvSpPr txBox="1"/>
-          <p:nvPr/>
-        </p:nvSpPr>
-        <p:spPr>
-          <a:xfrm>
-            <a:off x="747956" y="2586776"/>
-            <a:ext cx="1762562" cy="261610"/>
-          </a:xfrm>
-          <a:prstGeom prst="rect">
-            <a:avLst/>
-          </a:prstGeom>
-          <a:noFill/>
-        </p:spPr>
-        <p:txBody>
-          <a:bodyPr wrap="square" rtlCol="0">
-            <a:spAutoFit/>
-          </a:bodyPr>
-          <a:lstStyle/>
-          <a:p>
-            <a:r>
-              <a:rPr lang="en-US" sz="1050" dirty="0">
-                <a:solidFill>
-                  <a:srgbClr val="321318"/>
-                </a:solidFill>
-              </a:rPr>
-              <a:t>Admin and HR</a:t>
-            </a:r>
-            <a:endParaRPr lang="en-PH" sz="1050" dirty="0">
-              <a:solidFill>
-                <a:srgbClr val="321318"/>
-              </a:solidFill>
-            </a:endParaRPr>
-          </a:p>
-        </p:txBody>
-      </p:sp>
-      <p:pic>
-        <p:nvPicPr>
-          <p:cNvPr id="32" name="Picture 31">
-            <a:extLst>
-              <a:ext uri="{FF2B5EF4-FFF2-40B4-BE49-F238E27FC236}">
-                <a16:creationId xmlns:a16="http://schemas.microsoft.com/office/drawing/2014/main" id="{E37D0BBC-F858-4F59-A730-914C52651A90}"/>
-              </a:ext>
-            </a:extLst>
-          </p:cNvPr>
-          <p:cNvPicPr>
-            <a:picLocks noChangeAspect="1"/>
-          </p:cNvPicPr>
-          <p:nvPr/>
-        </p:nvPicPr>
-        <p:blipFill>
-          <a:blip r:embed="rId9"/>
-          <a:stretch>
-            <a:fillRect/>
-          </a:stretch>
-        </p:blipFill>
-        <p:spPr>
-          <a:xfrm>
-            <a:off x="369394" y="2431835"/>
-            <a:ext cx="331906" cy="331906"/>
-          </a:xfrm>
-          <a:prstGeom prst="rect">
-            <a:avLst/>
-          </a:prstGeom>
-        </p:spPr>
-      </p:pic>
-      <p:sp>
-        <p:nvSpPr>
-          <p:cNvPr id="33" name="Rectangle: Rounded Corners 32">
-            <a:extLst>
-              <a:ext uri="{FF2B5EF4-FFF2-40B4-BE49-F238E27FC236}">
-                <a16:creationId xmlns:a16="http://schemas.microsoft.com/office/drawing/2014/main" id="{D434FF03-35FB-4DA1-907A-6F2556D6E0ED}"/>
-              </a:ext>
-            </a:extLst>
-          </p:cNvPr>
-          <p:cNvSpPr/>
-          <p:nvPr/>
-        </p:nvSpPr>
-        <p:spPr>
-          <a:xfrm>
-            <a:off x="199534" y="2963431"/>
-            <a:ext cx="2631835" cy="542202"/>
-          </a:xfrm>
-          <a:prstGeom prst="roundRect">
-            <a:avLst>
-              <a:gd name="adj" fmla="val 12907"/>
-            </a:avLst>
-          </a:prstGeom>
-          <a:solidFill>
-            <a:schemeClr val="bg1"/>
-          </a:solidFill>
-          <a:ln>
-            <a:solidFill>
-              <a:schemeClr val="bg1">
-                <a:lumMod val="95000"/>
-              </a:schemeClr>
-            </a:solidFill>
-          </a:ln>
-          <a:effectLst>
-            <a:outerShdw blurRad="50800" dist="38100" dir="8100000" sx="97000" sy="97000" algn="tr" rotWithShape="0">
-              <a:prstClr val="black">
-                <a:alpha val="16000"/>
-              </a:prstClr>
-            </a:outerShdw>
-            <a:softEdge rad="0"/>
-          </a:effectLst>
-        </p:spPr>
-        <p:style>
-          <a:lnRef idx="2">
-            <a:schemeClr val="accent1">
-              <a:shade val="50000"/>
-            </a:schemeClr>
-          </a:lnRef>
-          <a:fillRef idx="1">
-            <a:schemeClr val="accent1"/>
-          </a:fillRef>
-          <a:effectRef idx="0">
-            <a:schemeClr val="accent1"/>
-          </a:effectRef>
-          <a:fontRef idx="minor">
-            <a:schemeClr val="lt1"/>
-          </a:fontRef>
-        </p:style>
-        <p:txBody>
-          <a:bodyPr rtlCol="0" anchor="ctr"/>
-          <a:lstStyle/>
-          <a:p>
-            <a:pPr algn="ctr"/>
-            <a:endParaRPr lang="en-PH" sz="1400"/>
-          </a:p>
-        </p:txBody>
-      </p:sp>
-      <p:sp>
-        <p:nvSpPr>
-          <p:cNvPr id="34" name="TextBox 33">
-            <a:extLst>
-              <a:ext uri="{FF2B5EF4-FFF2-40B4-BE49-F238E27FC236}">
-                <a16:creationId xmlns:a16="http://schemas.microsoft.com/office/drawing/2014/main" id="{CDEC40D1-B4E0-4F04-BE07-EF9641127EC9}"/>
-              </a:ext>
-            </a:extLst>
-          </p:cNvPr>
-          <p:cNvSpPr txBox="1"/>
-          <p:nvPr/>
-        </p:nvSpPr>
-        <p:spPr>
-          <a:xfrm>
-            <a:off x="725019" y="2999420"/>
-            <a:ext cx="847157" cy="307777"/>
-          </a:xfrm>
-          <a:prstGeom prst="rect">
-            <a:avLst/>
-          </a:prstGeom>
-          <a:noFill/>
-        </p:spPr>
-        <p:txBody>
-          <a:bodyPr wrap="square" rtlCol="0">
-            <a:spAutoFit/>
-          </a:bodyPr>
-          <a:lstStyle/>
-          <a:p>
-            <a:r>
-              <a:rPr lang="en-US" sz="1400" b="1" dirty="0">
-                <a:solidFill>
-                  <a:srgbClr val="321318"/>
-                </a:solidFill>
-              </a:rPr>
-              <a:t>MFG</a:t>
-            </a:r>
-            <a:endParaRPr lang="en-PH" sz="1400" b="1" dirty="0">
-              <a:solidFill>
-                <a:srgbClr val="321318"/>
-              </a:solidFill>
-            </a:endParaRPr>
-          </a:p>
-        </p:txBody>
-      </p:sp>
-      <p:sp>
-        <p:nvSpPr>
-          <p:cNvPr id="35" name="TextBox 34">
-            <a:extLst>
-              <a:ext uri="{FF2B5EF4-FFF2-40B4-BE49-F238E27FC236}">
-                <a16:creationId xmlns:a16="http://schemas.microsoft.com/office/drawing/2014/main" id="{115C2C40-D84E-40C5-80A0-E81650321E84}"/>
-              </a:ext>
-            </a:extLst>
-          </p:cNvPr>
-          <p:cNvSpPr txBox="1"/>
-          <p:nvPr/>
-        </p:nvSpPr>
-        <p:spPr>
-          <a:xfrm>
-            <a:off x="743948" y="3210996"/>
-            <a:ext cx="1762562" cy="261610"/>
-          </a:xfrm>
-          <a:prstGeom prst="rect">
-            <a:avLst/>
-          </a:prstGeom>
-          <a:noFill/>
-        </p:spPr>
-        <p:txBody>
-          <a:bodyPr wrap="square" rtlCol="0">
-            <a:spAutoFit/>
-          </a:bodyPr>
-          <a:lstStyle/>
-          <a:p>
-            <a:r>
-              <a:rPr lang="en-US" sz="1050" dirty="0">
-                <a:solidFill>
-                  <a:srgbClr val="321318"/>
-                </a:solidFill>
-              </a:rPr>
-              <a:t>Manufacturing</a:t>
-            </a:r>
-            <a:endParaRPr lang="en-PH" sz="1050" dirty="0">
-              <a:solidFill>
-                <a:srgbClr val="321318"/>
-              </a:solidFill>
-            </a:endParaRPr>
-          </a:p>
-        </p:txBody>
-      </p:sp>
-      <p:pic>
-        <p:nvPicPr>
-          <p:cNvPr id="36" name="Picture 35">
-            <a:extLst>
-              <a:ext uri="{FF2B5EF4-FFF2-40B4-BE49-F238E27FC236}">
-                <a16:creationId xmlns:a16="http://schemas.microsoft.com/office/drawing/2014/main" id="{677FC680-069A-4764-9915-2174689A499C}"/>
-              </a:ext>
-            </a:extLst>
-          </p:cNvPr>
-          <p:cNvPicPr>
-            <a:picLocks noChangeAspect="1"/>
-          </p:cNvPicPr>
-          <p:nvPr/>
-        </p:nvPicPr>
-        <p:blipFill>
-          <a:blip r:embed="rId10"/>
-          <a:stretch>
-            <a:fillRect/>
-          </a:stretch>
-        </p:blipFill>
-        <p:spPr>
-          <a:xfrm>
-            <a:off x="351267" y="3026511"/>
-            <a:ext cx="368161" cy="368161"/>
-          </a:xfrm>
-          <a:prstGeom prst="rect">
-            <a:avLst/>
-          </a:prstGeom>
-        </p:spPr>
-      </p:pic>
-      <p:sp>
-        <p:nvSpPr>
-          <p:cNvPr id="37" name="TextBox 36">
-            <a:extLst>
-              <a:ext uri="{FF2B5EF4-FFF2-40B4-BE49-F238E27FC236}">
-                <a16:creationId xmlns:a16="http://schemas.microsoft.com/office/drawing/2014/main" id="{195BC12B-3DCE-42AC-B84D-86DCAC6198AC}"/>
-              </a:ext>
-            </a:extLst>
-          </p:cNvPr>
-          <p:cNvSpPr txBox="1"/>
-          <p:nvPr/>
-        </p:nvSpPr>
-        <p:spPr>
-          <a:xfrm>
-            <a:off x="987443" y="1121009"/>
-            <a:ext cx="1762562" cy="261610"/>
-          </a:xfrm>
-          <a:prstGeom prst="rect">
-            <a:avLst/>
-          </a:prstGeom>
-          <a:noFill/>
-        </p:spPr>
-        <p:txBody>
-          <a:bodyPr wrap="square" rtlCol="0">
-            <a:spAutoFit/>
-          </a:bodyPr>
-          <a:lstStyle/>
-          <a:p>
-            <a:pPr algn="r">
-              <a:tabLst>
-                <a:tab pos="1257300" algn="l"/>
-              </a:tabLst>
-            </a:pPr>
-            <a:r>
-              <a:rPr lang="en-US" sz="1050" dirty="0">
-                <a:solidFill>
-                  <a:srgbClr val="321318"/>
-                </a:solidFill>
-              </a:rPr>
-              <a:t>30 logs</a:t>
-            </a:r>
-            <a:endParaRPr lang="en-PH" sz="1050" dirty="0">
-              <a:solidFill>
-                <a:srgbClr val="321318"/>
-              </a:solidFill>
-            </a:endParaRPr>
-          </a:p>
-        </p:txBody>
-      </p:sp>
-      <p:sp>
-        <p:nvSpPr>
-          <p:cNvPr id="38" name="TextBox 37">
-            <a:extLst>
-              <a:ext uri="{FF2B5EF4-FFF2-40B4-BE49-F238E27FC236}">
-                <a16:creationId xmlns:a16="http://schemas.microsoft.com/office/drawing/2014/main" id="{A284F295-22E1-4BED-863F-9B04B2282289}"/>
-              </a:ext>
-            </a:extLst>
-          </p:cNvPr>
-          <p:cNvSpPr txBox="1"/>
-          <p:nvPr/>
-        </p:nvSpPr>
-        <p:spPr>
-          <a:xfrm>
-            <a:off x="990796" y="1743653"/>
-            <a:ext cx="1762562" cy="261610"/>
-          </a:xfrm>
-          <a:prstGeom prst="rect">
-            <a:avLst/>
-          </a:prstGeom>
-          <a:noFill/>
-        </p:spPr>
-        <p:txBody>
-          <a:bodyPr wrap="square" rtlCol="0">
-            <a:spAutoFit/>
-          </a:bodyPr>
-          <a:lstStyle/>
-          <a:p>
-            <a:pPr algn="r"/>
-            <a:r>
-              <a:rPr lang="en-US" sz="1050" dirty="0">
-                <a:solidFill>
-                  <a:srgbClr val="321318"/>
-                </a:solidFill>
-              </a:rPr>
-              <a:t>26 logs</a:t>
-            </a:r>
-            <a:endParaRPr lang="en-PH" sz="1050" dirty="0">
-              <a:solidFill>
-                <a:srgbClr val="321318"/>
-              </a:solidFill>
-            </a:endParaRPr>
-          </a:p>
-        </p:txBody>
-      </p:sp>
-      <p:sp>
-        <p:nvSpPr>
-          <p:cNvPr id="39" name="TextBox 38">
-            <a:extLst>
-              <a:ext uri="{FF2B5EF4-FFF2-40B4-BE49-F238E27FC236}">
-                <a16:creationId xmlns:a16="http://schemas.microsoft.com/office/drawing/2014/main" id="{C9920877-CC18-4B7B-8347-EED95C153148}"/>
-              </a:ext>
-            </a:extLst>
-          </p:cNvPr>
-          <p:cNvSpPr txBox="1"/>
-          <p:nvPr/>
-        </p:nvSpPr>
-        <p:spPr>
-          <a:xfrm>
-            <a:off x="987443" y="2389787"/>
-            <a:ext cx="1762562" cy="261610"/>
-          </a:xfrm>
-          <a:prstGeom prst="rect">
-            <a:avLst/>
-          </a:prstGeom>
-          <a:noFill/>
-        </p:spPr>
-        <p:txBody>
-          <a:bodyPr wrap="square" rtlCol="0">
-            <a:spAutoFit/>
-          </a:bodyPr>
-          <a:lstStyle/>
-          <a:p>
-            <a:pPr algn="r"/>
-            <a:r>
-              <a:rPr lang="en-US" sz="1050" dirty="0">
-                <a:solidFill>
-                  <a:srgbClr val="321318"/>
-                </a:solidFill>
-              </a:rPr>
-              <a:t>5 logs</a:t>
-            </a:r>
-            <a:endParaRPr lang="en-PH" sz="1050" dirty="0">
-              <a:solidFill>
-                <a:srgbClr val="321318"/>
-              </a:solidFill>
-            </a:endParaRPr>
-          </a:p>
-        </p:txBody>
-      </p:sp>
-      <p:sp>
-        <p:nvSpPr>
-          <p:cNvPr id="40" name="TextBox 39">
-            <a:extLst>
-              <a:ext uri="{FF2B5EF4-FFF2-40B4-BE49-F238E27FC236}">
-                <a16:creationId xmlns:a16="http://schemas.microsoft.com/office/drawing/2014/main" id="{99554871-0EA3-4337-9878-9C822E31ACD1}"/>
-              </a:ext>
-            </a:extLst>
-          </p:cNvPr>
-          <p:cNvSpPr txBox="1"/>
-          <p:nvPr/>
-        </p:nvSpPr>
-        <p:spPr>
-          <a:xfrm>
-            <a:off x="981749" y="3012596"/>
-            <a:ext cx="1762562" cy="261610"/>
-          </a:xfrm>
-          <a:prstGeom prst="rect">
-            <a:avLst/>
-          </a:prstGeom>
-          <a:noFill/>
-        </p:spPr>
-        <p:txBody>
-          <a:bodyPr wrap="square" rtlCol="0">
-            <a:spAutoFit/>
-          </a:bodyPr>
-          <a:lstStyle/>
-          <a:p>
-            <a:pPr algn="r"/>
-            <a:r>
-              <a:rPr lang="en-US" sz="1050" dirty="0">
-                <a:solidFill>
-                  <a:srgbClr val="321318"/>
-                </a:solidFill>
-              </a:rPr>
-              <a:t>3 logs</a:t>
-            </a:r>
-            <a:endParaRPr lang="en-PH" sz="1050" dirty="0">
-              <a:solidFill>
-                <a:srgbClr val="321318"/>
-              </a:solidFill>
-            </a:endParaRPr>
-          </a:p>
-        </p:txBody>
-      </p:sp>
       <p:cxnSp>
         <p:nvCxnSpPr>
-          <p:cNvPr id="42" name="Straight Connector 41">
-            <a:extLst>
-              <a:ext uri="{FF2B5EF4-FFF2-40B4-BE49-F238E27FC236}">
-                <a16:creationId xmlns:a16="http://schemas.microsoft.com/office/drawing/2014/main" id="{D8450B4B-73CC-4741-86DD-57D97E3DD1F3}"/>
+          <p:cNvPr id="126" name="Straight Connector 125">
+            <a:extLst>
+              <a:ext uri="{FF2B5EF4-FFF2-40B4-BE49-F238E27FC236}">
+                <a16:creationId xmlns:a16="http://schemas.microsoft.com/office/drawing/2014/main" id="{6DB553C6-F6DB-4A71-8E28-B89FE599C713}"/>
               </a:ext>
             </a:extLst>
           </p:cNvPr>
@@ -9058,16 +6160,18 @@
           <p:nvPr/>
         </p:nvCxnSpPr>
         <p:spPr>
-          <a:xfrm>
-            <a:off x="-21174" y="916795"/>
-            <a:ext cx="3056021" cy="0"/>
+          <a:xfrm flipH="1">
+            <a:off x="-1" y="407752"/>
+            <a:ext cx="12192004" cy="0"/>
           </a:xfrm>
           <a:prstGeom prst="line">
             <a:avLst/>
           </a:prstGeom>
           <a:ln>
             <a:solidFill>
-              <a:schemeClr val="bg2"/>
+              <a:schemeClr val="bg2">
+                <a:lumMod val="90000"/>
+              </a:schemeClr>
             </a:solidFill>
           </a:ln>
         </p:spPr>
@@ -9088,110 +6192,10 @@
       </p:cxnSp>
       <p:sp>
         <p:nvSpPr>
-          <p:cNvPr id="55" name="Rectangle: Rounded Corners 54">
-            <a:extLst>
-              <a:ext uri="{FF2B5EF4-FFF2-40B4-BE49-F238E27FC236}">
-                <a16:creationId xmlns:a16="http://schemas.microsoft.com/office/drawing/2014/main" id="{9FCF40C6-3D8B-45D4-9A80-AF64B41E2FF5}"/>
-              </a:ext>
-            </a:extLst>
-          </p:cNvPr>
-          <p:cNvSpPr/>
-          <p:nvPr/>
-        </p:nvSpPr>
-        <p:spPr>
-          <a:xfrm>
-            <a:off x="3215176" y="515885"/>
-            <a:ext cx="453682" cy="454741"/>
-          </a:xfrm>
-          <a:prstGeom prst="roundRect">
-            <a:avLst>
-              <a:gd name="adj" fmla="val 13626"/>
-            </a:avLst>
-          </a:prstGeom>
-          <a:gradFill flip="none" rotWithShape="1">
-            <a:gsLst>
-              <a:gs pos="0">
-                <a:srgbClr val="D2D2D2"/>
-              </a:gs>
-              <a:gs pos="50000">
-                <a:srgbClr val="E4E4E4"/>
-              </a:gs>
-              <a:gs pos="100000">
-                <a:schemeClr val="bg1">
-                  <a:lumMod val="95000"/>
-                  <a:shade val="100000"/>
-                  <a:satMod val="115000"/>
-                </a:schemeClr>
-              </a:gs>
-            </a:gsLst>
-            <a:lin ang="13500000" scaled="1"/>
-            <a:tileRect/>
-          </a:gradFill>
-          <a:ln>
-            <a:noFill/>
-          </a:ln>
-        </p:spPr>
-        <p:style>
-          <a:lnRef idx="2">
-            <a:schemeClr val="accent1">
-              <a:shade val="50000"/>
-            </a:schemeClr>
-          </a:lnRef>
-          <a:fillRef idx="1">
-            <a:schemeClr val="accent1"/>
-          </a:fillRef>
-          <a:effectRef idx="0">
-            <a:schemeClr val="accent1"/>
-          </a:effectRef>
-          <a:fontRef idx="minor">
-            <a:schemeClr val="lt1"/>
-          </a:fontRef>
-        </p:style>
-        <p:txBody>
-          <a:bodyPr rtlCol="0" anchor="ctr"/>
-          <a:lstStyle/>
-          <a:p>
-            <a:pPr algn="ctr"/>
-            <a:endParaRPr lang="en-PH"/>
-          </a:p>
-        </p:txBody>
-      </p:sp>
-      <p:pic>
-        <p:nvPicPr>
-          <p:cNvPr id="62" name="Picture 61">
-            <a:extLst>
-              <a:ext uri="{FF2B5EF4-FFF2-40B4-BE49-F238E27FC236}">
-                <a16:creationId xmlns:a16="http://schemas.microsoft.com/office/drawing/2014/main" id="{5046ADDA-0073-4642-B657-0FBC7CC2F769}"/>
-              </a:ext>
-            </a:extLst>
-          </p:cNvPr>
-          <p:cNvPicPr>
-            <a:picLocks noChangeAspect="1"/>
-          </p:cNvPicPr>
-          <p:nvPr/>
-        </p:nvPicPr>
-        <p:blipFill>
-          <a:blip r:embed="rId11"/>
-          <a:stretch>
-            <a:fillRect/>
-          </a:stretch>
-        </p:blipFill>
-        <p:spPr>
-          <a:xfrm>
-            <a:off x="3319997" y="609378"/>
-            <a:ext cx="255054" cy="255054"/>
-          </a:xfrm>
-          <a:prstGeom prst="rect">
-            <a:avLst/>
-          </a:prstGeom>
-        </p:spPr>
-      </p:pic>
-      <p:sp>
-        <p:nvSpPr>
-          <p:cNvPr id="54" name="TextBox 53">
-            <a:extLst>
-              <a:ext uri="{FF2B5EF4-FFF2-40B4-BE49-F238E27FC236}">
-                <a16:creationId xmlns:a16="http://schemas.microsoft.com/office/drawing/2014/main" id="{4CFC2E23-079B-4AEF-9C7C-7E557CB5B4F8}"/>
+          <p:cNvPr id="135" name="TextBox 134">
+            <a:extLst>
+              <a:ext uri="{FF2B5EF4-FFF2-40B4-BE49-F238E27FC236}">
+                <a16:creationId xmlns:a16="http://schemas.microsoft.com/office/drawing/2014/main" id="{9B943D55-6E33-4ECE-8C01-7F07E2864B1E}"/>
               </a:ext>
             </a:extLst>
           </p:cNvPr>
@@ -9200,318 +6204,8 @@
         </p:nvSpPr>
         <p:spPr>
           <a:xfrm>
-            <a:off x="3846475" y="556672"/>
-            <a:ext cx="1983894" cy="369332"/>
-          </a:xfrm>
-          <a:prstGeom prst="roundRect">
-            <a:avLst>
-              <a:gd name="adj" fmla="val 0"/>
-            </a:avLst>
-          </a:prstGeom>
-          <a:noFill/>
-        </p:spPr>
-        <p:txBody>
-          <a:bodyPr wrap="square" rtlCol="0">
-            <a:spAutoFit/>
-          </a:bodyPr>
-          <a:lstStyle/>
-          <a:p>
-            <a:r>
-              <a:rPr lang="en-US" b="1" dirty="0">
-                <a:solidFill>
-                  <a:schemeClr val="bg1">
-                    <a:lumMod val="95000"/>
-                  </a:schemeClr>
-                </a:solidFill>
-              </a:rPr>
-              <a:t>Infrastructure</a:t>
-            </a:r>
-            <a:endParaRPr lang="en-PH" b="1" dirty="0">
-              <a:solidFill>
-                <a:schemeClr val="bg1">
-                  <a:lumMod val="95000"/>
-                </a:schemeClr>
-              </a:solidFill>
-            </a:endParaRPr>
-          </a:p>
-        </p:txBody>
-      </p:sp>
-      <p:pic>
-        <p:nvPicPr>
-          <p:cNvPr id="46" name="Picture 45">
-            <a:extLst>
-              <a:ext uri="{FF2B5EF4-FFF2-40B4-BE49-F238E27FC236}">
-                <a16:creationId xmlns:a16="http://schemas.microsoft.com/office/drawing/2014/main" id="{45CA6757-E1AB-4900-AC82-B8C75902D71C}"/>
-              </a:ext>
-            </a:extLst>
-          </p:cNvPr>
-          <p:cNvPicPr>
-            <a:picLocks noChangeAspect="1"/>
-          </p:cNvPicPr>
-          <p:nvPr/>
-        </p:nvPicPr>
-        <p:blipFill>
-          <a:blip r:embed="rId12"/>
-          <a:stretch>
-            <a:fillRect/>
-          </a:stretch>
-        </p:blipFill>
-        <p:spPr>
-          <a:xfrm>
-            <a:off x="3132810" y="1000947"/>
-            <a:ext cx="8983108" cy="4078968"/>
-          </a:xfrm>
-          <a:prstGeom prst="rect">
-            <a:avLst/>
-          </a:prstGeom>
-        </p:spPr>
-      </p:pic>
-      <p:sp>
-        <p:nvSpPr>
-          <p:cNvPr id="51" name="Rectangle: Rounded Corners 50">
-            <a:extLst>
-              <a:ext uri="{FF2B5EF4-FFF2-40B4-BE49-F238E27FC236}">
-                <a16:creationId xmlns:a16="http://schemas.microsoft.com/office/drawing/2014/main" id="{2D69533F-6F70-42B8-96BC-A3F298ED2169}"/>
-              </a:ext>
-            </a:extLst>
-          </p:cNvPr>
-          <p:cNvSpPr/>
-          <p:nvPr/>
-        </p:nvSpPr>
-        <p:spPr>
-          <a:xfrm>
-            <a:off x="11594088" y="515885"/>
-            <a:ext cx="453682" cy="454741"/>
-          </a:xfrm>
-          <a:prstGeom prst="roundRect">
-            <a:avLst>
-              <a:gd name="adj" fmla="val 13626"/>
-            </a:avLst>
-          </a:prstGeom>
-          <a:gradFill flip="none" rotWithShape="1">
-            <a:gsLst>
-              <a:gs pos="0">
-                <a:srgbClr val="CFCFCF"/>
-              </a:gs>
-              <a:gs pos="50000">
-                <a:srgbClr val="E4E4E4"/>
-              </a:gs>
-              <a:gs pos="100000">
-                <a:schemeClr val="bg1">
-                  <a:lumMod val="95000"/>
-                  <a:shade val="100000"/>
-                  <a:satMod val="115000"/>
-                </a:schemeClr>
-              </a:gs>
-            </a:gsLst>
-            <a:lin ang="13500000" scaled="1"/>
-            <a:tileRect/>
-          </a:gradFill>
-          <a:ln>
-            <a:noFill/>
-          </a:ln>
-        </p:spPr>
-        <p:style>
-          <a:lnRef idx="2">
-            <a:schemeClr val="accent1">
-              <a:shade val="50000"/>
-            </a:schemeClr>
-          </a:lnRef>
-          <a:fillRef idx="1">
-            <a:schemeClr val="accent1"/>
-          </a:fillRef>
-          <a:effectRef idx="0">
-            <a:schemeClr val="accent1"/>
-          </a:effectRef>
-          <a:fontRef idx="minor">
-            <a:schemeClr val="lt1"/>
-          </a:fontRef>
-        </p:style>
-        <p:txBody>
-          <a:bodyPr rtlCol="0" anchor="ctr"/>
-          <a:lstStyle/>
-          <a:p>
-            <a:pPr algn="ctr"/>
-            <a:endParaRPr lang="en-PH"/>
-          </a:p>
-        </p:txBody>
-      </p:sp>
-      <p:pic>
-        <p:nvPicPr>
-          <p:cNvPr id="48" name="Picture 47">
-            <a:extLst>
-              <a:ext uri="{FF2B5EF4-FFF2-40B4-BE49-F238E27FC236}">
-                <a16:creationId xmlns:a16="http://schemas.microsoft.com/office/drawing/2014/main" id="{30700B58-01CB-4443-9081-B811637CB4F7}"/>
-              </a:ext>
-            </a:extLst>
-          </p:cNvPr>
-          <p:cNvPicPr>
-            <a:picLocks noChangeAspect="1"/>
-          </p:cNvPicPr>
-          <p:nvPr/>
-        </p:nvPicPr>
-        <p:blipFill>
-          <a:blip r:embed="rId13"/>
-          <a:stretch>
-            <a:fillRect/>
-          </a:stretch>
-        </p:blipFill>
-        <p:spPr>
-          <a:xfrm>
-            <a:off x="11678146" y="611564"/>
-            <a:ext cx="255054" cy="255054"/>
-          </a:xfrm>
-          <a:prstGeom prst="rect">
-            <a:avLst/>
-          </a:prstGeom>
-        </p:spPr>
-      </p:pic>
-      <p:sp>
-        <p:nvSpPr>
-          <p:cNvPr id="56" name="Rectangle: Rounded Corners 55">
-            <a:extLst>
-              <a:ext uri="{FF2B5EF4-FFF2-40B4-BE49-F238E27FC236}">
-                <a16:creationId xmlns:a16="http://schemas.microsoft.com/office/drawing/2014/main" id="{1B3817B4-0BCC-4CBE-9628-DC6BF6757BF2}"/>
-              </a:ext>
-            </a:extLst>
-          </p:cNvPr>
-          <p:cNvSpPr/>
-          <p:nvPr/>
-        </p:nvSpPr>
-        <p:spPr>
-          <a:xfrm>
-            <a:off x="11060829" y="515885"/>
-            <a:ext cx="453682" cy="454741"/>
-          </a:xfrm>
-          <a:prstGeom prst="roundRect">
-            <a:avLst>
-              <a:gd name="adj" fmla="val 13626"/>
-            </a:avLst>
-          </a:prstGeom>
-          <a:gradFill flip="none" rotWithShape="1">
-            <a:gsLst>
-              <a:gs pos="0">
-                <a:srgbClr val="CFCFCF"/>
-              </a:gs>
-              <a:gs pos="50000">
-                <a:srgbClr val="E4E4E4"/>
-              </a:gs>
-              <a:gs pos="100000">
-                <a:schemeClr val="bg1">
-                  <a:lumMod val="95000"/>
-                  <a:shade val="100000"/>
-                  <a:satMod val="115000"/>
-                </a:schemeClr>
-              </a:gs>
-            </a:gsLst>
-            <a:lin ang="13500000" scaled="1"/>
-            <a:tileRect/>
-          </a:gradFill>
-          <a:ln>
-            <a:noFill/>
-          </a:ln>
-        </p:spPr>
-        <p:style>
-          <a:lnRef idx="2">
-            <a:schemeClr val="accent1">
-              <a:shade val="50000"/>
-            </a:schemeClr>
-          </a:lnRef>
-          <a:fillRef idx="1">
-            <a:schemeClr val="accent1"/>
-          </a:fillRef>
-          <a:effectRef idx="0">
-            <a:schemeClr val="accent1"/>
-          </a:effectRef>
-          <a:fontRef idx="minor">
-            <a:schemeClr val="lt1"/>
-          </a:fontRef>
-        </p:style>
-        <p:txBody>
-          <a:bodyPr rtlCol="0" anchor="ctr"/>
-          <a:lstStyle/>
-          <a:p>
-            <a:pPr algn="ctr"/>
-            <a:endParaRPr lang="en-PH"/>
-          </a:p>
-        </p:txBody>
-      </p:sp>
-      <p:pic>
-        <p:nvPicPr>
-          <p:cNvPr id="50" name="Picture 49">
-            <a:extLst>
-              <a:ext uri="{FF2B5EF4-FFF2-40B4-BE49-F238E27FC236}">
-                <a16:creationId xmlns:a16="http://schemas.microsoft.com/office/drawing/2014/main" id="{28105EEA-6A97-4D57-A15A-DF551CBF33CA}"/>
-              </a:ext>
-            </a:extLst>
-          </p:cNvPr>
-          <p:cNvPicPr>
-            <a:picLocks noChangeAspect="1"/>
-          </p:cNvPicPr>
-          <p:nvPr/>
-        </p:nvPicPr>
-        <p:blipFill>
-          <a:blip r:embed="rId14"/>
-          <a:stretch>
-            <a:fillRect/>
-          </a:stretch>
-        </p:blipFill>
-        <p:spPr>
-          <a:xfrm>
-            <a:off x="11165327" y="614367"/>
-            <a:ext cx="249448" cy="249448"/>
-          </a:xfrm>
-          <a:prstGeom prst="rect">
-            <a:avLst/>
-          </a:prstGeom>
-        </p:spPr>
-      </p:pic>
-      <p:pic>
-        <p:nvPicPr>
-          <p:cNvPr id="58" name="Picture 57">
-            <a:extLst>
-              <a:ext uri="{FF2B5EF4-FFF2-40B4-BE49-F238E27FC236}">
-                <a16:creationId xmlns:a16="http://schemas.microsoft.com/office/drawing/2014/main" id="{21584744-06F1-4FFA-AA48-B010AE81C2AC}"/>
-              </a:ext>
-            </a:extLst>
-          </p:cNvPr>
-          <p:cNvPicPr>
-            <a:picLocks noChangeAspect="1"/>
-          </p:cNvPicPr>
-          <p:nvPr/>
-        </p:nvPicPr>
-        <p:blipFill>
-          <a:blip r:embed="rId15"/>
-          <a:stretch>
-            <a:fillRect/>
-          </a:stretch>
-        </p:blipFill>
-        <p:spPr>
-          <a:xfrm>
-            <a:off x="1603704" y="83311"/>
-            <a:ext cx="146476" cy="137324"/>
-          </a:xfrm>
-          <a:prstGeom prst="rect">
-            <a:avLst/>
-          </a:prstGeom>
-        </p:spPr>
-      </p:pic>
-      <p:sp>
-        <p:nvSpPr>
-          <p:cNvPr id="61" name="TextBox 60">
-            <a:extLst>
-              <a:ext uri="{FF2B5EF4-FFF2-40B4-BE49-F238E27FC236}">
-                <a16:creationId xmlns:a16="http://schemas.microsoft.com/office/drawing/2014/main" id="{9FB60E3F-47B9-4076-B9B1-9130C6CA51B4}"/>
-              </a:ext>
-            </a:extLst>
-          </p:cNvPr>
-          <p:cNvSpPr txBox="1"/>
-          <p:nvPr/>
-        </p:nvSpPr>
-        <p:spPr>
-          <a:xfrm>
-            <a:off x="9169666" y="612450"/>
-            <a:ext cx="1762562" cy="261610"/>
+            <a:off x="278746" y="679893"/>
+            <a:ext cx="1293719" cy="276999"/>
           </a:xfrm>
           <a:prstGeom prst="rect">
             <a:avLst/>
@@ -9524,60 +6218,30 @@
           </a:bodyPr>
           <a:lstStyle/>
           <a:p>
-            <a:pPr algn="r">
-              <a:tabLst>
-                <a:tab pos="1257300" algn="l"/>
-              </a:tabLst>
-            </a:pPr>
-            <a:r>
-              <a:rPr lang="en-US" sz="1050" dirty="0">
+            <a:r>
+              <a:rPr lang="en-US" sz="1200" b="1" dirty="0">
                 <a:solidFill>
-                  <a:schemeClr val="bg1">
-                    <a:lumMod val="95000"/>
+                  <a:schemeClr val="tx2">
+                    <a:lumMod val="75000"/>
                   </a:schemeClr>
                 </a:solidFill>
+                <a:latin typeface="Arial" panose="020B0604020202020204" pitchFamily="34" charset="0"/>
+                <a:cs typeface="Arial" panose="020B0604020202020204" pitchFamily="34" charset="0"/>
               </a:rPr>
-              <a:t>142 rows</a:t>
-            </a:r>
-            <a:endParaRPr lang="en-PH" sz="1050" dirty="0">
+              <a:t>Section</a:t>
+            </a:r>
+            <a:endParaRPr lang="en-PH" sz="1200" b="1" dirty="0">
               <a:solidFill>
-                <a:schemeClr val="bg1">
-                  <a:lumMod val="95000"/>
+                <a:schemeClr val="tx2">
+                  <a:lumMod val="75000"/>
                 </a:schemeClr>
               </a:solidFill>
+              <a:latin typeface="Arial" panose="020B0604020202020204" pitchFamily="34" charset="0"/>
+              <a:cs typeface="Arial" panose="020B0604020202020204" pitchFamily="34" charset="0"/>
             </a:endParaRPr>
           </a:p>
         </p:txBody>
       </p:sp>
-      <p:pic>
-        <p:nvPicPr>
-          <p:cNvPr id="69" name="Picture 68">
-            <a:extLst>
-              <a:ext uri="{FF2B5EF4-FFF2-40B4-BE49-F238E27FC236}">
-                <a16:creationId xmlns:a16="http://schemas.microsoft.com/office/drawing/2014/main" id="{14A1BC1D-1D82-4E13-B1CF-BAFFAEAC16BA}"/>
-              </a:ext>
-            </a:extLst>
-          </p:cNvPr>
-          <p:cNvPicPr>
-            <a:picLocks noChangeAspect="1"/>
-          </p:cNvPicPr>
-          <p:nvPr/>
-        </p:nvPicPr>
-        <p:blipFill rotWithShape="1">
-          <a:blip r:embed="rId16"/>
-          <a:srcRect t="1" b="41082"/>
-          <a:stretch/>
-        </p:blipFill>
-        <p:spPr>
-          <a:xfrm>
-            <a:off x="3148176" y="5085047"/>
-            <a:ext cx="8948690" cy="1772954"/>
-          </a:xfrm>
-          <a:prstGeom prst="rect">
-            <a:avLst/>
-          </a:prstGeom>
-        </p:spPr>
-      </p:pic>
     </p:spTree>
     <p:extLst>
       <p:ext uri="{BB962C8B-B14F-4D97-AF65-F5344CB8AC3E}">
@@ -9608,12 +6272,161 @@
           <a:chExt cx="0" cy="0"/>
         </a:xfrm>
       </p:grpSpPr>
+      <p:sp>
+        <p:nvSpPr>
+          <p:cNvPr id="16" name="Rectangle 15">
+            <a:extLst>
+              <a:ext uri="{FF2B5EF4-FFF2-40B4-BE49-F238E27FC236}">
+                <a16:creationId xmlns:a16="http://schemas.microsoft.com/office/drawing/2014/main" id="{D5BDD208-A3A2-42BA-8EE8-27672339831F}"/>
+              </a:ext>
+            </a:extLst>
+          </p:cNvPr>
+          <p:cNvSpPr/>
+          <p:nvPr/>
+        </p:nvSpPr>
+        <p:spPr>
+          <a:xfrm>
+            <a:off x="0" y="0"/>
+            <a:ext cx="12191999" cy="6857999"/>
+          </a:xfrm>
+          <a:prstGeom prst="rect">
+            <a:avLst/>
+          </a:prstGeom>
+          <a:solidFill>
+            <a:schemeClr val="bg1"/>
+          </a:solidFill>
+          <a:ln>
+            <a:noFill/>
+          </a:ln>
+        </p:spPr>
+        <p:style>
+          <a:lnRef idx="2">
+            <a:schemeClr val="accent1">
+              <a:shade val="50000"/>
+            </a:schemeClr>
+          </a:lnRef>
+          <a:fillRef idx="1">
+            <a:schemeClr val="accent1"/>
+          </a:fillRef>
+          <a:effectRef idx="0">
+            <a:schemeClr val="accent1"/>
+          </a:effectRef>
+          <a:fontRef idx="minor">
+            <a:schemeClr val="lt1"/>
+          </a:fontRef>
+        </p:style>
+        <p:txBody>
+          <a:bodyPr rtlCol="0" anchor="ctr"/>
+          <a:lstStyle/>
+          <a:p>
+            <a:pPr algn="ctr"/>
+            <a:endParaRPr lang="en-PH"/>
+          </a:p>
+        </p:txBody>
+      </p:sp>
+      <p:sp>
+        <p:nvSpPr>
+          <p:cNvPr id="4" name="Rectangle 3">
+            <a:extLst>
+              <a:ext uri="{FF2B5EF4-FFF2-40B4-BE49-F238E27FC236}">
+                <a16:creationId xmlns:a16="http://schemas.microsoft.com/office/drawing/2014/main" id="{74A71E4B-C895-4A2D-8385-64C3E70D94FC}"/>
+              </a:ext>
+            </a:extLst>
+          </p:cNvPr>
+          <p:cNvSpPr/>
+          <p:nvPr/>
+        </p:nvSpPr>
+        <p:spPr>
+          <a:xfrm>
+            <a:off x="-1" y="0"/>
+            <a:ext cx="12192000" cy="407752"/>
+          </a:xfrm>
+          <a:prstGeom prst="rect">
+            <a:avLst/>
+          </a:prstGeom>
+          <a:solidFill>
+            <a:schemeClr val="bg1"/>
+          </a:solidFill>
+          <a:ln>
+            <a:noFill/>
+          </a:ln>
+          <a:effectLst/>
+        </p:spPr>
+        <p:style>
+          <a:lnRef idx="2">
+            <a:schemeClr val="accent1">
+              <a:shade val="50000"/>
+            </a:schemeClr>
+          </a:lnRef>
+          <a:fillRef idx="1">
+            <a:schemeClr val="accent1"/>
+          </a:fillRef>
+          <a:effectRef idx="0">
+            <a:schemeClr val="accent1"/>
+          </a:effectRef>
+          <a:fontRef idx="minor">
+            <a:schemeClr val="lt1"/>
+          </a:fontRef>
+        </p:style>
+        <p:txBody>
+          <a:bodyPr rtlCol="0" anchor="ctr"/>
+          <a:lstStyle/>
+          <a:p>
+            <a:pPr algn="ctr"/>
+            <a:endParaRPr lang="en-PH" dirty="0"/>
+          </a:p>
+        </p:txBody>
+      </p:sp>
+      <p:sp>
+        <p:nvSpPr>
+          <p:cNvPr id="6" name="TextBox 5">
+            <a:extLst>
+              <a:ext uri="{FF2B5EF4-FFF2-40B4-BE49-F238E27FC236}">
+                <a16:creationId xmlns:a16="http://schemas.microsoft.com/office/drawing/2014/main" id="{38B6700A-FF70-4BC9-B81A-F39AE28E4E30}"/>
+              </a:ext>
+            </a:extLst>
+          </p:cNvPr>
+          <p:cNvSpPr txBox="1"/>
+          <p:nvPr/>
+        </p:nvSpPr>
+        <p:spPr>
+          <a:xfrm>
+            <a:off x="5455229" y="3670"/>
+            <a:ext cx="1284216" cy="246221"/>
+          </a:xfrm>
+          <a:prstGeom prst="rect">
+            <a:avLst/>
+          </a:prstGeom>
+          <a:noFill/>
+        </p:spPr>
+        <p:txBody>
+          <a:bodyPr wrap="square" rtlCol="0">
+            <a:spAutoFit/>
+          </a:bodyPr>
+          <a:lstStyle/>
+          <a:p>
+            <a:r>
+              <a:rPr lang="en-US" sz="1000" b="1" dirty="0">
+                <a:solidFill>
+                  <a:srgbClr val="000000"/>
+                </a:solidFill>
+              </a:rPr>
+              <a:t>TPC Support Logs</a:t>
+            </a:r>
+            <a:endParaRPr lang="en-PH" sz="1000" b="1" dirty="0">
+              <a:solidFill>
+                <a:srgbClr val="000000"/>
+              </a:solidFill>
+            </a:endParaRPr>
+          </a:p>
+        </p:txBody>
+      </p:sp>
       <p:pic>
         <p:nvPicPr>
-          <p:cNvPr id="2" name="Picture 1">
-            <a:extLst>
-              <a:ext uri="{FF2B5EF4-FFF2-40B4-BE49-F238E27FC236}">
-                <a16:creationId xmlns:a16="http://schemas.microsoft.com/office/drawing/2014/main" id="{E0A74331-5653-4320-A367-F387E8B26A3E}"/>
+          <p:cNvPr id="7" name="Picture 6">
+            <a:extLst>
+              <a:ext uri="{FF2B5EF4-FFF2-40B4-BE49-F238E27FC236}">
+                <a16:creationId xmlns:a16="http://schemas.microsoft.com/office/drawing/2014/main" id="{3B93EFA9-42EB-4155-A021-8FF798F89F87}"/>
               </a:ext>
             </a:extLst>
           </p:cNvPr>
@@ -9630,8 +6443,2087 @@
         </p:blipFill>
         <p:spPr>
           <a:xfrm>
-            <a:off x="0" y="380"/>
-            <a:ext cx="12192000" cy="6857239"/>
+            <a:off x="5242590" y="106927"/>
+            <a:ext cx="209084" cy="209084"/>
+          </a:xfrm>
+          <a:prstGeom prst="rect">
+            <a:avLst/>
+          </a:prstGeom>
+        </p:spPr>
+      </p:pic>
+      <p:pic>
+        <p:nvPicPr>
+          <p:cNvPr id="8" name="Picture 7" descr="A person in a blue shirt&#10;&#10;Description automatically generated">
+            <a:extLst>
+              <a:ext uri="{FF2B5EF4-FFF2-40B4-BE49-F238E27FC236}">
+                <a16:creationId xmlns:a16="http://schemas.microsoft.com/office/drawing/2014/main" id="{38C487D9-CCAC-4654-90FA-AE756ED5DC82}"/>
+              </a:ext>
+            </a:extLst>
+          </p:cNvPr>
+          <p:cNvPicPr>
+            <a:picLocks noChangeAspect="1"/>
+          </p:cNvPicPr>
+          <p:nvPr/>
+        </p:nvPicPr>
+        <p:blipFill>
+          <a:blip r:embed="rId3">
+            <a:extLst>
+              <a:ext uri="{28A0092B-C50C-407E-A947-70E740481C1C}">
+                <a14:useLocalDpi xmlns:a14="http://schemas.microsoft.com/office/drawing/2010/main" val="0"/>
+              </a:ext>
+            </a:extLst>
+          </a:blip>
+          <a:stretch>
+            <a:fillRect/>
+          </a:stretch>
+        </p:blipFill>
+        <p:spPr>
+          <a:xfrm>
+            <a:off x="11649235" y="73835"/>
+            <a:ext cx="249910" cy="249910"/>
+          </a:xfrm>
+          <a:prstGeom prst="flowChartConnector">
+            <a:avLst/>
+          </a:prstGeom>
+        </p:spPr>
+      </p:pic>
+      <p:sp>
+        <p:nvSpPr>
+          <p:cNvPr id="10" name="Rectangle: Rounded Corners 9">
+            <a:extLst>
+              <a:ext uri="{FF2B5EF4-FFF2-40B4-BE49-F238E27FC236}">
+                <a16:creationId xmlns:a16="http://schemas.microsoft.com/office/drawing/2014/main" id="{2DC00DB5-0AEF-4765-9C15-33A83A0BF32B}"/>
+              </a:ext>
+            </a:extLst>
+          </p:cNvPr>
+          <p:cNvSpPr/>
+          <p:nvPr/>
+        </p:nvSpPr>
+        <p:spPr>
+          <a:xfrm>
+            <a:off x="5545974" y="216538"/>
+            <a:ext cx="550026" cy="127919"/>
+          </a:xfrm>
+          <a:prstGeom prst="roundRect">
+            <a:avLst>
+              <a:gd name="adj" fmla="val 50000"/>
+            </a:avLst>
+          </a:prstGeom>
+          <a:solidFill>
+            <a:srgbClr val="00B050"/>
+          </a:solidFill>
+          <a:ln>
+            <a:noFill/>
+          </a:ln>
+        </p:spPr>
+        <p:style>
+          <a:lnRef idx="2">
+            <a:schemeClr val="accent1">
+              <a:shade val="50000"/>
+            </a:schemeClr>
+          </a:lnRef>
+          <a:fillRef idx="1">
+            <a:schemeClr val="accent1"/>
+          </a:fillRef>
+          <a:effectRef idx="0">
+            <a:schemeClr val="accent1"/>
+          </a:effectRef>
+          <a:fontRef idx="minor">
+            <a:schemeClr val="lt1"/>
+          </a:fontRef>
+        </p:style>
+        <p:txBody>
+          <a:bodyPr lIns="0" rIns="0" rtlCol="0" anchor="ctr"/>
+          <a:lstStyle/>
+          <a:p>
+            <a:pPr algn="ctr"/>
+            <a:r>
+              <a:rPr lang="en-US" sz="600" dirty="0"/>
+              <a:t>1.0.0.0  </a:t>
+            </a:r>
+            <a:r>
+              <a:rPr lang="en-US" sz="600" b="1" dirty="0"/>
+              <a:t>LIVE</a:t>
+            </a:r>
+            <a:endParaRPr lang="en-PH" sz="600" b="1" dirty="0"/>
+          </a:p>
+        </p:txBody>
+      </p:sp>
+      <p:grpSp>
+        <p:nvGrpSpPr>
+          <p:cNvPr id="91" name="Group 90">
+            <a:extLst>
+              <a:ext uri="{FF2B5EF4-FFF2-40B4-BE49-F238E27FC236}">
+                <a16:creationId xmlns:a16="http://schemas.microsoft.com/office/drawing/2014/main" id="{A80E17D8-D563-4B26-A271-46940D85E08A}"/>
+              </a:ext>
+            </a:extLst>
+          </p:cNvPr>
+          <p:cNvGrpSpPr/>
+          <p:nvPr/>
+        </p:nvGrpSpPr>
+        <p:grpSpPr>
+          <a:xfrm>
+            <a:off x="161514" y="576870"/>
+            <a:ext cx="453682" cy="454741"/>
+            <a:chOff x="3079508" y="515885"/>
+            <a:chExt cx="453682" cy="454741"/>
+          </a:xfrm>
+        </p:grpSpPr>
+        <p:sp>
+          <p:nvSpPr>
+            <p:cNvPr id="55" name="Rectangle: Rounded Corners 54">
+              <a:extLst>
+                <a:ext uri="{FF2B5EF4-FFF2-40B4-BE49-F238E27FC236}">
+                  <a16:creationId xmlns:a16="http://schemas.microsoft.com/office/drawing/2014/main" id="{9FCF40C6-3D8B-45D4-9A80-AF64B41E2FF5}"/>
+                </a:ext>
+              </a:extLst>
+            </p:cNvPr>
+            <p:cNvSpPr/>
+            <p:nvPr/>
+          </p:nvSpPr>
+          <p:spPr>
+            <a:xfrm>
+              <a:off x="3079508" y="515885"/>
+              <a:ext cx="453682" cy="454741"/>
+            </a:xfrm>
+            <a:prstGeom prst="roundRect">
+              <a:avLst>
+                <a:gd name="adj" fmla="val 13626"/>
+              </a:avLst>
+            </a:prstGeom>
+            <a:gradFill flip="none" rotWithShape="1">
+              <a:gsLst>
+                <a:gs pos="0">
+                  <a:srgbClr val="D2D2D2"/>
+                </a:gs>
+                <a:gs pos="50000">
+                  <a:srgbClr val="E4E4E4"/>
+                </a:gs>
+                <a:gs pos="100000">
+                  <a:schemeClr val="bg1">
+                    <a:lumMod val="95000"/>
+                    <a:shade val="100000"/>
+                    <a:satMod val="115000"/>
+                  </a:schemeClr>
+                </a:gs>
+              </a:gsLst>
+              <a:lin ang="13500000" scaled="1"/>
+              <a:tileRect/>
+            </a:gradFill>
+            <a:ln w="3175">
+              <a:solidFill>
+                <a:schemeClr val="bg1">
+                  <a:lumMod val="85000"/>
+                </a:schemeClr>
+              </a:solidFill>
+            </a:ln>
+            <a:effectLst/>
+          </p:spPr>
+          <p:style>
+            <a:lnRef idx="2">
+              <a:schemeClr val="accent1">
+                <a:shade val="50000"/>
+              </a:schemeClr>
+            </a:lnRef>
+            <a:fillRef idx="1">
+              <a:schemeClr val="accent1"/>
+            </a:fillRef>
+            <a:effectRef idx="0">
+              <a:schemeClr val="accent1"/>
+            </a:effectRef>
+            <a:fontRef idx="minor">
+              <a:schemeClr val="lt1"/>
+            </a:fontRef>
+          </p:style>
+          <p:txBody>
+            <a:bodyPr rtlCol="0" anchor="ctr"/>
+            <a:lstStyle/>
+            <a:p>
+              <a:pPr algn="ctr"/>
+              <a:endParaRPr lang="en-PH"/>
+            </a:p>
+          </p:txBody>
+        </p:sp>
+        <p:pic>
+          <p:nvPicPr>
+            <p:cNvPr id="62" name="Picture 61">
+              <a:extLst>
+                <a:ext uri="{FF2B5EF4-FFF2-40B4-BE49-F238E27FC236}">
+                  <a16:creationId xmlns:a16="http://schemas.microsoft.com/office/drawing/2014/main" id="{5046ADDA-0073-4642-B657-0FBC7CC2F769}"/>
+                </a:ext>
+              </a:extLst>
+            </p:cNvPr>
+            <p:cNvPicPr>
+              <a:picLocks noChangeAspect="1"/>
+            </p:cNvPicPr>
+            <p:nvPr/>
+          </p:nvPicPr>
+          <p:blipFill>
+            <a:blip r:embed="rId4"/>
+            <a:stretch>
+              <a:fillRect/>
+            </a:stretch>
+          </p:blipFill>
+          <p:spPr>
+            <a:xfrm>
+              <a:off x="3184329" y="609378"/>
+              <a:ext cx="255054" cy="255054"/>
+            </a:xfrm>
+            <a:prstGeom prst="rect">
+              <a:avLst/>
+            </a:prstGeom>
+          </p:spPr>
+        </p:pic>
+      </p:grpSp>
+      <p:pic>
+        <p:nvPicPr>
+          <p:cNvPr id="46" name="Picture 45">
+            <a:extLst>
+              <a:ext uri="{FF2B5EF4-FFF2-40B4-BE49-F238E27FC236}">
+                <a16:creationId xmlns:a16="http://schemas.microsoft.com/office/drawing/2014/main" id="{45CA6757-E1AB-4900-AC82-B8C75902D71C}"/>
+              </a:ext>
+            </a:extLst>
+          </p:cNvPr>
+          <p:cNvPicPr>
+            <a:picLocks noChangeAspect="1"/>
+          </p:cNvPicPr>
+          <p:nvPr/>
+        </p:nvPicPr>
+        <p:blipFill rotWithShape="1">
+          <a:blip r:embed="rId5"/>
+          <a:srcRect l="2832" t="15279" r="2741" b="4979"/>
+          <a:stretch/>
+        </p:blipFill>
+        <p:spPr>
+          <a:xfrm>
+            <a:off x="176681" y="1179962"/>
+            <a:ext cx="8948689" cy="3431403"/>
+          </a:xfrm>
+          <a:prstGeom prst="roundRect">
+            <a:avLst>
+              <a:gd name="adj" fmla="val 2688"/>
+            </a:avLst>
+          </a:prstGeom>
+          <a:ln w="3175">
+            <a:solidFill>
+              <a:schemeClr val="bg2">
+                <a:lumMod val="90000"/>
+              </a:schemeClr>
+            </a:solidFill>
+          </a:ln>
+        </p:spPr>
+      </p:pic>
+      <p:grpSp>
+        <p:nvGrpSpPr>
+          <p:cNvPr id="93" name="Group 92">
+            <a:extLst>
+              <a:ext uri="{FF2B5EF4-FFF2-40B4-BE49-F238E27FC236}">
+                <a16:creationId xmlns:a16="http://schemas.microsoft.com/office/drawing/2014/main" id="{2EC38241-D258-47F0-950B-4A63E4A2FE6D}"/>
+              </a:ext>
+            </a:extLst>
+          </p:cNvPr>
+          <p:cNvGrpSpPr/>
+          <p:nvPr/>
+        </p:nvGrpSpPr>
+        <p:grpSpPr>
+          <a:xfrm>
+            <a:off x="8677221" y="584695"/>
+            <a:ext cx="453682" cy="454741"/>
+            <a:chOff x="11566399" y="515885"/>
+            <a:chExt cx="453682" cy="454741"/>
+          </a:xfrm>
+        </p:grpSpPr>
+        <p:sp>
+          <p:nvSpPr>
+            <p:cNvPr id="51" name="Rectangle: Rounded Corners 50">
+              <a:extLst>
+                <a:ext uri="{FF2B5EF4-FFF2-40B4-BE49-F238E27FC236}">
+                  <a16:creationId xmlns:a16="http://schemas.microsoft.com/office/drawing/2014/main" id="{2D69533F-6F70-42B8-96BC-A3F298ED2169}"/>
+                </a:ext>
+              </a:extLst>
+            </p:cNvPr>
+            <p:cNvSpPr/>
+            <p:nvPr/>
+          </p:nvSpPr>
+          <p:spPr>
+            <a:xfrm>
+              <a:off x="11566399" y="515885"/>
+              <a:ext cx="453682" cy="454741"/>
+            </a:xfrm>
+            <a:prstGeom prst="roundRect">
+              <a:avLst>
+                <a:gd name="adj" fmla="val 13626"/>
+              </a:avLst>
+            </a:prstGeom>
+            <a:gradFill flip="none" rotWithShape="1">
+              <a:gsLst>
+                <a:gs pos="0">
+                  <a:srgbClr val="CFCFCF"/>
+                </a:gs>
+                <a:gs pos="50000">
+                  <a:srgbClr val="E4E4E4"/>
+                </a:gs>
+                <a:gs pos="100000">
+                  <a:schemeClr val="bg1">
+                    <a:lumMod val="95000"/>
+                    <a:shade val="100000"/>
+                    <a:satMod val="115000"/>
+                  </a:schemeClr>
+                </a:gs>
+              </a:gsLst>
+              <a:lin ang="13500000" scaled="1"/>
+              <a:tileRect/>
+            </a:gradFill>
+            <a:ln w="3175">
+              <a:solidFill>
+                <a:schemeClr val="bg1">
+                  <a:lumMod val="85000"/>
+                </a:schemeClr>
+              </a:solidFill>
+            </a:ln>
+            <a:effectLst/>
+          </p:spPr>
+          <p:style>
+            <a:lnRef idx="2">
+              <a:schemeClr val="accent1">
+                <a:shade val="50000"/>
+              </a:schemeClr>
+            </a:lnRef>
+            <a:fillRef idx="1">
+              <a:schemeClr val="accent1"/>
+            </a:fillRef>
+            <a:effectRef idx="0">
+              <a:schemeClr val="accent1"/>
+            </a:effectRef>
+            <a:fontRef idx="minor">
+              <a:schemeClr val="lt1"/>
+            </a:fontRef>
+          </p:style>
+          <p:txBody>
+            <a:bodyPr rtlCol="0" anchor="ctr"/>
+            <a:lstStyle/>
+            <a:p>
+              <a:pPr algn="ctr"/>
+              <a:endParaRPr lang="en-PH"/>
+            </a:p>
+          </p:txBody>
+        </p:sp>
+        <p:pic>
+          <p:nvPicPr>
+            <p:cNvPr id="48" name="Picture 47">
+              <a:extLst>
+                <a:ext uri="{FF2B5EF4-FFF2-40B4-BE49-F238E27FC236}">
+                  <a16:creationId xmlns:a16="http://schemas.microsoft.com/office/drawing/2014/main" id="{30700B58-01CB-4443-9081-B811637CB4F7}"/>
+                </a:ext>
+              </a:extLst>
+            </p:cNvPr>
+            <p:cNvPicPr>
+              <a:picLocks noChangeAspect="1"/>
+            </p:cNvPicPr>
+            <p:nvPr/>
+          </p:nvPicPr>
+          <p:blipFill>
+            <a:blip r:embed="rId6"/>
+            <a:stretch>
+              <a:fillRect/>
+            </a:stretch>
+          </p:blipFill>
+          <p:spPr>
+            <a:xfrm>
+              <a:off x="11650457" y="611564"/>
+              <a:ext cx="255054" cy="255054"/>
+            </a:xfrm>
+            <a:prstGeom prst="rect">
+              <a:avLst/>
+            </a:prstGeom>
+          </p:spPr>
+        </p:pic>
+      </p:grpSp>
+      <p:grpSp>
+        <p:nvGrpSpPr>
+          <p:cNvPr id="92" name="Group 91">
+            <a:extLst>
+              <a:ext uri="{FF2B5EF4-FFF2-40B4-BE49-F238E27FC236}">
+                <a16:creationId xmlns:a16="http://schemas.microsoft.com/office/drawing/2014/main" id="{2801CA69-B6FC-43AB-AAA5-CA956479107E}"/>
+              </a:ext>
+            </a:extLst>
+          </p:cNvPr>
+          <p:cNvGrpSpPr/>
+          <p:nvPr/>
+        </p:nvGrpSpPr>
+        <p:grpSpPr>
+          <a:xfrm>
+            <a:off x="8143962" y="584695"/>
+            <a:ext cx="453682" cy="454741"/>
+            <a:chOff x="11033140" y="515885"/>
+            <a:chExt cx="453682" cy="454741"/>
+          </a:xfrm>
+        </p:grpSpPr>
+        <p:sp>
+          <p:nvSpPr>
+            <p:cNvPr id="56" name="Rectangle: Rounded Corners 55">
+              <a:extLst>
+                <a:ext uri="{FF2B5EF4-FFF2-40B4-BE49-F238E27FC236}">
+                  <a16:creationId xmlns:a16="http://schemas.microsoft.com/office/drawing/2014/main" id="{1B3817B4-0BCC-4CBE-9628-DC6BF6757BF2}"/>
+                </a:ext>
+              </a:extLst>
+            </p:cNvPr>
+            <p:cNvSpPr/>
+            <p:nvPr/>
+          </p:nvSpPr>
+          <p:spPr>
+            <a:xfrm>
+              <a:off x="11033140" y="515885"/>
+              <a:ext cx="453682" cy="454741"/>
+            </a:xfrm>
+            <a:prstGeom prst="roundRect">
+              <a:avLst>
+                <a:gd name="adj" fmla="val 13626"/>
+              </a:avLst>
+            </a:prstGeom>
+            <a:gradFill flip="none" rotWithShape="1">
+              <a:gsLst>
+                <a:gs pos="0">
+                  <a:srgbClr val="CFCFCF"/>
+                </a:gs>
+                <a:gs pos="50000">
+                  <a:srgbClr val="E4E4E4"/>
+                </a:gs>
+                <a:gs pos="100000">
+                  <a:schemeClr val="bg1">
+                    <a:lumMod val="95000"/>
+                    <a:shade val="100000"/>
+                    <a:satMod val="115000"/>
+                  </a:schemeClr>
+                </a:gs>
+              </a:gsLst>
+              <a:lin ang="13500000" scaled="1"/>
+              <a:tileRect/>
+            </a:gradFill>
+            <a:ln w="3175">
+              <a:solidFill>
+                <a:schemeClr val="bg1">
+                  <a:lumMod val="85000"/>
+                </a:schemeClr>
+              </a:solidFill>
+            </a:ln>
+            <a:effectLst/>
+          </p:spPr>
+          <p:style>
+            <a:lnRef idx="2">
+              <a:schemeClr val="accent1">
+                <a:shade val="50000"/>
+              </a:schemeClr>
+            </a:lnRef>
+            <a:fillRef idx="1">
+              <a:schemeClr val="accent1"/>
+            </a:fillRef>
+            <a:effectRef idx="0">
+              <a:schemeClr val="accent1"/>
+            </a:effectRef>
+            <a:fontRef idx="minor">
+              <a:schemeClr val="lt1"/>
+            </a:fontRef>
+          </p:style>
+          <p:txBody>
+            <a:bodyPr rtlCol="0" anchor="ctr"/>
+            <a:lstStyle/>
+            <a:p>
+              <a:pPr algn="ctr"/>
+              <a:endParaRPr lang="en-PH"/>
+            </a:p>
+          </p:txBody>
+        </p:sp>
+        <p:pic>
+          <p:nvPicPr>
+            <p:cNvPr id="50" name="Picture 49">
+              <a:extLst>
+                <a:ext uri="{FF2B5EF4-FFF2-40B4-BE49-F238E27FC236}">
+                  <a16:creationId xmlns:a16="http://schemas.microsoft.com/office/drawing/2014/main" id="{28105EEA-6A97-4D57-A15A-DF551CBF33CA}"/>
+                </a:ext>
+              </a:extLst>
+            </p:cNvPr>
+            <p:cNvPicPr>
+              <a:picLocks noChangeAspect="1"/>
+            </p:cNvPicPr>
+            <p:nvPr/>
+          </p:nvPicPr>
+          <p:blipFill>
+            <a:blip r:embed="rId7"/>
+            <a:stretch>
+              <a:fillRect/>
+            </a:stretch>
+          </p:blipFill>
+          <p:spPr>
+            <a:xfrm>
+              <a:off x="11137638" y="614367"/>
+              <a:ext cx="249448" cy="249448"/>
+            </a:xfrm>
+            <a:prstGeom prst="rect">
+              <a:avLst/>
+            </a:prstGeom>
+          </p:spPr>
+        </p:pic>
+      </p:grpSp>
+      <p:grpSp>
+        <p:nvGrpSpPr>
+          <p:cNvPr id="94" name="Group 93">
+            <a:extLst>
+              <a:ext uri="{FF2B5EF4-FFF2-40B4-BE49-F238E27FC236}">
+                <a16:creationId xmlns:a16="http://schemas.microsoft.com/office/drawing/2014/main" id="{0A358CD7-E9A3-41DD-925A-DF375B66E503}"/>
+              </a:ext>
+            </a:extLst>
+          </p:cNvPr>
+          <p:cNvGrpSpPr/>
+          <p:nvPr/>
+        </p:nvGrpSpPr>
+        <p:grpSpPr>
+          <a:xfrm>
+            <a:off x="706932" y="577149"/>
+            <a:ext cx="7357453" cy="454741"/>
+            <a:chOff x="3638011" y="515885"/>
+            <a:chExt cx="7315551" cy="454741"/>
+          </a:xfrm>
+        </p:grpSpPr>
+        <p:sp>
+          <p:nvSpPr>
+            <p:cNvPr id="63" name="Rectangle: Rounded Corners 62">
+              <a:extLst>
+                <a:ext uri="{FF2B5EF4-FFF2-40B4-BE49-F238E27FC236}">
+                  <a16:creationId xmlns:a16="http://schemas.microsoft.com/office/drawing/2014/main" id="{80A7D17C-F4D3-41EC-9225-F71977685B85}"/>
+                </a:ext>
+              </a:extLst>
+            </p:cNvPr>
+            <p:cNvSpPr/>
+            <p:nvPr/>
+          </p:nvSpPr>
+          <p:spPr>
+            <a:xfrm>
+              <a:off x="3638011" y="515885"/>
+              <a:ext cx="7315551" cy="454741"/>
+            </a:xfrm>
+            <a:prstGeom prst="roundRect">
+              <a:avLst>
+                <a:gd name="adj" fmla="val 23418"/>
+              </a:avLst>
+            </a:prstGeom>
+            <a:solidFill>
+              <a:srgbClr val="014C63"/>
+            </a:solidFill>
+            <a:ln w="3175">
+              <a:solidFill>
+                <a:schemeClr val="bg1">
+                  <a:lumMod val="85000"/>
+                </a:schemeClr>
+              </a:solidFill>
+            </a:ln>
+            <a:effectLst/>
+          </p:spPr>
+          <p:style>
+            <a:lnRef idx="2">
+              <a:schemeClr val="accent1">
+                <a:shade val="50000"/>
+              </a:schemeClr>
+            </a:lnRef>
+            <a:fillRef idx="1">
+              <a:schemeClr val="accent1"/>
+            </a:fillRef>
+            <a:effectRef idx="0">
+              <a:schemeClr val="accent1"/>
+            </a:effectRef>
+            <a:fontRef idx="minor">
+              <a:schemeClr val="lt1"/>
+            </a:fontRef>
+          </p:style>
+          <p:txBody>
+            <a:bodyPr rtlCol="0" anchor="ctr"/>
+            <a:lstStyle/>
+            <a:p>
+              <a:pPr algn="ctr"/>
+              <a:endParaRPr lang="en-PH"/>
+            </a:p>
+          </p:txBody>
+        </p:sp>
+        <p:sp>
+          <p:nvSpPr>
+            <p:cNvPr id="54" name="TextBox 53">
+              <a:extLst>
+                <a:ext uri="{FF2B5EF4-FFF2-40B4-BE49-F238E27FC236}">
+                  <a16:creationId xmlns:a16="http://schemas.microsoft.com/office/drawing/2014/main" id="{4CFC2E23-079B-4AEF-9C7C-7E557CB5B4F8}"/>
+                </a:ext>
+              </a:extLst>
+            </p:cNvPr>
+            <p:cNvSpPr txBox="1"/>
+            <p:nvPr/>
+          </p:nvSpPr>
+          <p:spPr>
+            <a:xfrm>
+              <a:off x="3710807" y="556672"/>
+              <a:ext cx="1983894" cy="369332"/>
+            </a:xfrm>
+            <a:prstGeom prst="roundRect">
+              <a:avLst>
+                <a:gd name="adj" fmla="val 0"/>
+              </a:avLst>
+            </a:prstGeom>
+            <a:noFill/>
+          </p:spPr>
+          <p:txBody>
+            <a:bodyPr wrap="square" rtlCol="0">
+              <a:spAutoFit/>
+            </a:bodyPr>
+            <a:lstStyle/>
+            <a:p>
+              <a:r>
+                <a:rPr lang="en-US" b="1" dirty="0">
+                  <a:solidFill>
+                    <a:schemeClr val="bg1">
+                      <a:lumMod val="95000"/>
+                    </a:schemeClr>
+                  </a:solidFill>
+                </a:rPr>
+                <a:t>Infrastructure</a:t>
+              </a:r>
+              <a:endParaRPr lang="en-PH" b="1" dirty="0">
+                <a:solidFill>
+                  <a:schemeClr val="bg1">
+                    <a:lumMod val="95000"/>
+                  </a:schemeClr>
+                </a:solidFill>
+              </a:endParaRPr>
+            </a:p>
+          </p:txBody>
+        </p:sp>
+        <p:sp>
+          <p:nvSpPr>
+            <p:cNvPr id="61" name="TextBox 60">
+              <a:extLst>
+                <a:ext uri="{FF2B5EF4-FFF2-40B4-BE49-F238E27FC236}">
+                  <a16:creationId xmlns:a16="http://schemas.microsoft.com/office/drawing/2014/main" id="{9FB60E3F-47B9-4076-B9B1-9130C6CA51B4}"/>
+                </a:ext>
+              </a:extLst>
+            </p:cNvPr>
+            <p:cNvSpPr txBox="1"/>
+            <p:nvPr/>
+          </p:nvSpPr>
+          <p:spPr>
+            <a:xfrm>
+              <a:off x="9098292" y="612450"/>
+              <a:ext cx="1762562" cy="261610"/>
+            </a:xfrm>
+            <a:prstGeom prst="rect">
+              <a:avLst/>
+            </a:prstGeom>
+            <a:noFill/>
+          </p:spPr>
+          <p:txBody>
+            <a:bodyPr wrap="square" rtlCol="0">
+              <a:spAutoFit/>
+            </a:bodyPr>
+            <a:lstStyle/>
+            <a:p>
+              <a:pPr algn="r">
+                <a:tabLst>
+                  <a:tab pos="1257300" algn="l"/>
+                </a:tabLst>
+              </a:pPr>
+              <a:r>
+                <a:rPr lang="en-US" sz="1050" dirty="0">
+                  <a:solidFill>
+                    <a:schemeClr val="bg1">
+                      <a:lumMod val="95000"/>
+                    </a:schemeClr>
+                  </a:solidFill>
+                </a:rPr>
+                <a:t>142 rows</a:t>
+              </a:r>
+              <a:endParaRPr lang="en-PH" sz="1050" dirty="0">
+                <a:solidFill>
+                  <a:schemeClr val="bg1">
+                    <a:lumMod val="95000"/>
+                  </a:schemeClr>
+                </a:solidFill>
+              </a:endParaRPr>
+            </a:p>
+          </p:txBody>
+        </p:sp>
+      </p:grpSp>
+      <p:pic>
+        <p:nvPicPr>
+          <p:cNvPr id="69" name="Picture 68">
+            <a:extLst>
+              <a:ext uri="{FF2B5EF4-FFF2-40B4-BE49-F238E27FC236}">
+                <a16:creationId xmlns:a16="http://schemas.microsoft.com/office/drawing/2014/main" id="{14A1BC1D-1D82-4E13-B1CF-BAFFAEAC16BA}"/>
+              </a:ext>
+            </a:extLst>
+          </p:cNvPr>
+          <p:cNvPicPr>
+            <a:picLocks noChangeAspect="1"/>
+          </p:cNvPicPr>
+          <p:nvPr/>
+        </p:nvPicPr>
+        <p:blipFill rotWithShape="1">
+          <a:blip r:embed="rId8"/>
+          <a:srcRect l="965" t="2944" r="996" b="28802"/>
+          <a:stretch/>
+        </p:blipFill>
+        <p:spPr>
+          <a:xfrm>
+            <a:off x="185737" y="4761013"/>
+            <a:ext cx="8948689" cy="2092892"/>
+          </a:xfrm>
+          <a:prstGeom prst="roundRect">
+            <a:avLst>
+              <a:gd name="adj" fmla="val 3041"/>
+            </a:avLst>
+          </a:prstGeom>
+          <a:ln w="3175">
+            <a:solidFill>
+              <a:schemeClr val="bg2">
+                <a:lumMod val="90000"/>
+              </a:schemeClr>
+            </a:solidFill>
+          </a:ln>
+        </p:spPr>
+      </p:pic>
+      <p:pic>
+        <p:nvPicPr>
+          <p:cNvPr id="1028" name="Picture 4" descr="TDK Logo and symbol, meaning, history, PNG, brand">
+            <a:extLst>
+              <a:ext uri="{FF2B5EF4-FFF2-40B4-BE49-F238E27FC236}">
+                <a16:creationId xmlns:a16="http://schemas.microsoft.com/office/drawing/2014/main" id="{4353987C-694D-47F0-AFBB-707006700D92}"/>
+              </a:ext>
+            </a:extLst>
+          </p:cNvPr>
+          <p:cNvPicPr>
+            <a:picLocks noChangeAspect="1" noChangeArrowheads="1"/>
+          </p:cNvPicPr>
+          <p:nvPr/>
+        </p:nvPicPr>
+        <p:blipFill>
+          <a:blip r:embed="rId9">
+            <a:extLst>
+              <a:ext uri="{28A0092B-C50C-407E-A947-70E740481C1C}">
+                <a14:useLocalDpi xmlns:a14="http://schemas.microsoft.com/office/drawing/2010/main" val="0"/>
+              </a:ext>
+            </a:extLst>
+          </a:blip>
+          <a:srcRect/>
+          <a:stretch>
+            <a:fillRect/>
+          </a:stretch>
+        </p:blipFill>
+        <p:spPr bwMode="auto">
+          <a:xfrm>
+            <a:off x="149883" y="39550"/>
+            <a:ext cx="620708" cy="349150"/>
+          </a:xfrm>
+          <a:prstGeom prst="rect">
+            <a:avLst/>
+          </a:prstGeom>
+          <a:noFill/>
+          <a:extLst>
+            <a:ext uri="{909E8E84-426E-40DD-AFC4-6F175D3DCCD1}">
+              <a14:hiddenFill xmlns:a14="http://schemas.microsoft.com/office/drawing/2010/main">
+                <a:solidFill>
+                  <a:srgbClr val="FFFFFF"/>
+                </a:solidFill>
+              </a14:hiddenFill>
+            </a:ext>
+          </a:extLst>
+        </p:spPr>
+      </p:pic>
+      <p:pic>
+        <p:nvPicPr>
+          <p:cNvPr id="112" name="Picture 111">
+            <a:extLst>
+              <a:ext uri="{FF2B5EF4-FFF2-40B4-BE49-F238E27FC236}">
+                <a16:creationId xmlns:a16="http://schemas.microsoft.com/office/drawing/2014/main" id="{240D0F48-804F-40DC-A8BC-9310297AE346}"/>
+              </a:ext>
+            </a:extLst>
+          </p:cNvPr>
+          <p:cNvPicPr>
+            <a:picLocks noChangeAspect="1"/>
+          </p:cNvPicPr>
+          <p:nvPr/>
+        </p:nvPicPr>
+        <p:blipFill>
+          <a:blip r:embed="rId10"/>
+          <a:stretch>
+            <a:fillRect/>
+          </a:stretch>
+        </p:blipFill>
+        <p:spPr>
+          <a:xfrm>
+            <a:off x="6560343" y="124437"/>
+            <a:ext cx="138621" cy="138621"/>
+          </a:xfrm>
+          <a:prstGeom prst="rect">
+            <a:avLst/>
+          </a:prstGeom>
+        </p:spPr>
+      </p:pic>
+      <p:sp>
+        <p:nvSpPr>
+          <p:cNvPr id="116" name="TextBox 115">
+            <a:extLst>
+              <a:ext uri="{FF2B5EF4-FFF2-40B4-BE49-F238E27FC236}">
+                <a16:creationId xmlns:a16="http://schemas.microsoft.com/office/drawing/2014/main" id="{7D3947DB-73BC-45D8-9338-E781B166C032}"/>
+              </a:ext>
+            </a:extLst>
+          </p:cNvPr>
+          <p:cNvSpPr txBox="1"/>
+          <p:nvPr/>
+        </p:nvSpPr>
+        <p:spPr>
+          <a:xfrm>
+            <a:off x="10023475" y="14956"/>
+            <a:ext cx="1657509" cy="216285"/>
+          </a:xfrm>
+          <a:prstGeom prst="roundRect">
+            <a:avLst>
+              <a:gd name="adj" fmla="val 50000"/>
+            </a:avLst>
+          </a:prstGeom>
+          <a:noFill/>
+          <a:ln>
+            <a:noFill/>
+          </a:ln>
+        </p:spPr>
+        <p:txBody>
+          <a:bodyPr wrap="square" rtlCol="0" anchor="ctr" anchorCtr="0">
+            <a:noAutofit/>
+          </a:bodyPr>
+          <a:lstStyle/>
+          <a:p>
+            <a:pPr algn="r"/>
+            <a:r>
+              <a:rPr lang="en-US" sz="800" b="1" dirty="0">
+                <a:solidFill>
+                  <a:srgbClr val="000000"/>
+                </a:solidFill>
+              </a:rPr>
+              <a:t>Marq Paul Gonzales</a:t>
+            </a:r>
+            <a:endParaRPr lang="en-PH" sz="800" b="1" dirty="0">
+              <a:solidFill>
+                <a:srgbClr val="000000"/>
+              </a:solidFill>
+            </a:endParaRPr>
+          </a:p>
+        </p:txBody>
+      </p:sp>
+      <p:sp>
+        <p:nvSpPr>
+          <p:cNvPr id="123" name="Rectangle: Rounded Corners 122">
+            <a:extLst>
+              <a:ext uri="{FF2B5EF4-FFF2-40B4-BE49-F238E27FC236}">
+                <a16:creationId xmlns:a16="http://schemas.microsoft.com/office/drawing/2014/main" id="{9B3BC808-2014-4951-A7D6-C50C6217F731}"/>
+              </a:ext>
+            </a:extLst>
+          </p:cNvPr>
+          <p:cNvSpPr/>
+          <p:nvPr/>
+        </p:nvSpPr>
+        <p:spPr>
+          <a:xfrm>
+            <a:off x="10972800" y="211469"/>
+            <a:ext cx="596846" cy="127919"/>
+          </a:xfrm>
+          <a:prstGeom prst="roundRect">
+            <a:avLst>
+              <a:gd name="adj" fmla="val 50000"/>
+            </a:avLst>
+          </a:prstGeom>
+          <a:solidFill>
+            <a:srgbClr val="00B050"/>
+          </a:solidFill>
+          <a:ln>
+            <a:noFill/>
+          </a:ln>
+        </p:spPr>
+        <p:style>
+          <a:lnRef idx="2">
+            <a:schemeClr val="accent1">
+              <a:shade val="50000"/>
+            </a:schemeClr>
+          </a:lnRef>
+          <a:fillRef idx="1">
+            <a:schemeClr val="accent1"/>
+          </a:fillRef>
+          <a:effectRef idx="0">
+            <a:schemeClr val="accent1"/>
+          </a:effectRef>
+          <a:fontRef idx="minor">
+            <a:schemeClr val="lt1"/>
+          </a:fontRef>
+        </p:style>
+        <p:txBody>
+          <a:bodyPr lIns="0" rIns="0" rtlCol="0" anchor="ctr"/>
+          <a:lstStyle/>
+          <a:p>
+            <a:pPr algn="ctr"/>
+            <a:r>
+              <a:rPr lang="en-US" sz="600" dirty="0"/>
+              <a:t>Standard User</a:t>
+            </a:r>
+            <a:endParaRPr lang="en-PH" sz="600" b="1" dirty="0"/>
+          </a:p>
+        </p:txBody>
+      </p:sp>
+      <p:pic>
+        <p:nvPicPr>
+          <p:cNvPr id="124" name="Picture 123">
+            <a:extLst>
+              <a:ext uri="{FF2B5EF4-FFF2-40B4-BE49-F238E27FC236}">
+                <a16:creationId xmlns:a16="http://schemas.microsoft.com/office/drawing/2014/main" id="{3FB2C4EA-F6B8-46CB-8EED-D266A697B136}"/>
+              </a:ext>
+            </a:extLst>
+          </p:cNvPr>
+          <p:cNvPicPr>
+            <a:picLocks noChangeAspect="1"/>
+          </p:cNvPicPr>
+          <p:nvPr/>
+        </p:nvPicPr>
+        <p:blipFill>
+          <a:blip r:embed="rId10"/>
+          <a:stretch>
+            <a:fillRect/>
+          </a:stretch>
+        </p:blipFill>
+        <p:spPr>
+          <a:xfrm>
+            <a:off x="11952910" y="148632"/>
+            <a:ext cx="138621" cy="138621"/>
+          </a:xfrm>
+          <a:prstGeom prst="rect">
+            <a:avLst/>
+          </a:prstGeom>
+        </p:spPr>
+      </p:pic>
+      <p:cxnSp>
+        <p:nvCxnSpPr>
+          <p:cNvPr id="126" name="Straight Connector 125">
+            <a:extLst>
+              <a:ext uri="{FF2B5EF4-FFF2-40B4-BE49-F238E27FC236}">
+                <a16:creationId xmlns:a16="http://schemas.microsoft.com/office/drawing/2014/main" id="{6DB553C6-F6DB-4A71-8E28-B89FE599C713}"/>
+              </a:ext>
+            </a:extLst>
+          </p:cNvPr>
+          <p:cNvCxnSpPr>
+            <a:cxnSpLocks/>
+          </p:cNvCxnSpPr>
+          <p:nvPr/>
+        </p:nvCxnSpPr>
+        <p:spPr>
+          <a:xfrm flipH="1">
+            <a:off x="-1" y="407752"/>
+            <a:ext cx="12192004" cy="0"/>
+          </a:xfrm>
+          <a:prstGeom prst="line">
+            <a:avLst/>
+          </a:prstGeom>
+          <a:ln>
+            <a:solidFill>
+              <a:schemeClr val="bg2">
+                <a:lumMod val="90000"/>
+              </a:schemeClr>
+            </a:solidFill>
+          </a:ln>
+        </p:spPr>
+        <p:style>
+          <a:lnRef idx="1">
+            <a:schemeClr val="accent3"/>
+          </a:lnRef>
+          <a:fillRef idx="0">
+            <a:schemeClr val="accent3"/>
+          </a:fillRef>
+          <a:effectRef idx="0">
+            <a:schemeClr val="accent3"/>
+          </a:effectRef>
+          <a:fontRef idx="minor">
+            <a:schemeClr val="tx1"/>
+          </a:fontRef>
+        </p:style>
+      </p:cxnSp>
+      <p:sp>
+        <p:nvSpPr>
+          <p:cNvPr id="19" name="Rectangle: Rounded Corners 18">
+            <a:extLst>
+              <a:ext uri="{FF2B5EF4-FFF2-40B4-BE49-F238E27FC236}">
+                <a16:creationId xmlns:a16="http://schemas.microsoft.com/office/drawing/2014/main" id="{54AAB3AB-A446-488B-B1ED-07C11E7A0DC4}"/>
+              </a:ext>
+            </a:extLst>
+          </p:cNvPr>
+          <p:cNvSpPr/>
+          <p:nvPr/>
+        </p:nvSpPr>
+        <p:spPr>
+          <a:xfrm rot="16200000" flipV="1">
+            <a:off x="7522166" y="2192186"/>
+            <a:ext cx="6450246" cy="2889423"/>
+          </a:xfrm>
+          <a:prstGeom prst="roundRect">
+            <a:avLst>
+              <a:gd name="adj" fmla="val 0"/>
+            </a:avLst>
+          </a:prstGeom>
+          <a:solidFill>
+            <a:schemeClr val="tx2"/>
+          </a:solidFill>
+          <a:ln w="3175">
+            <a:solidFill>
+              <a:schemeClr val="bg2"/>
+            </a:solidFill>
+          </a:ln>
+          <a:effectLst/>
+        </p:spPr>
+        <p:style>
+          <a:lnRef idx="2">
+            <a:schemeClr val="accent1">
+              <a:shade val="50000"/>
+            </a:schemeClr>
+          </a:lnRef>
+          <a:fillRef idx="1">
+            <a:schemeClr val="accent1"/>
+          </a:fillRef>
+          <a:effectRef idx="0">
+            <a:schemeClr val="accent1"/>
+          </a:effectRef>
+          <a:fontRef idx="minor">
+            <a:schemeClr val="lt1"/>
+          </a:fontRef>
+        </p:style>
+        <p:txBody>
+          <a:bodyPr rtlCol="0" anchor="ctr"/>
+          <a:lstStyle/>
+          <a:p>
+            <a:pPr algn="ctr"/>
+            <a:endParaRPr lang="en-PH"/>
+          </a:p>
+        </p:txBody>
+      </p:sp>
+      <p:sp>
+        <p:nvSpPr>
+          <p:cNvPr id="20" name="TextBox 19">
+            <a:extLst>
+              <a:ext uri="{FF2B5EF4-FFF2-40B4-BE49-F238E27FC236}">
+                <a16:creationId xmlns:a16="http://schemas.microsoft.com/office/drawing/2014/main" id="{28E7AF71-8B85-42C8-8F7A-E27F02546457}"/>
+              </a:ext>
+            </a:extLst>
+          </p:cNvPr>
+          <p:cNvSpPr txBox="1"/>
+          <p:nvPr/>
+        </p:nvSpPr>
+        <p:spPr>
+          <a:xfrm>
+            <a:off x="9481040" y="559698"/>
+            <a:ext cx="2551547" cy="5080938"/>
+          </a:xfrm>
+          <a:prstGeom prst="roundRect">
+            <a:avLst>
+              <a:gd name="adj" fmla="val 5774"/>
+            </a:avLst>
+          </a:prstGeom>
+          <a:solidFill>
+            <a:srgbClr val="FFFFFF"/>
+          </a:solidFill>
+          <a:ln>
+            <a:solidFill>
+              <a:schemeClr val="bg2">
+                <a:lumMod val="90000"/>
+              </a:schemeClr>
+            </a:solidFill>
+          </a:ln>
+        </p:spPr>
+        <p:txBody>
+          <a:bodyPr wrap="square" rtlCol="0" anchor="t" anchorCtr="0">
+            <a:noAutofit/>
+          </a:bodyPr>
+          <a:lstStyle/>
+          <a:p>
+            <a:r>
+              <a:rPr lang="en-US" sz="1200" b="1"/>
+              <a:t> </a:t>
+            </a:r>
+            <a:endParaRPr lang="en-PH" sz="1200" b="1" dirty="0"/>
+          </a:p>
+        </p:txBody>
+      </p:sp>
+      <p:sp>
+        <p:nvSpPr>
+          <p:cNvPr id="21" name="Rectangle: Rounded Corners 20">
+            <a:extLst>
+              <a:ext uri="{FF2B5EF4-FFF2-40B4-BE49-F238E27FC236}">
+                <a16:creationId xmlns:a16="http://schemas.microsoft.com/office/drawing/2014/main" id="{BFB71818-581A-4B3F-B3E6-10D2A25AE77C}"/>
+              </a:ext>
+            </a:extLst>
+          </p:cNvPr>
+          <p:cNvSpPr/>
+          <p:nvPr/>
+        </p:nvSpPr>
+        <p:spPr>
+          <a:xfrm>
+            <a:off x="9660576" y="934500"/>
+            <a:ext cx="2182469" cy="263699"/>
+          </a:xfrm>
+          <a:prstGeom prst="roundRect">
+            <a:avLst>
+              <a:gd name="adj" fmla="val 50000"/>
+            </a:avLst>
+          </a:prstGeom>
+          <a:noFill/>
+          <a:ln w="3175">
+            <a:noFill/>
+          </a:ln>
+          <a:effectLst>
+            <a:softEdge rad="0"/>
+          </a:effectLst>
+        </p:spPr>
+        <p:style>
+          <a:lnRef idx="2">
+            <a:schemeClr val="accent1">
+              <a:shade val="50000"/>
+            </a:schemeClr>
+          </a:lnRef>
+          <a:fillRef idx="1">
+            <a:schemeClr val="accent1"/>
+          </a:fillRef>
+          <a:effectRef idx="0">
+            <a:schemeClr val="accent1"/>
+          </a:effectRef>
+          <a:fontRef idx="minor">
+            <a:schemeClr val="lt1"/>
+          </a:fontRef>
+        </p:style>
+        <p:txBody>
+          <a:bodyPr rtlCol="0" anchor="ctr"/>
+          <a:lstStyle/>
+          <a:p>
+            <a:pPr algn="ctr"/>
+            <a:endParaRPr lang="en-PH" sz="1200"/>
+          </a:p>
+        </p:txBody>
+      </p:sp>
+      <p:sp>
+        <p:nvSpPr>
+          <p:cNvPr id="135" name="TextBox 134">
+            <a:extLst>
+              <a:ext uri="{FF2B5EF4-FFF2-40B4-BE49-F238E27FC236}">
+                <a16:creationId xmlns:a16="http://schemas.microsoft.com/office/drawing/2014/main" id="{9B943D55-6E33-4ECE-8C01-7F07E2864B1E}"/>
+              </a:ext>
+            </a:extLst>
+          </p:cNvPr>
+          <p:cNvSpPr txBox="1"/>
+          <p:nvPr/>
+        </p:nvSpPr>
+        <p:spPr>
+          <a:xfrm>
+            <a:off x="9582150" y="664853"/>
+            <a:ext cx="2278895" cy="646331"/>
+          </a:xfrm>
+          <a:prstGeom prst="rect">
+            <a:avLst/>
+          </a:prstGeom>
+          <a:noFill/>
+        </p:spPr>
+        <p:txBody>
+          <a:bodyPr wrap="square" rtlCol="0">
+            <a:spAutoFit/>
+          </a:bodyPr>
+          <a:lstStyle/>
+          <a:p>
+            <a:r>
+              <a:rPr lang="en-PH" b="1" dirty="0">
+                <a:solidFill>
+                  <a:schemeClr val="tx2">
+                    <a:lumMod val="75000"/>
+                  </a:schemeClr>
+                </a:solidFill>
+              </a:rPr>
+              <a:t>Deployment of Travellers</a:t>
+            </a:r>
+          </a:p>
+        </p:txBody>
+      </p:sp>
+      <p:sp>
+        <p:nvSpPr>
+          <p:cNvPr id="49" name="TextBox 48">
+            <a:extLst>
+              <a:ext uri="{FF2B5EF4-FFF2-40B4-BE49-F238E27FC236}">
+                <a16:creationId xmlns:a16="http://schemas.microsoft.com/office/drawing/2014/main" id="{3376FEAF-D30F-4773-BD32-FA6EABF42846}"/>
+              </a:ext>
+            </a:extLst>
+          </p:cNvPr>
+          <p:cNvSpPr txBox="1"/>
+          <p:nvPr/>
+        </p:nvSpPr>
+        <p:spPr>
+          <a:xfrm>
+            <a:off x="9593900" y="1217364"/>
+            <a:ext cx="2220570" cy="261610"/>
+          </a:xfrm>
+          <a:prstGeom prst="rect">
+            <a:avLst/>
+          </a:prstGeom>
+          <a:noFill/>
+        </p:spPr>
+        <p:txBody>
+          <a:bodyPr wrap="square" rtlCol="0">
+            <a:spAutoFit/>
+          </a:bodyPr>
+          <a:lstStyle/>
+          <a:p>
+            <a:r>
+              <a:rPr lang="en-PH" sz="1100" dirty="0">
+                <a:solidFill>
+                  <a:schemeClr val="tx2">
+                    <a:lumMod val="75000"/>
+                  </a:schemeClr>
+                </a:solidFill>
+              </a:rPr>
+              <a:t>August 12, 2024 08:00 AM</a:t>
+            </a:r>
+          </a:p>
+        </p:txBody>
+      </p:sp>
+      <p:graphicFrame>
+        <p:nvGraphicFramePr>
+          <p:cNvPr id="3" name="Table 4">
+            <a:extLst>
+              <a:ext uri="{FF2B5EF4-FFF2-40B4-BE49-F238E27FC236}">
+                <a16:creationId xmlns:a16="http://schemas.microsoft.com/office/drawing/2014/main" id="{2EFA547A-27F8-44B3-8BC2-1AC22F9A03EB}"/>
+              </a:ext>
+            </a:extLst>
+          </p:cNvPr>
+          <p:cNvGraphicFramePr>
+            <a:graphicFrameLocks noGrp="1"/>
+          </p:cNvGraphicFramePr>
+          <p:nvPr>
+            <p:extLst>
+              <p:ext uri="{D42A27DB-BD31-4B8C-83A1-F6EECF244321}">
+                <p14:modId xmlns:p14="http://schemas.microsoft.com/office/powerpoint/2010/main" val="2413990172"/>
+              </p:ext>
+            </p:extLst>
+          </p:nvPr>
+        </p:nvGraphicFramePr>
+        <p:xfrm>
+          <a:off x="9673276" y="1526598"/>
+          <a:ext cx="2153893" cy="786100"/>
+        </p:xfrm>
+        <a:graphic>
+          <a:graphicData uri="http://schemas.openxmlformats.org/drawingml/2006/table">
+            <a:tbl>
+              <a:tblPr firstRow="1" bandRow="1">
+                <a:tableStyleId>{2D5ABB26-0587-4C30-8999-92F81FD0307C}</a:tableStyleId>
+              </a:tblPr>
+              <a:tblGrid>
+                <a:gridCol w="790650">
+                  <a:extLst>
+                    <a:ext uri="{9D8B030D-6E8A-4147-A177-3AD203B41FA5}">
+                      <a16:colId xmlns:a16="http://schemas.microsoft.com/office/drawing/2014/main" val="3989297173"/>
+                    </a:ext>
+                  </a:extLst>
+                </a:gridCol>
+                <a:gridCol w="1363243">
+                  <a:extLst>
+                    <a:ext uri="{9D8B030D-6E8A-4147-A177-3AD203B41FA5}">
+                      <a16:colId xmlns:a16="http://schemas.microsoft.com/office/drawing/2014/main" val="779188745"/>
+                    </a:ext>
+                  </a:extLst>
+                </a:gridCol>
+              </a:tblGrid>
+              <a:tr h="196525">
+                <a:tc>
+                  <a:txBody>
+                    <a:bodyPr/>
+                    <a:lstStyle/>
+                    <a:p>
+                      <a:r>
+                        <a:rPr lang="en-PH" sz="1200" b="1" dirty="0"/>
+                        <a:t>Section</a:t>
+                      </a:r>
+                    </a:p>
+                  </a:txBody>
+                  <a:tcPr marL="0" marR="0" marT="0" marB="0" anchor="ctr">
+                    <a:lnL w="12700" cap="flat" cmpd="sng" algn="ctr">
+                      <a:noFill/>
+                      <a:prstDash val="solid"/>
+                      <a:round/>
+                      <a:headEnd type="none" w="med" len="med"/>
+                      <a:tailEnd type="none" w="med" len="med"/>
+                    </a:lnL>
+                    <a:lnR w="12700" cap="flat" cmpd="sng" algn="ctr">
+                      <a:noFill/>
+                      <a:prstDash val="solid"/>
+                      <a:round/>
+                      <a:headEnd type="none" w="med" len="med"/>
+                      <a:tailEnd type="none" w="med" len="med"/>
+                    </a:lnR>
+                    <a:lnT w="12700" cap="flat" cmpd="sng" algn="ctr">
+                      <a:noFill/>
+                      <a:prstDash val="solid"/>
+                      <a:round/>
+                      <a:headEnd type="none" w="med" len="med"/>
+                      <a:tailEnd type="none" w="med" len="med"/>
+                    </a:lnT>
+                    <a:lnB w="12700" cap="flat" cmpd="sng" algn="ctr">
+                      <a:noFill/>
+                      <a:prstDash val="solid"/>
+                      <a:round/>
+                      <a:headEnd type="none" w="med" len="med"/>
+                      <a:tailEnd type="none" w="med" len="med"/>
+                    </a:lnB>
+                    <a:lnTlToBr w="12700" cmpd="sng">
+                      <a:noFill/>
+                      <a:prstDash val="solid"/>
+                    </a:lnTlToBr>
+                    <a:lnBlToTr w="12700" cmpd="sng">
+                      <a:noFill/>
+                      <a:prstDash val="solid"/>
+                    </a:lnBlToTr>
+                  </a:tcPr>
+                </a:tc>
+                <a:tc>
+                  <a:txBody>
+                    <a:bodyPr/>
+                    <a:lstStyle/>
+                    <a:p>
+                      <a:pPr algn="r"/>
+                      <a:r>
+                        <a:rPr lang="en-PH" sz="1200" dirty="0"/>
+                        <a:t>Manufacturing</a:t>
+                      </a:r>
+                    </a:p>
+                  </a:txBody>
+                  <a:tcPr marL="0" marR="0" marT="0" marB="0" anchor="ctr">
+                    <a:lnL w="12700" cap="flat" cmpd="sng" algn="ctr">
+                      <a:noFill/>
+                      <a:prstDash val="solid"/>
+                      <a:round/>
+                      <a:headEnd type="none" w="med" len="med"/>
+                      <a:tailEnd type="none" w="med" len="med"/>
+                    </a:lnL>
+                    <a:lnR w="12700" cap="flat" cmpd="sng" algn="ctr">
+                      <a:noFill/>
+                      <a:prstDash val="solid"/>
+                      <a:round/>
+                      <a:headEnd type="none" w="med" len="med"/>
+                      <a:tailEnd type="none" w="med" len="med"/>
+                    </a:lnR>
+                    <a:lnT w="12700" cap="flat" cmpd="sng" algn="ctr">
+                      <a:noFill/>
+                      <a:prstDash val="solid"/>
+                      <a:round/>
+                      <a:headEnd type="none" w="med" len="med"/>
+                      <a:tailEnd type="none" w="med" len="med"/>
+                    </a:lnT>
+                    <a:lnB w="12700" cap="flat" cmpd="sng" algn="ctr">
+                      <a:noFill/>
+                      <a:prstDash val="solid"/>
+                      <a:round/>
+                      <a:headEnd type="none" w="med" len="med"/>
+                      <a:tailEnd type="none" w="med" len="med"/>
+                    </a:lnB>
+                    <a:lnTlToBr w="12700" cmpd="sng">
+                      <a:noFill/>
+                      <a:prstDash val="solid"/>
+                    </a:lnTlToBr>
+                    <a:lnBlToTr w="12700" cmpd="sng">
+                      <a:noFill/>
+                      <a:prstDash val="solid"/>
+                    </a:lnBlToTr>
+                  </a:tcPr>
+                </a:tc>
+                <a:extLst>
+                  <a:ext uri="{0D108BD9-81ED-4DB2-BD59-A6C34878D82A}">
+                    <a16:rowId xmlns:a16="http://schemas.microsoft.com/office/drawing/2014/main" val="1282397458"/>
+                  </a:ext>
+                </a:extLst>
+              </a:tr>
+              <a:tr h="196525">
+                <a:tc>
+                  <a:txBody>
+                    <a:bodyPr/>
+                    <a:lstStyle/>
+                    <a:p>
+                      <a:r>
+                        <a:rPr lang="en-PH" sz="1200" b="1" dirty="0"/>
+                        <a:t>Department</a:t>
+                      </a:r>
+                    </a:p>
+                  </a:txBody>
+                  <a:tcPr marL="0" marR="0" marT="0" marB="0" anchor="ctr">
+                    <a:lnL w="12700" cap="flat" cmpd="sng" algn="ctr">
+                      <a:noFill/>
+                      <a:prstDash val="solid"/>
+                      <a:round/>
+                      <a:headEnd type="none" w="med" len="med"/>
+                      <a:tailEnd type="none" w="med" len="med"/>
+                    </a:lnL>
+                    <a:lnR w="12700" cap="flat" cmpd="sng" algn="ctr">
+                      <a:noFill/>
+                      <a:prstDash val="solid"/>
+                      <a:round/>
+                      <a:headEnd type="none" w="med" len="med"/>
+                      <a:tailEnd type="none" w="med" len="med"/>
+                    </a:lnR>
+                    <a:lnT w="12700" cap="flat" cmpd="sng" algn="ctr">
+                      <a:noFill/>
+                      <a:prstDash val="solid"/>
+                      <a:round/>
+                      <a:headEnd type="none" w="med" len="med"/>
+                      <a:tailEnd type="none" w="med" len="med"/>
+                    </a:lnT>
+                    <a:lnB w="12700" cap="flat" cmpd="sng" algn="ctr">
+                      <a:noFill/>
+                      <a:prstDash val="solid"/>
+                      <a:round/>
+                      <a:headEnd type="none" w="med" len="med"/>
+                      <a:tailEnd type="none" w="med" len="med"/>
+                    </a:lnB>
+                    <a:lnTlToBr w="12700" cmpd="sng">
+                      <a:noFill/>
+                      <a:prstDash val="solid"/>
+                    </a:lnTlToBr>
+                    <a:lnBlToTr w="12700" cmpd="sng">
+                      <a:noFill/>
+                      <a:prstDash val="solid"/>
+                    </a:lnBlToTr>
+                  </a:tcPr>
+                </a:tc>
+                <a:tc>
+                  <a:txBody>
+                    <a:bodyPr/>
+                    <a:lstStyle/>
+                    <a:p>
+                      <a:pPr algn="r"/>
+                      <a:r>
+                        <a:rPr lang="en-PH" sz="1200" dirty="0"/>
+                        <a:t>IND Operations</a:t>
+                      </a:r>
+                    </a:p>
+                  </a:txBody>
+                  <a:tcPr marL="0" marR="0" marT="0" marB="0" anchor="ctr">
+                    <a:lnL w="12700" cap="flat" cmpd="sng" algn="ctr">
+                      <a:noFill/>
+                      <a:prstDash val="solid"/>
+                      <a:round/>
+                      <a:headEnd type="none" w="med" len="med"/>
+                      <a:tailEnd type="none" w="med" len="med"/>
+                    </a:lnL>
+                    <a:lnR w="12700" cap="flat" cmpd="sng" algn="ctr">
+                      <a:noFill/>
+                      <a:prstDash val="solid"/>
+                      <a:round/>
+                      <a:headEnd type="none" w="med" len="med"/>
+                      <a:tailEnd type="none" w="med" len="med"/>
+                    </a:lnR>
+                    <a:lnT w="12700" cap="flat" cmpd="sng" algn="ctr">
+                      <a:noFill/>
+                      <a:prstDash val="solid"/>
+                      <a:round/>
+                      <a:headEnd type="none" w="med" len="med"/>
+                      <a:tailEnd type="none" w="med" len="med"/>
+                    </a:lnT>
+                    <a:lnB w="12700" cap="flat" cmpd="sng" algn="ctr">
+                      <a:noFill/>
+                      <a:prstDash val="solid"/>
+                      <a:round/>
+                      <a:headEnd type="none" w="med" len="med"/>
+                      <a:tailEnd type="none" w="med" len="med"/>
+                    </a:lnB>
+                    <a:lnTlToBr w="12700" cmpd="sng">
+                      <a:noFill/>
+                      <a:prstDash val="solid"/>
+                    </a:lnTlToBr>
+                    <a:lnBlToTr w="12700" cmpd="sng">
+                      <a:noFill/>
+                      <a:prstDash val="solid"/>
+                    </a:lnBlToTr>
+                  </a:tcPr>
+                </a:tc>
+                <a:extLst>
+                  <a:ext uri="{0D108BD9-81ED-4DB2-BD59-A6C34878D82A}">
+                    <a16:rowId xmlns:a16="http://schemas.microsoft.com/office/drawing/2014/main" val="2566688612"/>
+                  </a:ext>
+                </a:extLst>
+              </a:tr>
+              <a:tr h="196525">
+                <a:tc>
+                  <a:txBody>
+                    <a:bodyPr/>
+                    <a:lstStyle/>
+                    <a:p>
+                      <a:r>
+                        <a:rPr lang="en-PH" sz="1200" b="1" dirty="0"/>
+                        <a:t>Shift</a:t>
+                      </a:r>
+                    </a:p>
+                  </a:txBody>
+                  <a:tcPr marL="0" marR="0" marT="0" marB="0" anchor="ctr">
+                    <a:lnL w="12700" cap="flat" cmpd="sng" algn="ctr">
+                      <a:noFill/>
+                      <a:prstDash val="solid"/>
+                      <a:round/>
+                      <a:headEnd type="none" w="med" len="med"/>
+                      <a:tailEnd type="none" w="med" len="med"/>
+                    </a:lnL>
+                    <a:lnR w="12700" cap="flat" cmpd="sng" algn="ctr">
+                      <a:noFill/>
+                      <a:prstDash val="solid"/>
+                      <a:round/>
+                      <a:headEnd type="none" w="med" len="med"/>
+                      <a:tailEnd type="none" w="med" len="med"/>
+                    </a:lnR>
+                    <a:lnT w="12700" cap="flat" cmpd="sng" algn="ctr">
+                      <a:noFill/>
+                      <a:prstDash val="solid"/>
+                      <a:round/>
+                      <a:headEnd type="none" w="med" len="med"/>
+                      <a:tailEnd type="none" w="med" len="med"/>
+                    </a:lnT>
+                    <a:lnB w="12700" cap="flat" cmpd="sng" algn="ctr">
+                      <a:noFill/>
+                      <a:prstDash val="solid"/>
+                      <a:round/>
+                      <a:headEnd type="none" w="med" len="med"/>
+                      <a:tailEnd type="none" w="med" len="med"/>
+                    </a:lnB>
+                    <a:lnTlToBr w="12700" cmpd="sng">
+                      <a:noFill/>
+                      <a:prstDash val="solid"/>
+                    </a:lnTlToBr>
+                    <a:lnBlToTr w="12700" cmpd="sng">
+                      <a:noFill/>
+                      <a:prstDash val="solid"/>
+                    </a:lnBlToTr>
+                  </a:tcPr>
+                </a:tc>
+                <a:tc>
+                  <a:txBody>
+                    <a:bodyPr/>
+                    <a:lstStyle/>
+                    <a:p>
+                      <a:pPr algn="r"/>
+                      <a:r>
+                        <a:rPr lang="en-PH" sz="1200" dirty="0"/>
+                        <a:t>L4</a:t>
+                      </a:r>
+                    </a:p>
+                  </a:txBody>
+                  <a:tcPr marL="0" marR="0" marT="0" marB="0" anchor="ctr">
+                    <a:lnL w="12700" cap="flat" cmpd="sng" algn="ctr">
+                      <a:noFill/>
+                      <a:prstDash val="solid"/>
+                      <a:round/>
+                      <a:headEnd type="none" w="med" len="med"/>
+                      <a:tailEnd type="none" w="med" len="med"/>
+                    </a:lnL>
+                    <a:lnR w="12700" cap="flat" cmpd="sng" algn="ctr">
+                      <a:noFill/>
+                      <a:prstDash val="solid"/>
+                      <a:round/>
+                      <a:headEnd type="none" w="med" len="med"/>
+                      <a:tailEnd type="none" w="med" len="med"/>
+                    </a:lnR>
+                    <a:lnT w="12700" cap="flat" cmpd="sng" algn="ctr">
+                      <a:noFill/>
+                      <a:prstDash val="solid"/>
+                      <a:round/>
+                      <a:headEnd type="none" w="med" len="med"/>
+                      <a:tailEnd type="none" w="med" len="med"/>
+                    </a:lnT>
+                    <a:lnB w="12700" cap="flat" cmpd="sng" algn="ctr">
+                      <a:noFill/>
+                      <a:prstDash val="solid"/>
+                      <a:round/>
+                      <a:headEnd type="none" w="med" len="med"/>
+                      <a:tailEnd type="none" w="med" len="med"/>
+                    </a:lnB>
+                    <a:lnTlToBr w="12700" cmpd="sng">
+                      <a:noFill/>
+                      <a:prstDash val="solid"/>
+                    </a:lnTlToBr>
+                    <a:lnBlToTr w="12700" cmpd="sng">
+                      <a:noFill/>
+                      <a:prstDash val="solid"/>
+                    </a:lnBlToTr>
+                  </a:tcPr>
+                </a:tc>
+                <a:extLst>
+                  <a:ext uri="{0D108BD9-81ED-4DB2-BD59-A6C34878D82A}">
+                    <a16:rowId xmlns:a16="http://schemas.microsoft.com/office/drawing/2014/main" val="3741269294"/>
+                  </a:ext>
+                </a:extLst>
+              </a:tr>
+              <a:tr h="196525">
+                <a:tc>
+                  <a:txBody>
+                    <a:bodyPr/>
+                    <a:lstStyle/>
+                    <a:p>
+                      <a:r>
+                        <a:rPr lang="en-PH" sz="1200" b="1" dirty="0"/>
+                        <a:t>PIC</a:t>
+                      </a:r>
+                    </a:p>
+                  </a:txBody>
+                  <a:tcPr marL="0" marR="0" marT="0" marB="0" anchor="ctr">
+                    <a:lnL w="12700" cap="flat" cmpd="sng" algn="ctr">
+                      <a:noFill/>
+                      <a:prstDash val="solid"/>
+                      <a:round/>
+                      <a:headEnd type="none" w="med" len="med"/>
+                      <a:tailEnd type="none" w="med" len="med"/>
+                    </a:lnL>
+                    <a:lnR w="12700" cap="flat" cmpd="sng" algn="ctr">
+                      <a:noFill/>
+                      <a:prstDash val="solid"/>
+                      <a:round/>
+                      <a:headEnd type="none" w="med" len="med"/>
+                      <a:tailEnd type="none" w="med" len="med"/>
+                    </a:lnR>
+                    <a:lnT w="12700" cap="flat" cmpd="sng" algn="ctr">
+                      <a:noFill/>
+                      <a:prstDash val="solid"/>
+                      <a:round/>
+                      <a:headEnd type="none" w="med" len="med"/>
+                      <a:tailEnd type="none" w="med" len="med"/>
+                    </a:lnT>
+                    <a:lnB w="12700" cap="flat" cmpd="sng" algn="ctr">
+                      <a:noFill/>
+                      <a:prstDash val="solid"/>
+                      <a:round/>
+                      <a:headEnd type="none" w="med" len="med"/>
+                      <a:tailEnd type="none" w="med" len="med"/>
+                    </a:lnB>
+                    <a:lnTlToBr w="12700" cmpd="sng">
+                      <a:noFill/>
+                      <a:prstDash val="solid"/>
+                    </a:lnTlToBr>
+                    <a:lnBlToTr w="12700" cmpd="sng">
+                      <a:noFill/>
+                      <a:prstDash val="solid"/>
+                    </a:lnBlToTr>
+                  </a:tcPr>
+                </a:tc>
+                <a:tc>
+                  <a:txBody>
+                    <a:bodyPr/>
+                    <a:lstStyle/>
+                    <a:p>
+                      <a:pPr algn="r"/>
+                      <a:r>
+                        <a:rPr lang="en-PH" sz="1200" dirty="0"/>
+                        <a:t>Marq Paul Gonzales</a:t>
+                      </a:r>
+                    </a:p>
+                  </a:txBody>
+                  <a:tcPr marL="0" marR="0" marT="0" marB="0" anchor="ctr">
+                    <a:lnL w="12700" cap="flat" cmpd="sng" algn="ctr">
+                      <a:noFill/>
+                      <a:prstDash val="solid"/>
+                      <a:round/>
+                      <a:headEnd type="none" w="med" len="med"/>
+                      <a:tailEnd type="none" w="med" len="med"/>
+                    </a:lnL>
+                    <a:lnR w="12700" cap="flat" cmpd="sng" algn="ctr">
+                      <a:noFill/>
+                      <a:prstDash val="solid"/>
+                      <a:round/>
+                      <a:headEnd type="none" w="med" len="med"/>
+                      <a:tailEnd type="none" w="med" len="med"/>
+                    </a:lnR>
+                    <a:lnT w="12700" cap="flat" cmpd="sng" algn="ctr">
+                      <a:noFill/>
+                      <a:prstDash val="solid"/>
+                      <a:round/>
+                      <a:headEnd type="none" w="med" len="med"/>
+                      <a:tailEnd type="none" w="med" len="med"/>
+                    </a:lnT>
+                    <a:lnB w="12700" cap="flat" cmpd="sng" algn="ctr">
+                      <a:noFill/>
+                      <a:prstDash val="solid"/>
+                      <a:round/>
+                      <a:headEnd type="none" w="med" len="med"/>
+                      <a:tailEnd type="none" w="med" len="med"/>
+                    </a:lnB>
+                    <a:lnTlToBr w="12700" cmpd="sng">
+                      <a:noFill/>
+                      <a:prstDash val="solid"/>
+                    </a:lnTlToBr>
+                    <a:lnBlToTr w="12700" cmpd="sng">
+                      <a:noFill/>
+                      <a:prstDash val="solid"/>
+                    </a:lnBlToTr>
+                  </a:tcPr>
+                </a:tc>
+                <a:extLst>
+                  <a:ext uri="{0D108BD9-81ED-4DB2-BD59-A6C34878D82A}">
+                    <a16:rowId xmlns:a16="http://schemas.microsoft.com/office/drawing/2014/main" val="903120618"/>
+                  </a:ext>
+                </a:extLst>
+              </a:tr>
+            </a:tbl>
+          </a:graphicData>
+        </a:graphic>
+      </p:graphicFrame>
+      <p:sp>
+        <p:nvSpPr>
+          <p:cNvPr id="59" name="TextBox 58">
+            <a:extLst>
+              <a:ext uri="{FF2B5EF4-FFF2-40B4-BE49-F238E27FC236}">
+                <a16:creationId xmlns:a16="http://schemas.microsoft.com/office/drawing/2014/main" id="{9B41A150-E4F6-4E07-907E-6C0C13696A1E}"/>
+              </a:ext>
+            </a:extLst>
+          </p:cNvPr>
+          <p:cNvSpPr txBox="1"/>
+          <p:nvPr/>
+        </p:nvSpPr>
+        <p:spPr>
+          <a:xfrm>
+            <a:off x="9582150" y="2326112"/>
+            <a:ext cx="887245" cy="276999"/>
+          </a:xfrm>
+          <a:prstGeom prst="rect">
+            <a:avLst/>
+          </a:prstGeom>
+          <a:noFill/>
+        </p:spPr>
+        <p:txBody>
+          <a:bodyPr wrap="square">
+            <a:spAutoFit/>
+          </a:bodyPr>
+          <a:lstStyle/>
+          <a:p>
+            <a:r>
+              <a:rPr lang="en-PH" sz="1200" b="1" dirty="0"/>
+              <a:t>Cause</a:t>
+            </a:r>
+          </a:p>
+        </p:txBody>
+      </p:sp>
+      <p:sp>
+        <p:nvSpPr>
+          <p:cNvPr id="60" name="TextBox 59">
+            <a:extLst>
+              <a:ext uri="{FF2B5EF4-FFF2-40B4-BE49-F238E27FC236}">
+                <a16:creationId xmlns:a16="http://schemas.microsoft.com/office/drawing/2014/main" id="{089CD37D-65CA-45B8-B8D0-CC49E9005959}"/>
+              </a:ext>
+            </a:extLst>
+          </p:cNvPr>
+          <p:cNvSpPr txBox="1"/>
+          <p:nvPr/>
+        </p:nvSpPr>
+        <p:spPr>
+          <a:xfrm>
+            <a:off x="9585718" y="2521686"/>
+            <a:ext cx="2342189" cy="1015663"/>
+          </a:xfrm>
+          <a:prstGeom prst="rect">
+            <a:avLst/>
+          </a:prstGeom>
+          <a:noFill/>
+        </p:spPr>
+        <p:txBody>
+          <a:bodyPr wrap="square">
+            <a:spAutoFit/>
+          </a:bodyPr>
+          <a:lstStyle/>
+          <a:p>
+            <a:r>
+              <a:rPr lang="en-PH" sz="1000" b="0" i="0" dirty="0">
+                <a:solidFill>
+                  <a:srgbClr val="000000"/>
+                </a:solidFill>
+                <a:effectLst/>
+                <a:latin typeface="Open Sans" panose="020B0606030504020204" pitchFamily="34" charset="0"/>
+              </a:rPr>
+              <a:t>Lorem ipsum dolor sit amet, consectetur adipiscing elit, sed do eiusmod tempor incididunt ut labore et dolore magna aliqua. Ut enim ad minim veniam, quis nostrud</a:t>
+            </a:r>
+            <a:endParaRPr lang="en-PH" sz="1000" b="1" dirty="0"/>
+          </a:p>
+        </p:txBody>
+      </p:sp>
+      <p:sp>
+        <p:nvSpPr>
+          <p:cNvPr id="64" name="TextBox 63">
+            <a:extLst>
+              <a:ext uri="{FF2B5EF4-FFF2-40B4-BE49-F238E27FC236}">
+                <a16:creationId xmlns:a16="http://schemas.microsoft.com/office/drawing/2014/main" id="{1082AEE2-AA1E-4A7F-AF6D-B8B5B938F3BA}"/>
+              </a:ext>
+            </a:extLst>
+          </p:cNvPr>
+          <p:cNvSpPr txBox="1"/>
+          <p:nvPr/>
+        </p:nvSpPr>
+        <p:spPr>
+          <a:xfrm>
+            <a:off x="9599417" y="3541839"/>
+            <a:ext cx="1211458" cy="276999"/>
+          </a:xfrm>
+          <a:prstGeom prst="rect">
+            <a:avLst/>
+          </a:prstGeom>
+          <a:noFill/>
+        </p:spPr>
+        <p:txBody>
+          <a:bodyPr wrap="square">
+            <a:spAutoFit/>
+          </a:bodyPr>
+          <a:lstStyle/>
+          <a:p>
+            <a:r>
+              <a:rPr lang="en-PH" sz="1200" b="1" dirty="0"/>
+              <a:t>Action Taken</a:t>
+            </a:r>
+          </a:p>
+        </p:txBody>
+      </p:sp>
+      <p:sp>
+        <p:nvSpPr>
+          <p:cNvPr id="65" name="TextBox 64">
+            <a:extLst>
+              <a:ext uri="{FF2B5EF4-FFF2-40B4-BE49-F238E27FC236}">
+                <a16:creationId xmlns:a16="http://schemas.microsoft.com/office/drawing/2014/main" id="{9E63550E-74BA-4DC1-BE16-857ACFA6CA0B}"/>
+              </a:ext>
+            </a:extLst>
+          </p:cNvPr>
+          <p:cNvSpPr txBox="1"/>
+          <p:nvPr/>
+        </p:nvSpPr>
+        <p:spPr>
+          <a:xfrm>
+            <a:off x="9602985" y="3737413"/>
+            <a:ext cx="2342189" cy="1015663"/>
+          </a:xfrm>
+          <a:prstGeom prst="rect">
+            <a:avLst/>
+          </a:prstGeom>
+          <a:noFill/>
+        </p:spPr>
+        <p:txBody>
+          <a:bodyPr wrap="square">
+            <a:spAutoFit/>
+          </a:bodyPr>
+          <a:lstStyle/>
+          <a:p>
+            <a:r>
+              <a:rPr lang="en-PH" sz="1000" b="0" i="0" dirty="0">
+                <a:solidFill>
+                  <a:srgbClr val="000000"/>
+                </a:solidFill>
+                <a:effectLst/>
+                <a:latin typeface="Open Sans" panose="020B0606030504020204" pitchFamily="34" charset="0"/>
+              </a:rPr>
+              <a:t>Lorem ipsum dolor sit amet, consectetur adipiscing elit, sed do eiusmod tempor incididunt ut labore et dolore magna aliqua. Ut enim ad minim veniam, quis nostrud</a:t>
+            </a:r>
+            <a:endParaRPr lang="en-PH" sz="1000" b="1" dirty="0"/>
+          </a:p>
+        </p:txBody>
+      </p:sp>
+      <p:sp>
+        <p:nvSpPr>
+          <p:cNvPr id="71" name="TextBox 70">
+            <a:extLst>
+              <a:ext uri="{FF2B5EF4-FFF2-40B4-BE49-F238E27FC236}">
+                <a16:creationId xmlns:a16="http://schemas.microsoft.com/office/drawing/2014/main" id="{F4DA047A-76D6-4165-917A-B893B31AAFBA}"/>
+              </a:ext>
+            </a:extLst>
+          </p:cNvPr>
+          <p:cNvSpPr txBox="1"/>
+          <p:nvPr/>
+        </p:nvSpPr>
+        <p:spPr>
+          <a:xfrm>
+            <a:off x="10944225" y="5147864"/>
+            <a:ext cx="916820" cy="306467"/>
+          </a:xfrm>
+          <a:prstGeom prst="roundRect">
+            <a:avLst/>
+          </a:prstGeom>
+          <a:solidFill>
+            <a:schemeClr val="accent1"/>
+          </a:solidFill>
+          <a:ln>
+            <a:solidFill>
+              <a:schemeClr val="bg2"/>
+            </a:solidFill>
+          </a:ln>
+        </p:spPr>
+        <p:txBody>
+          <a:bodyPr wrap="square">
+            <a:spAutoFit/>
+          </a:bodyPr>
+          <a:lstStyle/>
+          <a:p>
+            <a:pPr algn="ctr"/>
+            <a:r>
+              <a:rPr lang="en-PH" sz="1200" b="1" dirty="0">
+                <a:solidFill>
+                  <a:schemeClr val="bg1">
+                    <a:lumMod val="95000"/>
+                  </a:schemeClr>
+                </a:solidFill>
+              </a:rPr>
+              <a:t>Duplicate</a:t>
+            </a:r>
+          </a:p>
+        </p:txBody>
+      </p:sp>
+      <p:sp>
+        <p:nvSpPr>
+          <p:cNvPr id="72" name="TextBox 71">
+            <a:extLst>
+              <a:ext uri="{FF2B5EF4-FFF2-40B4-BE49-F238E27FC236}">
+                <a16:creationId xmlns:a16="http://schemas.microsoft.com/office/drawing/2014/main" id="{CF4FF03F-2A08-4F2B-AE40-374E7F8DE49E}"/>
+              </a:ext>
+            </a:extLst>
+          </p:cNvPr>
+          <p:cNvSpPr txBox="1"/>
+          <p:nvPr/>
+        </p:nvSpPr>
+        <p:spPr>
+          <a:xfrm>
+            <a:off x="9673276" y="5163966"/>
+            <a:ext cx="916820" cy="306467"/>
+          </a:xfrm>
+          <a:prstGeom prst="roundRect">
+            <a:avLst/>
+          </a:prstGeom>
+          <a:solidFill>
+            <a:srgbClr val="C00000"/>
+          </a:solidFill>
+          <a:ln>
+            <a:solidFill>
+              <a:schemeClr val="bg2"/>
+            </a:solidFill>
+          </a:ln>
+        </p:spPr>
+        <p:txBody>
+          <a:bodyPr wrap="square">
+            <a:spAutoFit/>
+          </a:bodyPr>
+          <a:lstStyle/>
+          <a:p>
+            <a:pPr algn="ctr"/>
+            <a:r>
+              <a:rPr lang="en-PH" sz="1200" b="1" dirty="0">
+                <a:solidFill>
+                  <a:schemeClr val="bg1">
+                    <a:lumMod val="95000"/>
+                  </a:schemeClr>
+                </a:solidFill>
+              </a:rPr>
+              <a:t>Delete</a:t>
+            </a:r>
+          </a:p>
+        </p:txBody>
+      </p:sp>
+      <p:sp>
+        <p:nvSpPr>
+          <p:cNvPr id="73" name="TextBox 72">
+            <a:extLst>
+              <a:ext uri="{FF2B5EF4-FFF2-40B4-BE49-F238E27FC236}">
+                <a16:creationId xmlns:a16="http://schemas.microsoft.com/office/drawing/2014/main" id="{BCF32153-9A41-4AC9-B902-8C6703074D8A}"/>
+              </a:ext>
+            </a:extLst>
+          </p:cNvPr>
+          <p:cNvSpPr txBox="1"/>
+          <p:nvPr/>
+        </p:nvSpPr>
+        <p:spPr>
+          <a:xfrm>
+            <a:off x="10944225" y="4766816"/>
+            <a:ext cx="898820" cy="306467"/>
+          </a:xfrm>
+          <a:prstGeom prst="roundRect">
+            <a:avLst/>
+          </a:prstGeom>
+          <a:solidFill>
+            <a:schemeClr val="accent1"/>
+          </a:solidFill>
+          <a:ln>
+            <a:solidFill>
+              <a:schemeClr val="bg2"/>
+            </a:solidFill>
+          </a:ln>
+        </p:spPr>
+        <p:txBody>
+          <a:bodyPr wrap="square">
+            <a:spAutoFit/>
+          </a:bodyPr>
+          <a:lstStyle/>
+          <a:p>
+            <a:pPr algn="ctr"/>
+            <a:r>
+              <a:rPr lang="en-PH" sz="1200" b="1" dirty="0">
+                <a:solidFill>
+                  <a:schemeClr val="bg1">
+                    <a:lumMod val="95000"/>
+                  </a:schemeClr>
+                </a:solidFill>
+              </a:rPr>
+              <a:t>Edit</a:t>
+            </a:r>
+          </a:p>
+        </p:txBody>
+      </p:sp>
+    </p:spTree>
+    <p:extLst>
+      <p:ext uri="{BB962C8B-B14F-4D97-AF65-F5344CB8AC3E}">
+        <p14:creationId xmlns:p14="http://schemas.microsoft.com/office/powerpoint/2010/main" val="2476176303"/>
+      </p:ext>
+    </p:extLst>
+  </p:cSld>
+  <p:clrMapOvr>
+    <a:masterClrMapping/>
+  </p:clrMapOvr>
+</p:sld>
+</file>
+
+<file path=ppt/slides/slide4.xml><?xml version="1.0" encoding="utf-8"?>
+<p:sld xmlns:a="http://schemas.openxmlformats.org/drawingml/2006/main" xmlns:r="http://schemas.openxmlformats.org/officeDocument/2006/relationships" xmlns:p="http://schemas.openxmlformats.org/presentationml/2006/main">
+  <p:cSld>
+    <p:spTree>
+      <p:nvGrpSpPr>
+        <p:cNvPr id="1" name=""/>
+        <p:cNvGrpSpPr/>
+        <p:nvPr/>
+      </p:nvGrpSpPr>
+      <p:grpSpPr>
+        <a:xfrm>
+          <a:off x="0" y="0"/>
+          <a:ext cx="0" cy="0"/>
+          <a:chOff x="0" y="0"/>
+          <a:chExt cx="0" cy="0"/>
+        </a:xfrm>
+      </p:grpSpPr>
+      <p:pic>
+        <p:nvPicPr>
+          <p:cNvPr id="4" name="Picture 3">
+            <a:extLst>
+              <a:ext uri="{FF2B5EF4-FFF2-40B4-BE49-F238E27FC236}">
+                <a16:creationId xmlns:a16="http://schemas.microsoft.com/office/drawing/2014/main" id="{D9FF70DE-9F38-470A-B910-ECCCDB19FD61}"/>
+              </a:ext>
+            </a:extLst>
+          </p:cNvPr>
+          <p:cNvPicPr>
+            <a:picLocks noChangeAspect="1"/>
+          </p:cNvPicPr>
+          <p:nvPr/>
+        </p:nvPicPr>
+        <p:blipFill>
+          <a:blip r:embed="rId2"/>
+          <a:stretch>
+            <a:fillRect/>
+          </a:stretch>
+        </p:blipFill>
+        <p:spPr>
+          <a:xfrm>
+            <a:off x="7775" y="0"/>
+            <a:ext cx="12176450" cy="6858000"/>
           </a:xfrm>
           <a:prstGeom prst="rect">
             <a:avLst/>
@@ -10013,7 +8905,7 @@
 </p:sld>
 </file>
 
-<file path=ppt/slides/slide4.xml><?xml version="1.0" encoding="utf-8"?>
+<file path=ppt/slides/slide5.xml><?xml version="1.0" encoding="utf-8"?>
 <p:sld xmlns:a="http://schemas.openxmlformats.org/drawingml/2006/main" xmlns:r="http://schemas.openxmlformats.org/officeDocument/2006/relationships" xmlns:p="http://schemas.openxmlformats.org/presentationml/2006/main">
   <p:cSld>
     <p:spTree>
@@ -10032,10 +8924,10 @@
       </p:grpSpPr>
       <p:pic>
         <p:nvPicPr>
-          <p:cNvPr id="2" name="Picture 1">
-            <a:extLst>
-              <a:ext uri="{FF2B5EF4-FFF2-40B4-BE49-F238E27FC236}">
-                <a16:creationId xmlns:a16="http://schemas.microsoft.com/office/drawing/2014/main" id="{E0A74331-5653-4320-A367-F387E8B26A3E}"/>
+          <p:cNvPr id="4" name="Picture 3">
+            <a:extLst>
+              <a:ext uri="{FF2B5EF4-FFF2-40B4-BE49-F238E27FC236}">
+                <a16:creationId xmlns:a16="http://schemas.microsoft.com/office/drawing/2014/main" id="{A583D25D-DE40-4BEF-98B3-5B357D268DCA}"/>
               </a:ext>
             </a:extLst>
           </p:cNvPr>
@@ -10052,8 +8944,8 @@
         </p:blipFill>
         <p:spPr>
           <a:xfrm>
-            <a:off x="0" y="380"/>
-            <a:ext cx="12192000" cy="6857239"/>
+            <a:off x="7775" y="0"/>
+            <a:ext cx="12176450" cy="6858000"/>
           </a:xfrm>
           <a:prstGeom prst="rect">
             <a:avLst/>
@@ -10075,7 +8967,7 @@
         <p:spPr>
           <a:xfrm>
             <a:off x="0" y="0"/>
-            <a:ext cx="12192000" cy="6858000"/>
+            <a:ext cx="12191999" cy="6858000"/>
           </a:xfrm>
           <a:prstGeom prst="rect">
             <a:avLst/>
@@ -10348,7 +9240,7 @@
 </p:sld>
 </file>
 
-<file path=ppt/slides/slide5.xml><?xml version="1.0" encoding="utf-8"?>
+<file path=ppt/slides/slide6.xml><?xml version="1.0" encoding="utf-8"?>
 <p:sld xmlns:a="http://schemas.openxmlformats.org/drawingml/2006/main" xmlns:r="http://schemas.openxmlformats.org/officeDocument/2006/relationships" xmlns:p="http://schemas.openxmlformats.org/presentationml/2006/main">
   <p:cSld>
     <p:spTree>

--- a/Docs/User Interface.pptx
+++ b/Docs/User Interface.pptx
@@ -288,7 +288,7 @@
           <a:p>
             <a:fld id="{AE19CE15-4131-427B-8B25-C3DE264DA446}" type="datetimeFigureOut">
               <a:rPr lang="en-PH" smtClean="0"/>
-              <a:t>10/12/2024</a:t>
+              <a:t>10/14/2024</a:t>
             </a:fld>
             <a:endParaRPr lang="en-PH"/>
           </a:p>
@@ -488,7 +488,7 @@
           <a:p>
             <a:fld id="{AE19CE15-4131-427B-8B25-C3DE264DA446}" type="datetimeFigureOut">
               <a:rPr lang="en-PH" smtClean="0"/>
-              <a:t>10/12/2024</a:t>
+              <a:t>10/14/2024</a:t>
             </a:fld>
             <a:endParaRPr lang="en-PH"/>
           </a:p>
@@ -698,7 +698,7 @@
           <a:p>
             <a:fld id="{AE19CE15-4131-427B-8B25-C3DE264DA446}" type="datetimeFigureOut">
               <a:rPr lang="en-PH" smtClean="0"/>
-              <a:t>10/12/2024</a:t>
+              <a:t>10/14/2024</a:t>
             </a:fld>
             <a:endParaRPr lang="en-PH"/>
           </a:p>
@@ -898,7 +898,7 @@
           <a:p>
             <a:fld id="{AE19CE15-4131-427B-8B25-C3DE264DA446}" type="datetimeFigureOut">
               <a:rPr lang="en-PH" smtClean="0"/>
-              <a:t>10/12/2024</a:t>
+              <a:t>10/14/2024</a:t>
             </a:fld>
             <a:endParaRPr lang="en-PH"/>
           </a:p>
@@ -1174,7 +1174,7 @@
           <a:p>
             <a:fld id="{AE19CE15-4131-427B-8B25-C3DE264DA446}" type="datetimeFigureOut">
               <a:rPr lang="en-PH" smtClean="0"/>
-              <a:t>10/12/2024</a:t>
+              <a:t>10/14/2024</a:t>
             </a:fld>
             <a:endParaRPr lang="en-PH"/>
           </a:p>
@@ -1442,7 +1442,7 @@
           <a:p>
             <a:fld id="{AE19CE15-4131-427B-8B25-C3DE264DA446}" type="datetimeFigureOut">
               <a:rPr lang="en-PH" smtClean="0"/>
-              <a:t>10/12/2024</a:t>
+              <a:t>10/14/2024</a:t>
             </a:fld>
             <a:endParaRPr lang="en-PH"/>
           </a:p>
@@ -1857,7 +1857,7 @@
           <a:p>
             <a:fld id="{AE19CE15-4131-427B-8B25-C3DE264DA446}" type="datetimeFigureOut">
               <a:rPr lang="en-PH" smtClean="0"/>
-              <a:t>10/12/2024</a:t>
+              <a:t>10/14/2024</a:t>
             </a:fld>
             <a:endParaRPr lang="en-PH"/>
           </a:p>
@@ -1999,7 +1999,7 @@
           <a:p>
             <a:fld id="{AE19CE15-4131-427B-8B25-C3DE264DA446}" type="datetimeFigureOut">
               <a:rPr lang="en-PH" smtClean="0"/>
-              <a:t>10/12/2024</a:t>
+              <a:t>10/14/2024</a:t>
             </a:fld>
             <a:endParaRPr lang="en-PH"/>
           </a:p>
@@ -2112,7 +2112,7 @@
           <a:p>
             <a:fld id="{AE19CE15-4131-427B-8B25-C3DE264DA446}" type="datetimeFigureOut">
               <a:rPr lang="en-PH" smtClean="0"/>
-              <a:t>10/12/2024</a:t>
+              <a:t>10/14/2024</a:t>
             </a:fld>
             <a:endParaRPr lang="en-PH"/>
           </a:p>
@@ -2425,7 +2425,7 @@
           <a:p>
             <a:fld id="{AE19CE15-4131-427B-8B25-C3DE264DA446}" type="datetimeFigureOut">
               <a:rPr lang="en-PH" smtClean="0"/>
-              <a:t>10/12/2024</a:t>
+              <a:t>10/14/2024</a:t>
             </a:fld>
             <a:endParaRPr lang="en-PH"/>
           </a:p>
@@ -2714,7 +2714,7 @@
           <a:p>
             <a:fld id="{AE19CE15-4131-427B-8B25-C3DE264DA446}" type="datetimeFigureOut">
               <a:rPr lang="en-PH" smtClean="0"/>
-              <a:t>10/12/2024</a:t>
+              <a:t>10/14/2024</a:t>
             </a:fld>
             <a:endParaRPr lang="en-PH"/>
           </a:p>
@@ -2957,7 +2957,7 @@
           <a:p>
             <a:fld id="{AE19CE15-4131-427B-8B25-C3DE264DA446}" type="datetimeFigureOut">
               <a:rPr lang="en-PH" smtClean="0"/>
-              <a:t>10/12/2024</a:t>
+              <a:t>10/14/2024</a:t>
             </a:fld>
             <a:endParaRPr lang="en-PH"/>
           </a:p>
@@ -3480,7 +3480,7 @@
         </p:nvGrpSpPr>
         <p:grpSpPr>
           <a:xfrm>
-            <a:off x="7010024" y="1043486"/>
+            <a:off x="6933824" y="1043486"/>
             <a:ext cx="3072537" cy="3894320"/>
             <a:chOff x="8358672" y="461780"/>
             <a:chExt cx="3072537" cy="3894320"/>
@@ -3512,7 +3512,11 @@
               <a:schemeClr val="bg1"/>
             </a:solidFill>
             <a:ln w="3175">
-              <a:noFill/>
+              <a:solidFill>
+                <a:schemeClr val="bg1">
+                  <a:lumMod val="85000"/>
+                </a:schemeClr>
+              </a:solidFill>
             </a:ln>
           </p:spPr>
           <p:style>
@@ -3561,6 +3565,13 @@
               <a:avLst/>
             </a:prstGeom>
             <a:noFill/>
+            <a:ln>
+              <a:solidFill>
+                <a:schemeClr val="bg1">
+                  <a:lumMod val="85000"/>
+                </a:schemeClr>
+              </a:solidFill>
+            </a:ln>
           </p:spPr>
           <p:txBody>
             <a:bodyPr wrap="square" rtlCol="0">
@@ -3603,7 +3614,9 @@
             </a:solidFill>
             <a:ln w="3175">
               <a:solidFill>
-                <a:schemeClr val="bg2"/>
+                <a:schemeClr val="bg1">
+                  <a:lumMod val="85000"/>
+                </a:schemeClr>
               </a:solidFill>
             </a:ln>
           </p:spPr>
@@ -3659,7 +3672,9 @@
             </a:solidFill>
             <a:ln w="3175">
               <a:solidFill>
-                <a:schemeClr val="bg2"/>
+                <a:schemeClr val="bg1">
+                  <a:lumMod val="85000"/>
+                </a:schemeClr>
               </a:solidFill>
             </a:ln>
           </p:spPr>
@@ -3726,7 +3741,9 @@
             </a:solidFill>
             <a:ln w="3175">
               <a:solidFill>
-                <a:schemeClr val="bg2"/>
+                <a:schemeClr val="bg1">
+                  <a:lumMod val="85000"/>
+                </a:schemeClr>
               </a:solidFill>
             </a:ln>
           </p:spPr>
@@ -3782,7 +3799,9 @@
             </a:solidFill>
             <a:ln w="3175">
               <a:solidFill>
-                <a:schemeClr val="bg2"/>
+                <a:schemeClr val="bg1">
+                  <a:lumMod val="85000"/>
+                </a:schemeClr>
               </a:solidFill>
             </a:ln>
           </p:spPr>
@@ -3849,7 +3868,9 @@
             </a:solidFill>
             <a:ln w="3175">
               <a:solidFill>
-                <a:schemeClr val="bg2"/>
+                <a:schemeClr val="bg1">
+                  <a:lumMod val="85000"/>
+                </a:schemeClr>
               </a:solidFill>
             </a:ln>
           </p:spPr>
@@ -3911,6 +3932,13 @@
               <a:avLst/>
             </a:prstGeom>
             <a:noFill/>
+            <a:ln>
+              <a:solidFill>
+                <a:schemeClr val="bg1">
+                  <a:lumMod val="85000"/>
+                </a:schemeClr>
+              </a:solidFill>
+            </a:ln>
           </p:spPr>
           <p:txBody>
             <a:bodyPr wrap="square" rtlCol="0">
@@ -3955,6 +3983,13 @@
               <a:avLst/>
             </a:prstGeom>
             <a:noFill/>
+            <a:ln>
+              <a:solidFill>
+                <a:schemeClr val="bg1">
+                  <a:lumMod val="85000"/>
+                </a:schemeClr>
+              </a:solidFill>
+            </a:ln>
           </p:spPr>
           <p:txBody>
             <a:bodyPr wrap="square" rtlCol="0">
@@ -3999,6 +4034,13 @@
               <a:avLst/>
             </a:prstGeom>
             <a:noFill/>
+            <a:ln>
+              <a:solidFill>
+                <a:schemeClr val="bg1">
+                  <a:lumMod val="85000"/>
+                </a:schemeClr>
+              </a:solidFill>
+            </a:ln>
           </p:spPr>
           <p:txBody>
             <a:bodyPr wrap="square" rtlCol="0">
@@ -4051,6 +4093,13 @@
             <a:prstGeom prst="rect">
               <a:avLst/>
             </a:prstGeom>
+            <a:ln>
+              <a:solidFill>
+                <a:schemeClr val="bg1">
+                  <a:lumMod val="85000"/>
+                </a:schemeClr>
+              </a:solidFill>
+            </a:ln>
           </p:spPr>
         </p:pic>
         <p:sp>
@@ -4079,7 +4128,11 @@
               <a:srgbClr val="00B050"/>
             </a:solidFill>
             <a:ln>
-              <a:noFill/>
+              <a:solidFill>
+                <a:schemeClr val="bg1">
+                  <a:lumMod val="85000"/>
+                </a:schemeClr>
+              </a:solidFill>
             </a:ln>
           </p:spPr>
           <p:style>
@@ -4116,143 +4169,164 @@
           </p:txBody>
         </p:sp>
       </p:grpSp>
-      <p:sp>
-        <p:nvSpPr>
-          <p:cNvPr id="20" name="Rectangle 19">
-            <a:extLst>
-              <a:ext uri="{FF2B5EF4-FFF2-40B4-BE49-F238E27FC236}">
-                <a16:creationId xmlns:a16="http://schemas.microsoft.com/office/drawing/2014/main" id="{97A4B07B-0476-423F-8071-3A6112EC2FB5}"/>
-              </a:ext>
-            </a:extLst>
-          </p:cNvPr>
-          <p:cNvSpPr/>
+      <p:grpSp>
+        <p:nvGrpSpPr>
+          <p:cNvPr id="3" name="Group 2">
+            <a:extLst>
+              <a:ext uri="{FF2B5EF4-FFF2-40B4-BE49-F238E27FC236}">
+                <a16:creationId xmlns:a16="http://schemas.microsoft.com/office/drawing/2014/main" id="{4E957027-7952-4490-8832-E3921B66C937}"/>
+              </a:ext>
+            </a:extLst>
+          </p:cNvPr>
+          <p:cNvGrpSpPr/>
           <p:nvPr/>
-        </p:nvSpPr>
-        <p:spPr>
-          <a:xfrm>
-            <a:off x="3200026" y="3086753"/>
-            <a:ext cx="2865714" cy="570495"/>
-          </a:xfrm>
-          <a:prstGeom prst="rect">
-            <a:avLst/>
-          </a:prstGeom>
-          <a:solidFill>
-            <a:schemeClr val="bg1"/>
-          </a:solidFill>
-          <a:ln>
-            <a:solidFill>
-              <a:schemeClr val="bg2"/>
-            </a:solidFill>
-          </a:ln>
-        </p:spPr>
-        <p:style>
-          <a:lnRef idx="2">
-            <a:schemeClr val="accent1">
-              <a:shade val="50000"/>
-            </a:schemeClr>
-          </a:lnRef>
-          <a:fillRef idx="1">
-            <a:schemeClr val="accent1"/>
-          </a:fillRef>
-          <a:effectRef idx="0">
-            <a:schemeClr val="accent1"/>
-          </a:effectRef>
-          <a:fontRef idx="minor">
-            <a:schemeClr val="lt1"/>
-          </a:fontRef>
-        </p:style>
-        <p:txBody>
-          <a:bodyPr rtlCol="0" anchor="ctr"/>
-          <a:lstStyle/>
-          <a:p>
-            <a:pPr algn="ctr"/>
-            <a:r>
-              <a:rPr lang="en-US" dirty="0"/>
-              <a:t>Search</a:t>
-            </a:r>
-            <a:endParaRPr lang="en-PH" dirty="0"/>
-          </a:p>
-        </p:txBody>
-      </p:sp>
-      <p:sp>
-        <p:nvSpPr>
-          <p:cNvPr id="21" name="TextBox 20">
-            <a:extLst>
-              <a:ext uri="{FF2B5EF4-FFF2-40B4-BE49-F238E27FC236}">
-                <a16:creationId xmlns:a16="http://schemas.microsoft.com/office/drawing/2014/main" id="{5B43503E-DE86-4583-BC17-DED0C01882DC}"/>
-              </a:ext>
-            </a:extLst>
-          </p:cNvPr>
-          <p:cNvSpPr txBox="1"/>
-          <p:nvPr/>
-        </p:nvSpPr>
-        <p:spPr>
+        </p:nvGrpSpPr>
+        <p:grpSpPr>
           <a:xfrm>
             <a:off x="1741766" y="2267371"/>
             <a:ext cx="4625206" cy="1446550"/>
-          </a:xfrm>
-          <a:prstGeom prst="rect">
-            <a:avLst/>
-          </a:prstGeom>
-          <a:noFill/>
-        </p:spPr>
-        <p:txBody>
-          <a:bodyPr wrap="square">
-            <a:spAutoFit/>
-          </a:bodyPr>
-          <a:lstStyle/>
-          <a:p>
-            <a:r>
-              <a:rPr lang="en-PH" sz="4400" b="1" i="0" dirty="0">
-                <a:solidFill>
-                  <a:schemeClr val="bg1"/>
-                </a:solidFill>
-                <a:effectLst/>
-                <a:latin typeface="-apple-system"/>
-              </a:rPr>
-              <a:t>Your daily task</a:t>
-            </a:r>
-            <a:br>
-              <a:rPr lang="en-PH" sz="4400" b="1" i="0" dirty="0">
-                <a:solidFill>
-                  <a:srgbClr val="1E4976"/>
-                </a:solidFill>
-                <a:effectLst/>
-                <a:latin typeface="-apple-system"/>
-              </a:rPr>
-            </a:br>
-            <a:r>
-              <a:rPr lang="en-PH" sz="4400" b="1" i="0" dirty="0">
-                <a:solidFill>
-                  <a:srgbClr val="1E4976"/>
-                </a:solidFill>
-                <a:effectLst/>
-                <a:latin typeface="-apple-system"/>
-              </a:rPr>
-              <a:t>            companion</a:t>
-            </a:r>
-            <a:r>
-              <a:rPr lang="en-PH" sz="4400" b="1" i="0" dirty="0">
+            <a:chOff x="1741766" y="2267371"/>
+            <a:chExt cx="4625206" cy="1446550"/>
+          </a:xfrm>
+        </p:grpSpPr>
+        <p:sp>
+          <p:nvSpPr>
+            <p:cNvPr id="20" name="Rectangle 19">
+              <a:extLst>
+                <a:ext uri="{FF2B5EF4-FFF2-40B4-BE49-F238E27FC236}">
+                  <a16:creationId xmlns:a16="http://schemas.microsoft.com/office/drawing/2014/main" id="{97A4B07B-0476-423F-8071-3A6112EC2FB5}"/>
+                </a:ext>
+              </a:extLst>
+            </p:cNvPr>
+            <p:cNvSpPr/>
+            <p:nvPr/>
+          </p:nvSpPr>
+          <p:spPr>
+            <a:xfrm>
+              <a:off x="3200026" y="3086753"/>
+              <a:ext cx="2865714" cy="570495"/>
+            </a:xfrm>
+            <a:prstGeom prst="rect">
+              <a:avLst/>
+            </a:prstGeom>
+            <a:solidFill>
+              <a:schemeClr val="bg1"/>
+            </a:solidFill>
+            <a:ln>
+              <a:solidFill>
+                <a:schemeClr val="bg2"/>
+              </a:solidFill>
+            </a:ln>
+          </p:spPr>
+          <p:style>
+            <a:lnRef idx="2">
+              <a:schemeClr val="accent1">
+                <a:shade val="50000"/>
+              </a:schemeClr>
+            </a:lnRef>
+            <a:fillRef idx="1">
+              <a:schemeClr val="accent1"/>
+            </a:fillRef>
+            <a:effectRef idx="0">
+              <a:schemeClr val="accent1"/>
+            </a:effectRef>
+            <a:fontRef idx="minor">
+              <a:schemeClr val="lt1"/>
+            </a:fontRef>
+          </p:style>
+          <p:txBody>
+            <a:bodyPr rtlCol="0" anchor="ctr"/>
+            <a:lstStyle/>
+            <a:p>
+              <a:pPr algn="ctr"/>
+              <a:r>
+                <a:rPr lang="en-US" dirty="0"/>
+                <a:t>Search</a:t>
+              </a:r>
+              <a:endParaRPr lang="en-PH" dirty="0"/>
+            </a:p>
+          </p:txBody>
+        </p:sp>
+        <p:sp>
+          <p:nvSpPr>
+            <p:cNvPr id="21" name="TextBox 20">
+              <a:extLst>
+                <a:ext uri="{FF2B5EF4-FFF2-40B4-BE49-F238E27FC236}">
+                  <a16:creationId xmlns:a16="http://schemas.microsoft.com/office/drawing/2014/main" id="{5B43503E-DE86-4583-BC17-DED0C01882DC}"/>
+                </a:ext>
+              </a:extLst>
+            </p:cNvPr>
+            <p:cNvSpPr txBox="1"/>
+            <p:nvPr/>
+          </p:nvSpPr>
+          <p:spPr>
+            <a:xfrm>
+              <a:off x="1741766" y="2267371"/>
+              <a:ext cx="4625206" cy="1446550"/>
+            </a:xfrm>
+            <a:prstGeom prst="rect">
+              <a:avLst/>
+            </a:prstGeom>
+            <a:noFill/>
+          </p:spPr>
+          <p:txBody>
+            <a:bodyPr wrap="square">
+              <a:spAutoFit/>
+            </a:bodyPr>
+            <a:lstStyle/>
+            <a:p>
+              <a:r>
+                <a:rPr lang="en-PH" sz="4400" b="1" i="0" dirty="0">
+                  <a:solidFill>
+                    <a:schemeClr val="bg1"/>
+                  </a:solidFill>
+                  <a:effectLst/>
+                  <a:latin typeface="-apple-system"/>
+                </a:rPr>
+                <a:t>Your daily task</a:t>
+              </a:r>
+              <a:br>
+                <a:rPr lang="en-PH" sz="4400" b="1" i="0" dirty="0">
+                  <a:solidFill>
+                    <a:srgbClr val="1E4976"/>
+                  </a:solidFill>
+                  <a:effectLst/>
+                  <a:latin typeface="-apple-system"/>
+                </a:rPr>
+              </a:br>
+              <a:r>
+                <a:rPr lang="en-PH" sz="4400" b="1" i="0" dirty="0">
+                  <a:solidFill>
+                    <a:srgbClr val="1E4976"/>
+                  </a:solidFill>
+                  <a:effectLst/>
+                  <a:latin typeface="-apple-system"/>
+                </a:rPr>
+                <a:t>            companion</a:t>
+              </a:r>
+              <a:r>
+                <a:rPr lang="en-PH" sz="4400" b="1" i="0" dirty="0">
+                  <a:solidFill>
+                    <a:schemeClr val="bg1">
+                      <a:lumMod val="95000"/>
+                    </a:schemeClr>
+                  </a:solidFill>
+                  <a:effectLst/>
+                  <a:latin typeface="-apple-system"/>
+                </a:rPr>
+                <a:t>.</a:t>
+              </a:r>
+              <a:endParaRPr lang="en-PH" sz="4400" dirty="0">
                 <a:solidFill>
                   <a:schemeClr val="bg1">
                     <a:lumMod val="95000"/>
                   </a:schemeClr>
                 </a:solidFill>
-                <a:effectLst/>
-                <a:latin typeface="-apple-system"/>
-              </a:rPr>
-              <a:t>.</a:t>
-            </a:r>
-            <a:endParaRPr lang="en-PH" sz="4400" dirty="0">
-              <a:solidFill>
-                <a:schemeClr val="bg1">
-                  <a:lumMod val="95000"/>
-                </a:schemeClr>
-              </a:solidFill>
-            </a:endParaRPr>
-          </a:p>
-        </p:txBody>
-      </p:sp>
+              </a:endParaRPr>
+            </a:p>
+          </p:txBody>
+        </p:sp>
+      </p:grpSp>
     </p:spTree>
     <p:extLst>
       <p:ext uri="{BB962C8B-B14F-4D97-AF65-F5344CB8AC3E}">
@@ -4394,7 +4468,7 @@
         </p:nvSpPr>
         <p:spPr>
           <a:xfrm rot="16200000" flipV="1">
-            <a:off x="-2072598" y="2480351"/>
+            <a:off x="-2072598" y="2493051"/>
             <a:ext cx="6450246" cy="2305050"/>
           </a:xfrm>
           <a:prstGeom prst="roundRect">
@@ -4432,55 +4506,12 @@
           <a:bodyPr rtlCol="0" anchor="ctr"/>
           <a:lstStyle/>
           <a:p>
-            <a:pPr algn="ctr"/>
-            <a:endParaRPr lang="en-PH"/>
-          </a:p>
-        </p:txBody>
-      </p:sp>
-      <p:sp>
-        <p:nvSpPr>
-          <p:cNvPr id="20" name="TextBox 19">
-            <a:extLst>
-              <a:ext uri="{FF2B5EF4-FFF2-40B4-BE49-F238E27FC236}">
-                <a16:creationId xmlns:a16="http://schemas.microsoft.com/office/drawing/2014/main" id="{28E7AF71-8B85-42C8-8F7A-E27F02546457}"/>
-              </a:ext>
-            </a:extLst>
-          </p:cNvPr>
-          <p:cNvSpPr txBox="1"/>
-          <p:nvPr/>
-        </p:nvSpPr>
-        <p:spPr>
-          <a:xfrm>
-            <a:off x="158998" y="574738"/>
-            <a:ext cx="1974601" cy="1816036"/>
-          </a:xfrm>
-          <a:prstGeom prst="roundRect">
-            <a:avLst>
-              <a:gd name="adj" fmla="val 5774"/>
-            </a:avLst>
-          </a:prstGeom>
-          <a:solidFill>
-            <a:srgbClr val="FFFFFF"/>
-          </a:solidFill>
-          <a:ln>
-            <a:solidFill>
-              <a:schemeClr val="bg2">
-                <a:lumMod val="90000"/>
-              </a:schemeClr>
-            </a:solidFill>
-          </a:ln>
-        </p:spPr>
-        <p:txBody>
-          <a:bodyPr wrap="square" rtlCol="0" anchor="t" anchorCtr="0">
-            <a:noAutofit/>
-          </a:bodyPr>
-          <a:lstStyle/>
-          <a:p>
-            <a:r>
-              <a:rPr lang="en-US" sz="1200" b="1" dirty="0"/>
-              <a:t> </a:t>
-            </a:r>
-            <a:endParaRPr lang="en-PH" sz="1200" b="1" dirty="0"/>
+            <a:pPr algn="ctr">
+              <a:tabLst>
+                <a:tab pos="355600" algn="l"/>
+              </a:tabLst>
+            </a:pPr>
+            <a:endParaRPr lang="en-PH" dirty="0"/>
           </a:p>
         </p:txBody>
       </p:sp>
@@ -4709,552 +4740,6 @@
           </a:p>
         </p:txBody>
       </p:sp>
-      <p:sp>
-        <p:nvSpPr>
-          <p:cNvPr id="21" name="Rectangle: Rounded Corners 20">
-            <a:extLst>
-              <a:ext uri="{FF2B5EF4-FFF2-40B4-BE49-F238E27FC236}">
-                <a16:creationId xmlns:a16="http://schemas.microsoft.com/office/drawing/2014/main" id="{BFB71818-581A-4B3F-B3E6-10D2A25AE77C}"/>
-              </a:ext>
-            </a:extLst>
-          </p:cNvPr>
-          <p:cNvSpPr/>
-          <p:nvPr/>
-        </p:nvSpPr>
-        <p:spPr>
-          <a:xfrm>
-            <a:off x="277997" y="949540"/>
-            <a:ext cx="1741074" cy="263699"/>
-          </a:xfrm>
-          <a:prstGeom prst="roundRect">
-            <a:avLst>
-              <a:gd name="adj" fmla="val 50000"/>
-            </a:avLst>
-          </a:prstGeom>
-          <a:solidFill>
-            <a:srgbClr val="D4E3FA"/>
-          </a:solidFill>
-          <a:ln w="3175">
-            <a:noFill/>
-          </a:ln>
-          <a:effectLst>
-            <a:softEdge rad="0"/>
-          </a:effectLst>
-        </p:spPr>
-        <p:style>
-          <a:lnRef idx="2">
-            <a:schemeClr val="accent1">
-              <a:shade val="50000"/>
-            </a:schemeClr>
-          </a:lnRef>
-          <a:fillRef idx="1">
-            <a:schemeClr val="accent1"/>
-          </a:fillRef>
-          <a:effectRef idx="0">
-            <a:schemeClr val="accent1"/>
-          </a:effectRef>
-          <a:fontRef idx="minor">
-            <a:schemeClr val="lt1"/>
-          </a:fontRef>
-        </p:style>
-        <p:txBody>
-          <a:bodyPr rtlCol="0" anchor="ctr"/>
-          <a:lstStyle/>
-          <a:p>
-            <a:pPr algn="ctr"/>
-            <a:endParaRPr lang="en-PH" sz="1200"/>
-          </a:p>
-        </p:txBody>
-      </p:sp>
-      <p:sp>
-        <p:nvSpPr>
-          <p:cNvPr id="22" name="TextBox 21">
-            <a:extLst>
-              <a:ext uri="{FF2B5EF4-FFF2-40B4-BE49-F238E27FC236}">
-                <a16:creationId xmlns:a16="http://schemas.microsoft.com/office/drawing/2014/main" id="{8E091E8D-F1E2-4DB6-9E96-DCE6D01E8BA1}"/>
-              </a:ext>
-            </a:extLst>
-          </p:cNvPr>
-          <p:cNvSpPr txBox="1"/>
-          <p:nvPr/>
-        </p:nvSpPr>
-        <p:spPr>
-          <a:xfrm>
-            <a:off x="523885" y="940763"/>
-            <a:ext cx="1293719" cy="276999"/>
-          </a:xfrm>
-          <a:prstGeom prst="rect">
-            <a:avLst/>
-          </a:prstGeom>
-          <a:noFill/>
-        </p:spPr>
-        <p:txBody>
-          <a:bodyPr wrap="square" rtlCol="0">
-            <a:spAutoFit/>
-          </a:bodyPr>
-          <a:lstStyle/>
-          <a:p>
-            <a:r>
-              <a:rPr lang="en-US" sz="1200" dirty="0">
-                <a:solidFill>
-                  <a:schemeClr val="tx2">
-                    <a:lumMod val="75000"/>
-                  </a:schemeClr>
-                </a:solidFill>
-              </a:rPr>
-              <a:t>Infrastructure</a:t>
-            </a:r>
-            <a:endParaRPr lang="en-PH" sz="1200" dirty="0">
-              <a:solidFill>
-                <a:schemeClr val="tx2">
-                  <a:lumMod val="75000"/>
-                </a:schemeClr>
-              </a:solidFill>
-            </a:endParaRPr>
-          </a:p>
-        </p:txBody>
-      </p:sp>
-      <p:pic>
-        <p:nvPicPr>
-          <p:cNvPr id="24" name="Picture 23">
-            <a:extLst>
-              <a:ext uri="{FF2B5EF4-FFF2-40B4-BE49-F238E27FC236}">
-                <a16:creationId xmlns:a16="http://schemas.microsoft.com/office/drawing/2014/main" id="{BCD36225-30D9-4E7E-B3F0-6E8555719B0A}"/>
-              </a:ext>
-            </a:extLst>
-          </p:cNvPr>
-          <p:cNvPicPr>
-            <a:picLocks noChangeAspect="1"/>
-          </p:cNvPicPr>
-          <p:nvPr/>
-        </p:nvPicPr>
-        <p:blipFill>
-          <a:blip r:embed="rId5"/>
-          <a:stretch>
-            <a:fillRect/>
-          </a:stretch>
-        </p:blipFill>
-        <p:spPr>
-          <a:xfrm>
-            <a:off x="355010" y="995848"/>
-            <a:ext cx="168062" cy="191722"/>
-          </a:xfrm>
-          <a:prstGeom prst="rect">
-            <a:avLst/>
-          </a:prstGeom>
-        </p:spPr>
-      </p:pic>
-      <p:sp>
-        <p:nvSpPr>
-          <p:cNvPr id="25" name="Rectangle 24">
-            <a:extLst>
-              <a:ext uri="{FF2B5EF4-FFF2-40B4-BE49-F238E27FC236}">
-                <a16:creationId xmlns:a16="http://schemas.microsoft.com/office/drawing/2014/main" id="{4223E682-0182-4E01-A16E-316FC615F5BB}"/>
-              </a:ext>
-            </a:extLst>
-          </p:cNvPr>
-          <p:cNvSpPr/>
-          <p:nvPr/>
-        </p:nvSpPr>
-        <p:spPr>
-          <a:xfrm>
-            <a:off x="277997" y="1333138"/>
-            <a:ext cx="1684152" cy="330179"/>
-          </a:xfrm>
-          <a:prstGeom prst="rect">
-            <a:avLst/>
-          </a:prstGeom>
-          <a:solidFill>
-            <a:srgbClr val="FFFFFF"/>
-          </a:solidFill>
-          <a:ln w="3175">
-            <a:noFill/>
-          </a:ln>
-          <a:effectLst>
-            <a:softEdge rad="0"/>
-          </a:effectLst>
-        </p:spPr>
-        <p:style>
-          <a:lnRef idx="2">
-            <a:schemeClr val="accent1">
-              <a:shade val="50000"/>
-            </a:schemeClr>
-          </a:lnRef>
-          <a:fillRef idx="1">
-            <a:schemeClr val="accent1"/>
-          </a:fillRef>
-          <a:effectRef idx="0">
-            <a:schemeClr val="accent1"/>
-          </a:effectRef>
-          <a:fontRef idx="minor">
-            <a:schemeClr val="lt1"/>
-          </a:fontRef>
-        </p:style>
-        <p:txBody>
-          <a:bodyPr rtlCol="0" anchor="ctr"/>
-          <a:lstStyle/>
-          <a:p>
-            <a:pPr algn="ctr"/>
-            <a:endParaRPr lang="en-PH" sz="1200"/>
-          </a:p>
-        </p:txBody>
-      </p:sp>
-      <p:sp>
-        <p:nvSpPr>
-          <p:cNvPr id="26" name="TextBox 25">
-            <a:extLst>
-              <a:ext uri="{FF2B5EF4-FFF2-40B4-BE49-F238E27FC236}">
-                <a16:creationId xmlns:a16="http://schemas.microsoft.com/office/drawing/2014/main" id="{F4535406-3C5E-43E4-B079-1519A85F5A0F}"/>
-              </a:ext>
-            </a:extLst>
-          </p:cNvPr>
-          <p:cNvSpPr txBox="1"/>
-          <p:nvPr/>
-        </p:nvSpPr>
-        <p:spPr>
-          <a:xfrm>
-            <a:off x="523885" y="1319397"/>
-            <a:ext cx="1508497" cy="276999"/>
-          </a:xfrm>
-          <a:prstGeom prst="rect">
-            <a:avLst/>
-          </a:prstGeom>
-          <a:solidFill>
-            <a:srgbClr val="FFFFFF"/>
-          </a:solidFill>
-        </p:spPr>
-        <p:txBody>
-          <a:bodyPr wrap="square" rtlCol="0">
-            <a:spAutoFit/>
-          </a:bodyPr>
-          <a:lstStyle/>
-          <a:p>
-            <a:r>
-              <a:rPr lang="en-US" sz="1200" dirty="0">
-                <a:solidFill>
-                  <a:schemeClr val="tx2">
-                    <a:lumMod val="75000"/>
-                  </a:schemeClr>
-                </a:solidFill>
-              </a:rPr>
-              <a:t>ERPS Systems</a:t>
-            </a:r>
-            <a:endParaRPr lang="en-PH" sz="1200" dirty="0">
-              <a:solidFill>
-                <a:schemeClr val="tx2">
-                  <a:lumMod val="75000"/>
-                </a:schemeClr>
-              </a:solidFill>
-            </a:endParaRPr>
-          </a:p>
-        </p:txBody>
-      </p:sp>
-      <p:pic>
-        <p:nvPicPr>
-          <p:cNvPr id="28" name="Picture 27">
-            <a:extLst>
-              <a:ext uri="{FF2B5EF4-FFF2-40B4-BE49-F238E27FC236}">
-                <a16:creationId xmlns:a16="http://schemas.microsoft.com/office/drawing/2014/main" id="{92AE064B-5C7F-4BE6-A039-259199C8DB04}"/>
-              </a:ext>
-            </a:extLst>
-          </p:cNvPr>
-          <p:cNvPicPr>
-            <a:picLocks noChangeAspect="1"/>
-          </p:cNvPicPr>
-          <p:nvPr/>
-        </p:nvPicPr>
-        <p:blipFill>
-          <a:blip r:embed="rId6"/>
-          <a:stretch>
-            <a:fillRect/>
-          </a:stretch>
-        </p:blipFill>
-        <p:spPr>
-          <a:xfrm>
-            <a:off x="368241" y="1367218"/>
-            <a:ext cx="115170" cy="175307"/>
-          </a:xfrm>
-          <a:prstGeom prst="rect">
-            <a:avLst/>
-          </a:prstGeom>
-        </p:spPr>
-      </p:pic>
-      <p:sp>
-        <p:nvSpPr>
-          <p:cNvPr id="29" name="Rectangle 28">
-            <a:extLst>
-              <a:ext uri="{FF2B5EF4-FFF2-40B4-BE49-F238E27FC236}">
-                <a16:creationId xmlns:a16="http://schemas.microsoft.com/office/drawing/2014/main" id="{9DC78CB5-2CC4-4AE5-92C6-EDC6879BA1B2}"/>
-              </a:ext>
-            </a:extLst>
-          </p:cNvPr>
-          <p:cNvSpPr/>
-          <p:nvPr/>
-        </p:nvSpPr>
-        <p:spPr>
-          <a:xfrm>
-            <a:off x="277997" y="1663414"/>
-            <a:ext cx="1688160" cy="330179"/>
-          </a:xfrm>
-          <a:prstGeom prst="rect">
-            <a:avLst/>
-          </a:prstGeom>
-          <a:solidFill>
-            <a:srgbClr val="FFFFFF"/>
-          </a:solidFill>
-          <a:ln w="3175">
-            <a:noFill/>
-          </a:ln>
-          <a:effectLst>
-            <a:softEdge rad="0"/>
-          </a:effectLst>
-        </p:spPr>
-        <p:style>
-          <a:lnRef idx="2">
-            <a:schemeClr val="accent1">
-              <a:shade val="50000"/>
-            </a:schemeClr>
-          </a:lnRef>
-          <a:fillRef idx="1">
-            <a:schemeClr val="accent1"/>
-          </a:fillRef>
-          <a:effectRef idx="0">
-            <a:schemeClr val="accent1"/>
-          </a:effectRef>
-          <a:fontRef idx="minor">
-            <a:schemeClr val="lt1"/>
-          </a:fontRef>
-        </p:style>
-        <p:txBody>
-          <a:bodyPr rtlCol="0" anchor="ctr"/>
-          <a:lstStyle/>
-          <a:p>
-            <a:pPr algn="ctr"/>
-            <a:endParaRPr lang="en-PH" sz="1200"/>
-          </a:p>
-        </p:txBody>
-      </p:sp>
-      <p:sp>
-        <p:nvSpPr>
-          <p:cNvPr id="30" name="TextBox 29">
-            <a:extLst>
-              <a:ext uri="{FF2B5EF4-FFF2-40B4-BE49-F238E27FC236}">
-                <a16:creationId xmlns:a16="http://schemas.microsoft.com/office/drawing/2014/main" id="{46457596-43AC-487C-9930-20211D647E90}"/>
-              </a:ext>
-            </a:extLst>
-          </p:cNvPr>
-          <p:cNvSpPr txBox="1"/>
-          <p:nvPr/>
-        </p:nvSpPr>
-        <p:spPr>
-          <a:xfrm>
-            <a:off x="527892" y="1649673"/>
-            <a:ext cx="1508497" cy="276999"/>
-          </a:xfrm>
-          <a:prstGeom prst="rect">
-            <a:avLst/>
-          </a:prstGeom>
-          <a:solidFill>
-            <a:srgbClr val="FFFFFF"/>
-          </a:solidFill>
-        </p:spPr>
-        <p:txBody>
-          <a:bodyPr wrap="square" rtlCol="0">
-            <a:spAutoFit/>
-          </a:bodyPr>
-          <a:lstStyle/>
-          <a:p>
-            <a:r>
-              <a:rPr lang="en-US" sz="1200" dirty="0">
-                <a:solidFill>
-                  <a:schemeClr val="tx2">
-                    <a:lumMod val="75000"/>
-                  </a:schemeClr>
-                </a:solidFill>
-              </a:rPr>
-              <a:t>Common Systems</a:t>
-            </a:r>
-            <a:endParaRPr lang="en-PH" sz="1200" dirty="0">
-              <a:solidFill>
-                <a:schemeClr val="tx2">
-                  <a:lumMod val="75000"/>
-                </a:schemeClr>
-              </a:solidFill>
-            </a:endParaRPr>
-          </a:p>
-        </p:txBody>
-      </p:sp>
-      <p:pic>
-        <p:nvPicPr>
-          <p:cNvPr id="32" name="Picture 31">
-            <a:extLst>
-              <a:ext uri="{FF2B5EF4-FFF2-40B4-BE49-F238E27FC236}">
-                <a16:creationId xmlns:a16="http://schemas.microsoft.com/office/drawing/2014/main" id="{E37D0BBC-F858-4F59-A730-914C52651A90}"/>
-              </a:ext>
-            </a:extLst>
-          </p:cNvPr>
-          <p:cNvPicPr>
-            <a:picLocks noChangeAspect="1"/>
-          </p:cNvPicPr>
-          <p:nvPr/>
-        </p:nvPicPr>
-        <p:blipFill>
-          <a:blip r:embed="rId7"/>
-          <a:stretch>
-            <a:fillRect/>
-          </a:stretch>
-        </p:blipFill>
-        <p:spPr>
-          <a:xfrm>
-            <a:off x="343585" y="1683983"/>
-            <a:ext cx="135266" cy="205898"/>
-          </a:xfrm>
-          <a:prstGeom prst="rect">
-            <a:avLst/>
-          </a:prstGeom>
-          <a:solidFill>
-            <a:srgbClr val="FFFFFF"/>
-          </a:solidFill>
-        </p:spPr>
-      </p:pic>
-      <p:sp>
-        <p:nvSpPr>
-          <p:cNvPr id="33" name="Rectangle 32">
-            <a:extLst>
-              <a:ext uri="{FF2B5EF4-FFF2-40B4-BE49-F238E27FC236}">
-                <a16:creationId xmlns:a16="http://schemas.microsoft.com/office/drawing/2014/main" id="{D434FF03-35FB-4DA1-907A-6F2556D6E0ED}"/>
-              </a:ext>
-            </a:extLst>
-          </p:cNvPr>
-          <p:cNvSpPr/>
-          <p:nvPr/>
-        </p:nvSpPr>
-        <p:spPr>
-          <a:xfrm>
-            <a:off x="273989" y="1997674"/>
-            <a:ext cx="1688160" cy="330179"/>
-          </a:xfrm>
-          <a:prstGeom prst="rect">
-            <a:avLst/>
-          </a:prstGeom>
-          <a:solidFill>
-            <a:srgbClr val="FFFFFF"/>
-          </a:solidFill>
-          <a:ln w="3175">
-            <a:noFill/>
-          </a:ln>
-          <a:effectLst>
-            <a:softEdge rad="0"/>
-          </a:effectLst>
-        </p:spPr>
-        <p:style>
-          <a:lnRef idx="2">
-            <a:schemeClr val="accent1">
-              <a:shade val="50000"/>
-            </a:schemeClr>
-          </a:lnRef>
-          <a:fillRef idx="1">
-            <a:schemeClr val="accent1"/>
-          </a:fillRef>
-          <a:effectRef idx="0">
-            <a:schemeClr val="accent1"/>
-          </a:effectRef>
-          <a:fontRef idx="minor">
-            <a:schemeClr val="lt1"/>
-          </a:fontRef>
-        </p:style>
-        <p:txBody>
-          <a:bodyPr rtlCol="0" anchor="ctr"/>
-          <a:lstStyle/>
-          <a:p>
-            <a:pPr algn="ctr"/>
-            <a:endParaRPr lang="en-PH" sz="1200"/>
-          </a:p>
-        </p:txBody>
-      </p:sp>
-      <p:sp>
-        <p:nvSpPr>
-          <p:cNvPr id="34" name="TextBox 33">
-            <a:extLst>
-              <a:ext uri="{FF2B5EF4-FFF2-40B4-BE49-F238E27FC236}">
-                <a16:creationId xmlns:a16="http://schemas.microsoft.com/office/drawing/2014/main" id="{CDEC40D1-B4E0-4F04-BE07-EF9641127EC9}"/>
-              </a:ext>
-            </a:extLst>
-          </p:cNvPr>
-          <p:cNvSpPr txBox="1"/>
-          <p:nvPr/>
-        </p:nvSpPr>
-        <p:spPr>
-          <a:xfrm>
-            <a:off x="523886" y="1983933"/>
-            <a:ext cx="1508496" cy="276999"/>
-          </a:xfrm>
-          <a:prstGeom prst="rect">
-            <a:avLst/>
-          </a:prstGeom>
-          <a:solidFill>
-            <a:srgbClr val="FFFFFF"/>
-          </a:solidFill>
-        </p:spPr>
-        <p:txBody>
-          <a:bodyPr wrap="square" rtlCol="0">
-            <a:spAutoFit/>
-          </a:bodyPr>
-          <a:lstStyle/>
-          <a:p>
-            <a:r>
-              <a:rPr lang="en-US" sz="1200" dirty="0">
-                <a:solidFill>
-                  <a:schemeClr val="tx2">
-                    <a:lumMod val="75000"/>
-                  </a:schemeClr>
-                </a:solidFill>
-              </a:rPr>
-              <a:t>Manufacturing</a:t>
-            </a:r>
-            <a:endParaRPr lang="en-PH" sz="1200" dirty="0">
-              <a:solidFill>
-                <a:schemeClr val="tx2">
-                  <a:lumMod val="75000"/>
-                </a:schemeClr>
-              </a:solidFill>
-            </a:endParaRPr>
-          </a:p>
-        </p:txBody>
-      </p:sp>
-      <p:pic>
-        <p:nvPicPr>
-          <p:cNvPr id="36" name="Picture 35">
-            <a:extLst>
-              <a:ext uri="{FF2B5EF4-FFF2-40B4-BE49-F238E27FC236}">
-                <a16:creationId xmlns:a16="http://schemas.microsoft.com/office/drawing/2014/main" id="{677FC680-069A-4764-9915-2174689A499C}"/>
-              </a:ext>
-            </a:extLst>
-          </p:cNvPr>
-          <p:cNvPicPr>
-            <a:picLocks noChangeAspect="1"/>
-          </p:cNvPicPr>
-          <p:nvPr/>
-        </p:nvPicPr>
-        <p:blipFill>
-          <a:blip r:embed="rId8"/>
-          <a:stretch>
-            <a:fillRect/>
-          </a:stretch>
-        </p:blipFill>
-        <p:spPr>
-          <a:xfrm>
-            <a:off x="325458" y="2004574"/>
-            <a:ext cx="150041" cy="228388"/>
-          </a:xfrm>
-          <a:prstGeom prst="rect">
-            <a:avLst/>
-          </a:prstGeom>
-          <a:solidFill>
-            <a:srgbClr val="FFFFFF"/>
-          </a:solidFill>
-        </p:spPr>
-      </p:pic>
       <p:grpSp>
         <p:nvGrpSpPr>
           <p:cNvPr id="91" name="Group 90">
@@ -5365,7 +4850,7 @@
             <p:nvPr/>
           </p:nvPicPr>
           <p:blipFill>
-            <a:blip r:embed="rId9"/>
+            <a:blip r:embed="rId5"/>
             <a:stretch>
               <a:fillRect/>
             </a:stretch>
@@ -5396,7 +4881,7 @@
           <p:nvPr/>
         </p:nvPicPr>
         <p:blipFill rotWithShape="1">
-          <a:blip r:embed="rId10"/>
+          <a:blip r:embed="rId6"/>
           <a:srcRect l="2832" t="15279" r="2741" b="4979"/>
           <a:stretch/>
         </p:blipFill>
@@ -5529,7 +5014,7 @@
             <p:nvPr/>
           </p:nvPicPr>
           <p:blipFill>
-            <a:blip r:embed="rId11"/>
+            <a:blip r:embed="rId7"/>
             <a:stretch>
               <a:fillRect/>
             </a:stretch>
@@ -5655,7 +5140,7 @@
             <p:nvPr/>
           </p:nvPicPr>
           <p:blipFill>
-            <a:blip r:embed="rId12"/>
+            <a:blip r:embed="rId8"/>
             <a:stretch>
               <a:fillRect/>
             </a:stretch>
@@ -5869,7 +5354,7 @@
           <p:nvPr/>
         </p:nvPicPr>
         <p:blipFill rotWithShape="1">
-          <a:blip r:embed="rId13"/>
+          <a:blip r:embed="rId9"/>
           <a:srcRect l="965" t="2944" r="996" b="28802"/>
           <a:stretch/>
         </p:blipFill>
@@ -5907,7 +5392,7 @@
           <p:nvPr/>
         </p:nvPicPr>
         <p:blipFill>
-          <a:blip r:embed="rId14">
+          <a:blip r:embed="rId10">
             <a:extLst>
               <a:ext uri="{28A0092B-C50C-407E-A947-70E740481C1C}">
                 <a14:useLocalDpi xmlns:a14="http://schemas.microsoft.com/office/drawing/2010/main" val="0"/>
@@ -5954,7 +5439,7 @@
           <p:nvPr/>
         </p:nvPicPr>
         <p:blipFill>
-          <a:blip r:embed="rId15"/>
+          <a:blip r:embed="rId11"/>
           <a:stretch>
             <a:fillRect/>
           </a:stretch>
@@ -6092,7 +5577,7 @@
           <p:nvPr/>
         </p:nvPicPr>
         <p:blipFill>
-          <a:blip r:embed="rId15"/>
+          <a:blip r:embed="rId11"/>
           <a:stretch>
             <a:fillRect/>
           </a:stretch>
@@ -6122,7 +5607,7 @@
           <p:nvPr/>
         </p:nvPicPr>
         <p:blipFill rotWithShape="1">
-          <a:blip r:embed="rId10"/>
+          <a:blip r:embed="rId6"/>
           <a:srcRect l="58785" t="15279" r="2741" b="4979"/>
           <a:stretch/>
         </p:blipFill>
@@ -6190,54 +5675,714 @@
           </a:fontRef>
         </p:style>
       </p:cxnSp>
-      <p:sp>
-        <p:nvSpPr>
-          <p:cNvPr id="135" name="TextBox 134">
-            <a:extLst>
-              <a:ext uri="{FF2B5EF4-FFF2-40B4-BE49-F238E27FC236}">
-                <a16:creationId xmlns:a16="http://schemas.microsoft.com/office/drawing/2014/main" id="{9B943D55-6E33-4ECE-8C01-7F07E2864B1E}"/>
-              </a:ext>
-            </a:extLst>
-          </p:cNvPr>
-          <p:cNvSpPr txBox="1"/>
+      <p:grpSp>
+        <p:nvGrpSpPr>
+          <p:cNvPr id="2" name="Group 1">
+            <a:extLst>
+              <a:ext uri="{FF2B5EF4-FFF2-40B4-BE49-F238E27FC236}">
+                <a16:creationId xmlns:a16="http://schemas.microsoft.com/office/drawing/2014/main" id="{BF2B563A-4E3C-4D60-AE16-CD89E7C846F9}"/>
+              </a:ext>
+            </a:extLst>
+          </p:cNvPr>
+          <p:cNvGrpSpPr/>
           <p:nvPr/>
-        </p:nvSpPr>
-        <p:spPr>
-          <a:xfrm>
-            <a:off x="278746" y="679893"/>
-            <a:ext cx="1293719" cy="276999"/>
-          </a:xfrm>
-          <a:prstGeom prst="rect">
-            <a:avLst/>
-          </a:prstGeom>
-          <a:noFill/>
-        </p:spPr>
-        <p:txBody>
-          <a:bodyPr wrap="square" rtlCol="0">
-            <a:spAutoFit/>
-          </a:bodyPr>
-          <a:lstStyle/>
-          <a:p>
-            <a:r>
-              <a:rPr lang="en-US" sz="1200" b="1" dirty="0">
+        </p:nvGrpSpPr>
+        <p:grpSpPr>
+          <a:xfrm>
+            <a:off x="162987" y="773562"/>
+            <a:ext cx="1974601" cy="1816036"/>
+            <a:chOff x="158998" y="574738"/>
+            <a:chExt cx="1974601" cy="1816036"/>
+          </a:xfrm>
+        </p:grpSpPr>
+        <p:sp>
+          <p:nvSpPr>
+            <p:cNvPr id="20" name="TextBox 19">
+              <a:extLst>
+                <a:ext uri="{FF2B5EF4-FFF2-40B4-BE49-F238E27FC236}">
+                  <a16:creationId xmlns:a16="http://schemas.microsoft.com/office/drawing/2014/main" id="{28E7AF71-8B85-42C8-8F7A-E27F02546457}"/>
+                </a:ext>
+              </a:extLst>
+            </p:cNvPr>
+            <p:cNvSpPr txBox="1"/>
+            <p:nvPr/>
+          </p:nvSpPr>
+          <p:spPr>
+            <a:xfrm>
+              <a:off x="158998" y="574738"/>
+              <a:ext cx="1974601" cy="1816036"/>
+            </a:xfrm>
+            <a:prstGeom prst="roundRect">
+              <a:avLst>
+                <a:gd name="adj" fmla="val 3837"/>
+              </a:avLst>
+            </a:prstGeom>
+            <a:solidFill>
+              <a:srgbClr val="FFFFFF"/>
+            </a:solidFill>
+            <a:ln>
+              <a:solidFill>
+                <a:schemeClr val="bg2">
+                  <a:lumMod val="90000"/>
+                </a:schemeClr>
+              </a:solidFill>
+            </a:ln>
+          </p:spPr>
+          <p:txBody>
+            <a:bodyPr wrap="square" rtlCol="0" anchor="t" anchorCtr="0">
+              <a:noAutofit/>
+            </a:bodyPr>
+            <a:lstStyle/>
+            <a:p>
+              <a:r>
+                <a:rPr lang="en-US" sz="1200" b="1" dirty="0"/>
+                <a:t> </a:t>
+              </a:r>
+              <a:endParaRPr lang="en-PH" sz="1200" b="1" dirty="0"/>
+            </a:p>
+          </p:txBody>
+        </p:sp>
+        <p:sp>
+          <p:nvSpPr>
+            <p:cNvPr id="21" name="Rectangle: Rounded Corners 20">
+              <a:extLst>
+                <a:ext uri="{FF2B5EF4-FFF2-40B4-BE49-F238E27FC236}">
+                  <a16:creationId xmlns:a16="http://schemas.microsoft.com/office/drawing/2014/main" id="{BFB71818-581A-4B3F-B3E6-10D2A25AE77C}"/>
+                </a:ext>
+              </a:extLst>
+            </p:cNvPr>
+            <p:cNvSpPr/>
+            <p:nvPr/>
+          </p:nvSpPr>
+          <p:spPr>
+            <a:xfrm>
+              <a:off x="277997" y="961263"/>
+              <a:ext cx="1741074" cy="263699"/>
+            </a:xfrm>
+            <a:prstGeom prst="roundRect">
+              <a:avLst>
+                <a:gd name="adj" fmla="val 50000"/>
+              </a:avLst>
+            </a:prstGeom>
+            <a:solidFill>
+              <a:srgbClr val="D4E3FA"/>
+            </a:solidFill>
+            <a:ln w="3175">
+              <a:noFill/>
+            </a:ln>
+            <a:effectLst>
+              <a:softEdge rad="0"/>
+            </a:effectLst>
+          </p:spPr>
+          <p:style>
+            <a:lnRef idx="2">
+              <a:schemeClr val="accent1">
+                <a:shade val="50000"/>
+              </a:schemeClr>
+            </a:lnRef>
+            <a:fillRef idx="1">
+              <a:schemeClr val="accent1"/>
+            </a:fillRef>
+            <a:effectRef idx="0">
+              <a:schemeClr val="accent1"/>
+            </a:effectRef>
+            <a:fontRef idx="minor">
+              <a:schemeClr val="lt1"/>
+            </a:fontRef>
+          </p:style>
+          <p:txBody>
+            <a:bodyPr rtlCol="0" anchor="ctr"/>
+            <a:lstStyle/>
+            <a:p>
+              <a:pPr algn="ctr"/>
+              <a:endParaRPr lang="en-PH" sz="1200" dirty="0"/>
+            </a:p>
+          </p:txBody>
+        </p:sp>
+        <p:sp>
+          <p:nvSpPr>
+            <p:cNvPr id="22" name="TextBox 21">
+              <a:extLst>
+                <a:ext uri="{FF2B5EF4-FFF2-40B4-BE49-F238E27FC236}">
+                  <a16:creationId xmlns:a16="http://schemas.microsoft.com/office/drawing/2014/main" id="{8E091E8D-F1E2-4DB6-9E96-DCE6D01E8BA1}"/>
+                </a:ext>
+              </a:extLst>
+            </p:cNvPr>
+            <p:cNvSpPr txBox="1"/>
+            <p:nvPr/>
+          </p:nvSpPr>
+          <p:spPr>
+            <a:xfrm>
+              <a:off x="523885" y="940763"/>
+              <a:ext cx="1293719" cy="276999"/>
+            </a:xfrm>
+            <a:prstGeom prst="rect">
+              <a:avLst/>
+            </a:prstGeom>
+            <a:noFill/>
+          </p:spPr>
+          <p:txBody>
+            <a:bodyPr wrap="square" rtlCol="0">
+              <a:spAutoFit/>
+            </a:bodyPr>
+            <a:lstStyle/>
+            <a:p>
+              <a:r>
+                <a:rPr lang="en-US" sz="1200" dirty="0">
+                  <a:solidFill>
+                    <a:schemeClr val="tx2">
+                      <a:lumMod val="75000"/>
+                    </a:schemeClr>
+                  </a:solidFill>
+                </a:rPr>
+                <a:t>Infrastructure</a:t>
+              </a:r>
+              <a:endParaRPr lang="en-PH" sz="1200" dirty="0">
                 <a:solidFill>
                   <a:schemeClr val="tx2">
                     <a:lumMod val="75000"/>
                   </a:schemeClr>
                 </a:solidFill>
+              </a:endParaRPr>
+            </a:p>
+          </p:txBody>
+        </p:sp>
+        <p:pic>
+          <p:nvPicPr>
+            <p:cNvPr id="24" name="Picture 23">
+              <a:extLst>
+                <a:ext uri="{FF2B5EF4-FFF2-40B4-BE49-F238E27FC236}">
+                  <a16:creationId xmlns:a16="http://schemas.microsoft.com/office/drawing/2014/main" id="{BCD36225-30D9-4E7E-B3F0-6E8555719B0A}"/>
+                </a:ext>
+              </a:extLst>
+            </p:cNvPr>
+            <p:cNvPicPr>
+              <a:picLocks noChangeAspect="1"/>
+            </p:cNvPicPr>
+            <p:nvPr/>
+          </p:nvPicPr>
+          <p:blipFill>
+            <a:blip r:embed="rId12"/>
+            <a:stretch>
+              <a:fillRect/>
+            </a:stretch>
+          </p:blipFill>
+          <p:spPr>
+            <a:xfrm>
+              <a:off x="355010" y="995848"/>
+              <a:ext cx="168062" cy="191722"/>
+            </a:xfrm>
+            <a:prstGeom prst="rect">
+              <a:avLst/>
+            </a:prstGeom>
+          </p:spPr>
+        </p:pic>
+        <p:sp>
+          <p:nvSpPr>
+            <p:cNvPr id="25" name="Rectangle 24">
+              <a:extLst>
+                <a:ext uri="{FF2B5EF4-FFF2-40B4-BE49-F238E27FC236}">
+                  <a16:creationId xmlns:a16="http://schemas.microsoft.com/office/drawing/2014/main" id="{4223E682-0182-4E01-A16E-316FC615F5BB}"/>
+                </a:ext>
+              </a:extLst>
+            </p:cNvPr>
+            <p:cNvSpPr/>
+            <p:nvPr/>
+          </p:nvSpPr>
+          <p:spPr>
+            <a:xfrm>
+              <a:off x="277997" y="1333138"/>
+              <a:ext cx="1684152" cy="330179"/>
+            </a:xfrm>
+            <a:prstGeom prst="rect">
+              <a:avLst/>
+            </a:prstGeom>
+            <a:solidFill>
+              <a:srgbClr val="FFFFFF"/>
+            </a:solidFill>
+            <a:ln w="3175">
+              <a:noFill/>
+            </a:ln>
+            <a:effectLst>
+              <a:softEdge rad="0"/>
+            </a:effectLst>
+          </p:spPr>
+          <p:style>
+            <a:lnRef idx="2">
+              <a:schemeClr val="accent1">
+                <a:shade val="50000"/>
+              </a:schemeClr>
+            </a:lnRef>
+            <a:fillRef idx="1">
+              <a:schemeClr val="accent1"/>
+            </a:fillRef>
+            <a:effectRef idx="0">
+              <a:schemeClr val="accent1"/>
+            </a:effectRef>
+            <a:fontRef idx="minor">
+              <a:schemeClr val="lt1"/>
+            </a:fontRef>
+          </p:style>
+          <p:txBody>
+            <a:bodyPr rtlCol="0" anchor="ctr"/>
+            <a:lstStyle/>
+            <a:p>
+              <a:pPr algn="ctr"/>
+              <a:endParaRPr lang="en-PH" sz="1200"/>
+            </a:p>
+          </p:txBody>
+        </p:sp>
+        <p:sp>
+          <p:nvSpPr>
+            <p:cNvPr id="26" name="TextBox 25">
+              <a:extLst>
+                <a:ext uri="{FF2B5EF4-FFF2-40B4-BE49-F238E27FC236}">
+                  <a16:creationId xmlns:a16="http://schemas.microsoft.com/office/drawing/2014/main" id="{F4535406-3C5E-43E4-B079-1519A85F5A0F}"/>
+                </a:ext>
+              </a:extLst>
+            </p:cNvPr>
+            <p:cNvSpPr txBox="1"/>
+            <p:nvPr/>
+          </p:nvSpPr>
+          <p:spPr>
+            <a:xfrm>
+              <a:off x="523885" y="1319397"/>
+              <a:ext cx="1508497" cy="276999"/>
+            </a:xfrm>
+            <a:prstGeom prst="rect">
+              <a:avLst/>
+            </a:prstGeom>
+            <a:solidFill>
+              <a:srgbClr val="FFFFFF"/>
+            </a:solidFill>
+          </p:spPr>
+          <p:txBody>
+            <a:bodyPr wrap="square" rtlCol="0">
+              <a:spAutoFit/>
+            </a:bodyPr>
+            <a:lstStyle/>
+            <a:p>
+              <a:r>
+                <a:rPr lang="en-US" sz="1200" dirty="0">
+                  <a:solidFill>
+                    <a:schemeClr val="tx2">
+                      <a:lumMod val="75000"/>
+                    </a:schemeClr>
+                  </a:solidFill>
+                </a:rPr>
+                <a:t>ERPS Systems</a:t>
+              </a:r>
+              <a:endParaRPr lang="en-PH" sz="1200" dirty="0">
+                <a:solidFill>
+                  <a:schemeClr val="tx2">
+                    <a:lumMod val="75000"/>
+                  </a:schemeClr>
+                </a:solidFill>
+              </a:endParaRPr>
+            </a:p>
+          </p:txBody>
+        </p:sp>
+        <p:pic>
+          <p:nvPicPr>
+            <p:cNvPr id="28" name="Picture 27">
+              <a:extLst>
+                <a:ext uri="{FF2B5EF4-FFF2-40B4-BE49-F238E27FC236}">
+                  <a16:creationId xmlns:a16="http://schemas.microsoft.com/office/drawing/2014/main" id="{92AE064B-5C7F-4BE6-A039-259199C8DB04}"/>
+                </a:ext>
+              </a:extLst>
+            </p:cNvPr>
+            <p:cNvPicPr>
+              <a:picLocks noChangeAspect="1"/>
+            </p:cNvPicPr>
+            <p:nvPr/>
+          </p:nvPicPr>
+          <p:blipFill>
+            <a:blip r:embed="rId13"/>
+            <a:stretch>
+              <a:fillRect/>
+            </a:stretch>
+          </p:blipFill>
+          <p:spPr>
+            <a:xfrm>
+              <a:off x="368241" y="1367218"/>
+              <a:ext cx="115170" cy="175307"/>
+            </a:xfrm>
+            <a:prstGeom prst="rect">
+              <a:avLst/>
+            </a:prstGeom>
+          </p:spPr>
+        </p:pic>
+        <p:sp>
+          <p:nvSpPr>
+            <p:cNvPr id="29" name="Rectangle 28">
+              <a:extLst>
+                <a:ext uri="{FF2B5EF4-FFF2-40B4-BE49-F238E27FC236}">
+                  <a16:creationId xmlns:a16="http://schemas.microsoft.com/office/drawing/2014/main" id="{9DC78CB5-2CC4-4AE5-92C6-EDC6879BA1B2}"/>
+                </a:ext>
+              </a:extLst>
+            </p:cNvPr>
+            <p:cNvSpPr/>
+            <p:nvPr/>
+          </p:nvSpPr>
+          <p:spPr>
+            <a:xfrm>
+              <a:off x="277997" y="1663414"/>
+              <a:ext cx="1688160" cy="330179"/>
+            </a:xfrm>
+            <a:prstGeom prst="rect">
+              <a:avLst/>
+            </a:prstGeom>
+            <a:solidFill>
+              <a:srgbClr val="FFFFFF"/>
+            </a:solidFill>
+            <a:ln w="3175">
+              <a:noFill/>
+            </a:ln>
+            <a:effectLst>
+              <a:softEdge rad="0"/>
+            </a:effectLst>
+          </p:spPr>
+          <p:style>
+            <a:lnRef idx="2">
+              <a:schemeClr val="accent1">
+                <a:shade val="50000"/>
+              </a:schemeClr>
+            </a:lnRef>
+            <a:fillRef idx="1">
+              <a:schemeClr val="accent1"/>
+            </a:fillRef>
+            <a:effectRef idx="0">
+              <a:schemeClr val="accent1"/>
+            </a:effectRef>
+            <a:fontRef idx="minor">
+              <a:schemeClr val="lt1"/>
+            </a:fontRef>
+          </p:style>
+          <p:txBody>
+            <a:bodyPr rtlCol="0" anchor="ctr"/>
+            <a:lstStyle/>
+            <a:p>
+              <a:pPr algn="ctr"/>
+              <a:endParaRPr lang="en-PH" sz="1200"/>
+            </a:p>
+          </p:txBody>
+        </p:sp>
+        <p:sp>
+          <p:nvSpPr>
+            <p:cNvPr id="30" name="TextBox 29">
+              <a:extLst>
+                <a:ext uri="{FF2B5EF4-FFF2-40B4-BE49-F238E27FC236}">
+                  <a16:creationId xmlns:a16="http://schemas.microsoft.com/office/drawing/2014/main" id="{46457596-43AC-487C-9930-20211D647E90}"/>
+                </a:ext>
+              </a:extLst>
+            </p:cNvPr>
+            <p:cNvSpPr txBox="1"/>
+            <p:nvPr/>
+          </p:nvSpPr>
+          <p:spPr>
+            <a:xfrm>
+              <a:off x="527892" y="1649673"/>
+              <a:ext cx="1508497" cy="276999"/>
+            </a:xfrm>
+            <a:prstGeom prst="rect">
+              <a:avLst/>
+            </a:prstGeom>
+            <a:solidFill>
+              <a:srgbClr val="FFFFFF"/>
+            </a:solidFill>
+          </p:spPr>
+          <p:txBody>
+            <a:bodyPr wrap="square" rtlCol="0">
+              <a:spAutoFit/>
+            </a:bodyPr>
+            <a:lstStyle/>
+            <a:p>
+              <a:r>
+                <a:rPr lang="en-US" sz="1200" dirty="0">
+                  <a:solidFill>
+                    <a:schemeClr val="tx2">
+                      <a:lumMod val="75000"/>
+                    </a:schemeClr>
+                  </a:solidFill>
+                </a:rPr>
+                <a:t>Common Systems</a:t>
+              </a:r>
+              <a:endParaRPr lang="en-PH" sz="1200" dirty="0">
+                <a:solidFill>
+                  <a:schemeClr val="tx2">
+                    <a:lumMod val="75000"/>
+                  </a:schemeClr>
+                </a:solidFill>
+              </a:endParaRPr>
+            </a:p>
+          </p:txBody>
+        </p:sp>
+        <p:pic>
+          <p:nvPicPr>
+            <p:cNvPr id="32" name="Picture 31">
+              <a:extLst>
+                <a:ext uri="{FF2B5EF4-FFF2-40B4-BE49-F238E27FC236}">
+                  <a16:creationId xmlns:a16="http://schemas.microsoft.com/office/drawing/2014/main" id="{E37D0BBC-F858-4F59-A730-914C52651A90}"/>
+                </a:ext>
+              </a:extLst>
+            </p:cNvPr>
+            <p:cNvPicPr>
+              <a:picLocks noChangeAspect="1"/>
+            </p:cNvPicPr>
+            <p:nvPr/>
+          </p:nvPicPr>
+          <p:blipFill>
+            <a:blip r:embed="rId14"/>
+            <a:stretch>
+              <a:fillRect/>
+            </a:stretch>
+          </p:blipFill>
+          <p:spPr>
+            <a:xfrm>
+              <a:off x="343585" y="1683983"/>
+              <a:ext cx="135266" cy="205898"/>
+            </a:xfrm>
+            <a:prstGeom prst="rect">
+              <a:avLst/>
+            </a:prstGeom>
+            <a:solidFill>
+              <a:srgbClr val="FFFFFF"/>
+            </a:solidFill>
+          </p:spPr>
+        </p:pic>
+        <p:sp>
+          <p:nvSpPr>
+            <p:cNvPr id="33" name="Rectangle 32">
+              <a:extLst>
+                <a:ext uri="{FF2B5EF4-FFF2-40B4-BE49-F238E27FC236}">
+                  <a16:creationId xmlns:a16="http://schemas.microsoft.com/office/drawing/2014/main" id="{D434FF03-35FB-4DA1-907A-6F2556D6E0ED}"/>
+                </a:ext>
+              </a:extLst>
+            </p:cNvPr>
+            <p:cNvSpPr/>
+            <p:nvPr/>
+          </p:nvSpPr>
+          <p:spPr>
+            <a:xfrm>
+              <a:off x="273989" y="1997674"/>
+              <a:ext cx="1688160" cy="330179"/>
+            </a:xfrm>
+            <a:prstGeom prst="rect">
+              <a:avLst/>
+            </a:prstGeom>
+            <a:solidFill>
+              <a:srgbClr val="FFFFFF"/>
+            </a:solidFill>
+            <a:ln w="3175">
+              <a:noFill/>
+            </a:ln>
+            <a:effectLst>
+              <a:softEdge rad="0"/>
+            </a:effectLst>
+          </p:spPr>
+          <p:style>
+            <a:lnRef idx="2">
+              <a:schemeClr val="accent1">
+                <a:shade val="50000"/>
+              </a:schemeClr>
+            </a:lnRef>
+            <a:fillRef idx="1">
+              <a:schemeClr val="accent1"/>
+            </a:fillRef>
+            <a:effectRef idx="0">
+              <a:schemeClr val="accent1"/>
+            </a:effectRef>
+            <a:fontRef idx="minor">
+              <a:schemeClr val="lt1"/>
+            </a:fontRef>
+          </p:style>
+          <p:txBody>
+            <a:bodyPr rtlCol="0" anchor="ctr"/>
+            <a:lstStyle/>
+            <a:p>
+              <a:pPr algn="ctr"/>
+              <a:endParaRPr lang="en-PH" sz="1200"/>
+            </a:p>
+          </p:txBody>
+        </p:sp>
+        <p:sp>
+          <p:nvSpPr>
+            <p:cNvPr id="34" name="TextBox 33">
+              <a:extLst>
+                <a:ext uri="{FF2B5EF4-FFF2-40B4-BE49-F238E27FC236}">
+                  <a16:creationId xmlns:a16="http://schemas.microsoft.com/office/drawing/2014/main" id="{CDEC40D1-B4E0-4F04-BE07-EF9641127EC9}"/>
+                </a:ext>
+              </a:extLst>
+            </p:cNvPr>
+            <p:cNvSpPr txBox="1"/>
+            <p:nvPr/>
+          </p:nvSpPr>
+          <p:spPr>
+            <a:xfrm>
+              <a:off x="523886" y="1983933"/>
+              <a:ext cx="1508496" cy="276999"/>
+            </a:xfrm>
+            <a:prstGeom prst="rect">
+              <a:avLst/>
+            </a:prstGeom>
+            <a:solidFill>
+              <a:srgbClr val="FFFFFF"/>
+            </a:solidFill>
+          </p:spPr>
+          <p:txBody>
+            <a:bodyPr wrap="square" rtlCol="0">
+              <a:spAutoFit/>
+            </a:bodyPr>
+            <a:lstStyle/>
+            <a:p>
+              <a:r>
+                <a:rPr lang="en-US" sz="1200" dirty="0">
+                  <a:solidFill>
+                    <a:schemeClr val="tx2">
+                      <a:lumMod val="75000"/>
+                    </a:schemeClr>
+                  </a:solidFill>
+                </a:rPr>
+                <a:t>Manufacturing</a:t>
+              </a:r>
+              <a:endParaRPr lang="en-PH" sz="1200" dirty="0">
+                <a:solidFill>
+                  <a:schemeClr val="tx2">
+                    <a:lumMod val="75000"/>
+                  </a:schemeClr>
+                </a:solidFill>
+              </a:endParaRPr>
+            </a:p>
+          </p:txBody>
+        </p:sp>
+        <p:pic>
+          <p:nvPicPr>
+            <p:cNvPr id="36" name="Picture 35">
+              <a:extLst>
+                <a:ext uri="{FF2B5EF4-FFF2-40B4-BE49-F238E27FC236}">
+                  <a16:creationId xmlns:a16="http://schemas.microsoft.com/office/drawing/2014/main" id="{677FC680-069A-4764-9915-2174689A499C}"/>
+                </a:ext>
+              </a:extLst>
+            </p:cNvPr>
+            <p:cNvPicPr>
+              <a:picLocks noChangeAspect="1"/>
+            </p:cNvPicPr>
+            <p:nvPr/>
+          </p:nvPicPr>
+          <p:blipFill>
+            <a:blip r:embed="rId15"/>
+            <a:stretch>
+              <a:fillRect/>
+            </a:stretch>
+          </p:blipFill>
+          <p:spPr>
+            <a:xfrm>
+              <a:off x="325458" y="2004574"/>
+              <a:ext cx="150041" cy="228388"/>
+            </a:xfrm>
+            <a:prstGeom prst="rect">
+              <a:avLst/>
+            </a:prstGeom>
+            <a:solidFill>
+              <a:srgbClr val="FFFFFF"/>
+            </a:solidFill>
+          </p:spPr>
+        </p:pic>
+        <p:sp>
+          <p:nvSpPr>
+            <p:cNvPr id="135" name="TextBox 134">
+              <a:extLst>
+                <a:ext uri="{FF2B5EF4-FFF2-40B4-BE49-F238E27FC236}">
+                  <a16:creationId xmlns:a16="http://schemas.microsoft.com/office/drawing/2014/main" id="{9B943D55-6E33-4ECE-8C01-7F07E2864B1E}"/>
+                </a:ext>
+              </a:extLst>
+            </p:cNvPr>
+            <p:cNvSpPr txBox="1"/>
+            <p:nvPr/>
+          </p:nvSpPr>
+          <p:spPr>
+            <a:xfrm>
+              <a:off x="278746" y="644724"/>
+              <a:ext cx="1293719" cy="261610"/>
+            </a:xfrm>
+            <a:prstGeom prst="rect">
+              <a:avLst/>
+            </a:prstGeom>
+            <a:noFill/>
+          </p:spPr>
+          <p:txBody>
+            <a:bodyPr wrap="square" rtlCol="0">
+              <a:spAutoFit/>
+            </a:bodyPr>
+            <a:lstStyle/>
+            <a:p>
+              <a:r>
+                <a:rPr lang="en-US" sz="1100" b="1" dirty="0">
+                  <a:solidFill>
+                    <a:srgbClr val="44546A"/>
+                  </a:solidFill>
+                  <a:latin typeface="Arial" panose="020B0604020202020204" pitchFamily="34" charset="0"/>
+                  <a:cs typeface="Arial" panose="020B0604020202020204" pitchFamily="34" charset="0"/>
+                </a:rPr>
+                <a:t>Section</a:t>
+              </a:r>
+              <a:endParaRPr lang="en-PH" sz="1100" b="1" dirty="0">
+                <a:solidFill>
+                  <a:srgbClr val="44546A"/>
+                </a:solidFill>
                 <a:latin typeface="Arial" panose="020B0604020202020204" pitchFamily="34" charset="0"/>
                 <a:cs typeface="Arial" panose="020B0604020202020204" pitchFamily="34" charset="0"/>
+              </a:endParaRPr>
+            </a:p>
+          </p:txBody>
+        </p:sp>
+      </p:grpSp>
+      <p:sp>
+        <p:nvSpPr>
+          <p:cNvPr id="52" name="TextBox 51">
+            <a:extLst>
+              <a:ext uri="{FF2B5EF4-FFF2-40B4-BE49-F238E27FC236}">
+                <a16:creationId xmlns:a16="http://schemas.microsoft.com/office/drawing/2014/main" id="{9E484AAD-5719-440E-8C63-1BB84166FC46}"/>
+              </a:ext>
+            </a:extLst>
+          </p:cNvPr>
+          <p:cNvSpPr txBox="1"/>
+          <p:nvPr/>
+        </p:nvSpPr>
+        <p:spPr>
+          <a:xfrm>
+            <a:off x="82584" y="475022"/>
+            <a:ext cx="2132160" cy="307777"/>
+          </a:xfrm>
+          <a:prstGeom prst="roundRect">
+            <a:avLst>
+              <a:gd name="adj" fmla="val 0"/>
+            </a:avLst>
+          </a:prstGeom>
+          <a:noFill/>
+        </p:spPr>
+        <p:txBody>
+          <a:bodyPr wrap="square" rtlCol="0">
+            <a:spAutoFit/>
+          </a:bodyPr>
+          <a:lstStyle/>
+          <a:p>
+            <a:r>
+              <a:rPr lang="en-US" sz="1400" b="1" dirty="0">
+                <a:solidFill>
+                  <a:schemeClr val="bg1">
+                    <a:lumMod val="95000"/>
+                  </a:schemeClr>
+                </a:solidFill>
               </a:rPr>
-              <a:t>Section</a:t>
-            </a:r>
-            <a:endParaRPr lang="en-PH" sz="1200" b="1" dirty="0">
+              <a:t>Drawer</a:t>
+            </a:r>
+            <a:endParaRPr lang="en-PH" sz="1400" b="1" dirty="0">
               <a:solidFill>
-                <a:schemeClr val="tx2">
-                  <a:lumMod val="75000"/>
+                <a:schemeClr val="bg1">
+                  <a:lumMod val="95000"/>
                 </a:schemeClr>
               </a:solidFill>
-              <a:latin typeface="Arial" panose="020B0604020202020204" pitchFamily="34" charset="0"/>
-              <a:cs typeface="Arial" panose="020B0604020202020204" pitchFamily="34" charset="0"/>
             </a:endParaRPr>
           </a:p>
         </p:txBody>
@@ -7517,12 +7662,12 @@
         </p:nvSpPr>
         <p:spPr>
           <a:xfrm>
-            <a:off x="9481040" y="559698"/>
+            <a:off x="9481040" y="839098"/>
             <a:ext cx="2551547" cy="5080938"/>
           </a:xfrm>
           <a:prstGeom prst="roundRect">
             <a:avLst>
-              <a:gd name="adj" fmla="val 5774"/>
+              <a:gd name="adj" fmla="val 1867"/>
             </a:avLst>
           </a:prstGeom>
           <a:solidFill>
@@ -7564,7 +7709,7 @@
         </p:nvSpPr>
         <p:spPr>
           <a:xfrm>
-            <a:off x="9660576" y="934500"/>
+            <a:off x="9660576" y="1175800"/>
             <a:ext cx="2182469" cy="263699"/>
           </a:xfrm>
           <a:prstGeom prst="roundRect">
@@ -7619,7 +7764,7 @@
         </p:nvSpPr>
         <p:spPr>
           <a:xfrm>
-            <a:off x="9582150" y="664853"/>
+            <a:off x="9582150" y="906153"/>
             <a:ext cx="2278895" cy="646331"/>
           </a:xfrm>
           <a:prstGeom prst="rect">
@@ -7660,7 +7805,7 @@
         </p:nvSpPr>
         <p:spPr>
           <a:xfrm>
-            <a:off x="9593900" y="1217364"/>
+            <a:off x="9593900" y="1458664"/>
             <a:ext cx="2220570" cy="261610"/>
           </a:xfrm>
           <a:prstGeom prst="rect">
@@ -7702,13 +7847,13 @@
           <p:nvPr>
             <p:extLst>
               <p:ext uri="{D42A27DB-BD31-4B8C-83A1-F6EECF244321}">
-                <p14:modId xmlns:p14="http://schemas.microsoft.com/office/powerpoint/2010/main" val="2413990172"/>
+                <p14:modId xmlns:p14="http://schemas.microsoft.com/office/powerpoint/2010/main" val="430879075"/>
               </p:ext>
             </p:extLst>
           </p:nvPr>
         </p:nvGraphicFramePr>
         <p:xfrm>
-          <a:off x="9673276" y="1526598"/>
+          <a:off x="9673276" y="1767898"/>
           <a:ext cx="2153893" cy="786100"/>
         </p:xfrm>
         <a:graphic>
@@ -8183,7 +8328,7 @@
         </p:nvSpPr>
         <p:spPr>
           <a:xfrm>
-            <a:off x="9582150" y="2326112"/>
+            <a:off x="9582150" y="2567412"/>
             <a:ext cx="887245" cy="276999"/>
           </a:xfrm>
           <a:prstGeom prst="rect">
@@ -8218,7 +8363,7 @@
         </p:nvSpPr>
         <p:spPr>
           <a:xfrm>
-            <a:off x="9585718" y="2521686"/>
+            <a:off x="9585718" y="2762986"/>
             <a:ext cx="2342189" cy="1015663"/>
           </a:xfrm>
           <a:prstGeom prst="rect">
@@ -8260,7 +8405,7 @@
         </p:nvSpPr>
         <p:spPr>
           <a:xfrm>
-            <a:off x="9599417" y="3541839"/>
+            <a:off x="9599417" y="3783139"/>
             <a:ext cx="1211458" cy="276999"/>
           </a:xfrm>
           <a:prstGeom prst="rect">
@@ -8295,7 +8440,7 @@
         </p:nvSpPr>
         <p:spPr>
           <a:xfrm>
-            <a:off x="9602985" y="3737413"/>
+            <a:off x="9602985" y="3978713"/>
             <a:ext cx="2342189" cy="1015663"/>
           </a:xfrm>
           <a:prstGeom prst="rect">
@@ -8337,7 +8482,7 @@
         </p:nvSpPr>
         <p:spPr>
           <a:xfrm>
-            <a:off x="10944225" y="5147864"/>
+            <a:off x="10944225" y="5389164"/>
             <a:ext cx="916820" cy="306467"/>
           </a:xfrm>
           <a:prstGeom prst="roundRect">
@@ -8386,7 +8531,7 @@
         </p:nvSpPr>
         <p:spPr>
           <a:xfrm>
-            <a:off x="9673276" y="5163966"/>
+            <a:off x="9673276" y="5405266"/>
             <a:ext cx="916820" cy="306467"/>
           </a:xfrm>
           <a:prstGeom prst="roundRect">
@@ -8435,7 +8580,7 @@
         </p:nvSpPr>
         <p:spPr>
           <a:xfrm>
-            <a:off x="10944225" y="4766816"/>
+            <a:off x="10944225" y="5008116"/>
             <a:ext cx="898820" cy="306467"/>
           </a:xfrm>
           <a:prstGeom prst="roundRect">
@@ -8467,6 +8612,56 @@
               </a:rPr>
               <a:t>Edit</a:t>
             </a:r>
+          </a:p>
+        </p:txBody>
+      </p:sp>
+      <p:sp>
+        <p:nvSpPr>
+          <p:cNvPr id="42" name="TextBox 41">
+            <a:extLst>
+              <a:ext uri="{FF2B5EF4-FFF2-40B4-BE49-F238E27FC236}">
+                <a16:creationId xmlns:a16="http://schemas.microsoft.com/office/drawing/2014/main" id="{A4F39B12-0A29-48E3-852E-C01F9D37F9CE}"/>
+              </a:ext>
+            </a:extLst>
+          </p:cNvPr>
+          <p:cNvSpPr txBox="1"/>
+          <p:nvPr/>
+        </p:nvSpPr>
+        <p:spPr>
+          <a:xfrm>
+            <a:off x="9403315" y="501146"/>
+            <a:ext cx="2132160" cy="307777"/>
+          </a:xfrm>
+          <a:prstGeom prst="roundRect">
+            <a:avLst>
+              <a:gd name="adj" fmla="val 0"/>
+            </a:avLst>
+          </a:prstGeom>
+          <a:noFill/>
+        </p:spPr>
+        <p:txBody>
+          <a:bodyPr wrap="square" rtlCol="0">
+            <a:spAutoFit/>
+          </a:bodyPr>
+          <a:lstStyle/>
+          <a:p>
+            <a:r>
+              <a:rPr lang="en-US" sz="1400" b="1" dirty="0">
+                <a:solidFill>
+                  <a:schemeClr val="bg1">
+                    <a:lumMod val="95000"/>
+                  </a:schemeClr>
+                </a:solidFill>
+              </a:rPr>
+              <a:t>Support Information</a:t>
+            </a:r>
+            <a:endParaRPr lang="en-PH" sz="1400" b="1" dirty="0">
+              <a:solidFill>
+                <a:schemeClr val="bg1">
+                  <a:lumMod val="95000"/>
+                </a:schemeClr>
+              </a:solidFill>
+            </a:endParaRPr>
           </a:p>
         </p:txBody>
       </p:sp>
@@ -8502,10 +8697,10 @@
       </p:grpSpPr>
       <p:pic>
         <p:nvPicPr>
-          <p:cNvPr id="4" name="Picture 3">
-            <a:extLst>
-              <a:ext uri="{FF2B5EF4-FFF2-40B4-BE49-F238E27FC236}">
-                <a16:creationId xmlns:a16="http://schemas.microsoft.com/office/drawing/2014/main" id="{D9FF70DE-9F38-470A-B910-ECCCDB19FD61}"/>
+          <p:cNvPr id="2" name="Picture 1">
+            <a:extLst>
+              <a:ext uri="{FF2B5EF4-FFF2-40B4-BE49-F238E27FC236}">
+                <a16:creationId xmlns:a16="http://schemas.microsoft.com/office/drawing/2014/main" id="{849D28AE-DB3F-48C1-8B8E-179020A03944}"/>
               </a:ext>
             </a:extLst>
           </p:cNvPr>
@@ -8544,8 +8739,8 @@
         </p:nvSpPr>
         <p:spPr>
           <a:xfrm>
-            <a:off x="0" y="0"/>
-            <a:ext cx="12192000" cy="6858000"/>
+            <a:off x="0" y="-110"/>
+            <a:ext cx="12199774" cy="6858000"/>
           </a:xfrm>
           <a:prstGeom prst="rect">
             <a:avLst/>
@@ -8924,10 +9119,10 @@
       </p:grpSpPr>
       <p:pic>
         <p:nvPicPr>
-          <p:cNvPr id="4" name="Picture 3">
-            <a:extLst>
-              <a:ext uri="{FF2B5EF4-FFF2-40B4-BE49-F238E27FC236}">
-                <a16:creationId xmlns:a16="http://schemas.microsoft.com/office/drawing/2014/main" id="{A583D25D-DE40-4BEF-98B3-5B357D268DCA}"/>
+          <p:cNvPr id="12" name="Picture 11">
+            <a:extLst>
+              <a:ext uri="{FF2B5EF4-FFF2-40B4-BE49-F238E27FC236}">
+                <a16:creationId xmlns:a16="http://schemas.microsoft.com/office/drawing/2014/main" id="{4DE80DC4-90E7-4543-8554-A2B080E948C0}"/>
               </a:ext>
             </a:extLst>
           </p:cNvPr>

--- a/Docs/User Interface.pptx
+++ b/Docs/User Interface.pptx
@@ -5689,7 +5689,7 @@
         </p:nvGrpSpPr>
         <p:grpSpPr>
           <a:xfrm>
-            <a:off x="162987" y="773562"/>
+            <a:off x="162987" y="798962"/>
             <a:ext cx="1974601" cy="1816036"/>
             <a:chOff x="158998" y="574738"/>
             <a:chExt cx="1974601" cy="1816036"/>
@@ -6375,7 +6375,7 @@
                   </a:schemeClr>
                 </a:solidFill>
               </a:rPr>
-              <a:t>Drawer</a:t>
+              <a:t>Navigation</a:t>
             </a:r>
             <a:endParaRPr lang="en-PH" sz="1400" b="1" dirty="0">
               <a:solidFill>

--- a/Docs/User Interface.pptx
+++ b/Docs/User Interface.pptx
@@ -6,11 +6,10 @@
   </p:sldMasterIdLst>
   <p:sldIdLst>
     <p:sldId id="256" r:id="rId2"/>
-    <p:sldId id="257" r:id="rId3"/>
-    <p:sldId id="262" r:id="rId4"/>
-    <p:sldId id="259" r:id="rId5"/>
-    <p:sldId id="260" r:id="rId6"/>
-    <p:sldId id="261" r:id="rId7"/>
+    <p:sldId id="264" r:id="rId3"/>
+    <p:sldId id="259" r:id="rId4"/>
+    <p:sldId id="260" r:id="rId5"/>
+    <p:sldId id="261" r:id="rId6"/>
   </p:sldIdLst>
   <p:sldSz cx="12192000" cy="6858000"/>
   <p:notesSz cx="6858000" cy="9144000"/>
@@ -115,8 +114,7 @@
         <p14:section name="Default Section" id="{BF376AB6-ABC4-4D83-B070-6E2DFD2AF0AA}">
           <p14:sldIdLst>
             <p14:sldId id="256"/>
-            <p14:sldId id="257"/>
-            <p14:sldId id="262"/>
+            <p14:sldId id="264"/>
             <p14:sldId id="259"/>
             <p14:sldId id="260"/>
             <p14:sldId id="261"/>
@@ -4417,7 +4415,7 @@
         <p:spPr>
           <a:xfrm>
             <a:off x="0" y="0"/>
-            <a:ext cx="12191999" cy="6857999"/>
+            <a:ext cx="12191999" cy="6888024"/>
           </a:xfrm>
           <a:prstGeom prst="rect">
             <a:avLst/>
@@ -4451,67 +4449,6 @@
           <a:p>
             <a:pPr algn="ctr"/>
             <a:endParaRPr lang="en-PH"/>
-          </a:p>
-        </p:txBody>
-      </p:sp>
-      <p:sp>
-        <p:nvSpPr>
-          <p:cNvPr id="19" name="Rectangle: Rounded Corners 18">
-            <a:extLst>
-              <a:ext uri="{FF2B5EF4-FFF2-40B4-BE49-F238E27FC236}">
-                <a16:creationId xmlns:a16="http://schemas.microsoft.com/office/drawing/2014/main" id="{54AAB3AB-A446-488B-B1ED-07C11E7A0DC4}"/>
-              </a:ext>
-            </a:extLst>
-          </p:cNvPr>
-          <p:cNvSpPr/>
-          <p:nvPr/>
-        </p:nvSpPr>
-        <p:spPr>
-          <a:xfrm rot="16200000" flipV="1">
-            <a:off x="-2072598" y="2493051"/>
-            <a:ext cx="6450246" cy="2305050"/>
-          </a:xfrm>
-          <a:prstGeom prst="roundRect">
-            <a:avLst>
-              <a:gd name="adj" fmla="val 0"/>
-            </a:avLst>
-          </a:prstGeom>
-          <a:solidFill>
-            <a:schemeClr val="tx2"/>
-          </a:solidFill>
-          <a:ln w="3175">
-            <a:solidFill>
-              <a:schemeClr val="bg2"/>
-            </a:solidFill>
-          </a:ln>
-          <a:effectLst/>
-        </p:spPr>
-        <p:style>
-          <a:lnRef idx="2">
-            <a:schemeClr val="accent1">
-              <a:shade val="50000"/>
-            </a:schemeClr>
-          </a:lnRef>
-          <a:fillRef idx="1">
-            <a:schemeClr val="accent1"/>
-          </a:fillRef>
-          <a:effectRef idx="0">
-            <a:schemeClr val="accent1"/>
-          </a:effectRef>
-          <a:fontRef idx="minor">
-            <a:schemeClr val="lt1"/>
-          </a:fontRef>
-        </p:style>
-        <p:txBody>
-          <a:bodyPr rtlCol="0" anchor="ctr"/>
-          <a:lstStyle/>
-          <a:p>
-            <a:pPr algn="ctr">
-              <a:tabLst>
-                <a:tab pos="355600" algn="l"/>
-              </a:tabLst>
-            </a:pPr>
-            <a:endParaRPr lang="en-PH" dirty="0"/>
           </a:p>
         </p:txBody>
       </p:sp>
@@ -4754,7 +4691,7 @@
         </p:nvGrpSpPr>
         <p:grpSpPr>
           <a:xfrm>
-            <a:off x="2511014" y="576870"/>
+            <a:off x="2193514" y="576870"/>
             <a:ext cx="453682" cy="454741"/>
             <a:chOff x="3079508" y="515885"/>
             <a:chExt cx="453682" cy="454741"/>
@@ -4882,13 +4819,13 @@
         </p:nvPicPr>
         <p:blipFill rotWithShape="1">
           <a:blip r:embed="rId6"/>
-          <a:srcRect l="2832" t="15279" r="2741" b="4979"/>
+          <a:srcRect l="2832" t="15279" r="30053" b="4979"/>
           <a:stretch/>
         </p:blipFill>
         <p:spPr>
           <a:xfrm>
-            <a:off x="2526181" y="1179962"/>
-            <a:ext cx="8948689" cy="3431403"/>
+            <a:off x="2221382" y="1179962"/>
+            <a:ext cx="6360388" cy="3431403"/>
           </a:xfrm>
           <a:prstGeom prst="roundRect">
             <a:avLst>
@@ -4918,7 +4855,7 @@
         </p:nvGrpSpPr>
         <p:grpSpPr>
           <a:xfrm>
-            <a:off x="11531546" y="584695"/>
+            <a:off x="8635946" y="584695"/>
             <a:ext cx="453682" cy="454741"/>
             <a:chOff x="11566399" y="515885"/>
             <a:chExt cx="453682" cy="454741"/>
@@ -5044,7 +4981,7 @@
         </p:nvGrpSpPr>
         <p:grpSpPr>
           <a:xfrm>
-            <a:off x="10998287" y="584695"/>
+            <a:off x="8089987" y="584695"/>
             <a:ext cx="453682" cy="454741"/>
             <a:chOff x="11033140" y="515885"/>
             <a:chExt cx="453682" cy="454741"/>
@@ -5170,8 +5107,8 @@
         </p:nvGrpSpPr>
         <p:grpSpPr>
           <a:xfrm>
-            <a:off x="3056432" y="577149"/>
-            <a:ext cx="7862278" cy="454741"/>
+            <a:off x="2726773" y="577149"/>
+            <a:ext cx="5283637" cy="454741"/>
             <a:chOff x="3638011" y="515885"/>
             <a:chExt cx="7315551" cy="454741"/>
           </a:xfrm>
@@ -5250,7 +5187,7 @@
           <p:spPr>
             <a:xfrm>
               <a:off x="3710807" y="556672"/>
-              <a:ext cx="1983894" cy="369332"/>
+              <a:ext cx="2394125" cy="369332"/>
             </a:xfrm>
             <a:prstGeom prst="roundRect">
               <a:avLst>
@@ -5355,13 +5292,13 @@
         </p:nvPicPr>
         <p:blipFill rotWithShape="1">
           <a:blip r:embed="rId9"/>
-          <a:srcRect l="965" t="2944" r="996" b="28802"/>
+          <a:srcRect l="965" t="2944" r="4376" b="14445"/>
           <a:stretch/>
         </p:blipFill>
         <p:spPr>
           <a:xfrm>
-            <a:off x="2535237" y="4761013"/>
-            <a:ext cx="9446744" cy="2092892"/>
+            <a:off x="2193515" y="4761013"/>
+            <a:ext cx="6896113" cy="2093318"/>
           </a:xfrm>
           <a:prstGeom prst="roundRect">
             <a:avLst>
@@ -5379,53 +5316,6 @@
       </p:pic>
       <p:pic>
         <p:nvPicPr>
-          <p:cNvPr id="1028" name="Picture 4" descr="TDK Logo and symbol, meaning, history, PNG, brand">
-            <a:extLst>
-              <a:ext uri="{FF2B5EF4-FFF2-40B4-BE49-F238E27FC236}">
-                <a16:creationId xmlns:a16="http://schemas.microsoft.com/office/drawing/2014/main" id="{4353987C-694D-47F0-AFBB-707006700D92}"/>
-              </a:ext>
-            </a:extLst>
-          </p:cNvPr>
-          <p:cNvPicPr>
-            <a:picLocks noChangeAspect="1" noChangeArrowheads="1"/>
-          </p:cNvPicPr>
-          <p:nvPr/>
-        </p:nvPicPr>
-        <p:blipFill>
-          <a:blip r:embed="rId10">
-            <a:extLst>
-              <a:ext uri="{28A0092B-C50C-407E-A947-70E740481C1C}">
-                <a14:useLocalDpi xmlns:a14="http://schemas.microsoft.com/office/drawing/2010/main" val="0"/>
-              </a:ext>
-            </a:extLst>
-          </a:blip>
-          <a:srcRect/>
-          <a:stretch>
-            <a:fillRect/>
-          </a:stretch>
-        </p:blipFill>
-        <p:spPr bwMode="auto">
-          <a:xfrm>
-            <a:off x="130833" y="30025"/>
-            <a:ext cx="620708" cy="349150"/>
-          </a:xfrm>
-          <a:prstGeom prst="rect">
-            <a:avLst/>
-          </a:prstGeom>
-          <a:noFill/>
-          <a:extLst>
-            <a:ext uri="{909E8E84-426E-40DD-AFC4-6F175D3DCCD1}">
-              <a14:hiddenFill xmlns:a14="http://schemas.microsoft.com/office/drawing/2010/main">
-                <a:solidFill>
-                  <a:srgbClr val="FFFFFF"/>
-                </a:solidFill>
-              </a14:hiddenFill>
-            </a:ext>
-          </a:extLst>
-        </p:spPr>
-      </p:pic>
-      <p:pic>
-        <p:nvPicPr>
           <p:cNvPr id="112" name="Picture 111">
             <a:extLst>
               <a:ext uri="{FF2B5EF4-FFF2-40B4-BE49-F238E27FC236}">
@@ -5439,7 +5329,7 @@
           <p:nvPr/>
         </p:nvPicPr>
         <p:blipFill>
-          <a:blip r:embed="rId11"/>
+          <a:blip r:embed="rId10"/>
           <a:stretch>
             <a:fillRect/>
           </a:stretch>
@@ -5577,7 +5467,7 @@
           <p:nvPr/>
         </p:nvPicPr>
         <p:blipFill>
-          <a:blip r:embed="rId11"/>
+          <a:blip r:embed="rId10"/>
           <a:stretch>
             <a:fillRect/>
           </a:stretch>
@@ -5613,8 +5503,8 @@
         </p:blipFill>
         <p:spPr>
           <a:xfrm>
-            <a:off x="8335879" y="1185019"/>
-            <a:ext cx="3646102" cy="3431403"/>
+            <a:off x="5478379" y="1172319"/>
+            <a:ext cx="3611249" cy="3431403"/>
           </a:xfrm>
           <a:prstGeom prst="roundRect">
             <a:avLst>
@@ -5675,674 +5565,12 @@
           </a:fontRef>
         </p:style>
       </p:cxnSp>
-      <p:grpSp>
-        <p:nvGrpSpPr>
-          <p:cNvPr id="2" name="Group 1">
-            <a:extLst>
-              <a:ext uri="{FF2B5EF4-FFF2-40B4-BE49-F238E27FC236}">
-                <a16:creationId xmlns:a16="http://schemas.microsoft.com/office/drawing/2014/main" id="{BF2B563A-4E3C-4D60-AE16-CD89E7C846F9}"/>
-              </a:ext>
-            </a:extLst>
-          </p:cNvPr>
-          <p:cNvGrpSpPr/>
-          <p:nvPr/>
-        </p:nvGrpSpPr>
-        <p:grpSpPr>
-          <a:xfrm>
-            <a:off x="162987" y="798962"/>
-            <a:ext cx="1974601" cy="1816036"/>
-            <a:chOff x="158998" y="574738"/>
-            <a:chExt cx="1974601" cy="1816036"/>
-          </a:xfrm>
-        </p:grpSpPr>
-        <p:sp>
-          <p:nvSpPr>
-            <p:cNvPr id="20" name="TextBox 19">
-              <a:extLst>
-                <a:ext uri="{FF2B5EF4-FFF2-40B4-BE49-F238E27FC236}">
-                  <a16:creationId xmlns:a16="http://schemas.microsoft.com/office/drawing/2014/main" id="{28E7AF71-8B85-42C8-8F7A-E27F02546457}"/>
-                </a:ext>
-              </a:extLst>
-            </p:cNvPr>
-            <p:cNvSpPr txBox="1"/>
-            <p:nvPr/>
-          </p:nvSpPr>
-          <p:spPr>
-            <a:xfrm>
-              <a:off x="158998" y="574738"/>
-              <a:ext cx="1974601" cy="1816036"/>
-            </a:xfrm>
-            <a:prstGeom prst="roundRect">
-              <a:avLst>
-                <a:gd name="adj" fmla="val 3837"/>
-              </a:avLst>
-            </a:prstGeom>
-            <a:solidFill>
-              <a:srgbClr val="FFFFFF"/>
-            </a:solidFill>
-            <a:ln>
-              <a:solidFill>
-                <a:schemeClr val="bg2">
-                  <a:lumMod val="90000"/>
-                </a:schemeClr>
-              </a:solidFill>
-            </a:ln>
-          </p:spPr>
-          <p:txBody>
-            <a:bodyPr wrap="square" rtlCol="0" anchor="t" anchorCtr="0">
-              <a:noAutofit/>
-            </a:bodyPr>
-            <a:lstStyle/>
-            <a:p>
-              <a:r>
-                <a:rPr lang="en-US" sz="1200" b="1" dirty="0"/>
-                <a:t> </a:t>
-              </a:r>
-              <a:endParaRPr lang="en-PH" sz="1200" b="1" dirty="0"/>
-            </a:p>
-          </p:txBody>
-        </p:sp>
-        <p:sp>
-          <p:nvSpPr>
-            <p:cNvPr id="21" name="Rectangle: Rounded Corners 20">
-              <a:extLst>
-                <a:ext uri="{FF2B5EF4-FFF2-40B4-BE49-F238E27FC236}">
-                  <a16:creationId xmlns:a16="http://schemas.microsoft.com/office/drawing/2014/main" id="{BFB71818-581A-4B3F-B3E6-10D2A25AE77C}"/>
-                </a:ext>
-              </a:extLst>
-            </p:cNvPr>
-            <p:cNvSpPr/>
-            <p:nvPr/>
-          </p:nvSpPr>
-          <p:spPr>
-            <a:xfrm>
-              <a:off x="277997" y="961263"/>
-              <a:ext cx="1741074" cy="263699"/>
-            </a:xfrm>
-            <a:prstGeom prst="roundRect">
-              <a:avLst>
-                <a:gd name="adj" fmla="val 50000"/>
-              </a:avLst>
-            </a:prstGeom>
-            <a:solidFill>
-              <a:srgbClr val="D4E3FA"/>
-            </a:solidFill>
-            <a:ln w="3175">
-              <a:noFill/>
-            </a:ln>
-            <a:effectLst>
-              <a:softEdge rad="0"/>
-            </a:effectLst>
-          </p:spPr>
-          <p:style>
-            <a:lnRef idx="2">
-              <a:schemeClr val="accent1">
-                <a:shade val="50000"/>
-              </a:schemeClr>
-            </a:lnRef>
-            <a:fillRef idx="1">
-              <a:schemeClr val="accent1"/>
-            </a:fillRef>
-            <a:effectRef idx="0">
-              <a:schemeClr val="accent1"/>
-            </a:effectRef>
-            <a:fontRef idx="minor">
-              <a:schemeClr val="lt1"/>
-            </a:fontRef>
-          </p:style>
-          <p:txBody>
-            <a:bodyPr rtlCol="0" anchor="ctr"/>
-            <a:lstStyle/>
-            <a:p>
-              <a:pPr algn="ctr"/>
-              <a:endParaRPr lang="en-PH" sz="1200" dirty="0"/>
-            </a:p>
-          </p:txBody>
-        </p:sp>
-        <p:sp>
-          <p:nvSpPr>
-            <p:cNvPr id="22" name="TextBox 21">
-              <a:extLst>
-                <a:ext uri="{FF2B5EF4-FFF2-40B4-BE49-F238E27FC236}">
-                  <a16:creationId xmlns:a16="http://schemas.microsoft.com/office/drawing/2014/main" id="{8E091E8D-F1E2-4DB6-9E96-DCE6D01E8BA1}"/>
-                </a:ext>
-              </a:extLst>
-            </p:cNvPr>
-            <p:cNvSpPr txBox="1"/>
-            <p:nvPr/>
-          </p:nvSpPr>
-          <p:spPr>
-            <a:xfrm>
-              <a:off x="523885" y="940763"/>
-              <a:ext cx="1293719" cy="276999"/>
-            </a:xfrm>
-            <a:prstGeom prst="rect">
-              <a:avLst/>
-            </a:prstGeom>
-            <a:noFill/>
-          </p:spPr>
-          <p:txBody>
-            <a:bodyPr wrap="square" rtlCol="0">
-              <a:spAutoFit/>
-            </a:bodyPr>
-            <a:lstStyle/>
-            <a:p>
-              <a:r>
-                <a:rPr lang="en-US" sz="1200" dirty="0">
-                  <a:solidFill>
-                    <a:schemeClr val="tx2">
-                      <a:lumMod val="75000"/>
-                    </a:schemeClr>
-                  </a:solidFill>
-                </a:rPr>
-                <a:t>Infrastructure</a:t>
-              </a:r>
-              <a:endParaRPr lang="en-PH" sz="1200" dirty="0">
-                <a:solidFill>
-                  <a:schemeClr val="tx2">
-                    <a:lumMod val="75000"/>
-                  </a:schemeClr>
-                </a:solidFill>
-              </a:endParaRPr>
-            </a:p>
-          </p:txBody>
-        </p:sp>
-        <p:pic>
-          <p:nvPicPr>
-            <p:cNvPr id="24" name="Picture 23">
-              <a:extLst>
-                <a:ext uri="{FF2B5EF4-FFF2-40B4-BE49-F238E27FC236}">
-                  <a16:creationId xmlns:a16="http://schemas.microsoft.com/office/drawing/2014/main" id="{BCD36225-30D9-4E7E-B3F0-6E8555719B0A}"/>
-                </a:ext>
-              </a:extLst>
-            </p:cNvPr>
-            <p:cNvPicPr>
-              <a:picLocks noChangeAspect="1"/>
-            </p:cNvPicPr>
-            <p:nvPr/>
-          </p:nvPicPr>
-          <p:blipFill>
-            <a:blip r:embed="rId12"/>
-            <a:stretch>
-              <a:fillRect/>
-            </a:stretch>
-          </p:blipFill>
-          <p:spPr>
-            <a:xfrm>
-              <a:off x="355010" y="995848"/>
-              <a:ext cx="168062" cy="191722"/>
-            </a:xfrm>
-            <a:prstGeom prst="rect">
-              <a:avLst/>
-            </a:prstGeom>
-          </p:spPr>
-        </p:pic>
-        <p:sp>
-          <p:nvSpPr>
-            <p:cNvPr id="25" name="Rectangle 24">
-              <a:extLst>
-                <a:ext uri="{FF2B5EF4-FFF2-40B4-BE49-F238E27FC236}">
-                  <a16:creationId xmlns:a16="http://schemas.microsoft.com/office/drawing/2014/main" id="{4223E682-0182-4E01-A16E-316FC615F5BB}"/>
-                </a:ext>
-              </a:extLst>
-            </p:cNvPr>
-            <p:cNvSpPr/>
-            <p:nvPr/>
-          </p:nvSpPr>
-          <p:spPr>
-            <a:xfrm>
-              <a:off x="277997" y="1333138"/>
-              <a:ext cx="1684152" cy="330179"/>
-            </a:xfrm>
-            <a:prstGeom prst="rect">
-              <a:avLst/>
-            </a:prstGeom>
-            <a:solidFill>
-              <a:srgbClr val="FFFFFF"/>
-            </a:solidFill>
-            <a:ln w="3175">
-              <a:noFill/>
-            </a:ln>
-            <a:effectLst>
-              <a:softEdge rad="0"/>
-            </a:effectLst>
-          </p:spPr>
-          <p:style>
-            <a:lnRef idx="2">
-              <a:schemeClr val="accent1">
-                <a:shade val="50000"/>
-              </a:schemeClr>
-            </a:lnRef>
-            <a:fillRef idx="1">
-              <a:schemeClr val="accent1"/>
-            </a:fillRef>
-            <a:effectRef idx="0">
-              <a:schemeClr val="accent1"/>
-            </a:effectRef>
-            <a:fontRef idx="minor">
-              <a:schemeClr val="lt1"/>
-            </a:fontRef>
-          </p:style>
-          <p:txBody>
-            <a:bodyPr rtlCol="0" anchor="ctr"/>
-            <a:lstStyle/>
-            <a:p>
-              <a:pPr algn="ctr"/>
-              <a:endParaRPr lang="en-PH" sz="1200"/>
-            </a:p>
-          </p:txBody>
-        </p:sp>
-        <p:sp>
-          <p:nvSpPr>
-            <p:cNvPr id="26" name="TextBox 25">
-              <a:extLst>
-                <a:ext uri="{FF2B5EF4-FFF2-40B4-BE49-F238E27FC236}">
-                  <a16:creationId xmlns:a16="http://schemas.microsoft.com/office/drawing/2014/main" id="{F4535406-3C5E-43E4-B079-1519A85F5A0F}"/>
-                </a:ext>
-              </a:extLst>
-            </p:cNvPr>
-            <p:cNvSpPr txBox="1"/>
-            <p:nvPr/>
-          </p:nvSpPr>
-          <p:spPr>
-            <a:xfrm>
-              <a:off x="523885" y="1319397"/>
-              <a:ext cx="1508497" cy="276999"/>
-            </a:xfrm>
-            <a:prstGeom prst="rect">
-              <a:avLst/>
-            </a:prstGeom>
-            <a:solidFill>
-              <a:srgbClr val="FFFFFF"/>
-            </a:solidFill>
-          </p:spPr>
-          <p:txBody>
-            <a:bodyPr wrap="square" rtlCol="0">
-              <a:spAutoFit/>
-            </a:bodyPr>
-            <a:lstStyle/>
-            <a:p>
-              <a:r>
-                <a:rPr lang="en-US" sz="1200" dirty="0">
-                  <a:solidFill>
-                    <a:schemeClr val="tx2">
-                      <a:lumMod val="75000"/>
-                    </a:schemeClr>
-                  </a:solidFill>
-                </a:rPr>
-                <a:t>ERPS Systems</a:t>
-              </a:r>
-              <a:endParaRPr lang="en-PH" sz="1200" dirty="0">
-                <a:solidFill>
-                  <a:schemeClr val="tx2">
-                    <a:lumMod val="75000"/>
-                  </a:schemeClr>
-                </a:solidFill>
-              </a:endParaRPr>
-            </a:p>
-          </p:txBody>
-        </p:sp>
-        <p:pic>
-          <p:nvPicPr>
-            <p:cNvPr id="28" name="Picture 27">
-              <a:extLst>
-                <a:ext uri="{FF2B5EF4-FFF2-40B4-BE49-F238E27FC236}">
-                  <a16:creationId xmlns:a16="http://schemas.microsoft.com/office/drawing/2014/main" id="{92AE064B-5C7F-4BE6-A039-259199C8DB04}"/>
-                </a:ext>
-              </a:extLst>
-            </p:cNvPr>
-            <p:cNvPicPr>
-              <a:picLocks noChangeAspect="1"/>
-            </p:cNvPicPr>
-            <p:nvPr/>
-          </p:nvPicPr>
-          <p:blipFill>
-            <a:blip r:embed="rId13"/>
-            <a:stretch>
-              <a:fillRect/>
-            </a:stretch>
-          </p:blipFill>
-          <p:spPr>
-            <a:xfrm>
-              <a:off x="368241" y="1367218"/>
-              <a:ext cx="115170" cy="175307"/>
-            </a:xfrm>
-            <a:prstGeom prst="rect">
-              <a:avLst/>
-            </a:prstGeom>
-          </p:spPr>
-        </p:pic>
-        <p:sp>
-          <p:nvSpPr>
-            <p:cNvPr id="29" name="Rectangle 28">
-              <a:extLst>
-                <a:ext uri="{FF2B5EF4-FFF2-40B4-BE49-F238E27FC236}">
-                  <a16:creationId xmlns:a16="http://schemas.microsoft.com/office/drawing/2014/main" id="{9DC78CB5-2CC4-4AE5-92C6-EDC6879BA1B2}"/>
-                </a:ext>
-              </a:extLst>
-            </p:cNvPr>
-            <p:cNvSpPr/>
-            <p:nvPr/>
-          </p:nvSpPr>
-          <p:spPr>
-            <a:xfrm>
-              <a:off x="277997" y="1663414"/>
-              <a:ext cx="1688160" cy="330179"/>
-            </a:xfrm>
-            <a:prstGeom prst="rect">
-              <a:avLst/>
-            </a:prstGeom>
-            <a:solidFill>
-              <a:srgbClr val="FFFFFF"/>
-            </a:solidFill>
-            <a:ln w="3175">
-              <a:noFill/>
-            </a:ln>
-            <a:effectLst>
-              <a:softEdge rad="0"/>
-            </a:effectLst>
-          </p:spPr>
-          <p:style>
-            <a:lnRef idx="2">
-              <a:schemeClr val="accent1">
-                <a:shade val="50000"/>
-              </a:schemeClr>
-            </a:lnRef>
-            <a:fillRef idx="1">
-              <a:schemeClr val="accent1"/>
-            </a:fillRef>
-            <a:effectRef idx="0">
-              <a:schemeClr val="accent1"/>
-            </a:effectRef>
-            <a:fontRef idx="minor">
-              <a:schemeClr val="lt1"/>
-            </a:fontRef>
-          </p:style>
-          <p:txBody>
-            <a:bodyPr rtlCol="0" anchor="ctr"/>
-            <a:lstStyle/>
-            <a:p>
-              <a:pPr algn="ctr"/>
-              <a:endParaRPr lang="en-PH" sz="1200"/>
-            </a:p>
-          </p:txBody>
-        </p:sp>
-        <p:sp>
-          <p:nvSpPr>
-            <p:cNvPr id="30" name="TextBox 29">
-              <a:extLst>
-                <a:ext uri="{FF2B5EF4-FFF2-40B4-BE49-F238E27FC236}">
-                  <a16:creationId xmlns:a16="http://schemas.microsoft.com/office/drawing/2014/main" id="{46457596-43AC-487C-9930-20211D647E90}"/>
-                </a:ext>
-              </a:extLst>
-            </p:cNvPr>
-            <p:cNvSpPr txBox="1"/>
-            <p:nvPr/>
-          </p:nvSpPr>
-          <p:spPr>
-            <a:xfrm>
-              <a:off x="527892" y="1649673"/>
-              <a:ext cx="1508497" cy="276999"/>
-            </a:xfrm>
-            <a:prstGeom prst="rect">
-              <a:avLst/>
-            </a:prstGeom>
-            <a:solidFill>
-              <a:srgbClr val="FFFFFF"/>
-            </a:solidFill>
-          </p:spPr>
-          <p:txBody>
-            <a:bodyPr wrap="square" rtlCol="0">
-              <a:spAutoFit/>
-            </a:bodyPr>
-            <a:lstStyle/>
-            <a:p>
-              <a:r>
-                <a:rPr lang="en-US" sz="1200" dirty="0">
-                  <a:solidFill>
-                    <a:schemeClr val="tx2">
-                      <a:lumMod val="75000"/>
-                    </a:schemeClr>
-                  </a:solidFill>
-                </a:rPr>
-                <a:t>Common Systems</a:t>
-              </a:r>
-              <a:endParaRPr lang="en-PH" sz="1200" dirty="0">
-                <a:solidFill>
-                  <a:schemeClr val="tx2">
-                    <a:lumMod val="75000"/>
-                  </a:schemeClr>
-                </a:solidFill>
-              </a:endParaRPr>
-            </a:p>
-          </p:txBody>
-        </p:sp>
-        <p:pic>
-          <p:nvPicPr>
-            <p:cNvPr id="32" name="Picture 31">
-              <a:extLst>
-                <a:ext uri="{FF2B5EF4-FFF2-40B4-BE49-F238E27FC236}">
-                  <a16:creationId xmlns:a16="http://schemas.microsoft.com/office/drawing/2014/main" id="{E37D0BBC-F858-4F59-A730-914C52651A90}"/>
-                </a:ext>
-              </a:extLst>
-            </p:cNvPr>
-            <p:cNvPicPr>
-              <a:picLocks noChangeAspect="1"/>
-            </p:cNvPicPr>
-            <p:nvPr/>
-          </p:nvPicPr>
-          <p:blipFill>
-            <a:blip r:embed="rId14"/>
-            <a:stretch>
-              <a:fillRect/>
-            </a:stretch>
-          </p:blipFill>
-          <p:spPr>
-            <a:xfrm>
-              <a:off x="343585" y="1683983"/>
-              <a:ext cx="135266" cy="205898"/>
-            </a:xfrm>
-            <a:prstGeom prst="rect">
-              <a:avLst/>
-            </a:prstGeom>
-            <a:solidFill>
-              <a:srgbClr val="FFFFFF"/>
-            </a:solidFill>
-          </p:spPr>
-        </p:pic>
-        <p:sp>
-          <p:nvSpPr>
-            <p:cNvPr id="33" name="Rectangle 32">
-              <a:extLst>
-                <a:ext uri="{FF2B5EF4-FFF2-40B4-BE49-F238E27FC236}">
-                  <a16:creationId xmlns:a16="http://schemas.microsoft.com/office/drawing/2014/main" id="{D434FF03-35FB-4DA1-907A-6F2556D6E0ED}"/>
-                </a:ext>
-              </a:extLst>
-            </p:cNvPr>
-            <p:cNvSpPr/>
-            <p:nvPr/>
-          </p:nvSpPr>
-          <p:spPr>
-            <a:xfrm>
-              <a:off x="273989" y="1997674"/>
-              <a:ext cx="1688160" cy="330179"/>
-            </a:xfrm>
-            <a:prstGeom prst="rect">
-              <a:avLst/>
-            </a:prstGeom>
-            <a:solidFill>
-              <a:srgbClr val="FFFFFF"/>
-            </a:solidFill>
-            <a:ln w="3175">
-              <a:noFill/>
-            </a:ln>
-            <a:effectLst>
-              <a:softEdge rad="0"/>
-            </a:effectLst>
-          </p:spPr>
-          <p:style>
-            <a:lnRef idx="2">
-              <a:schemeClr val="accent1">
-                <a:shade val="50000"/>
-              </a:schemeClr>
-            </a:lnRef>
-            <a:fillRef idx="1">
-              <a:schemeClr val="accent1"/>
-            </a:fillRef>
-            <a:effectRef idx="0">
-              <a:schemeClr val="accent1"/>
-            </a:effectRef>
-            <a:fontRef idx="minor">
-              <a:schemeClr val="lt1"/>
-            </a:fontRef>
-          </p:style>
-          <p:txBody>
-            <a:bodyPr rtlCol="0" anchor="ctr"/>
-            <a:lstStyle/>
-            <a:p>
-              <a:pPr algn="ctr"/>
-              <a:endParaRPr lang="en-PH" sz="1200"/>
-            </a:p>
-          </p:txBody>
-        </p:sp>
-        <p:sp>
-          <p:nvSpPr>
-            <p:cNvPr id="34" name="TextBox 33">
-              <a:extLst>
-                <a:ext uri="{FF2B5EF4-FFF2-40B4-BE49-F238E27FC236}">
-                  <a16:creationId xmlns:a16="http://schemas.microsoft.com/office/drawing/2014/main" id="{CDEC40D1-B4E0-4F04-BE07-EF9641127EC9}"/>
-                </a:ext>
-              </a:extLst>
-            </p:cNvPr>
-            <p:cNvSpPr txBox="1"/>
-            <p:nvPr/>
-          </p:nvSpPr>
-          <p:spPr>
-            <a:xfrm>
-              <a:off x="523886" y="1983933"/>
-              <a:ext cx="1508496" cy="276999"/>
-            </a:xfrm>
-            <a:prstGeom prst="rect">
-              <a:avLst/>
-            </a:prstGeom>
-            <a:solidFill>
-              <a:srgbClr val="FFFFFF"/>
-            </a:solidFill>
-          </p:spPr>
-          <p:txBody>
-            <a:bodyPr wrap="square" rtlCol="0">
-              <a:spAutoFit/>
-            </a:bodyPr>
-            <a:lstStyle/>
-            <a:p>
-              <a:r>
-                <a:rPr lang="en-US" sz="1200" dirty="0">
-                  <a:solidFill>
-                    <a:schemeClr val="tx2">
-                      <a:lumMod val="75000"/>
-                    </a:schemeClr>
-                  </a:solidFill>
-                </a:rPr>
-                <a:t>Manufacturing</a:t>
-              </a:r>
-              <a:endParaRPr lang="en-PH" sz="1200" dirty="0">
-                <a:solidFill>
-                  <a:schemeClr val="tx2">
-                    <a:lumMod val="75000"/>
-                  </a:schemeClr>
-                </a:solidFill>
-              </a:endParaRPr>
-            </a:p>
-          </p:txBody>
-        </p:sp>
-        <p:pic>
-          <p:nvPicPr>
-            <p:cNvPr id="36" name="Picture 35">
-              <a:extLst>
-                <a:ext uri="{FF2B5EF4-FFF2-40B4-BE49-F238E27FC236}">
-                  <a16:creationId xmlns:a16="http://schemas.microsoft.com/office/drawing/2014/main" id="{677FC680-069A-4764-9915-2174689A499C}"/>
-                </a:ext>
-              </a:extLst>
-            </p:cNvPr>
-            <p:cNvPicPr>
-              <a:picLocks noChangeAspect="1"/>
-            </p:cNvPicPr>
-            <p:nvPr/>
-          </p:nvPicPr>
-          <p:blipFill>
-            <a:blip r:embed="rId15"/>
-            <a:stretch>
-              <a:fillRect/>
-            </a:stretch>
-          </p:blipFill>
-          <p:spPr>
-            <a:xfrm>
-              <a:off x="325458" y="2004574"/>
-              <a:ext cx="150041" cy="228388"/>
-            </a:xfrm>
-            <a:prstGeom prst="rect">
-              <a:avLst/>
-            </a:prstGeom>
-            <a:solidFill>
-              <a:srgbClr val="FFFFFF"/>
-            </a:solidFill>
-          </p:spPr>
-        </p:pic>
-        <p:sp>
-          <p:nvSpPr>
-            <p:cNvPr id="135" name="TextBox 134">
-              <a:extLst>
-                <a:ext uri="{FF2B5EF4-FFF2-40B4-BE49-F238E27FC236}">
-                  <a16:creationId xmlns:a16="http://schemas.microsoft.com/office/drawing/2014/main" id="{9B943D55-6E33-4ECE-8C01-7F07E2864B1E}"/>
-                </a:ext>
-              </a:extLst>
-            </p:cNvPr>
-            <p:cNvSpPr txBox="1"/>
-            <p:nvPr/>
-          </p:nvSpPr>
-          <p:spPr>
-            <a:xfrm>
-              <a:off x="278746" y="644724"/>
-              <a:ext cx="1293719" cy="261610"/>
-            </a:xfrm>
-            <a:prstGeom prst="rect">
-              <a:avLst/>
-            </a:prstGeom>
-            <a:noFill/>
-          </p:spPr>
-          <p:txBody>
-            <a:bodyPr wrap="square" rtlCol="0">
-              <a:spAutoFit/>
-            </a:bodyPr>
-            <a:lstStyle/>
-            <a:p>
-              <a:r>
-                <a:rPr lang="en-US" sz="1100" b="1" dirty="0">
-                  <a:solidFill>
-                    <a:srgbClr val="44546A"/>
-                  </a:solidFill>
-                  <a:latin typeface="Arial" panose="020B0604020202020204" pitchFamily="34" charset="0"/>
-                  <a:cs typeface="Arial" panose="020B0604020202020204" pitchFamily="34" charset="0"/>
-                </a:rPr>
-                <a:t>Section</a:t>
-              </a:r>
-              <a:endParaRPr lang="en-PH" sz="1100" b="1" dirty="0">
-                <a:solidFill>
-                  <a:srgbClr val="44546A"/>
-                </a:solidFill>
-                <a:latin typeface="Arial" panose="020B0604020202020204" pitchFamily="34" charset="0"/>
-                <a:cs typeface="Arial" panose="020B0604020202020204" pitchFamily="34" charset="0"/>
-              </a:endParaRPr>
-            </a:p>
-          </p:txBody>
-        </p:sp>
-      </p:grpSp>
-      <p:sp>
-        <p:nvSpPr>
-          <p:cNvPr id="52" name="TextBox 51">
-            <a:extLst>
-              <a:ext uri="{FF2B5EF4-FFF2-40B4-BE49-F238E27FC236}">
-                <a16:creationId xmlns:a16="http://schemas.microsoft.com/office/drawing/2014/main" id="{9E484AAD-5719-440E-8C63-1BB84166FC46}"/>
+      <p:sp>
+        <p:nvSpPr>
+          <p:cNvPr id="20" name="TextBox 19">
+            <a:extLst>
+              <a:ext uri="{FF2B5EF4-FFF2-40B4-BE49-F238E27FC236}">
+                <a16:creationId xmlns:a16="http://schemas.microsoft.com/office/drawing/2014/main" id="{28E7AF71-8B85-42C8-8F7A-E27F02546457}"/>
               </a:ext>
             </a:extLst>
           </p:cNvPr>
@@ -6351,98 +5579,66 @@
         </p:nvSpPr>
         <p:spPr>
           <a:xfrm>
-            <a:off x="82584" y="475022"/>
-            <a:ext cx="2132160" cy="307777"/>
+            <a:off x="57626" y="483747"/>
+            <a:ext cx="1974601" cy="1816036"/>
           </a:xfrm>
           <a:prstGeom prst="roundRect">
             <a:avLst>
-              <a:gd name="adj" fmla="val 0"/>
+              <a:gd name="adj" fmla="val 3837"/>
             </a:avLst>
           </a:prstGeom>
-          <a:noFill/>
-        </p:spPr>
-        <p:txBody>
-          <a:bodyPr wrap="square" rtlCol="0">
-            <a:spAutoFit/>
-          </a:bodyPr>
-          <a:lstStyle/>
-          <a:p>
-            <a:r>
-              <a:rPr lang="en-US" sz="1400" b="1" dirty="0">
-                <a:solidFill>
-                  <a:schemeClr val="bg1">
-                    <a:lumMod val="95000"/>
-                  </a:schemeClr>
-                </a:solidFill>
-              </a:rPr>
-              <a:t>Navigation</a:t>
-            </a:r>
-            <a:endParaRPr lang="en-PH" sz="1400" b="1" dirty="0">
-              <a:solidFill>
-                <a:schemeClr val="bg1">
-                  <a:lumMod val="95000"/>
-                </a:schemeClr>
-              </a:solidFill>
-            </a:endParaRPr>
-          </a:p>
-        </p:txBody>
-      </p:sp>
-    </p:spTree>
-    <p:extLst>
-      <p:ext uri="{BB962C8B-B14F-4D97-AF65-F5344CB8AC3E}">
-        <p14:creationId xmlns:p14="http://schemas.microsoft.com/office/powerpoint/2010/main" val="2223823784"/>
-      </p:ext>
-    </p:extLst>
-  </p:cSld>
-  <p:clrMapOvr>
-    <a:masterClrMapping/>
-  </p:clrMapOvr>
-</p:sld>
-</file>
-
-<file path=ppt/slides/slide3.xml><?xml version="1.0" encoding="utf-8"?>
-<p:sld xmlns:a="http://schemas.openxmlformats.org/drawingml/2006/main" xmlns:r="http://schemas.openxmlformats.org/officeDocument/2006/relationships" xmlns:p="http://schemas.openxmlformats.org/presentationml/2006/main">
-  <p:cSld>
-    <p:spTree>
-      <p:nvGrpSpPr>
-        <p:cNvPr id="1" name=""/>
-        <p:cNvGrpSpPr/>
-        <p:nvPr/>
-      </p:nvGrpSpPr>
-      <p:grpSpPr>
-        <a:xfrm>
-          <a:off x="0" y="0"/>
-          <a:ext cx="0" cy="0"/>
-          <a:chOff x="0" y="0"/>
-          <a:chExt cx="0" cy="0"/>
-        </a:xfrm>
-      </p:grpSpPr>
-      <p:sp>
-        <p:nvSpPr>
-          <p:cNvPr id="16" name="Rectangle 15">
-            <a:extLst>
-              <a:ext uri="{FF2B5EF4-FFF2-40B4-BE49-F238E27FC236}">
-                <a16:creationId xmlns:a16="http://schemas.microsoft.com/office/drawing/2014/main" id="{D5BDD208-A3A2-42BA-8EE8-27672339831F}"/>
-              </a:ext>
-            </a:extLst>
-          </p:cNvPr>
-          <p:cNvSpPr/>
-          <p:nvPr/>
-        </p:nvSpPr>
-        <p:spPr>
-          <a:xfrm>
-            <a:off x="0" y="0"/>
-            <a:ext cx="12191999" cy="6857999"/>
-          </a:xfrm>
-          <a:prstGeom prst="rect">
-            <a:avLst/>
-          </a:prstGeom>
           <a:solidFill>
-            <a:schemeClr val="bg1"/>
+            <a:srgbClr val="FFFFFF"/>
           </a:solidFill>
           <a:ln>
             <a:noFill/>
           </a:ln>
+        </p:spPr>
+        <p:txBody>
+          <a:bodyPr wrap="square" rtlCol="0" anchor="t" anchorCtr="0">
+            <a:noAutofit/>
+          </a:bodyPr>
+          <a:lstStyle/>
+          <a:p>
+            <a:r>
+              <a:rPr lang="en-US" sz="1200" b="1" dirty="0"/>
+              <a:t> </a:t>
+            </a:r>
+            <a:endParaRPr lang="en-PH" sz="1200" b="1" dirty="0"/>
+          </a:p>
+        </p:txBody>
+      </p:sp>
+      <p:sp>
+        <p:nvSpPr>
+          <p:cNvPr id="21" name="Rectangle: Rounded Corners 20">
+            <a:extLst>
+              <a:ext uri="{FF2B5EF4-FFF2-40B4-BE49-F238E27FC236}">
+                <a16:creationId xmlns:a16="http://schemas.microsoft.com/office/drawing/2014/main" id="{BFB71818-581A-4B3F-B3E6-10D2A25AE77C}"/>
+              </a:ext>
+            </a:extLst>
+          </p:cNvPr>
+          <p:cNvSpPr/>
+          <p:nvPr/>
+        </p:nvSpPr>
+        <p:spPr>
+          <a:xfrm>
+            <a:off x="176625" y="844872"/>
+            <a:ext cx="1741074" cy="263699"/>
+          </a:xfrm>
+          <a:prstGeom prst="roundRect">
+            <a:avLst>
+              <a:gd name="adj" fmla="val 50000"/>
+            </a:avLst>
+          </a:prstGeom>
+          <a:solidFill>
+            <a:srgbClr val="D4E3FA"/>
+          </a:solidFill>
+          <a:ln w="3175">
+            <a:noFill/>
+          </a:ln>
+          <a:effectLst>
+            <a:softEdge rad="0"/>
+          </a:effectLst>
         </p:spPr>
         <p:style>
           <a:lnRef idx="2">
@@ -6465,16 +5661,94 @@
           <a:lstStyle/>
           <a:p>
             <a:pPr algn="ctr"/>
-            <a:endParaRPr lang="en-PH"/>
-          </a:p>
-        </p:txBody>
-      </p:sp>
-      <p:sp>
-        <p:nvSpPr>
-          <p:cNvPr id="4" name="Rectangle 3">
-            <a:extLst>
-              <a:ext uri="{FF2B5EF4-FFF2-40B4-BE49-F238E27FC236}">
-                <a16:creationId xmlns:a16="http://schemas.microsoft.com/office/drawing/2014/main" id="{74A71E4B-C895-4A2D-8385-64C3E70D94FC}"/>
+            <a:endParaRPr lang="en-PH" sz="1200" dirty="0"/>
+          </a:p>
+        </p:txBody>
+      </p:sp>
+      <p:sp>
+        <p:nvSpPr>
+          <p:cNvPr id="22" name="TextBox 21">
+            <a:extLst>
+              <a:ext uri="{FF2B5EF4-FFF2-40B4-BE49-F238E27FC236}">
+                <a16:creationId xmlns:a16="http://schemas.microsoft.com/office/drawing/2014/main" id="{8E091E8D-F1E2-4DB6-9E96-DCE6D01E8BA1}"/>
+              </a:ext>
+            </a:extLst>
+          </p:cNvPr>
+          <p:cNvSpPr txBox="1"/>
+          <p:nvPr/>
+        </p:nvSpPr>
+        <p:spPr>
+          <a:xfrm>
+            <a:off x="422513" y="824372"/>
+            <a:ext cx="1293719" cy="276999"/>
+          </a:xfrm>
+          <a:prstGeom prst="rect">
+            <a:avLst/>
+          </a:prstGeom>
+          <a:noFill/>
+        </p:spPr>
+        <p:txBody>
+          <a:bodyPr wrap="square" rtlCol="0">
+            <a:spAutoFit/>
+          </a:bodyPr>
+          <a:lstStyle/>
+          <a:p>
+            <a:r>
+              <a:rPr lang="en-US" sz="1200" dirty="0">
+                <a:solidFill>
+                  <a:schemeClr val="tx2">
+                    <a:lumMod val="75000"/>
+                  </a:schemeClr>
+                </a:solidFill>
+              </a:rPr>
+              <a:t>Infrastructure</a:t>
+            </a:r>
+            <a:endParaRPr lang="en-PH" sz="1200" dirty="0">
+              <a:solidFill>
+                <a:schemeClr val="tx2">
+                  <a:lumMod val="75000"/>
+                </a:schemeClr>
+              </a:solidFill>
+            </a:endParaRPr>
+          </a:p>
+        </p:txBody>
+      </p:sp>
+      <p:pic>
+        <p:nvPicPr>
+          <p:cNvPr id="24" name="Picture 23">
+            <a:extLst>
+              <a:ext uri="{FF2B5EF4-FFF2-40B4-BE49-F238E27FC236}">
+                <a16:creationId xmlns:a16="http://schemas.microsoft.com/office/drawing/2014/main" id="{BCD36225-30D9-4E7E-B3F0-6E8555719B0A}"/>
+              </a:ext>
+            </a:extLst>
+          </p:cNvPr>
+          <p:cNvPicPr>
+            <a:picLocks noChangeAspect="1"/>
+          </p:cNvPicPr>
+          <p:nvPr/>
+        </p:nvPicPr>
+        <p:blipFill>
+          <a:blip r:embed="rId11"/>
+          <a:stretch>
+            <a:fillRect/>
+          </a:stretch>
+        </p:blipFill>
+        <p:spPr>
+          <a:xfrm>
+            <a:off x="253638" y="879457"/>
+            <a:ext cx="168062" cy="191722"/>
+          </a:xfrm>
+          <a:prstGeom prst="rect">
+            <a:avLst/>
+          </a:prstGeom>
+        </p:spPr>
+      </p:pic>
+      <p:sp>
+        <p:nvSpPr>
+          <p:cNvPr id="25" name="Rectangle 24">
+            <a:extLst>
+              <a:ext uri="{FF2B5EF4-FFF2-40B4-BE49-F238E27FC236}">
+                <a16:creationId xmlns:a16="http://schemas.microsoft.com/office/drawing/2014/main" id="{4223E682-0182-4E01-A16E-316FC615F5BB}"/>
               </a:ext>
             </a:extLst>
           </p:cNvPr>
@@ -6483,19 +5757,21 @@
         </p:nvSpPr>
         <p:spPr>
           <a:xfrm>
-            <a:off x="-1" y="0"/>
-            <a:ext cx="12192000" cy="407752"/>
+            <a:off x="176625" y="1216747"/>
+            <a:ext cx="1684152" cy="330179"/>
           </a:xfrm>
           <a:prstGeom prst="rect">
             <a:avLst/>
           </a:prstGeom>
           <a:solidFill>
-            <a:schemeClr val="bg1"/>
+            <a:srgbClr val="FFFFFF"/>
           </a:solidFill>
-          <a:ln>
+          <a:ln w="3175">
             <a:noFill/>
           </a:ln>
-          <a:effectLst/>
+          <a:effectLst>
+            <a:softEdge rad="0"/>
+          </a:effectLst>
         </p:spPr>
         <p:style>
           <a:lnRef idx="2">
@@ -6518,16 +5794,16 @@
           <a:lstStyle/>
           <a:p>
             <a:pPr algn="ctr"/>
-            <a:endParaRPr lang="en-PH" dirty="0"/>
-          </a:p>
-        </p:txBody>
-      </p:sp>
-      <p:sp>
-        <p:nvSpPr>
-          <p:cNvPr id="6" name="TextBox 5">
-            <a:extLst>
-              <a:ext uri="{FF2B5EF4-FFF2-40B4-BE49-F238E27FC236}">
-                <a16:creationId xmlns:a16="http://schemas.microsoft.com/office/drawing/2014/main" id="{38B6700A-FF70-4BC9-B81A-F39AE28E4E30}"/>
+            <a:endParaRPr lang="en-PH" sz="1200"/>
+          </a:p>
+        </p:txBody>
+      </p:sp>
+      <p:sp>
+        <p:nvSpPr>
+          <p:cNvPr id="26" name="TextBox 25">
+            <a:extLst>
+              <a:ext uri="{FF2B5EF4-FFF2-40B4-BE49-F238E27FC236}">
+                <a16:creationId xmlns:a16="http://schemas.microsoft.com/office/drawing/2014/main" id="{F4535406-3C5E-43E4-B079-1519A85F5A0F}"/>
               </a:ext>
             </a:extLst>
           </p:cNvPr>
@@ -6536,13 +5812,15 @@
         </p:nvSpPr>
         <p:spPr>
           <a:xfrm>
-            <a:off x="5455229" y="3670"/>
-            <a:ext cx="1284216" cy="246221"/>
+            <a:off x="422513" y="1203006"/>
+            <a:ext cx="1508497" cy="276999"/>
           </a:xfrm>
           <a:prstGeom prst="rect">
             <a:avLst/>
           </a:prstGeom>
-          <a:noFill/>
+          <a:solidFill>
+            <a:srgbClr val="FFFFFF"/>
+          </a:solidFill>
         </p:spPr>
         <p:txBody>
           <a:bodyPr wrap="square" rtlCol="0">
@@ -6551,16 +5829,20 @@
           <a:lstStyle/>
           <a:p>
             <a:r>
-              <a:rPr lang="en-US" sz="1000" b="1" dirty="0">
+              <a:rPr lang="en-US" sz="1200" dirty="0">
                 <a:solidFill>
-                  <a:srgbClr val="000000"/>
+                  <a:schemeClr val="tx2">
+                    <a:lumMod val="75000"/>
+                  </a:schemeClr>
                 </a:solidFill>
               </a:rPr>
-              <a:t>TPC Support Logs</a:t>
-            </a:r>
-            <a:endParaRPr lang="en-PH" sz="1000" b="1" dirty="0">
+              <a:t>ERPS Systems</a:t>
+            </a:r>
+            <a:endParaRPr lang="en-PH" sz="1200" dirty="0">
               <a:solidFill>
-                <a:srgbClr val="000000"/>
+                <a:schemeClr val="tx2">
+                  <a:lumMod val="75000"/>
+                </a:schemeClr>
               </a:solidFill>
             </a:endParaRPr>
           </a:p>
@@ -6568,10 +5850,10 @@
       </p:sp>
       <p:pic>
         <p:nvPicPr>
-          <p:cNvPr id="7" name="Picture 6">
-            <a:extLst>
-              <a:ext uri="{FF2B5EF4-FFF2-40B4-BE49-F238E27FC236}">
-                <a16:creationId xmlns:a16="http://schemas.microsoft.com/office/drawing/2014/main" id="{3B93EFA9-42EB-4155-A021-8FF798F89F87}"/>
+          <p:cNvPr id="28" name="Picture 27">
+            <a:extLst>
+              <a:ext uri="{FF2B5EF4-FFF2-40B4-BE49-F238E27FC236}">
+                <a16:creationId xmlns:a16="http://schemas.microsoft.com/office/drawing/2014/main" id="{92AE064B-5C7F-4BE6-A039-259199C8DB04}"/>
               </a:ext>
             </a:extLst>
           </p:cNvPr>
@@ -6581,85 +5863,50 @@
           <p:nvPr/>
         </p:nvPicPr>
         <p:blipFill>
-          <a:blip r:embed="rId2"/>
+          <a:blip r:embed="rId12"/>
           <a:stretch>
             <a:fillRect/>
           </a:stretch>
         </p:blipFill>
         <p:spPr>
           <a:xfrm>
-            <a:off x="5242590" y="106927"/>
-            <a:ext cx="209084" cy="209084"/>
+            <a:off x="266869" y="1250827"/>
+            <a:ext cx="115170" cy="175307"/>
           </a:xfrm>
           <a:prstGeom prst="rect">
             <a:avLst/>
           </a:prstGeom>
         </p:spPr>
       </p:pic>
-      <p:pic>
-        <p:nvPicPr>
-          <p:cNvPr id="8" name="Picture 7" descr="A person in a blue shirt&#10;&#10;Description automatically generated">
-            <a:extLst>
-              <a:ext uri="{FF2B5EF4-FFF2-40B4-BE49-F238E27FC236}">
-                <a16:creationId xmlns:a16="http://schemas.microsoft.com/office/drawing/2014/main" id="{38C487D9-CCAC-4654-90FA-AE756ED5DC82}"/>
-              </a:ext>
-            </a:extLst>
-          </p:cNvPr>
-          <p:cNvPicPr>
-            <a:picLocks noChangeAspect="1"/>
-          </p:cNvPicPr>
+      <p:sp>
+        <p:nvSpPr>
+          <p:cNvPr id="29" name="Rectangle 28">
+            <a:extLst>
+              <a:ext uri="{FF2B5EF4-FFF2-40B4-BE49-F238E27FC236}">
+                <a16:creationId xmlns:a16="http://schemas.microsoft.com/office/drawing/2014/main" id="{9DC78CB5-2CC4-4AE5-92C6-EDC6879BA1B2}"/>
+              </a:ext>
+            </a:extLst>
+          </p:cNvPr>
+          <p:cNvSpPr/>
           <p:nvPr/>
-        </p:nvPicPr>
-        <p:blipFill>
-          <a:blip r:embed="rId3">
-            <a:extLst>
-              <a:ext uri="{28A0092B-C50C-407E-A947-70E740481C1C}">
-                <a14:useLocalDpi xmlns:a14="http://schemas.microsoft.com/office/drawing/2010/main" val="0"/>
-              </a:ext>
-            </a:extLst>
-          </a:blip>
-          <a:stretch>
-            <a:fillRect/>
-          </a:stretch>
-        </p:blipFill>
-        <p:spPr>
-          <a:xfrm>
-            <a:off x="11649235" y="73835"/>
-            <a:ext cx="249910" cy="249910"/>
-          </a:xfrm>
-          <a:prstGeom prst="flowChartConnector">
+        </p:nvSpPr>
+        <p:spPr>
+          <a:xfrm>
+            <a:off x="176625" y="1547023"/>
+            <a:ext cx="1688160" cy="330179"/>
+          </a:xfrm>
+          <a:prstGeom prst="rect">
             <a:avLst/>
           </a:prstGeom>
-        </p:spPr>
-      </p:pic>
-      <p:sp>
-        <p:nvSpPr>
-          <p:cNvPr id="10" name="Rectangle: Rounded Corners 9">
-            <a:extLst>
-              <a:ext uri="{FF2B5EF4-FFF2-40B4-BE49-F238E27FC236}">
-                <a16:creationId xmlns:a16="http://schemas.microsoft.com/office/drawing/2014/main" id="{2DC00DB5-0AEF-4765-9C15-33A83A0BF32B}"/>
-              </a:ext>
-            </a:extLst>
-          </p:cNvPr>
-          <p:cNvSpPr/>
-          <p:nvPr/>
-        </p:nvSpPr>
-        <p:spPr>
-          <a:xfrm>
-            <a:off x="5545974" y="216538"/>
-            <a:ext cx="550026" cy="127919"/>
-          </a:xfrm>
-          <a:prstGeom prst="roundRect">
-            <a:avLst>
-              <a:gd name="adj" fmla="val 50000"/>
-            </a:avLst>
-          </a:prstGeom>
           <a:solidFill>
-            <a:srgbClr val="00B050"/>
+            <a:srgbClr val="FFFFFF"/>
           </a:solidFill>
-          <a:ln>
+          <a:ln w="3175">
             <a:noFill/>
           </a:ln>
+          <a:effectLst>
+            <a:softEdge rad="0"/>
+          </a:effectLst>
         </p:spPr>
         <p:style>
           <a:lnRef idx="2">
@@ -6678,712 +5925,70 @@
           </a:fontRef>
         </p:style>
         <p:txBody>
-          <a:bodyPr lIns="0" rIns="0" rtlCol="0" anchor="ctr"/>
+          <a:bodyPr rtlCol="0" anchor="ctr"/>
           <a:lstStyle/>
           <a:p>
             <a:pPr algn="ctr"/>
-            <a:r>
-              <a:rPr lang="en-US" sz="600" dirty="0"/>
-              <a:t>1.0.0.0  </a:t>
-            </a:r>
-            <a:r>
-              <a:rPr lang="en-US" sz="600" b="1" dirty="0"/>
-              <a:t>LIVE</a:t>
-            </a:r>
-            <a:endParaRPr lang="en-PH" sz="600" b="1" dirty="0"/>
-          </a:p>
-        </p:txBody>
-      </p:sp>
-      <p:grpSp>
-        <p:nvGrpSpPr>
-          <p:cNvPr id="91" name="Group 90">
-            <a:extLst>
-              <a:ext uri="{FF2B5EF4-FFF2-40B4-BE49-F238E27FC236}">
-                <a16:creationId xmlns:a16="http://schemas.microsoft.com/office/drawing/2014/main" id="{A80E17D8-D563-4B26-A271-46940D85E08A}"/>
-              </a:ext>
-            </a:extLst>
-          </p:cNvPr>
-          <p:cNvGrpSpPr/>
+            <a:endParaRPr lang="en-PH" sz="1200"/>
+          </a:p>
+        </p:txBody>
+      </p:sp>
+      <p:sp>
+        <p:nvSpPr>
+          <p:cNvPr id="30" name="TextBox 29">
+            <a:extLst>
+              <a:ext uri="{FF2B5EF4-FFF2-40B4-BE49-F238E27FC236}">
+                <a16:creationId xmlns:a16="http://schemas.microsoft.com/office/drawing/2014/main" id="{46457596-43AC-487C-9930-20211D647E90}"/>
+              </a:ext>
+            </a:extLst>
+          </p:cNvPr>
+          <p:cNvSpPr txBox="1"/>
           <p:nvPr/>
-        </p:nvGrpSpPr>
-        <p:grpSpPr>
-          <a:xfrm>
-            <a:off x="161514" y="576870"/>
-            <a:ext cx="453682" cy="454741"/>
-            <a:chOff x="3079508" y="515885"/>
-            <a:chExt cx="453682" cy="454741"/>
-          </a:xfrm>
-        </p:grpSpPr>
-        <p:sp>
-          <p:nvSpPr>
-            <p:cNvPr id="55" name="Rectangle: Rounded Corners 54">
-              <a:extLst>
-                <a:ext uri="{FF2B5EF4-FFF2-40B4-BE49-F238E27FC236}">
-                  <a16:creationId xmlns:a16="http://schemas.microsoft.com/office/drawing/2014/main" id="{9FCF40C6-3D8B-45D4-9A80-AF64B41E2FF5}"/>
-                </a:ext>
-              </a:extLst>
-            </p:cNvPr>
-            <p:cNvSpPr/>
-            <p:nvPr/>
-          </p:nvSpPr>
-          <p:spPr>
-            <a:xfrm>
-              <a:off x="3079508" y="515885"/>
-              <a:ext cx="453682" cy="454741"/>
-            </a:xfrm>
-            <a:prstGeom prst="roundRect">
-              <a:avLst>
-                <a:gd name="adj" fmla="val 13626"/>
-              </a:avLst>
-            </a:prstGeom>
-            <a:gradFill flip="none" rotWithShape="1">
-              <a:gsLst>
-                <a:gs pos="0">
-                  <a:srgbClr val="D2D2D2"/>
-                </a:gs>
-                <a:gs pos="50000">
-                  <a:srgbClr val="E4E4E4"/>
-                </a:gs>
-                <a:gs pos="100000">
-                  <a:schemeClr val="bg1">
-                    <a:lumMod val="95000"/>
-                    <a:shade val="100000"/>
-                    <a:satMod val="115000"/>
-                  </a:schemeClr>
-                </a:gs>
-              </a:gsLst>
-              <a:lin ang="13500000" scaled="1"/>
-              <a:tileRect/>
-            </a:gradFill>
-            <a:ln w="3175">
-              <a:solidFill>
-                <a:schemeClr val="bg1">
-                  <a:lumMod val="85000"/>
-                </a:schemeClr>
-              </a:solidFill>
-            </a:ln>
-            <a:effectLst/>
-          </p:spPr>
-          <p:style>
-            <a:lnRef idx="2">
-              <a:schemeClr val="accent1">
-                <a:shade val="50000"/>
-              </a:schemeClr>
-            </a:lnRef>
-            <a:fillRef idx="1">
-              <a:schemeClr val="accent1"/>
-            </a:fillRef>
-            <a:effectRef idx="0">
-              <a:schemeClr val="accent1"/>
-            </a:effectRef>
-            <a:fontRef idx="minor">
-              <a:schemeClr val="lt1"/>
-            </a:fontRef>
-          </p:style>
-          <p:txBody>
-            <a:bodyPr rtlCol="0" anchor="ctr"/>
-            <a:lstStyle/>
-            <a:p>
-              <a:pPr algn="ctr"/>
-              <a:endParaRPr lang="en-PH"/>
-            </a:p>
-          </p:txBody>
-        </p:sp>
-        <p:pic>
-          <p:nvPicPr>
-            <p:cNvPr id="62" name="Picture 61">
-              <a:extLst>
-                <a:ext uri="{FF2B5EF4-FFF2-40B4-BE49-F238E27FC236}">
-                  <a16:creationId xmlns:a16="http://schemas.microsoft.com/office/drawing/2014/main" id="{5046ADDA-0073-4642-B657-0FBC7CC2F769}"/>
-                </a:ext>
-              </a:extLst>
-            </p:cNvPr>
-            <p:cNvPicPr>
-              <a:picLocks noChangeAspect="1"/>
-            </p:cNvPicPr>
-            <p:nvPr/>
-          </p:nvPicPr>
-          <p:blipFill>
-            <a:blip r:embed="rId4"/>
-            <a:stretch>
-              <a:fillRect/>
-            </a:stretch>
-          </p:blipFill>
-          <p:spPr>
-            <a:xfrm>
-              <a:off x="3184329" y="609378"/>
-              <a:ext cx="255054" cy="255054"/>
-            </a:xfrm>
-            <a:prstGeom prst="rect">
-              <a:avLst/>
-            </a:prstGeom>
-          </p:spPr>
-        </p:pic>
-      </p:grpSp>
-      <p:pic>
-        <p:nvPicPr>
-          <p:cNvPr id="46" name="Picture 45">
-            <a:extLst>
-              <a:ext uri="{FF2B5EF4-FFF2-40B4-BE49-F238E27FC236}">
-                <a16:creationId xmlns:a16="http://schemas.microsoft.com/office/drawing/2014/main" id="{45CA6757-E1AB-4900-AC82-B8C75902D71C}"/>
-              </a:ext>
-            </a:extLst>
-          </p:cNvPr>
-          <p:cNvPicPr>
-            <a:picLocks noChangeAspect="1"/>
-          </p:cNvPicPr>
-          <p:nvPr/>
-        </p:nvPicPr>
-        <p:blipFill rotWithShape="1">
-          <a:blip r:embed="rId5"/>
-          <a:srcRect l="2832" t="15279" r="2741" b="4979"/>
-          <a:stretch/>
-        </p:blipFill>
-        <p:spPr>
-          <a:xfrm>
-            <a:off x="176681" y="1179962"/>
-            <a:ext cx="8948689" cy="3431403"/>
-          </a:xfrm>
-          <a:prstGeom prst="roundRect">
-            <a:avLst>
-              <a:gd name="adj" fmla="val 2688"/>
-            </a:avLst>
-          </a:prstGeom>
-          <a:ln w="3175">
-            <a:solidFill>
-              <a:schemeClr val="bg2">
-                <a:lumMod val="90000"/>
-              </a:schemeClr>
-            </a:solidFill>
-          </a:ln>
-        </p:spPr>
-      </p:pic>
-      <p:grpSp>
-        <p:nvGrpSpPr>
-          <p:cNvPr id="93" name="Group 92">
-            <a:extLst>
-              <a:ext uri="{FF2B5EF4-FFF2-40B4-BE49-F238E27FC236}">
-                <a16:creationId xmlns:a16="http://schemas.microsoft.com/office/drawing/2014/main" id="{2EC38241-D258-47F0-950B-4A63E4A2FE6D}"/>
-              </a:ext>
-            </a:extLst>
-          </p:cNvPr>
-          <p:cNvGrpSpPr/>
-          <p:nvPr/>
-        </p:nvGrpSpPr>
-        <p:grpSpPr>
-          <a:xfrm>
-            <a:off x="8677221" y="584695"/>
-            <a:ext cx="453682" cy="454741"/>
-            <a:chOff x="11566399" y="515885"/>
-            <a:chExt cx="453682" cy="454741"/>
-          </a:xfrm>
-        </p:grpSpPr>
-        <p:sp>
-          <p:nvSpPr>
-            <p:cNvPr id="51" name="Rectangle: Rounded Corners 50">
-              <a:extLst>
-                <a:ext uri="{FF2B5EF4-FFF2-40B4-BE49-F238E27FC236}">
-                  <a16:creationId xmlns:a16="http://schemas.microsoft.com/office/drawing/2014/main" id="{2D69533F-6F70-42B8-96BC-A3F298ED2169}"/>
-                </a:ext>
-              </a:extLst>
-            </p:cNvPr>
-            <p:cNvSpPr/>
-            <p:nvPr/>
-          </p:nvSpPr>
-          <p:spPr>
-            <a:xfrm>
-              <a:off x="11566399" y="515885"/>
-              <a:ext cx="453682" cy="454741"/>
-            </a:xfrm>
-            <a:prstGeom prst="roundRect">
-              <a:avLst>
-                <a:gd name="adj" fmla="val 13626"/>
-              </a:avLst>
-            </a:prstGeom>
-            <a:gradFill flip="none" rotWithShape="1">
-              <a:gsLst>
-                <a:gs pos="0">
-                  <a:srgbClr val="CFCFCF"/>
-                </a:gs>
-                <a:gs pos="50000">
-                  <a:srgbClr val="E4E4E4"/>
-                </a:gs>
-                <a:gs pos="100000">
-                  <a:schemeClr val="bg1">
-                    <a:lumMod val="95000"/>
-                    <a:shade val="100000"/>
-                    <a:satMod val="115000"/>
-                  </a:schemeClr>
-                </a:gs>
-              </a:gsLst>
-              <a:lin ang="13500000" scaled="1"/>
-              <a:tileRect/>
-            </a:gradFill>
-            <a:ln w="3175">
-              <a:solidFill>
-                <a:schemeClr val="bg1">
-                  <a:lumMod val="85000"/>
-                </a:schemeClr>
-              </a:solidFill>
-            </a:ln>
-            <a:effectLst/>
-          </p:spPr>
-          <p:style>
-            <a:lnRef idx="2">
-              <a:schemeClr val="accent1">
-                <a:shade val="50000"/>
-              </a:schemeClr>
-            </a:lnRef>
-            <a:fillRef idx="1">
-              <a:schemeClr val="accent1"/>
-            </a:fillRef>
-            <a:effectRef idx="0">
-              <a:schemeClr val="accent1"/>
-            </a:effectRef>
-            <a:fontRef idx="minor">
-              <a:schemeClr val="lt1"/>
-            </a:fontRef>
-          </p:style>
-          <p:txBody>
-            <a:bodyPr rtlCol="0" anchor="ctr"/>
-            <a:lstStyle/>
-            <a:p>
-              <a:pPr algn="ctr"/>
-              <a:endParaRPr lang="en-PH"/>
-            </a:p>
-          </p:txBody>
-        </p:sp>
-        <p:pic>
-          <p:nvPicPr>
-            <p:cNvPr id="48" name="Picture 47">
-              <a:extLst>
-                <a:ext uri="{FF2B5EF4-FFF2-40B4-BE49-F238E27FC236}">
-                  <a16:creationId xmlns:a16="http://schemas.microsoft.com/office/drawing/2014/main" id="{30700B58-01CB-4443-9081-B811637CB4F7}"/>
-                </a:ext>
-              </a:extLst>
-            </p:cNvPr>
-            <p:cNvPicPr>
-              <a:picLocks noChangeAspect="1"/>
-            </p:cNvPicPr>
-            <p:nvPr/>
-          </p:nvPicPr>
-          <p:blipFill>
-            <a:blip r:embed="rId6"/>
-            <a:stretch>
-              <a:fillRect/>
-            </a:stretch>
-          </p:blipFill>
-          <p:spPr>
-            <a:xfrm>
-              <a:off x="11650457" y="611564"/>
-              <a:ext cx="255054" cy="255054"/>
-            </a:xfrm>
-            <a:prstGeom prst="rect">
-              <a:avLst/>
-            </a:prstGeom>
-          </p:spPr>
-        </p:pic>
-      </p:grpSp>
-      <p:grpSp>
-        <p:nvGrpSpPr>
-          <p:cNvPr id="92" name="Group 91">
-            <a:extLst>
-              <a:ext uri="{FF2B5EF4-FFF2-40B4-BE49-F238E27FC236}">
-                <a16:creationId xmlns:a16="http://schemas.microsoft.com/office/drawing/2014/main" id="{2801CA69-B6FC-43AB-AAA5-CA956479107E}"/>
-              </a:ext>
-            </a:extLst>
-          </p:cNvPr>
-          <p:cNvGrpSpPr/>
-          <p:nvPr/>
-        </p:nvGrpSpPr>
-        <p:grpSpPr>
-          <a:xfrm>
-            <a:off x="8143962" y="584695"/>
-            <a:ext cx="453682" cy="454741"/>
-            <a:chOff x="11033140" y="515885"/>
-            <a:chExt cx="453682" cy="454741"/>
-          </a:xfrm>
-        </p:grpSpPr>
-        <p:sp>
-          <p:nvSpPr>
-            <p:cNvPr id="56" name="Rectangle: Rounded Corners 55">
-              <a:extLst>
-                <a:ext uri="{FF2B5EF4-FFF2-40B4-BE49-F238E27FC236}">
-                  <a16:creationId xmlns:a16="http://schemas.microsoft.com/office/drawing/2014/main" id="{1B3817B4-0BCC-4CBE-9628-DC6BF6757BF2}"/>
-                </a:ext>
-              </a:extLst>
-            </p:cNvPr>
-            <p:cNvSpPr/>
-            <p:nvPr/>
-          </p:nvSpPr>
-          <p:spPr>
-            <a:xfrm>
-              <a:off x="11033140" y="515885"/>
-              <a:ext cx="453682" cy="454741"/>
-            </a:xfrm>
-            <a:prstGeom prst="roundRect">
-              <a:avLst>
-                <a:gd name="adj" fmla="val 13626"/>
-              </a:avLst>
-            </a:prstGeom>
-            <a:gradFill flip="none" rotWithShape="1">
-              <a:gsLst>
-                <a:gs pos="0">
-                  <a:srgbClr val="CFCFCF"/>
-                </a:gs>
-                <a:gs pos="50000">
-                  <a:srgbClr val="E4E4E4"/>
-                </a:gs>
-                <a:gs pos="100000">
-                  <a:schemeClr val="bg1">
-                    <a:lumMod val="95000"/>
-                    <a:shade val="100000"/>
-                    <a:satMod val="115000"/>
-                  </a:schemeClr>
-                </a:gs>
-              </a:gsLst>
-              <a:lin ang="13500000" scaled="1"/>
-              <a:tileRect/>
-            </a:gradFill>
-            <a:ln w="3175">
-              <a:solidFill>
-                <a:schemeClr val="bg1">
-                  <a:lumMod val="85000"/>
-                </a:schemeClr>
-              </a:solidFill>
-            </a:ln>
-            <a:effectLst/>
-          </p:spPr>
-          <p:style>
-            <a:lnRef idx="2">
-              <a:schemeClr val="accent1">
-                <a:shade val="50000"/>
-              </a:schemeClr>
-            </a:lnRef>
-            <a:fillRef idx="1">
-              <a:schemeClr val="accent1"/>
-            </a:fillRef>
-            <a:effectRef idx="0">
-              <a:schemeClr val="accent1"/>
-            </a:effectRef>
-            <a:fontRef idx="minor">
-              <a:schemeClr val="lt1"/>
-            </a:fontRef>
-          </p:style>
-          <p:txBody>
-            <a:bodyPr rtlCol="0" anchor="ctr"/>
-            <a:lstStyle/>
-            <a:p>
-              <a:pPr algn="ctr"/>
-              <a:endParaRPr lang="en-PH"/>
-            </a:p>
-          </p:txBody>
-        </p:sp>
-        <p:pic>
-          <p:nvPicPr>
-            <p:cNvPr id="50" name="Picture 49">
-              <a:extLst>
-                <a:ext uri="{FF2B5EF4-FFF2-40B4-BE49-F238E27FC236}">
-                  <a16:creationId xmlns:a16="http://schemas.microsoft.com/office/drawing/2014/main" id="{28105EEA-6A97-4D57-A15A-DF551CBF33CA}"/>
-                </a:ext>
-              </a:extLst>
-            </p:cNvPr>
-            <p:cNvPicPr>
-              <a:picLocks noChangeAspect="1"/>
-            </p:cNvPicPr>
-            <p:nvPr/>
-          </p:nvPicPr>
-          <p:blipFill>
-            <a:blip r:embed="rId7"/>
-            <a:stretch>
-              <a:fillRect/>
-            </a:stretch>
-          </p:blipFill>
-          <p:spPr>
-            <a:xfrm>
-              <a:off x="11137638" y="614367"/>
-              <a:ext cx="249448" cy="249448"/>
-            </a:xfrm>
-            <a:prstGeom prst="rect">
-              <a:avLst/>
-            </a:prstGeom>
-          </p:spPr>
-        </p:pic>
-      </p:grpSp>
-      <p:grpSp>
-        <p:nvGrpSpPr>
-          <p:cNvPr id="94" name="Group 93">
-            <a:extLst>
-              <a:ext uri="{FF2B5EF4-FFF2-40B4-BE49-F238E27FC236}">
-                <a16:creationId xmlns:a16="http://schemas.microsoft.com/office/drawing/2014/main" id="{0A358CD7-E9A3-41DD-925A-DF375B66E503}"/>
-              </a:ext>
-            </a:extLst>
-          </p:cNvPr>
-          <p:cNvGrpSpPr/>
-          <p:nvPr/>
-        </p:nvGrpSpPr>
-        <p:grpSpPr>
-          <a:xfrm>
-            <a:off x="706932" y="577149"/>
-            <a:ext cx="7357453" cy="454741"/>
-            <a:chOff x="3638011" y="515885"/>
-            <a:chExt cx="7315551" cy="454741"/>
-          </a:xfrm>
-        </p:grpSpPr>
-        <p:sp>
-          <p:nvSpPr>
-            <p:cNvPr id="63" name="Rectangle: Rounded Corners 62">
-              <a:extLst>
-                <a:ext uri="{FF2B5EF4-FFF2-40B4-BE49-F238E27FC236}">
-                  <a16:creationId xmlns:a16="http://schemas.microsoft.com/office/drawing/2014/main" id="{80A7D17C-F4D3-41EC-9225-F71977685B85}"/>
-                </a:ext>
-              </a:extLst>
-            </p:cNvPr>
-            <p:cNvSpPr/>
-            <p:nvPr/>
-          </p:nvSpPr>
-          <p:spPr>
-            <a:xfrm>
-              <a:off x="3638011" y="515885"/>
-              <a:ext cx="7315551" cy="454741"/>
-            </a:xfrm>
-            <a:prstGeom prst="roundRect">
-              <a:avLst>
-                <a:gd name="adj" fmla="val 23418"/>
-              </a:avLst>
-            </a:prstGeom>
-            <a:solidFill>
-              <a:srgbClr val="014C63"/>
-            </a:solidFill>
-            <a:ln w="3175">
-              <a:solidFill>
-                <a:schemeClr val="bg1">
-                  <a:lumMod val="85000"/>
-                </a:schemeClr>
-              </a:solidFill>
-            </a:ln>
-            <a:effectLst/>
-          </p:spPr>
-          <p:style>
-            <a:lnRef idx="2">
-              <a:schemeClr val="accent1">
-                <a:shade val="50000"/>
-              </a:schemeClr>
-            </a:lnRef>
-            <a:fillRef idx="1">
-              <a:schemeClr val="accent1"/>
-            </a:fillRef>
-            <a:effectRef idx="0">
-              <a:schemeClr val="accent1"/>
-            </a:effectRef>
-            <a:fontRef idx="minor">
-              <a:schemeClr val="lt1"/>
-            </a:fontRef>
-          </p:style>
-          <p:txBody>
-            <a:bodyPr rtlCol="0" anchor="ctr"/>
-            <a:lstStyle/>
-            <a:p>
-              <a:pPr algn="ctr"/>
-              <a:endParaRPr lang="en-PH"/>
-            </a:p>
-          </p:txBody>
-        </p:sp>
-        <p:sp>
-          <p:nvSpPr>
-            <p:cNvPr id="54" name="TextBox 53">
-              <a:extLst>
-                <a:ext uri="{FF2B5EF4-FFF2-40B4-BE49-F238E27FC236}">
-                  <a16:creationId xmlns:a16="http://schemas.microsoft.com/office/drawing/2014/main" id="{4CFC2E23-079B-4AEF-9C7C-7E557CB5B4F8}"/>
-                </a:ext>
-              </a:extLst>
-            </p:cNvPr>
-            <p:cNvSpPr txBox="1"/>
-            <p:nvPr/>
-          </p:nvSpPr>
-          <p:spPr>
-            <a:xfrm>
-              <a:off x="3710807" y="556672"/>
-              <a:ext cx="1983894" cy="369332"/>
-            </a:xfrm>
-            <a:prstGeom prst="roundRect">
-              <a:avLst>
-                <a:gd name="adj" fmla="val 0"/>
-              </a:avLst>
-            </a:prstGeom>
-            <a:noFill/>
-          </p:spPr>
-          <p:txBody>
-            <a:bodyPr wrap="square" rtlCol="0">
-              <a:spAutoFit/>
-            </a:bodyPr>
-            <a:lstStyle/>
-            <a:p>
-              <a:r>
-                <a:rPr lang="en-US" b="1" dirty="0">
-                  <a:solidFill>
-                    <a:schemeClr val="bg1">
-                      <a:lumMod val="95000"/>
-                    </a:schemeClr>
-                  </a:solidFill>
-                </a:rPr>
-                <a:t>Infrastructure</a:t>
-              </a:r>
-              <a:endParaRPr lang="en-PH" b="1" dirty="0">
-                <a:solidFill>
-                  <a:schemeClr val="bg1">
-                    <a:lumMod val="95000"/>
-                  </a:schemeClr>
-                </a:solidFill>
-              </a:endParaRPr>
-            </a:p>
-          </p:txBody>
-        </p:sp>
-        <p:sp>
-          <p:nvSpPr>
-            <p:cNvPr id="61" name="TextBox 60">
-              <a:extLst>
-                <a:ext uri="{FF2B5EF4-FFF2-40B4-BE49-F238E27FC236}">
-                  <a16:creationId xmlns:a16="http://schemas.microsoft.com/office/drawing/2014/main" id="{9FB60E3F-47B9-4076-B9B1-9130C6CA51B4}"/>
-                </a:ext>
-              </a:extLst>
-            </p:cNvPr>
-            <p:cNvSpPr txBox="1"/>
-            <p:nvPr/>
-          </p:nvSpPr>
-          <p:spPr>
-            <a:xfrm>
-              <a:off x="9098292" y="612450"/>
-              <a:ext cx="1762562" cy="261610"/>
-            </a:xfrm>
-            <a:prstGeom prst="rect">
-              <a:avLst/>
-            </a:prstGeom>
-            <a:noFill/>
-          </p:spPr>
-          <p:txBody>
-            <a:bodyPr wrap="square" rtlCol="0">
-              <a:spAutoFit/>
-            </a:bodyPr>
-            <a:lstStyle/>
-            <a:p>
-              <a:pPr algn="r">
-                <a:tabLst>
-                  <a:tab pos="1257300" algn="l"/>
-                </a:tabLst>
-              </a:pPr>
-              <a:r>
-                <a:rPr lang="en-US" sz="1050" dirty="0">
-                  <a:solidFill>
-                    <a:schemeClr val="bg1">
-                      <a:lumMod val="95000"/>
-                    </a:schemeClr>
-                  </a:solidFill>
-                </a:rPr>
-                <a:t>142 rows</a:t>
-              </a:r>
-              <a:endParaRPr lang="en-PH" sz="1050" dirty="0">
-                <a:solidFill>
-                  <a:schemeClr val="bg1">
-                    <a:lumMod val="95000"/>
-                  </a:schemeClr>
-                </a:solidFill>
-              </a:endParaRPr>
-            </a:p>
-          </p:txBody>
-        </p:sp>
-      </p:grpSp>
-      <p:pic>
-        <p:nvPicPr>
-          <p:cNvPr id="69" name="Picture 68">
-            <a:extLst>
-              <a:ext uri="{FF2B5EF4-FFF2-40B4-BE49-F238E27FC236}">
-                <a16:creationId xmlns:a16="http://schemas.microsoft.com/office/drawing/2014/main" id="{14A1BC1D-1D82-4E13-B1CF-BAFFAEAC16BA}"/>
-              </a:ext>
-            </a:extLst>
-          </p:cNvPr>
-          <p:cNvPicPr>
-            <a:picLocks noChangeAspect="1"/>
-          </p:cNvPicPr>
-          <p:nvPr/>
-        </p:nvPicPr>
-        <p:blipFill rotWithShape="1">
-          <a:blip r:embed="rId8"/>
-          <a:srcRect l="965" t="2944" r="996" b="28802"/>
-          <a:stretch/>
-        </p:blipFill>
-        <p:spPr>
-          <a:xfrm>
-            <a:off x="185737" y="4761013"/>
-            <a:ext cx="8948689" cy="2092892"/>
-          </a:xfrm>
-          <a:prstGeom prst="roundRect">
-            <a:avLst>
-              <a:gd name="adj" fmla="val 3041"/>
-            </a:avLst>
-          </a:prstGeom>
-          <a:ln w="3175">
-            <a:solidFill>
-              <a:schemeClr val="bg2">
-                <a:lumMod val="90000"/>
-              </a:schemeClr>
-            </a:solidFill>
-          </a:ln>
-        </p:spPr>
-      </p:pic>
-      <p:pic>
-        <p:nvPicPr>
-          <p:cNvPr id="1028" name="Picture 4" descr="TDK Logo and symbol, meaning, history, PNG, brand">
-            <a:extLst>
-              <a:ext uri="{FF2B5EF4-FFF2-40B4-BE49-F238E27FC236}">
-                <a16:creationId xmlns:a16="http://schemas.microsoft.com/office/drawing/2014/main" id="{4353987C-694D-47F0-AFBB-707006700D92}"/>
-              </a:ext>
-            </a:extLst>
-          </p:cNvPr>
-          <p:cNvPicPr>
-            <a:picLocks noChangeAspect="1" noChangeArrowheads="1"/>
-          </p:cNvPicPr>
-          <p:nvPr/>
-        </p:nvPicPr>
-        <p:blipFill>
-          <a:blip r:embed="rId9">
-            <a:extLst>
-              <a:ext uri="{28A0092B-C50C-407E-A947-70E740481C1C}">
-                <a14:useLocalDpi xmlns:a14="http://schemas.microsoft.com/office/drawing/2010/main" val="0"/>
-              </a:ext>
-            </a:extLst>
-          </a:blip>
-          <a:srcRect/>
-          <a:stretch>
-            <a:fillRect/>
-          </a:stretch>
-        </p:blipFill>
-        <p:spPr bwMode="auto">
-          <a:xfrm>
-            <a:off x="149883" y="39550"/>
-            <a:ext cx="620708" cy="349150"/>
+        </p:nvSpPr>
+        <p:spPr>
+          <a:xfrm>
+            <a:off x="426520" y="1533282"/>
+            <a:ext cx="1508497" cy="276999"/>
           </a:xfrm>
           <a:prstGeom prst="rect">
             <a:avLst/>
           </a:prstGeom>
-          <a:noFill/>
-          <a:extLst>
-            <a:ext uri="{909E8E84-426E-40DD-AFC4-6F175D3DCCD1}">
-              <a14:hiddenFill xmlns:a14="http://schemas.microsoft.com/office/drawing/2010/main">
+          <a:solidFill>
+            <a:srgbClr val="FFFFFF"/>
+          </a:solidFill>
+        </p:spPr>
+        <p:txBody>
+          <a:bodyPr wrap="square" rtlCol="0">
+            <a:spAutoFit/>
+          </a:bodyPr>
+          <a:lstStyle/>
+          <a:p>
+            <a:r>
+              <a:rPr lang="en-US" sz="1200" dirty="0">
                 <a:solidFill>
-                  <a:srgbClr val="FFFFFF"/>
+                  <a:schemeClr val="tx2">
+                    <a:lumMod val="75000"/>
+                  </a:schemeClr>
                 </a:solidFill>
-              </a14:hiddenFill>
-            </a:ext>
-          </a:extLst>
-        </p:spPr>
-      </p:pic>
+              </a:rPr>
+              <a:t>Common Systems</a:t>
+            </a:r>
+            <a:endParaRPr lang="en-PH" sz="1200" dirty="0">
+              <a:solidFill>
+                <a:schemeClr val="tx2">
+                  <a:lumMod val="75000"/>
+                </a:schemeClr>
+              </a:solidFill>
+            </a:endParaRPr>
+          </a:p>
+        </p:txBody>
+      </p:sp>
       <p:pic>
         <p:nvPicPr>
-          <p:cNvPr id="112" name="Picture 111">
-            <a:extLst>
-              <a:ext uri="{FF2B5EF4-FFF2-40B4-BE49-F238E27FC236}">
-                <a16:creationId xmlns:a16="http://schemas.microsoft.com/office/drawing/2014/main" id="{240D0F48-804F-40DC-A8BC-9310297AE346}"/>
+          <p:cNvPr id="32" name="Picture 31">
+            <a:extLst>
+              <a:ext uri="{FF2B5EF4-FFF2-40B4-BE49-F238E27FC236}">
+                <a16:creationId xmlns:a16="http://schemas.microsoft.com/office/drawing/2014/main" id="{E37D0BBC-F858-4F59-A730-914C52651A90}"/>
               </a:ext>
             </a:extLst>
           </p:cNvPr>
@@ -7393,99 +5998,53 @@
           <p:nvPr/>
         </p:nvPicPr>
         <p:blipFill>
-          <a:blip r:embed="rId10"/>
+          <a:blip r:embed="rId13"/>
           <a:stretch>
             <a:fillRect/>
           </a:stretch>
         </p:blipFill>
         <p:spPr>
           <a:xfrm>
-            <a:off x="6560343" y="124437"/>
-            <a:ext cx="138621" cy="138621"/>
+            <a:off x="242213" y="1567592"/>
+            <a:ext cx="135266" cy="205898"/>
           </a:xfrm>
           <a:prstGeom prst="rect">
             <a:avLst/>
           </a:prstGeom>
+          <a:solidFill>
+            <a:srgbClr val="FFFFFF"/>
+          </a:solidFill>
         </p:spPr>
       </p:pic>
       <p:sp>
         <p:nvSpPr>
-          <p:cNvPr id="116" name="TextBox 115">
-            <a:extLst>
-              <a:ext uri="{FF2B5EF4-FFF2-40B4-BE49-F238E27FC236}">
-                <a16:creationId xmlns:a16="http://schemas.microsoft.com/office/drawing/2014/main" id="{7D3947DB-73BC-45D8-9338-E781B166C032}"/>
-              </a:ext>
-            </a:extLst>
-          </p:cNvPr>
-          <p:cNvSpPr txBox="1"/>
+          <p:cNvPr id="33" name="Rectangle 32">
+            <a:extLst>
+              <a:ext uri="{FF2B5EF4-FFF2-40B4-BE49-F238E27FC236}">
+                <a16:creationId xmlns:a16="http://schemas.microsoft.com/office/drawing/2014/main" id="{D434FF03-35FB-4DA1-907A-6F2556D6E0ED}"/>
+              </a:ext>
+            </a:extLst>
+          </p:cNvPr>
+          <p:cNvSpPr/>
           <p:nvPr/>
         </p:nvSpPr>
         <p:spPr>
           <a:xfrm>
-            <a:off x="10023475" y="14956"/>
-            <a:ext cx="1657509" cy="216285"/>
-          </a:xfrm>
-          <a:prstGeom prst="roundRect">
-            <a:avLst>
-              <a:gd name="adj" fmla="val 50000"/>
-            </a:avLst>
+            <a:off x="172617" y="1881283"/>
+            <a:ext cx="1688160" cy="330179"/>
+          </a:xfrm>
+          <a:prstGeom prst="rect">
+            <a:avLst/>
           </a:prstGeom>
-          <a:noFill/>
-          <a:ln>
+          <a:solidFill>
+            <a:srgbClr val="FFFFFF"/>
+          </a:solidFill>
+          <a:ln w="3175">
             <a:noFill/>
           </a:ln>
-        </p:spPr>
-        <p:txBody>
-          <a:bodyPr wrap="square" rtlCol="0" anchor="ctr" anchorCtr="0">
-            <a:noAutofit/>
-          </a:bodyPr>
-          <a:lstStyle/>
-          <a:p>
-            <a:pPr algn="r"/>
-            <a:r>
-              <a:rPr lang="en-US" sz="800" b="1" dirty="0">
-                <a:solidFill>
-                  <a:srgbClr val="000000"/>
-                </a:solidFill>
-              </a:rPr>
-              <a:t>Marq Paul Gonzales</a:t>
-            </a:r>
-            <a:endParaRPr lang="en-PH" sz="800" b="1" dirty="0">
-              <a:solidFill>
-                <a:srgbClr val="000000"/>
-              </a:solidFill>
-            </a:endParaRPr>
-          </a:p>
-        </p:txBody>
-      </p:sp>
-      <p:sp>
-        <p:nvSpPr>
-          <p:cNvPr id="123" name="Rectangle: Rounded Corners 122">
-            <a:extLst>
-              <a:ext uri="{FF2B5EF4-FFF2-40B4-BE49-F238E27FC236}">
-                <a16:creationId xmlns:a16="http://schemas.microsoft.com/office/drawing/2014/main" id="{9B3BC808-2014-4951-A7D6-C50C6217F731}"/>
-              </a:ext>
-            </a:extLst>
-          </p:cNvPr>
-          <p:cNvSpPr/>
-          <p:nvPr/>
-        </p:nvSpPr>
-        <p:spPr>
-          <a:xfrm>
-            <a:off x="10972800" y="211469"/>
-            <a:ext cx="596846" cy="127919"/>
-          </a:xfrm>
-          <a:prstGeom prst="roundRect">
-            <a:avLst>
-              <a:gd name="adj" fmla="val 50000"/>
-            </a:avLst>
-          </a:prstGeom>
-          <a:solidFill>
-            <a:srgbClr val="00B050"/>
-          </a:solidFill>
-          <a:ln>
-            <a:noFill/>
-          </a:ln>
+          <a:effectLst>
+            <a:softEdge rad="0"/>
+          </a:effectLst>
         </p:spPr>
         <p:style>
           <a:lnRef idx="2">
@@ -7504,24 +6063,70 @@
           </a:fontRef>
         </p:style>
         <p:txBody>
-          <a:bodyPr lIns="0" rIns="0" rtlCol="0" anchor="ctr"/>
+          <a:bodyPr rtlCol="0" anchor="ctr"/>
           <a:lstStyle/>
           <a:p>
             <a:pPr algn="ctr"/>
-            <a:r>
-              <a:rPr lang="en-US" sz="600" dirty="0"/>
-              <a:t>Standard User</a:t>
-            </a:r>
-            <a:endParaRPr lang="en-PH" sz="600" b="1" dirty="0"/>
+            <a:endParaRPr lang="en-PH" sz="1200"/>
+          </a:p>
+        </p:txBody>
+      </p:sp>
+      <p:sp>
+        <p:nvSpPr>
+          <p:cNvPr id="34" name="TextBox 33">
+            <a:extLst>
+              <a:ext uri="{FF2B5EF4-FFF2-40B4-BE49-F238E27FC236}">
+                <a16:creationId xmlns:a16="http://schemas.microsoft.com/office/drawing/2014/main" id="{CDEC40D1-B4E0-4F04-BE07-EF9641127EC9}"/>
+              </a:ext>
+            </a:extLst>
+          </p:cNvPr>
+          <p:cNvSpPr txBox="1"/>
+          <p:nvPr/>
+        </p:nvSpPr>
+        <p:spPr>
+          <a:xfrm>
+            <a:off x="422514" y="1867542"/>
+            <a:ext cx="1508496" cy="276999"/>
+          </a:xfrm>
+          <a:prstGeom prst="rect">
+            <a:avLst/>
+          </a:prstGeom>
+          <a:solidFill>
+            <a:srgbClr val="FFFFFF"/>
+          </a:solidFill>
+        </p:spPr>
+        <p:txBody>
+          <a:bodyPr wrap="square" rtlCol="0">
+            <a:spAutoFit/>
+          </a:bodyPr>
+          <a:lstStyle/>
+          <a:p>
+            <a:r>
+              <a:rPr lang="en-US" sz="1200" dirty="0">
+                <a:solidFill>
+                  <a:schemeClr val="tx2">
+                    <a:lumMod val="75000"/>
+                  </a:schemeClr>
+                </a:solidFill>
+              </a:rPr>
+              <a:t>Manufacturing</a:t>
+            </a:r>
+            <a:endParaRPr lang="en-PH" sz="1200" dirty="0">
+              <a:solidFill>
+                <a:schemeClr val="tx2">
+                  <a:lumMod val="75000"/>
+                </a:schemeClr>
+              </a:solidFill>
+            </a:endParaRPr>
           </a:p>
         </p:txBody>
       </p:sp>
       <p:pic>
         <p:nvPicPr>
-          <p:cNvPr id="124" name="Picture 123">
-            <a:extLst>
-              <a:ext uri="{FF2B5EF4-FFF2-40B4-BE49-F238E27FC236}">
-                <a16:creationId xmlns:a16="http://schemas.microsoft.com/office/drawing/2014/main" id="{3FB2C4EA-F6B8-46CB-8EED-D266A697B136}"/>
+          <p:cNvPr id="36" name="Picture 35">
+            <a:extLst>
+              <a:ext uri="{FF2B5EF4-FFF2-40B4-BE49-F238E27FC236}">
+                <a16:creationId xmlns:a16="http://schemas.microsoft.com/office/drawing/2014/main" id="{677FC680-069A-4764-9915-2174689A499C}"/>
               </a:ext>
             </a:extLst>
           </p:cNvPr>
@@ -7531,72 +6136,114 @@
           <p:nvPr/>
         </p:nvPicPr>
         <p:blipFill>
-          <a:blip r:embed="rId10"/>
+          <a:blip r:embed="rId14"/>
           <a:stretch>
             <a:fillRect/>
           </a:stretch>
         </p:blipFill>
         <p:spPr>
           <a:xfrm>
-            <a:off x="11952910" y="148632"/>
-            <a:ext cx="138621" cy="138621"/>
+            <a:off x="224086" y="1888183"/>
+            <a:ext cx="150041" cy="228388"/>
           </a:xfrm>
           <a:prstGeom prst="rect">
             <a:avLst/>
           </a:prstGeom>
+          <a:solidFill>
+            <a:srgbClr val="FFFFFF"/>
+          </a:solidFill>
         </p:spPr>
       </p:pic>
-      <p:cxnSp>
-        <p:nvCxnSpPr>
-          <p:cNvPr id="126" name="Straight Connector 125">
-            <a:extLst>
-              <a:ext uri="{FF2B5EF4-FFF2-40B4-BE49-F238E27FC236}">
-                <a16:creationId xmlns:a16="http://schemas.microsoft.com/office/drawing/2014/main" id="{6DB553C6-F6DB-4A71-8E28-B89FE599C713}"/>
-              </a:ext>
-            </a:extLst>
-          </p:cNvPr>
-          <p:cNvCxnSpPr>
-            <a:cxnSpLocks/>
-          </p:cNvCxnSpPr>
+      <p:sp>
+        <p:nvSpPr>
+          <p:cNvPr id="135" name="TextBox 134">
+            <a:extLst>
+              <a:ext uri="{FF2B5EF4-FFF2-40B4-BE49-F238E27FC236}">
+                <a16:creationId xmlns:a16="http://schemas.microsoft.com/office/drawing/2014/main" id="{9B943D55-6E33-4ECE-8C01-7F07E2864B1E}"/>
+              </a:ext>
+            </a:extLst>
+          </p:cNvPr>
+          <p:cNvSpPr txBox="1"/>
           <p:nvPr/>
-        </p:nvCxnSpPr>
-        <p:spPr>
-          <a:xfrm flipH="1">
-            <a:off x="-1" y="407752"/>
-            <a:ext cx="12192004" cy="0"/>
-          </a:xfrm>
-          <a:prstGeom prst="line">
+        </p:nvSpPr>
+        <p:spPr>
+          <a:xfrm>
+            <a:off x="164674" y="553733"/>
+            <a:ext cx="1293719" cy="261610"/>
+          </a:xfrm>
+          <a:prstGeom prst="rect">
             <a:avLst/>
           </a:prstGeom>
-          <a:ln>
-            <a:solidFill>
-              <a:schemeClr val="bg2">
-                <a:lumMod val="90000"/>
-              </a:schemeClr>
-            </a:solidFill>
-          </a:ln>
-        </p:spPr>
-        <p:style>
-          <a:lnRef idx="1">
-            <a:schemeClr val="accent3"/>
-          </a:lnRef>
-          <a:fillRef idx="0">
-            <a:schemeClr val="accent3"/>
-          </a:fillRef>
-          <a:effectRef idx="0">
-            <a:schemeClr val="accent3"/>
-          </a:effectRef>
-          <a:fontRef idx="minor">
-            <a:schemeClr val="tx1"/>
-          </a:fontRef>
-        </p:style>
-      </p:cxnSp>
-      <p:sp>
-        <p:nvSpPr>
-          <p:cNvPr id="19" name="Rectangle: Rounded Corners 18">
-            <a:extLst>
-              <a:ext uri="{FF2B5EF4-FFF2-40B4-BE49-F238E27FC236}">
-                <a16:creationId xmlns:a16="http://schemas.microsoft.com/office/drawing/2014/main" id="{54AAB3AB-A446-488B-B1ED-07C11E7A0DC4}"/>
+          <a:noFill/>
+        </p:spPr>
+        <p:txBody>
+          <a:bodyPr wrap="square" rtlCol="0">
+            <a:spAutoFit/>
+          </a:bodyPr>
+          <a:lstStyle/>
+          <a:p>
+            <a:r>
+              <a:rPr lang="en-US" sz="1100" b="1" dirty="0">
+                <a:solidFill>
+                  <a:srgbClr val="44546A"/>
+                </a:solidFill>
+                <a:latin typeface="Arial" panose="020B0604020202020204" pitchFamily="34" charset="0"/>
+                <a:cs typeface="Arial" panose="020B0604020202020204" pitchFamily="34" charset="0"/>
+              </a:rPr>
+              <a:t>Section</a:t>
+            </a:r>
+            <a:endParaRPr lang="en-PH" sz="1100" b="1" dirty="0">
+              <a:solidFill>
+                <a:srgbClr val="44546A"/>
+              </a:solidFill>
+              <a:latin typeface="Arial" panose="020B0604020202020204" pitchFamily="34" charset="0"/>
+              <a:cs typeface="Arial" panose="020B0604020202020204" pitchFamily="34" charset="0"/>
+            </a:endParaRPr>
+          </a:p>
+        </p:txBody>
+      </p:sp>
+      <p:pic>
+        <p:nvPicPr>
+          <p:cNvPr id="5" name="Picture 4" descr="A blue and black logo&#10;&#10;Description automatically generated">
+            <a:extLst>
+              <a:ext uri="{FF2B5EF4-FFF2-40B4-BE49-F238E27FC236}">
+                <a16:creationId xmlns:a16="http://schemas.microsoft.com/office/drawing/2014/main" id="{EEDE1AE7-0E46-487E-8A2B-21ED9C1006FA}"/>
+              </a:ext>
+            </a:extLst>
+          </p:cNvPr>
+          <p:cNvPicPr>
+            <a:picLocks noChangeAspect="1"/>
+          </p:cNvPicPr>
+          <p:nvPr/>
+        </p:nvPicPr>
+        <p:blipFill>
+          <a:blip r:embed="rId15">
+            <a:extLst>
+              <a:ext uri="{28A0092B-C50C-407E-A947-70E740481C1C}">
+                <a14:useLocalDpi xmlns:a14="http://schemas.microsoft.com/office/drawing/2010/main" val="0"/>
+              </a:ext>
+            </a:extLst>
+          </a:blip>
+          <a:stretch>
+            <a:fillRect/>
+          </a:stretch>
+        </p:blipFill>
+        <p:spPr>
+          <a:xfrm>
+            <a:off x="193528" y="127395"/>
+            <a:ext cx="723085" cy="152961"/>
+          </a:xfrm>
+          <a:prstGeom prst="rect">
+            <a:avLst/>
+          </a:prstGeom>
+        </p:spPr>
+      </p:pic>
+      <p:sp>
+        <p:nvSpPr>
+          <p:cNvPr id="45" name="Rectangle: Rounded Corners 44">
+            <a:extLst>
+              <a:ext uri="{FF2B5EF4-FFF2-40B4-BE49-F238E27FC236}">
+                <a16:creationId xmlns:a16="http://schemas.microsoft.com/office/drawing/2014/main" id="{531B9A7F-4DA5-409F-B85C-8DDDF219C0A0}"/>
               </a:ext>
             </a:extLst>
           </p:cNvPr>
@@ -7650,10 +6297,10 @@
       </p:sp>
       <p:sp>
         <p:nvSpPr>
-          <p:cNvPr id="20" name="TextBox 19">
-            <a:extLst>
-              <a:ext uri="{FF2B5EF4-FFF2-40B4-BE49-F238E27FC236}">
-                <a16:creationId xmlns:a16="http://schemas.microsoft.com/office/drawing/2014/main" id="{28E7AF71-8B85-42C8-8F7A-E27F02546457}"/>
+          <p:cNvPr id="47" name="TextBox 46">
+            <a:extLst>
+              <a:ext uri="{FF2B5EF4-FFF2-40B4-BE49-F238E27FC236}">
+                <a16:creationId xmlns:a16="http://schemas.microsoft.com/office/drawing/2014/main" id="{12375853-FA64-4593-A9AF-786D16E9093D}"/>
               </a:ext>
             </a:extLst>
           </p:cNvPr>
@@ -7697,10 +6344,10 @@
       </p:sp>
       <p:sp>
         <p:nvSpPr>
-          <p:cNvPr id="21" name="Rectangle: Rounded Corners 20">
-            <a:extLst>
-              <a:ext uri="{FF2B5EF4-FFF2-40B4-BE49-F238E27FC236}">
-                <a16:creationId xmlns:a16="http://schemas.microsoft.com/office/drawing/2014/main" id="{BFB71818-581A-4B3F-B3E6-10D2A25AE77C}"/>
+          <p:cNvPr id="49" name="Rectangle: Rounded Corners 48">
+            <a:extLst>
+              <a:ext uri="{FF2B5EF4-FFF2-40B4-BE49-F238E27FC236}">
+                <a16:creationId xmlns:a16="http://schemas.microsoft.com/office/drawing/2014/main" id="{68CDD8C8-3D57-417D-B9CD-7E392DEB011F}"/>
               </a:ext>
             </a:extLst>
           </p:cNvPr>
@@ -7752,10 +6399,10 @@
       </p:sp>
       <p:sp>
         <p:nvSpPr>
-          <p:cNvPr id="135" name="TextBox 134">
-            <a:extLst>
-              <a:ext uri="{FF2B5EF4-FFF2-40B4-BE49-F238E27FC236}">
-                <a16:creationId xmlns:a16="http://schemas.microsoft.com/office/drawing/2014/main" id="{9B943D55-6E33-4ECE-8C01-7F07E2864B1E}"/>
+          <p:cNvPr id="52" name="TextBox 51">
+            <a:extLst>
+              <a:ext uri="{FF2B5EF4-FFF2-40B4-BE49-F238E27FC236}">
+                <a16:creationId xmlns:a16="http://schemas.microsoft.com/office/drawing/2014/main" id="{0661D189-6075-4604-8C94-B026ADB5D282}"/>
               </a:ext>
             </a:extLst>
           </p:cNvPr>
@@ -7793,10 +6440,10 @@
       </p:sp>
       <p:sp>
         <p:nvSpPr>
-          <p:cNvPr id="49" name="TextBox 48">
-            <a:extLst>
-              <a:ext uri="{FF2B5EF4-FFF2-40B4-BE49-F238E27FC236}">
-                <a16:creationId xmlns:a16="http://schemas.microsoft.com/office/drawing/2014/main" id="{3376FEAF-D30F-4773-BD32-FA6EABF42846}"/>
+          <p:cNvPr id="53" name="TextBox 52">
+            <a:extLst>
+              <a:ext uri="{FF2B5EF4-FFF2-40B4-BE49-F238E27FC236}">
+                <a16:creationId xmlns:a16="http://schemas.microsoft.com/office/drawing/2014/main" id="{B46287E9-FD6F-4B8B-8AED-34152C05A5A5}"/>
               </a:ext>
             </a:extLst>
           </p:cNvPr>
@@ -7834,10 +6481,10 @@
       </p:sp>
       <p:graphicFrame>
         <p:nvGraphicFramePr>
-          <p:cNvPr id="3" name="Table 4">
-            <a:extLst>
-              <a:ext uri="{FF2B5EF4-FFF2-40B4-BE49-F238E27FC236}">
-                <a16:creationId xmlns:a16="http://schemas.microsoft.com/office/drawing/2014/main" id="{2EFA547A-27F8-44B3-8BC2-1AC22F9A03EB}"/>
+          <p:cNvPr id="57" name="Table 4">
+            <a:extLst>
+              <a:ext uri="{FF2B5EF4-FFF2-40B4-BE49-F238E27FC236}">
+                <a16:creationId xmlns:a16="http://schemas.microsoft.com/office/drawing/2014/main" id="{E9BFA8D6-9A31-45E3-BE2D-2F773D8B465D}"/>
               </a:ext>
             </a:extLst>
           </p:cNvPr>
@@ -7847,7 +6494,7 @@
           <p:nvPr>
             <p:extLst>
               <p:ext uri="{D42A27DB-BD31-4B8C-83A1-F6EECF244321}">
-                <p14:modId xmlns:p14="http://schemas.microsoft.com/office/powerpoint/2010/main" val="430879075"/>
+                <p14:modId xmlns:p14="http://schemas.microsoft.com/office/powerpoint/2010/main" val="1520798930"/>
               </p:ext>
             </p:extLst>
           </p:nvPr>
@@ -8316,10 +6963,10 @@
       </p:graphicFrame>
       <p:sp>
         <p:nvSpPr>
-          <p:cNvPr id="59" name="TextBox 58">
-            <a:extLst>
-              <a:ext uri="{FF2B5EF4-FFF2-40B4-BE49-F238E27FC236}">
-                <a16:creationId xmlns:a16="http://schemas.microsoft.com/office/drawing/2014/main" id="{9B41A150-E4F6-4E07-907E-6C0C13696A1E}"/>
+          <p:cNvPr id="58" name="TextBox 57">
+            <a:extLst>
+              <a:ext uri="{FF2B5EF4-FFF2-40B4-BE49-F238E27FC236}">
+                <a16:creationId xmlns:a16="http://schemas.microsoft.com/office/drawing/2014/main" id="{14BA659C-839A-42DE-9573-D92AA64018EB}"/>
               </a:ext>
             </a:extLst>
           </p:cNvPr>
@@ -8351,10 +6998,10 @@
       </p:sp>
       <p:sp>
         <p:nvSpPr>
-          <p:cNvPr id="60" name="TextBox 59">
-            <a:extLst>
-              <a:ext uri="{FF2B5EF4-FFF2-40B4-BE49-F238E27FC236}">
-                <a16:creationId xmlns:a16="http://schemas.microsoft.com/office/drawing/2014/main" id="{089CD37D-65CA-45B8-B8D0-CC49E9005959}"/>
+          <p:cNvPr id="59" name="TextBox 58">
+            <a:extLst>
+              <a:ext uri="{FF2B5EF4-FFF2-40B4-BE49-F238E27FC236}">
+                <a16:creationId xmlns:a16="http://schemas.microsoft.com/office/drawing/2014/main" id="{9117829B-D3CF-4754-A0A1-B3EFC83CEBCB}"/>
               </a:ext>
             </a:extLst>
           </p:cNvPr>
@@ -8393,10 +7040,10 @@
       </p:sp>
       <p:sp>
         <p:nvSpPr>
-          <p:cNvPr id="64" name="TextBox 63">
-            <a:extLst>
-              <a:ext uri="{FF2B5EF4-FFF2-40B4-BE49-F238E27FC236}">
-                <a16:creationId xmlns:a16="http://schemas.microsoft.com/office/drawing/2014/main" id="{1082AEE2-AA1E-4A7F-AF6D-B8B5B938F3BA}"/>
+          <p:cNvPr id="60" name="TextBox 59">
+            <a:extLst>
+              <a:ext uri="{FF2B5EF4-FFF2-40B4-BE49-F238E27FC236}">
+                <a16:creationId xmlns:a16="http://schemas.microsoft.com/office/drawing/2014/main" id="{04FE7B15-38DF-432E-9D01-3CD177C90E38}"/>
               </a:ext>
             </a:extLst>
           </p:cNvPr>
@@ -8428,10 +7075,10 @@
       </p:sp>
       <p:sp>
         <p:nvSpPr>
-          <p:cNvPr id="65" name="TextBox 64">
-            <a:extLst>
-              <a:ext uri="{FF2B5EF4-FFF2-40B4-BE49-F238E27FC236}">
-                <a16:creationId xmlns:a16="http://schemas.microsoft.com/office/drawing/2014/main" id="{9E63550E-74BA-4DC1-BE16-857ACFA6CA0B}"/>
+          <p:cNvPr id="64" name="TextBox 63">
+            <a:extLst>
+              <a:ext uri="{FF2B5EF4-FFF2-40B4-BE49-F238E27FC236}">
+                <a16:creationId xmlns:a16="http://schemas.microsoft.com/office/drawing/2014/main" id="{AAC06D4D-FBA5-42E3-9809-818F6194DFEE}"/>
               </a:ext>
             </a:extLst>
           </p:cNvPr>
@@ -8470,10 +7117,10 @@
       </p:sp>
       <p:sp>
         <p:nvSpPr>
-          <p:cNvPr id="71" name="TextBox 70">
-            <a:extLst>
-              <a:ext uri="{FF2B5EF4-FFF2-40B4-BE49-F238E27FC236}">
-                <a16:creationId xmlns:a16="http://schemas.microsoft.com/office/drawing/2014/main" id="{F4DA047A-76D6-4165-917A-B893B31AAFBA}"/>
+          <p:cNvPr id="65" name="TextBox 64">
+            <a:extLst>
+              <a:ext uri="{FF2B5EF4-FFF2-40B4-BE49-F238E27FC236}">
+                <a16:creationId xmlns:a16="http://schemas.microsoft.com/office/drawing/2014/main" id="{DBA2B116-319F-4670-B3AA-7EB391D9BB81}"/>
               </a:ext>
             </a:extLst>
           </p:cNvPr>
@@ -8519,10 +7166,10 @@
       </p:sp>
       <p:sp>
         <p:nvSpPr>
-          <p:cNvPr id="72" name="TextBox 71">
-            <a:extLst>
-              <a:ext uri="{FF2B5EF4-FFF2-40B4-BE49-F238E27FC236}">
-                <a16:creationId xmlns:a16="http://schemas.microsoft.com/office/drawing/2014/main" id="{CF4FF03F-2A08-4F2B-AE40-374E7F8DE49E}"/>
+          <p:cNvPr id="66" name="TextBox 65">
+            <a:extLst>
+              <a:ext uri="{FF2B5EF4-FFF2-40B4-BE49-F238E27FC236}">
+                <a16:creationId xmlns:a16="http://schemas.microsoft.com/office/drawing/2014/main" id="{1E93E0CE-D461-40CE-9098-1CD68668E4B5}"/>
               </a:ext>
             </a:extLst>
           </p:cNvPr>
@@ -8568,10 +7215,10 @@
       </p:sp>
       <p:sp>
         <p:nvSpPr>
-          <p:cNvPr id="73" name="TextBox 72">
-            <a:extLst>
-              <a:ext uri="{FF2B5EF4-FFF2-40B4-BE49-F238E27FC236}">
-                <a16:creationId xmlns:a16="http://schemas.microsoft.com/office/drawing/2014/main" id="{BCF32153-9A41-4AC9-B902-8C6703074D8A}"/>
+          <p:cNvPr id="67" name="TextBox 66">
+            <a:extLst>
+              <a:ext uri="{FF2B5EF4-FFF2-40B4-BE49-F238E27FC236}">
+                <a16:creationId xmlns:a16="http://schemas.microsoft.com/office/drawing/2014/main" id="{B19C1851-529C-4435-9B90-B32301AC7047}"/>
               </a:ext>
             </a:extLst>
           </p:cNvPr>
@@ -8617,10 +7264,10 @@
       </p:sp>
       <p:sp>
         <p:nvSpPr>
-          <p:cNvPr id="42" name="TextBox 41">
-            <a:extLst>
-              <a:ext uri="{FF2B5EF4-FFF2-40B4-BE49-F238E27FC236}">
-                <a16:creationId xmlns:a16="http://schemas.microsoft.com/office/drawing/2014/main" id="{A4F39B12-0A29-48E3-852E-C01F9D37F9CE}"/>
+          <p:cNvPr id="68" name="TextBox 67">
+            <a:extLst>
+              <a:ext uri="{FF2B5EF4-FFF2-40B4-BE49-F238E27FC236}">
+                <a16:creationId xmlns:a16="http://schemas.microsoft.com/office/drawing/2014/main" id="{86E6EBE3-4C67-4FE8-910D-7F145C8E8556}"/>
               </a:ext>
             </a:extLst>
           </p:cNvPr>
@@ -8668,7 +7315,7 @@
     </p:spTree>
     <p:extLst>
       <p:ext uri="{BB962C8B-B14F-4D97-AF65-F5344CB8AC3E}">
-        <p14:creationId xmlns:p14="http://schemas.microsoft.com/office/powerpoint/2010/main" val="2476176303"/>
+        <p14:creationId xmlns:p14="http://schemas.microsoft.com/office/powerpoint/2010/main" val="1944761980"/>
       </p:ext>
     </p:extLst>
   </p:cSld>
@@ -8678,7 +7325,7 @@
 </p:sld>
 </file>
 
-<file path=ppt/slides/slide4.xml><?xml version="1.0" encoding="utf-8"?>
+<file path=ppt/slides/slide3.xml><?xml version="1.0" encoding="utf-8"?>
 <p:sld xmlns:a="http://schemas.openxmlformats.org/drawingml/2006/main" xmlns:r="http://schemas.openxmlformats.org/officeDocument/2006/relationships" xmlns:p="http://schemas.openxmlformats.org/presentationml/2006/main">
   <p:cSld>
     <p:spTree>
@@ -8697,10 +7344,10 @@
       </p:grpSpPr>
       <p:pic>
         <p:nvPicPr>
-          <p:cNvPr id="2" name="Picture 1">
-            <a:extLst>
-              <a:ext uri="{FF2B5EF4-FFF2-40B4-BE49-F238E27FC236}">
-                <a16:creationId xmlns:a16="http://schemas.microsoft.com/office/drawing/2014/main" id="{849D28AE-DB3F-48C1-8B8E-179020A03944}"/>
+          <p:cNvPr id="4" name="Picture 3">
+            <a:extLst>
+              <a:ext uri="{FF2B5EF4-FFF2-40B4-BE49-F238E27FC236}">
+                <a16:creationId xmlns:a16="http://schemas.microsoft.com/office/drawing/2014/main" id="{1A408E8B-A623-48A8-B37C-80BFB4043442}"/>
               </a:ext>
             </a:extLst>
           </p:cNvPr>
@@ -8717,8 +7364,8 @@
         </p:blipFill>
         <p:spPr>
           <a:xfrm>
-            <a:off x="7775" y="0"/>
-            <a:ext cx="12176450" cy="6858000"/>
+            <a:off x="23939" y="0"/>
+            <a:ext cx="12144122" cy="6858000"/>
           </a:xfrm>
           <a:prstGeom prst="rect">
             <a:avLst/>
@@ -9100,7 +7747,7 @@
 </p:sld>
 </file>
 
-<file path=ppt/slides/slide5.xml><?xml version="1.0" encoding="utf-8"?>
+<file path=ppt/slides/slide4.xml><?xml version="1.0" encoding="utf-8"?>
 <p:sld xmlns:a="http://schemas.openxmlformats.org/drawingml/2006/main" xmlns:r="http://schemas.openxmlformats.org/officeDocument/2006/relationships" xmlns:p="http://schemas.openxmlformats.org/presentationml/2006/main">
   <p:cSld>
     <p:spTree>
@@ -9119,10 +7766,10 @@
       </p:grpSpPr>
       <p:pic>
         <p:nvPicPr>
-          <p:cNvPr id="12" name="Picture 11">
-            <a:extLst>
-              <a:ext uri="{FF2B5EF4-FFF2-40B4-BE49-F238E27FC236}">
-                <a16:creationId xmlns:a16="http://schemas.microsoft.com/office/drawing/2014/main" id="{4DE80DC4-90E7-4543-8554-A2B080E948C0}"/>
+          <p:cNvPr id="13" name="Picture 12">
+            <a:extLst>
+              <a:ext uri="{FF2B5EF4-FFF2-40B4-BE49-F238E27FC236}">
+                <a16:creationId xmlns:a16="http://schemas.microsoft.com/office/drawing/2014/main" id="{751C721F-8587-457E-8B91-423DCC50D2F8}"/>
               </a:ext>
             </a:extLst>
           </p:cNvPr>
@@ -9139,8 +7786,8 @@
         </p:blipFill>
         <p:spPr>
           <a:xfrm>
-            <a:off x="7775" y="0"/>
-            <a:ext cx="12176450" cy="6858000"/>
+            <a:off x="23939" y="0"/>
+            <a:ext cx="12144122" cy="6858000"/>
           </a:xfrm>
           <a:prstGeom prst="rect">
             <a:avLst/>
@@ -9435,7 +8082,7 @@
 </p:sld>
 </file>
 
-<file path=ppt/slides/slide6.xml><?xml version="1.0" encoding="utf-8"?>
+<file path=ppt/slides/slide5.xml><?xml version="1.0" encoding="utf-8"?>
 <p:sld xmlns:a="http://schemas.openxmlformats.org/drawingml/2006/main" xmlns:r="http://schemas.openxmlformats.org/officeDocument/2006/relationships" xmlns:p="http://schemas.openxmlformats.org/presentationml/2006/main">
   <p:cSld>
     <p:spTree>

--- a/Docs/User Interface.pptx
+++ b/Docs/User Interface.pptx
@@ -10,6 +10,7 @@
     <p:sldId id="259" r:id="rId4"/>
     <p:sldId id="260" r:id="rId5"/>
     <p:sldId id="261" r:id="rId6"/>
+    <p:sldId id="265" r:id="rId7"/>
   </p:sldIdLst>
   <p:sldSz cx="12192000" cy="6858000"/>
   <p:notesSz cx="6858000" cy="9144000"/>
@@ -118,6 +119,7 @@
             <p14:sldId id="259"/>
             <p14:sldId id="260"/>
             <p14:sldId id="261"/>
+            <p14:sldId id="265"/>
           </p14:sldIdLst>
         </p14:section>
       </p14:sectionLst>
@@ -286,7 +288,7 @@
           <a:p>
             <a:fld id="{AE19CE15-4131-427B-8B25-C3DE264DA446}" type="datetimeFigureOut">
               <a:rPr lang="en-PH" smtClean="0"/>
-              <a:t>10/14/2024</a:t>
+              <a:t>11/06/2024</a:t>
             </a:fld>
             <a:endParaRPr lang="en-PH"/>
           </a:p>
@@ -486,7 +488,7 @@
           <a:p>
             <a:fld id="{AE19CE15-4131-427B-8B25-C3DE264DA446}" type="datetimeFigureOut">
               <a:rPr lang="en-PH" smtClean="0"/>
-              <a:t>10/14/2024</a:t>
+              <a:t>11/06/2024</a:t>
             </a:fld>
             <a:endParaRPr lang="en-PH"/>
           </a:p>
@@ -696,7 +698,7 @@
           <a:p>
             <a:fld id="{AE19CE15-4131-427B-8B25-C3DE264DA446}" type="datetimeFigureOut">
               <a:rPr lang="en-PH" smtClean="0"/>
-              <a:t>10/14/2024</a:t>
+              <a:t>11/06/2024</a:t>
             </a:fld>
             <a:endParaRPr lang="en-PH"/>
           </a:p>
@@ -896,7 +898,7 @@
           <a:p>
             <a:fld id="{AE19CE15-4131-427B-8B25-C3DE264DA446}" type="datetimeFigureOut">
               <a:rPr lang="en-PH" smtClean="0"/>
-              <a:t>10/14/2024</a:t>
+              <a:t>11/06/2024</a:t>
             </a:fld>
             <a:endParaRPr lang="en-PH"/>
           </a:p>
@@ -1172,7 +1174,7 @@
           <a:p>
             <a:fld id="{AE19CE15-4131-427B-8B25-C3DE264DA446}" type="datetimeFigureOut">
               <a:rPr lang="en-PH" smtClean="0"/>
-              <a:t>10/14/2024</a:t>
+              <a:t>11/06/2024</a:t>
             </a:fld>
             <a:endParaRPr lang="en-PH"/>
           </a:p>
@@ -1440,7 +1442,7 @@
           <a:p>
             <a:fld id="{AE19CE15-4131-427B-8B25-C3DE264DA446}" type="datetimeFigureOut">
               <a:rPr lang="en-PH" smtClean="0"/>
-              <a:t>10/14/2024</a:t>
+              <a:t>11/06/2024</a:t>
             </a:fld>
             <a:endParaRPr lang="en-PH"/>
           </a:p>
@@ -1855,7 +1857,7 @@
           <a:p>
             <a:fld id="{AE19CE15-4131-427B-8B25-C3DE264DA446}" type="datetimeFigureOut">
               <a:rPr lang="en-PH" smtClean="0"/>
-              <a:t>10/14/2024</a:t>
+              <a:t>11/06/2024</a:t>
             </a:fld>
             <a:endParaRPr lang="en-PH"/>
           </a:p>
@@ -1997,7 +1999,7 @@
           <a:p>
             <a:fld id="{AE19CE15-4131-427B-8B25-C3DE264DA446}" type="datetimeFigureOut">
               <a:rPr lang="en-PH" smtClean="0"/>
-              <a:t>10/14/2024</a:t>
+              <a:t>11/06/2024</a:t>
             </a:fld>
             <a:endParaRPr lang="en-PH"/>
           </a:p>
@@ -2110,7 +2112,7 @@
           <a:p>
             <a:fld id="{AE19CE15-4131-427B-8B25-C3DE264DA446}" type="datetimeFigureOut">
               <a:rPr lang="en-PH" smtClean="0"/>
-              <a:t>10/14/2024</a:t>
+              <a:t>11/06/2024</a:t>
             </a:fld>
             <a:endParaRPr lang="en-PH"/>
           </a:p>
@@ -2423,7 +2425,7 @@
           <a:p>
             <a:fld id="{AE19CE15-4131-427B-8B25-C3DE264DA446}" type="datetimeFigureOut">
               <a:rPr lang="en-PH" smtClean="0"/>
-              <a:t>10/14/2024</a:t>
+              <a:t>11/06/2024</a:t>
             </a:fld>
             <a:endParaRPr lang="en-PH"/>
           </a:p>
@@ -2712,7 +2714,7 @@
           <a:p>
             <a:fld id="{AE19CE15-4131-427B-8B25-C3DE264DA446}" type="datetimeFigureOut">
               <a:rPr lang="en-PH" smtClean="0"/>
-              <a:t>10/14/2024</a:t>
+              <a:t>11/06/2024</a:t>
             </a:fld>
             <a:endParaRPr lang="en-PH"/>
           </a:p>
@@ -2955,7 +2957,7 @@
           <a:p>
             <a:fld id="{AE19CE15-4131-427B-8B25-C3DE264DA446}" type="datetimeFigureOut">
               <a:rPr lang="en-PH" smtClean="0"/>
-              <a:t>10/14/2024</a:t>
+              <a:t>11/06/2024</a:t>
             </a:fld>
             <a:endParaRPr lang="en-PH"/>
           </a:p>
@@ -3503,7 +3505,7 @@
             </a:xfrm>
             <a:prstGeom prst="roundRect">
               <a:avLst>
-                <a:gd name="adj" fmla="val 6094"/>
+                <a:gd name="adj" fmla="val 13180"/>
               </a:avLst>
             </a:prstGeom>
             <a:solidFill>
@@ -3564,11 +3566,7 @@
             </a:prstGeom>
             <a:noFill/>
             <a:ln>
-              <a:solidFill>
-                <a:schemeClr val="bg1">
-                  <a:lumMod val="85000"/>
-                </a:schemeClr>
-              </a:solidFill>
+              <a:noFill/>
             </a:ln>
           </p:spPr>
           <p:txBody>
@@ -3931,11 +3929,7 @@
             </a:prstGeom>
             <a:noFill/>
             <a:ln>
-              <a:solidFill>
-                <a:schemeClr val="bg1">
-                  <a:lumMod val="85000"/>
-                </a:schemeClr>
-              </a:solidFill>
+              <a:noFill/>
             </a:ln>
           </p:spPr>
           <p:txBody>
@@ -3982,11 +3976,7 @@
             </a:prstGeom>
             <a:noFill/>
             <a:ln>
-              <a:solidFill>
-                <a:schemeClr val="bg1">
-                  <a:lumMod val="85000"/>
-                </a:schemeClr>
-              </a:solidFill>
+              <a:noFill/>
             </a:ln>
           </p:spPr>
           <p:txBody>
@@ -4033,11 +4023,7 @@
             </a:prstGeom>
             <a:noFill/>
             <a:ln>
-              <a:solidFill>
-                <a:schemeClr val="bg1">
-                  <a:lumMod val="85000"/>
-                </a:schemeClr>
-              </a:solidFill>
+              <a:noFill/>
             </a:ln>
           </p:spPr>
           <p:txBody>
@@ -4092,11 +4078,7 @@
               <a:avLst/>
             </a:prstGeom>
             <a:ln>
-              <a:solidFill>
-                <a:schemeClr val="bg1">
-                  <a:lumMod val="85000"/>
-                </a:schemeClr>
-              </a:solidFill>
+              <a:noFill/>
             </a:ln>
           </p:spPr>
         </p:pic>
@@ -4355,51 +4337,6 @@
           <a:chExt cx="0" cy="0"/>
         </a:xfrm>
       </p:grpSpPr>
-      <p:pic>
-        <p:nvPicPr>
-          <p:cNvPr id="139" name="Picture 6" descr="Flat design of abstract background">
-            <a:extLst>
-              <a:ext uri="{FF2B5EF4-FFF2-40B4-BE49-F238E27FC236}">
-                <a16:creationId xmlns:a16="http://schemas.microsoft.com/office/drawing/2014/main" id="{9AE81CC5-1BA1-42B7-BAED-D0FDA244040F}"/>
-              </a:ext>
-            </a:extLst>
-          </p:cNvPr>
-          <p:cNvPicPr>
-            <a:picLocks noChangeAspect="1" noChangeArrowheads="1"/>
-          </p:cNvPicPr>
-          <p:nvPr/>
-        </p:nvPicPr>
-        <p:blipFill rotWithShape="1">
-          <a:blip r:embed="rId2">
-            <a:extLst>
-              <a:ext uri="{28A0092B-C50C-407E-A947-70E740481C1C}">
-                <a14:useLocalDpi xmlns:a14="http://schemas.microsoft.com/office/drawing/2010/main" val="0"/>
-              </a:ext>
-            </a:extLst>
-          </a:blip>
-          <a:srcRect l="36733" r="41456" b="7778"/>
-          <a:stretch/>
-        </p:blipFill>
-        <p:spPr bwMode="auto">
-          <a:xfrm>
-            <a:off x="-419" y="406088"/>
-            <a:ext cx="2301415" cy="6481936"/>
-          </a:xfrm>
-          <a:prstGeom prst="rect">
-            <a:avLst/>
-          </a:prstGeom>
-          <a:noFill/>
-          <a:extLst>
-            <a:ext uri="{909E8E84-426E-40DD-AFC4-6F175D3DCCD1}">
-              <a14:hiddenFill xmlns:a14="http://schemas.microsoft.com/office/drawing/2010/main">
-                <a:solidFill>
-                  <a:srgbClr val="FFFFFF"/>
-                </a:solidFill>
-              </a14:hiddenFill>
-            </a:ext>
-          </a:extLst>
-        </p:spPr>
-      </p:pic>
       <p:sp>
         <p:nvSpPr>
           <p:cNvPr id="16" name="Rectangle 15">
@@ -4414,8 +4351,8 @@
         </p:nvSpPr>
         <p:spPr>
           <a:xfrm>
-            <a:off x="0" y="0"/>
-            <a:ext cx="12191999" cy="6888024"/>
+            <a:off x="0" y="-4763"/>
+            <a:ext cx="12191999" cy="6858000"/>
           </a:xfrm>
           <a:prstGeom prst="rect">
             <a:avLst/>
@@ -4473,7 +4410,7 @@
             <a:avLst/>
           </a:prstGeom>
           <a:solidFill>
-            <a:schemeClr val="bg1"/>
+            <a:srgbClr val="FFFFFF"/>
           </a:solidFill>
           <a:ln>
             <a:noFill/>
@@ -4564,7 +4501,7 @@
           <p:nvPr/>
         </p:nvPicPr>
         <p:blipFill>
-          <a:blip r:embed="rId3"/>
+          <a:blip r:embed="rId2"/>
           <a:stretch>
             <a:fillRect/>
           </a:stretch>
@@ -4594,7 +4531,7 @@
           <p:nvPr/>
         </p:nvPicPr>
         <p:blipFill>
-          <a:blip r:embed="rId4">
+          <a:blip r:embed="rId3">
             <a:extLst>
               <a:ext uri="{28A0092B-C50C-407E-A947-70E740481C1C}">
                 <a14:useLocalDpi xmlns:a14="http://schemas.microsoft.com/office/drawing/2010/main" val="0"/>
@@ -4719,25 +4656,11 @@
                 <a:gd name="adj" fmla="val 13626"/>
               </a:avLst>
             </a:prstGeom>
-            <a:gradFill flip="none" rotWithShape="1">
-              <a:gsLst>
-                <a:gs pos="0">
-                  <a:srgbClr val="D2D2D2"/>
-                </a:gs>
-                <a:gs pos="50000">
-                  <a:srgbClr val="E4E4E4"/>
-                </a:gs>
-                <a:gs pos="100000">
-                  <a:schemeClr val="bg1">
-                    <a:lumMod val="95000"/>
-                    <a:shade val="100000"/>
-                    <a:satMod val="115000"/>
-                  </a:schemeClr>
-                </a:gs>
-              </a:gsLst>
-              <a:lin ang="13500000" scaled="1"/>
-              <a:tileRect/>
-            </a:gradFill>
+            <a:solidFill>
+              <a:schemeClr val="bg1">
+                <a:lumMod val="95000"/>
+              </a:schemeClr>
+            </a:solidFill>
             <a:ln w="3175">
               <a:solidFill>
                 <a:schemeClr val="bg1">
@@ -4787,7 +4710,7 @@
             <p:nvPr/>
           </p:nvPicPr>
           <p:blipFill>
-            <a:blip r:embed="rId5"/>
+            <a:blip r:embed="rId4"/>
             <a:stretch>
               <a:fillRect/>
             </a:stretch>
@@ -4818,13 +4741,13 @@
           <p:nvPr/>
         </p:nvPicPr>
         <p:blipFill rotWithShape="1">
-          <a:blip r:embed="rId6"/>
+          <a:blip r:embed="rId5"/>
           <a:srcRect l="2832" t="15279" r="30053" b="4979"/>
           <a:stretch/>
         </p:blipFill>
         <p:spPr>
           <a:xfrm>
-            <a:off x="2221382" y="1179962"/>
+            <a:off x="2221382" y="1169802"/>
             <a:ext cx="6360388" cy="3431403"/>
           </a:xfrm>
           <a:prstGeom prst="roundRect">
@@ -4855,7 +4778,7 @@
         </p:nvGrpSpPr>
         <p:grpSpPr>
           <a:xfrm>
-            <a:off x="8635946" y="584695"/>
+            <a:off x="8089846" y="584695"/>
             <a:ext cx="453682" cy="454741"/>
             <a:chOff x="11566399" y="515885"/>
             <a:chExt cx="453682" cy="454741"/>
@@ -4951,7 +4874,7 @@
             <p:nvPr/>
           </p:nvPicPr>
           <p:blipFill>
-            <a:blip r:embed="rId7"/>
+            <a:blip r:embed="rId6"/>
             <a:stretch>
               <a:fillRect/>
             </a:stretch>
@@ -4981,7 +4904,7 @@
         </p:nvGrpSpPr>
         <p:grpSpPr>
           <a:xfrm>
-            <a:off x="8089987" y="584695"/>
+            <a:off x="7543887" y="584695"/>
             <a:ext cx="453682" cy="454741"/>
             <a:chOff x="11033140" y="515885"/>
             <a:chExt cx="453682" cy="454741"/>
@@ -5077,7 +5000,7 @@
             <p:nvPr/>
           </p:nvPicPr>
           <p:blipFill>
-            <a:blip r:embed="rId8"/>
+            <a:blip r:embed="rId7"/>
             <a:stretch>
               <a:fillRect/>
             </a:stretch>
@@ -5107,8 +5030,8 @@
         </p:nvGrpSpPr>
         <p:grpSpPr>
           <a:xfrm>
-            <a:off x="2726773" y="577149"/>
-            <a:ext cx="5283637" cy="454741"/>
+            <a:off x="2726774" y="577149"/>
+            <a:ext cx="4724836" cy="454741"/>
             <a:chOff x="3638011" y="515885"/>
             <a:chExt cx="7315551" cy="454741"/>
           </a:xfrm>
@@ -5291,7 +5214,7 @@
           <p:nvPr/>
         </p:nvPicPr>
         <p:blipFill rotWithShape="1">
-          <a:blip r:embed="rId9"/>
+          <a:blip r:embed="rId8"/>
           <a:srcRect l="965" t="2944" r="4376" b="14445"/>
           <a:stretch/>
         </p:blipFill>
@@ -5329,7 +5252,7 @@
           <p:nvPr/>
         </p:nvPicPr>
         <p:blipFill>
-          <a:blip r:embed="rId10"/>
+          <a:blip r:embed="rId9"/>
           <a:stretch>
             <a:fillRect/>
           </a:stretch>
@@ -5358,7 +5281,7 @@
         </p:nvSpPr>
         <p:spPr>
           <a:xfrm>
-            <a:off x="10023475" y="14956"/>
+            <a:off x="10023475" y="27656"/>
             <a:ext cx="1657509" cy="216285"/>
           </a:xfrm>
           <a:prstGeom prst="roundRect">
@@ -5408,7 +5331,7 @@
         </p:nvSpPr>
         <p:spPr>
           <a:xfrm>
-            <a:off x="10972800" y="211469"/>
+            <a:off x="10972800" y="198769"/>
             <a:ext cx="596846" cy="127919"/>
           </a:xfrm>
           <a:prstGeom prst="roundRect">
@@ -5467,7 +5390,7 @@
           <p:nvPr/>
         </p:nvPicPr>
         <p:blipFill>
-          <a:blip r:embed="rId10"/>
+          <a:blip r:embed="rId9"/>
           <a:stretch>
             <a:fillRect/>
           </a:stretch>
@@ -5497,7 +5420,7 @@
           <p:nvPr/>
         </p:nvPicPr>
         <p:blipFill rotWithShape="1">
-          <a:blip r:embed="rId6"/>
+          <a:blip r:embed="rId5"/>
           <a:srcRect l="58785" t="15279" r="2741" b="4979"/>
           <a:stretch/>
         </p:blipFill>
@@ -5520,51 +5443,6 @@
           </a:ln>
         </p:spPr>
       </p:pic>
-      <p:cxnSp>
-        <p:nvCxnSpPr>
-          <p:cNvPr id="126" name="Straight Connector 125">
-            <a:extLst>
-              <a:ext uri="{FF2B5EF4-FFF2-40B4-BE49-F238E27FC236}">
-                <a16:creationId xmlns:a16="http://schemas.microsoft.com/office/drawing/2014/main" id="{6DB553C6-F6DB-4A71-8E28-B89FE599C713}"/>
-              </a:ext>
-            </a:extLst>
-          </p:cNvPr>
-          <p:cNvCxnSpPr>
-            <a:cxnSpLocks/>
-          </p:cNvCxnSpPr>
-          <p:nvPr/>
-        </p:nvCxnSpPr>
-        <p:spPr>
-          <a:xfrm flipH="1">
-            <a:off x="-1" y="407752"/>
-            <a:ext cx="12192004" cy="0"/>
-          </a:xfrm>
-          <a:prstGeom prst="line">
-            <a:avLst/>
-          </a:prstGeom>
-          <a:ln>
-            <a:solidFill>
-              <a:schemeClr val="bg2">
-                <a:lumMod val="90000"/>
-              </a:schemeClr>
-            </a:solidFill>
-          </a:ln>
-        </p:spPr>
-        <p:style>
-          <a:lnRef idx="1">
-            <a:schemeClr val="accent3"/>
-          </a:lnRef>
-          <a:fillRef idx="0">
-            <a:schemeClr val="accent3"/>
-          </a:fillRef>
-          <a:effectRef idx="0">
-            <a:schemeClr val="accent3"/>
-          </a:effectRef>
-          <a:fontRef idx="minor">
-            <a:schemeClr val="tx1"/>
-          </a:fontRef>
-        </p:style>
-      </p:cxnSp>
       <p:sp>
         <p:nvSpPr>
           <p:cNvPr id="20" name="TextBox 19">
@@ -5587,9 +5465,7 @@
               <a:gd name="adj" fmla="val 3837"/>
             </a:avLst>
           </a:prstGeom>
-          <a:solidFill>
-            <a:srgbClr val="FFFFFF"/>
-          </a:solidFill>
+          <a:noFill/>
           <a:ln>
             <a:noFill/>
           </a:ln>
@@ -5728,7 +5604,7 @@
           <p:nvPr/>
         </p:nvPicPr>
         <p:blipFill>
-          <a:blip r:embed="rId11"/>
+          <a:blip r:embed="rId10"/>
           <a:stretch>
             <a:fillRect/>
           </a:stretch>
@@ -5763,9 +5639,7 @@
           <a:prstGeom prst="rect">
             <a:avLst/>
           </a:prstGeom>
-          <a:solidFill>
-            <a:srgbClr val="FFFFFF"/>
-          </a:solidFill>
+          <a:noFill/>
           <a:ln w="3175">
             <a:noFill/>
           </a:ln>
@@ -5818,9 +5692,7 @@
           <a:prstGeom prst="rect">
             <a:avLst/>
           </a:prstGeom>
-          <a:solidFill>
-            <a:srgbClr val="FFFFFF"/>
-          </a:solidFill>
+          <a:noFill/>
         </p:spPr>
         <p:txBody>
           <a:bodyPr wrap="square" rtlCol="0">
@@ -5854,6 +5726,138 @@
             <a:extLst>
               <a:ext uri="{FF2B5EF4-FFF2-40B4-BE49-F238E27FC236}">
                 <a16:creationId xmlns:a16="http://schemas.microsoft.com/office/drawing/2014/main" id="{92AE064B-5C7F-4BE6-A039-259199C8DB04}"/>
+              </a:ext>
+            </a:extLst>
+          </p:cNvPr>
+          <p:cNvPicPr>
+            <a:picLocks noChangeAspect="1"/>
+          </p:cNvPicPr>
+          <p:nvPr/>
+        </p:nvPicPr>
+        <p:blipFill>
+          <a:blip r:embed="rId11"/>
+          <a:stretch>
+            <a:fillRect/>
+          </a:stretch>
+        </p:blipFill>
+        <p:spPr>
+          <a:xfrm>
+            <a:off x="266869" y="1250827"/>
+            <a:ext cx="115170" cy="175307"/>
+          </a:xfrm>
+          <a:prstGeom prst="rect">
+            <a:avLst/>
+          </a:prstGeom>
+          <a:noFill/>
+        </p:spPr>
+      </p:pic>
+      <p:sp>
+        <p:nvSpPr>
+          <p:cNvPr id="29" name="Rectangle 28">
+            <a:extLst>
+              <a:ext uri="{FF2B5EF4-FFF2-40B4-BE49-F238E27FC236}">
+                <a16:creationId xmlns:a16="http://schemas.microsoft.com/office/drawing/2014/main" id="{9DC78CB5-2CC4-4AE5-92C6-EDC6879BA1B2}"/>
+              </a:ext>
+            </a:extLst>
+          </p:cNvPr>
+          <p:cNvSpPr/>
+          <p:nvPr/>
+        </p:nvSpPr>
+        <p:spPr>
+          <a:xfrm>
+            <a:off x="176625" y="1547023"/>
+            <a:ext cx="1688160" cy="330179"/>
+          </a:xfrm>
+          <a:prstGeom prst="rect">
+            <a:avLst/>
+          </a:prstGeom>
+          <a:noFill/>
+          <a:ln w="3175">
+            <a:noFill/>
+          </a:ln>
+          <a:effectLst>
+            <a:softEdge rad="0"/>
+          </a:effectLst>
+        </p:spPr>
+        <p:style>
+          <a:lnRef idx="2">
+            <a:schemeClr val="accent1">
+              <a:shade val="50000"/>
+            </a:schemeClr>
+          </a:lnRef>
+          <a:fillRef idx="1">
+            <a:schemeClr val="accent1"/>
+          </a:fillRef>
+          <a:effectRef idx="0">
+            <a:schemeClr val="accent1"/>
+          </a:effectRef>
+          <a:fontRef idx="minor">
+            <a:schemeClr val="lt1"/>
+          </a:fontRef>
+        </p:style>
+        <p:txBody>
+          <a:bodyPr rtlCol="0" anchor="ctr"/>
+          <a:lstStyle/>
+          <a:p>
+            <a:pPr algn="ctr"/>
+            <a:endParaRPr lang="en-PH" sz="1200"/>
+          </a:p>
+        </p:txBody>
+      </p:sp>
+      <p:sp>
+        <p:nvSpPr>
+          <p:cNvPr id="30" name="TextBox 29">
+            <a:extLst>
+              <a:ext uri="{FF2B5EF4-FFF2-40B4-BE49-F238E27FC236}">
+                <a16:creationId xmlns:a16="http://schemas.microsoft.com/office/drawing/2014/main" id="{46457596-43AC-487C-9930-20211D647E90}"/>
+              </a:ext>
+            </a:extLst>
+          </p:cNvPr>
+          <p:cNvSpPr txBox="1"/>
+          <p:nvPr/>
+        </p:nvSpPr>
+        <p:spPr>
+          <a:xfrm>
+            <a:off x="426520" y="1533282"/>
+            <a:ext cx="1508497" cy="276999"/>
+          </a:xfrm>
+          <a:prstGeom prst="rect">
+            <a:avLst/>
+          </a:prstGeom>
+          <a:noFill/>
+        </p:spPr>
+        <p:txBody>
+          <a:bodyPr wrap="square" rtlCol="0">
+            <a:spAutoFit/>
+          </a:bodyPr>
+          <a:lstStyle/>
+          <a:p>
+            <a:r>
+              <a:rPr lang="en-US" sz="1200" dirty="0">
+                <a:solidFill>
+                  <a:schemeClr val="tx2">
+                    <a:lumMod val="75000"/>
+                  </a:schemeClr>
+                </a:solidFill>
+              </a:rPr>
+              <a:t>Common Systems</a:t>
+            </a:r>
+            <a:endParaRPr lang="en-PH" sz="1200" dirty="0">
+              <a:solidFill>
+                <a:schemeClr val="tx2">
+                  <a:lumMod val="75000"/>
+                </a:schemeClr>
+              </a:solidFill>
+            </a:endParaRPr>
+          </a:p>
+        </p:txBody>
+      </p:sp>
+      <p:pic>
+        <p:nvPicPr>
+          <p:cNvPr id="32" name="Picture 31">
+            <a:extLst>
+              <a:ext uri="{FF2B5EF4-FFF2-40B4-BE49-F238E27FC236}">
+                <a16:creationId xmlns:a16="http://schemas.microsoft.com/office/drawing/2014/main" id="{E37D0BBC-F858-4F59-A730-914C52651A90}"/>
               </a:ext>
             </a:extLst>
           </p:cNvPr>
@@ -5870,20 +5874,21 @@
         </p:blipFill>
         <p:spPr>
           <a:xfrm>
-            <a:off x="266869" y="1250827"/>
-            <a:ext cx="115170" cy="175307"/>
+            <a:off x="242213" y="1567592"/>
+            <a:ext cx="135266" cy="205898"/>
           </a:xfrm>
           <a:prstGeom prst="rect">
             <a:avLst/>
           </a:prstGeom>
+          <a:noFill/>
         </p:spPr>
       </p:pic>
       <p:sp>
         <p:nvSpPr>
-          <p:cNvPr id="29" name="Rectangle 28">
-            <a:extLst>
-              <a:ext uri="{FF2B5EF4-FFF2-40B4-BE49-F238E27FC236}">
-                <a16:creationId xmlns:a16="http://schemas.microsoft.com/office/drawing/2014/main" id="{9DC78CB5-2CC4-4AE5-92C6-EDC6879BA1B2}"/>
+          <p:cNvPr id="33" name="Rectangle 32">
+            <a:extLst>
+              <a:ext uri="{FF2B5EF4-FFF2-40B4-BE49-F238E27FC236}">
+                <a16:creationId xmlns:a16="http://schemas.microsoft.com/office/drawing/2014/main" id="{D434FF03-35FB-4DA1-907A-6F2556D6E0ED}"/>
               </a:ext>
             </a:extLst>
           </p:cNvPr>
@@ -5892,15 +5897,13 @@
         </p:nvSpPr>
         <p:spPr>
           <a:xfrm>
-            <a:off x="176625" y="1547023"/>
+            <a:off x="172617" y="1881283"/>
             <a:ext cx="1688160" cy="330179"/>
           </a:xfrm>
           <a:prstGeom prst="rect">
             <a:avLst/>
           </a:prstGeom>
-          <a:solidFill>
-            <a:srgbClr val="FFFFFF"/>
-          </a:solidFill>
+          <a:noFill/>
           <a:ln w="3175">
             <a:noFill/>
           </a:ln>
@@ -5935,10 +5938,10 @@
       </p:sp>
       <p:sp>
         <p:nvSpPr>
-          <p:cNvPr id="30" name="TextBox 29">
-            <a:extLst>
-              <a:ext uri="{FF2B5EF4-FFF2-40B4-BE49-F238E27FC236}">
-                <a16:creationId xmlns:a16="http://schemas.microsoft.com/office/drawing/2014/main" id="{46457596-43AC-487C-9930-20211D647E90}"/>
+          <p:cNvPr id="34" name="TextBox 33">
+            <a:extLst>
+              <a:ext uri="{FF2B5EF4-FFF2-40B4-BE49-F238E27FC236}">
+                <a16:creationId xmlns:a16="http://schemas.microsoft.com/office/drawing/2014/main" id="{CDEC40D1-B4E0-4F04-BE07-EF9641127EC9}"/>
               </a:ext>
             </a:extLst>
           </p:cNvPr>
@@ -5947,15 +5950,13 @@
         </p:nvSpPr>
         <p:spPr>
           <a:xfrm>
-            <a:off x="426520" y="1533282"/>
-            <a:ext cx="1508497" cy="276999"/>
+            <a:off x="422514" y="1867542"/>
+            <a:ext cx="1508496" cy="276999"/>
           </a:xfrm>
           <a:prstGeom prst="rect">
             <a:avLst/>
           </a:prstGeom>
-          <a:solidFill>
-            <a:srgbClr val="FFFFFF"/>
-          </a:solidFill>
+          <a:noFill/>
         </p:spPr>
         <p:txBody>
           <a:bodyPr wrap="square" rtlCol="0">
@@ -5971,7 +5972,7 @@
                   </a:schemeClr>
                 </a:solidFill>
               </a:rPr>
-              <a:t>Common Systems</a:t>
+              <a:t>Manufacturing</a:t>
             </a:r>
             <a:endParaRPr lang="en-PH" sz="1200" dirty="0">
               <a:solidFill>
@@ -5985,10 +5986,10 @@
       </p:sp>
       <p:pic>
         <p:nvPicPr>
-          <p:cNvPr id="32" name="Picture 31">
-            <a:extLst>
-              <a:ext uri="{FF2B5EF4-FFF2-40B4-BE49-F238E27FC236}">
-                <a16:creationId xmlns:a16="http://schemas.microsoft.com/office/drawing/2014/main" id="{E37D0BBC-F858-4F59-A730-914C52651A90}"/>
+          <p:cNvPr id="36" name="Picture 35">
+            <a:extLst>
+              <a:ext uri="{FF2B5EF4-FFF2-40B4-BE49-F238E27FC236}">
+                <a16:creationId xmlns:a16="http://schemas.microsoft.com/office/drawing/2014/main" id="{677FC680-069A-4764-9915-2174689A499C}"/>
               </a:ext>
             </a:extLst>
           </p:cNvPr>
@@ -6005,153 +6006,13 @@
         </p:blipFill>
         <p:spPr>
           <a:xfrm>
-            <a:off x="242213" y="1567592"/>
-            <a:ext cx="135266" cy="205898"/>
+            <a:off x="224086" y="1888183"/>
+            <a:ext cx="150041" cy="228388"/>
           </a:xfrm>
           <a:prstGeom prst="rect">
             <a:avLst/>
           </a:prstGeom>
-          <a:solidFill>
-            <a:srgbClr val="FFFFFF"/>
-          </a:solidFill>
-        </p:spPr>
-      </p:pic>
-      <p:sp>
-        <p:nvSpPr>
-          <p:cNvPr id="33" name="Rectangle 32">
-            <a:extLst>
-              <a:ext uri="{FF2B5EF4-FFF2-40B4-BE49-F238E27FC236}">
-                <a16:creationId xmlns:a16="http://schemas.microsoft.com/office/drawing/2014/main" id="{D434FF03-35FB-4DA1-907A-6F2556D6E0ED}"/>
-              </a:ext>
-            </a:extLst>
-          </p:cNvPr>
-          <p:cNvSpPr/>
-          <p:nvPr/>
-        </p:nvSpPr>
-        <p:spPr>
-          <a:xfrm>
-            <a:off x="172617" y="1881283"/>
-            <a:ext cx="1688160" cy="330179"/>
-          </a:xfrm>
-          <a:prstGeom prst="rect">
-            <a:avLst/>
-          </a:prstGeom>
-          <a:solidFill>
-            <a:srgbClr val="FFFFFF"/>
-          </a:solidFill>
-          <a:ln w="3175">
-            <a:noFill/>
-          </a:ln>
-          <a:effectLst>
-            <a:softEdge rad="0"/>
-          </a:effectLst>
-        </p:spPr>
-        <p:style>
-          <a:lnRef idx="2">
-            <a:schemeClr val="accent1">
-              <a:shade val="50000"/>
-            </a:schemeClr>
-          </a:lnRef>
-          <a:fillRef idx="1">
-            <a:schemeClr val="accent1"/>
-          </a:fillRef>
-          <a:effectRef idx="0">
-            <a:schemeClr val="accent1"/>
-          </a:effectRef>
-          <a:fontRef idx="minor">
-            <a:schemeClr val="lt1"/>
-          </a:fontRef>
-        </p:style>
-        <p:txBody>
-          <a:bodyPr rtlCol="0" anchor="ctr"/>
-          <a:lstStyle/>
-          <a:p>
-            <a:pPr algn="ctr"/>
-            <a:endParaRPr lang="en-PH" sz="1200"/>
-          </a:p>
-        </p:txBody>
-      </p:sp>
-      <p:sp>
-        <p:nvSpPr>
-          <p:cNvPr id="34" name="TextBox 33">
-            <a:extLst>
-              <a:ext uri="{FF2B5EF4-FFF2-40B4-BE49-F238E27FC236}">
-                <a16:creationId xmlns:a16="http://schemas.microsoft.com/office/drawing/2014/main" id="{CDEC40D1-B4E0-4F04-BE07-EF9641127EC9}"/>
-              </a:ext>
-            </a:extLst>
-          </p:cNvPr>
-          <p:cNvSpPr txBox="1"/>
-          <p:nvPr/>
-        </p:nvSpPr>
-        <p:spPr>
-          <a:xfrm>
-            <a:off x="422514" y="1867542"/>
-            <a:ext cx="1508496" cy="276999"/>
-          </a:xfrm>
-          <a:prstGeom prst="rect">
-            <a:avLst/>
-          </a:prstGeom>
-          <a:solidFill>
-            <a:srgbClr val="FFFFFF"/>
-          </a:solidFill>
-        </p:spPr>
-        <p:txBody>
-          <a:bodyPr wrap="square" rtlCol="0">
-            <a:spAutoFit/>
-          </a:bodyPr>
-          <a:lstStyle/>
-          <a:p>
-            <a:r>
-              <a:rPr lang="en-US" sz="1200" dirty="0">
-                <a:solidFill>
-                  <a:schemeClr val="tx2">
-                    <a:lumMod val="75000"/>
-                  </a:schemeClr>
-                </a:solidFill>
-              </a:rPr>
-              <a:t>Manufacturing</a:t>
-            </a:r>
-            <a:endParaRPr lang="en-PH" sz="1200" dirty="0">
-              <a:solidFill>
-                <a:schemeClr val="tx2">
-                  <a:lumMod val="75000"/>
-                </a:schemeClr>
-              </a:solidFill>
-            </a:endParaRPr>
-          </a:p>
-        </p:txBody>
-      </p:sp>
-      <p:pic>
-        <p:nvPicPr>
-          <p:cNvPr id="36" name="Picture 35">
-            <a:extLst>
-              <a:ext uri="{FF2B5EF4-FFF2-40B4-BE49-F238E27FC236}">
-                <a16:creationId xmlns:a16="http://schemas.microsoft.com/office/drawing/2014/main" id="{677FC680-069A-4764-9915-2174689A499C}"/>
-              </a:ext>
-            </a:extLst>
-          </p:cNvPr>
-          <p:cNvPicPr>
-            <a:picLocks noChangeAspect="1"/>
-          </p:cNvPicPr>
-          <p:nvPr/>
-        </p:nvPicPr>
-        <p:blipFill>
-          <a:blip r:embed="rId14"/>
-          <a:stretch>
-            <a:fillRect/>
-          </a:stretch>
-        </p:blipFill>
-        <p:spPr>
-          <a:xfrm>
-            <a:off x="224086" y="1888183"/>
-            <a:ext cx="150041" cy="228388"/>
-          </a:xfrm>
-          <a:prstGeom prst="rect">
-            <a:avLst/>
-          </a:prstGeom>
-          <a:solidFill>
-            <a:srgbClr val="FFFFFF"/>
-          </a:solidFill>
+          <a:noFill/>
         </p:spPr>
       </p:pic>
       <p:sp>
@@ -6217,7 +6078,7 @@
           <p:nvPr/>
         </p:nvPicPr>
         <p:blipFill>
-          <a:blip r:embed="rId15">
+          <a:blip r:embed="rId14">
             <a:extLst>
               <a:ext uri="{28A0092B-C50C-407E-A947-70E740481C1C}">
                 <a14:useLocalDpi xmlns:a14="http://schemas.microsoft.com/office/drawing/2010/main" val="0"/>
@@ -6252,16 +6113,16 @@
         </p:nvSpPr>
         <p:spPr>
           <a:xfrm rot="16200000" flipV="1">
-            <a:off x="7522166" y="2192186"/>
-            <a:ext cx="6450246" cy="2889423"/>
+            <a:off x="7568994" y="2281138"/>
+            <a:ext cx="6117425" cy="2724540"/>
           </a:xfrm>
           <a:prstGeom prst="roundRect">
             <a:avLst>
-              <a:gd name="adj" fmla="val 0"/>
+              <a:gd name="adj" fmla="val 4020"/>
             </a:avLst>
           </a:prstGeom>
           <a:solidFill>
-            <a:schemeClr val="tx2"/>
+            <a:schemeClr val="bg1"/>
           </a:solidFill>
           <a:ln w="3175">
             <a:solidFill>
@@ -6297,53 +6158,6 @@
       </p:sp>
       <p:sp>
         <p:nvSpPr>
-          <p:cNvPr id="47" name="TextBox 46">
-            <a:extLst>
-              <a:ext uri="{FF2B5EF4-FFF2-40B4-BE49-F238E27FC236}">
-                <a16:creationId xmlns:a16="http://schemas.microsoft.com/office/drawing/2014/main" id="{12375853-FA64-4593-A9AF-786D16E9093D}"/>
-              </a:ext>
-            </a:extLst>
-          </p:cNvPr>
-          <p:cNvSpPr txBox="1"/>
-          <p:nvPr/>
-        </p:nvSpPr>
-        <p:spPr>
-          <a:xfrm>
-            <a:off x="9481040" y="839098"/>
-            <a:ext cx="2551547" cy="5080938"/>
-          </a:xfrm>
-          <a:prstGeom prst="roundRect">
-            <a:avLst>
-              <a:gd name="adj" fmla="val 1867"/>
-            </a:avLst>
-          </a:prstGeom>
-          <a:solidFill>
-            <a:srgbClr val="FFFFFF"/>
-          </a:solidFill>
-          <a:ln>
-            <a:solidFill>
-              <a:schemeClr val="bg2">
-                <a:lumMod val="90000"/>
-              </a:schemeClr>
-            </a:solidFill>
-          </a:ln>
-        </p:spPr>
-        <p:txBody>
-          <a:bodyPr wrap="square" rtlCol="0" anchor="t" anchorCtr="0">
-            <a:noAutofit/>
-          </a:bodyPr>
-          <a:lstStyle/>
-          <a:p>
-            <a:r>
-              <a:rPr lang="en-US" sz="1200" b="1"/>
-              <a:t> </a:t>
-            </a:r>
-            <a:endParaRPr lang="en-PH" sz="1200" b="1" dirty="0"/>
-          </a:p>
-        </p:txBody>
-      </p:sp>
-      <p:sp>
-        <p:nvSpPr>
           <p:cNvPr id="49" name="Rectangle: Rounded Corners 48">
             <a:extLst>
               <a:ext uri="{FF2B5EF4-FFF2-40B4-BE49-F238E27FC236}">
@@ -6356,7 +6170,7 @@
         </p:nvSpPr>
         <p:spPr>
           <a:xfrm>
-            <a:off x="9660576" y="1175800"/>
+            <a:off x="9475156" y="1231680"/>
             <a:ext cx="2182469" cy="263699"/>
           </a:xfrm>
           <a:prstGeom prst="roundRect">
@@ -6411,7 +6225,7 @@
         </p:nvSpPr>
         <p:spPr>
           <a:xfrm>
-            <a:off x="9582150" y="906153"/>
+            <a:off x="9384030" y="1197890"/>
             <a:ext cx="2278895" cy="646331"/>
           </a:xfrm>
           <a:prstGeom prst="rect">
@@ -6452,7 +6266,7 @@
         </p:nvSpPr>
         <p:spPr>
           <a:xfrm>
-            <a:off x="9593900" y="1458664"/>
+            <a:off x="9408480" y="1775801"/>
             <a:ext cx="2220570" cy="261610"/>
           </a:xfrm>
           <a:prstGeom prst="rect">
@@ -6494,14 +6308,14 @@
           <p:nvPr>
             <p:extLst>
               <p:ext uri="{D42A27DB-BD31-4B8C-83A1-F6EECF244321}">
-                <p14:modId xmlns:p14="http://schemas.microsoft.com/office/powerpoint/2010/main" val="1520798930"/>
+                <p14:modId xmlns:p14="http://schemas.microsoft.com/office/powerpoint/2010/main" val="3320660863"/>
               </p:ext>
             </p:extLst>
           </p:nvPr>
         </p:nvGraphicFramePr>
         <p:xfrm>
-          <a:off x="9673276" y="1767898"/>
-          <a:ext cx="2153893" cy="786100"/>
+          <a:off x="9487856" y="2085035"/>
+          <a:ext cx="2278895" cy="786100"/>
         </p:xfrm>
         <a:graphic>
           <a:graphicData uri="http://schemas.openxmlformats.org/drawingml/2006/table">
@@ -6510,14 +6324,14 @@
                 <a:tableStyleId>{2D5ABB26-0587-4C30-8999-92F81FD0307C}</a:tableStyleId>
               </a:tblPr>
               <a:tblGrid>
-                <a:gridCol w="790650">
+                <a:gridCol w="836535">
                   <a:extLst>
                     <a:ext uri="{9D8B030D-6E8A-4147-A177-3AD203B41FA5}">
                       <a16:colId xmlns:a16="http://schemas.microsoft.com/office/drawing/2014/main" val="3989297173"/>
                     </a:ext>
                   </a:extLst>
                 </a:gridCol>
-                <a:gridCol w="1363243">
+                <a:gridCol w="1442360">
                   <a:extLst>
                     <a:ext uri="{9D8B030D-6E8A-4147-A177-3AD203B41FA5}">
                       <a16:colId xmlns:a16="http://schemas.microsoft.com/office/drawing/2014/main" val="779188745"/>
@@ -6975,7 +6789,7 @@
         </p:nvSpPr>
         <p:spPr>
           <a:xfrm>
-            <a:off x="9582150" y="2567412"/>
+            <a:off x="9396730" y="2884549"/>
             <a:ext cx="887245" cy="276999"/>
           </a:xfrm>
           <a:prstGeom prst="rect">
@@ -7010,8 +6824,8 @@
         </p:nvSpPr>
         <p:spPr>
           <a:xfrm>
-            <a:off x="9585718" y="2762986"/>
-            <a:ext cx="2342189" cy="1015663"/>
+            <a:off x="9400298" y="3080123"/>
+            <a:ext cx="2498847" cy="861774"/>
           </a:xfrm>
           <a:prstGeom prst="rect">
             <a:avLst/>
@@ -7052,7 +6866,7 @@
         </p:nvSpPr>
         <p:spPr>
           <a:xfrm>
-            <a:off x="9599417" y="3783139"/>
+            <a:off x="9413997" y="3914531"/>
             <a:ext cx="1211458" cy="276999"/>
           </a:xfrm>
           <a:prstGeom prst="rect">
@@ -7087,8 +6901,8 @@
         </p:nvSpPr>
         <p:spPr>
           <a:xfrm>
-            <a:off x="9602985" y="3978713"/>
-            <a:ext cx="2342189" cy="1015663"/>
+            <a:off x="9417565" y="4110105"/>
+            <a:ext cx="2463580" cy="861774"/>
           </a:xfrm>
           <a:prstGeom prst="rect">
             <a:avLst/>
@@ -7129,7 +6943,7 @@
         </p:nvSpPr>
         <p:spPr>
           <a:xfrm>
-            <a:off x="10944225" y="5389164"/>
+            <a:off x="10897712" y="6213630"/>
             <a:ext cx="916820" cy="306467"/>
           </a:xfrm>
           <a:prstGeom prst="roundRect">
@@ -7178,7 +6992,7 @@
         </p:nvSpPr>
         <p:spPr>
           <a:xfrm>
-            <a:off x="9673276" y="5405266"/>
+            <a:off x="9491480" y="6211107"/>
             <a:ext cx="916820" cy="306467"/>
           </a:xfrm>
           <a:prstGeom prst="roundRect">
@@ -7227,7 +7041,7 @@
         </p:nvSpPr>
         <p:spPr>
           <a:xfrm>
-            <a:off x="10944225" y="5008116"/>
+            <a:off x="10897712" y="5832582"/>
             <a:ext cx="898820" cy="306467"/>
           </a:xfrm>
           <a:prstGeom prst="roundRect">
@@ -7276,7 +7090,7 @@
         </p:nvSpPr>
         <p:spPr>
           <a:xfrm>
-            <a:off x="9403315" y="501146"/>
+            <a:off x="9400315" y="698331"/>
             <a:ext cx="2132160" cy="307777"/>
           </a:xfrm>
           <a:prstGeom prst="roundRect">
@@ -7295,23 +7109,289 @@
             <a:r>
               <a:rPr lang="en-US" sz="1400" b="1" dirty="0">
                 <a:solidFill>
-                  <a:schemeClr val="bg1">
-                    <a:lumMod val="95000"/>
-                  </a:schemeClr>
+                  <a:srgbClr val="333F50"/>
                 </a:solidFill>
               </a:rPr>
               <a:t>Support Information</a:t>
             </a:r>
             <a:endParaRPr lang="en-PH" sz="1400" b="1" dirty="0">
               <a:solidFill>
+                <a:srgbClr val="333F50"/>
+              </a:solidFill>
+            </a:endParaRPr>
+          </a:p>
+        </p:txBody>
+      </p:sp>
+      <p:cxnSp>
+        <p:nvCxnSpPr>
+          <p:cNvPr id="70" name="Straight Connector 69">
+            <a:extLst>
+              <a:ext uri="{FF2B5EF4-FFF2-40B4-BE49-F238E27FC236}">
+                <a16:creationId xmlns:a16="http://schemas.microsoft.com/office/drawing/2014/main" id="{5F220A6A-1B9F-48A2-908C-AACB6AE52ACC}"/>
+              </a:ext>
+            </a:extLst>
+          </p:cNvPr>
+          <p:cNvCxnSpPr>
+            <a:cxnSpLocks/>
+          </p:cNvCxnSpPr>
+          <p:nvPr/>
+        </p:nvCxnSpPr>
+        <p:spPr>
+          <a:xfrm flipH="1" flipV="1">
+            <a:off x="9273544" y="1101802"/>
+            <a:ext cx="2716433" cy="6769"/>
+          </a:xfrm>
+          <a:prstGeom prst="line">
+            <a:avLst/>
+          </a:prstGeom>
+          <a:ln w="3175">
+            <a:solidFill>
+              <a:schemeClr val="bg2">
+                <a:lumMod val="90000"/>
+              </a:schemeClr>
+            </a:solidFill>
+          </a:ln>
+        </p:spPr>
+        <p:style>
+          <a:lnRef idx="1">
+            <a:schemeClr val="accent3"/>
+          </a:lnRef>
+          <a:fillRef idx="0">
+            <a:schemeClr val="accent3"/>
+          </a:fillRef>
+          <a:effectRef idx="0">
+            <a:schemeClr val="accent3"/>
+          </a:effectRef>
+          <a:fontRef idx="minor">
+            <a:schemeClr val="tx1"/>
+          </a:fontRef>
+        </p:style>
+      </p:cxnSp>
+      <p:pic>
+        <p:nvPicPr>
+          <p:cNvPr id="19" name="Picture 18">
+            <a:extLst>
+              <a:ext uri="{FF2B5EF4-FFF2-40B4-BE49-F238E27FC236}">
+                <a16:creationId xmlns:a16="http://schemas.microsoft.com/office/drawing/2014/main" id="{BFB096F8-5036-407E-B20F-8B907BD30B73}"/>
+              </a:ext>
+            </a:extLst>
+          </p:cNvPr>
+          <p:cNvPicPr>
+            <a:picLocks noChangeAspect="1"/>
+          </p:cNvPicPr>
+          <p:nvPr/>
+        </p:nvPicPr>
+        <p:blipFill>
+          <a:blip r:embed="rId15"/>
+          <a:stretch>
+            <a:fillRect/>
+          </a:stretch>
+        </p:blipFill>
+        <p:spPr>
+          <a:xfrm>
+            <a:off x="11618875" y="759750"/>
+            <a:ext cx="186953" cy="186953"/>
+          </a:xfrm>
+          <a:prstGeom prst="rect">
+            <a:avLst/>
+          </a:prstGeom>
+        </p:spPr>
+      </p:pic>
+      <p:cxnSp>
+        <p:nvCxnSpPr>
+          <p:cNvPr id="71" name="Straight Connector 70">
+            <a:extLst>
+              <a:ext uri="{FF2B5EF4-FFF2-40B4-BE49-F238E27FC236}">
+                <a16:creationId xmlns:a16="http://schemas.microsoft.com/office/drawing/2014/main" id="{71492BCB-5715-4816-9DF1-316998528C17}"/>
+              </a:ext>
+            </a:extLst>
+          </p:cNvPr>
+          <p:cNvCxnSpPr>
+            <a:cxnSpLocks/>
+          </p:cNvCxnSpPr>
+          <p:nvPr/>
+        </p:nvCxnSpPr>
+        <p:spPr>
+          <a:xfrm flipH="1" flipV="1">
+            <a:off x="9270914" y="5627306"/>
+            <a:ext cx="2727014" cy="2417"/>
+          </a:xfrm>
+          <a:prstGeom prst="line">
+            <a:avLst/>
+          </a:prstGeom>
+          <a:ln w="3175">
+            <a:solidFill>
+              <a:schemeClr val="bg2">
+                <a:lumMod val="90000"/>
+              </a:schemeClr>
+            </a:solidFill>
+          </a:ln>
+        </p:spPr>
+        <p:style>
+          <a:lnRef idx="1">
+            <a:schemeClr val="accent3"/>
+          </a:lnRef>
+          <a:fillRef idx="0">
+            <a:schemeClr val="accent3"/>
+          </a:fillRef>
+          <a:effectRef idx="0">
+            <a:schemeClr val="accent3"/>
+          </a:effectRef>
+          <a:fontRef idx="minor">
+            <a:schemeClr val="tx1"/>
+          </a:fontRef>
+        </p:style>
+      </p:cxnSp>
+      <p:cxnSp>
+        <p:nvCxnSpPr>
+          <p:cNvPr id="126" name="Straight Connector 125">
+            <a:extLst>
+              <a:ext uri="{FF2B5EF4-FFF2-40B4-BE49-F238E27FC236}">
+                <a16:creationId xmlns:a16="http://schemas.microsoft.com/office/drawing/2014/main" id="{6DB553C6-F6DB-4A71-8E28-B89FE599C713}"/>
+              </a:ext>
+            </a:extLst>
+          </p:cNvPr>
+          <p:cNvCxnSpPr>
+            <a:cxnSpLocks/>
+          </p:cNvCxnSpPr>
+          <p:nvPr/>
+        </p:nvCxnSpPr>
+        <p:spPr>
+          <a:xfrm flipH="1">
+            <a:off x="-1" y="407752"/>
+            <a:ext cx="12192004" cy="0"/>
+          </a:xfrm>
+          <a:prstGeom prst="line">
+            <a:avLst/>
+          </a:prstGeom>
+          <a:ln w="3175">
+            <a:solidFill>
+              <a:schemeClr val="bg2">
+                <a:lumMod val="90000"/>
+              </a:schemeClr>
+            </a:solidFill>
+          </a:ln>
+        </p:spPr>
+        <p:style>
+          <a:lnRef idx="1">
+            <a:schemeClr val="accent3"/>
+          </a:lnRef>
+          <a:fillRef idx="0">
+            <a:schemeClr val="accent3"/>
+          </a:fillRef>
+          <a:effectRef idx="0">
+            <a:schemeClr val="accent3"/>
+          </a:effectRef>
+          <a:fontRef idx="minor">
+            <a:schemeClr val="tx1"/>
+          </a:fontRef>
+        </p:style>
+      </p:cxnSp>
+      <p:sp>
+        <p:nvSpPr>
+          <p:cNvPr id="79" name="Rectangle: Rounded Corners 78">
+            <a:extLst>
+              <a:ext uri="{FF2B5EF4-FFF2-40B4-BE49-F238E27FC236}">
+                <a16:creationId xmlns:a16="http://schemas.microsoft.com/office/drawing/2014/main" id="{2FBBCFD1-CCE7-4059-AAE6-7C18AA5CF6B3}"/>
+              </a:ext>
+            </a:extLst>
+          </p:cNvPr>
+          <p:cNvSpPr/>
+          <p:nvPr/>
+        </p:nvSpPr>
+        <p:spPr>
+          <a:xfrm>
+            <a:off x="8635805" y="584695"/>
+            <a:ext cx="453682" cy="454741"/>
+          </a:xfrm>
+          <a:prstGeom prst="roundRect">
+            <a:avLst>
+              <a:gd name="adj" fmla="val 13626"/>
+            </a:avLst>
+          </a:prstGeom>
+          <a:gradFill flip="none" rotWithShape="1">
+            <a:gsLst>
+              <a:gs pos="0">
+                <a:srgbClr val="CFCFCF"/>
+              </a:gs>
+              <a:gs pos="50000">
+                <a:srgbClr val="E4E4E4"/>
+              </a:gs>
+              <a:gs pos="100000">
                 <a:schemeClr val="bg1">
                   <a:lumMod val="95000"/>
+                  <a:shade val="100000"/>
+                  <a:satMod val="115000"/>
                 </a:schemeClr>
-              </a:solidFill>
-            </a:endParaRPr>
-          </a:p>
-        </p:txBody>
-      </p:sp>
+              </a:gs>
+            </a:gsLst>
+            <a:lin ang="13500000" scaled="1"/>
+            <a:tileRect/>
+          </a:gradFill>
+          <a:ln w="3175">
+            <a:solidFill>
+              <a:schemeClr val="bg1">
+                <a:lumMod val="85000"/>
+              </a:schemeClr>
+            </a:solidFill>
+          </a:ln>
+          <a:effectLst/>
+        </p:spPr>
+        <p:style>
+          <a:lnRef idx="2">
+            <a:schemeClr val="accent1">
+              <a:shade val="50000"/>
+            </a:schemeClr>
+          </a:lnRef>
+          <a:fillRef idx="1">
+            <a:schemeClr val="accent1"/>
+          </a:fillRef>
+          <a:effectRef idx="0">
+            <a:schemeClr val="accent1"/>
+          </a:effectRef>
+          <a:fontRef idx="minor">
+            <a:schemeClr val="lt1"/>
+          </a:fontRef>
+        </p:style>
+        <p:txBody>
+          <a:bodyPr rtlCol="0" anchor="ctr"/>
+          <a:lstStyle/>
+          <a:p>
+            <a:pPr algn="ctr"/>
+            <a:endParaRPr lang="en-PH"/>
+          </a:p>
+        </p:txBody>
+      </p:sp>
+      <p:pic>
+        <p:nvPicPr>
+          <p:cNvPr id="40" name="Picture 39">
+            <a:extLst>
+              <a:ext uri="{FF2B5EF4-FFF2-40B4-BE49-F238E27FC236}">
+                <a16:creationId xmlns:a16="http://schemas.microsoft.com/office/drawing/2014/main" id="{35E24950-8584-4CA8-BDFF-5E02D8FAF101}"/>
+              </a:ext>
+            </a:extLst>
+          </p:cNvPr>
+          <p:cNvPicPr>
+            <a:picLocks noChangeAspect="1"/>
+          </p:cNvPicPr>
+          <p:nvPr/>
+        </p:nvPicPr>
+        <p:blipFill>
+          <a:blip r:embed="rId16"/>
+          <a:stretch>
+            <a:fillRect/>
+          </a:stretch>
+        </p:blipFill>
+        <p:spPr>
+          <a:xfrm>
+            <a:off x="8721747" y="674605"/>
+            <a:ext cx="281798" cy="281798"/>
+          </a:xfrm>
+          <a:prstGeom prst="rect">
+            <a:avLst/>
+          </a:prstGeom>
+        </p:spPr>
+      </p:pic>
     </p:spTree>
     <p:extLst>
       <p:ext uri="{BB962C8B-B14F-4D97-AF65-F5344CB8AC3E}">
@@ -7372,6 +7452,36 @@
           </a:prstGeom>
         </p:spPr>
       </p:pic>
+      <p:pic>
+        <p:nvPicPr>
+          <p:cNvPr id="5" name="Picture 4">
+            <a:extLst>
+              <a:ext uri="{FF2B5EF4-FFF2-40B4-BE49-F238E27FC236}">
+                <a16:creationId xmlns:a16="http://schemas.microsoft.com/office/drawing/2014/main" id="{16FAEC6B-72EE-4B8E-9B5B-A92836CC2804}"/>
+              </a:ext>
+            </a:extLst>
+          </p:cNvPr>
+          <p:cNvPicPr>
+            <a:picLocks noChangeAspect="1"/>
+          </p:cNvPicPr>
+          <p:nvPr/>
+        </p:nvPicPr>
+        <p:blipFill>
+          <a:blip r:embed="rId3"/>
+          <a:stretch>
+            <a:fillRect/>
+          </a:stretch>
+        </p:blipFill>
+        <p:spPr>
+          <a:xfrm>
+            <a:off x="2368" y="0"/>
+            <a:ext cx="12187263" cy="6858000"/>
+          </a:xfrm>
+          <a:prstGeom prst="rect">
+            <a:avLst/>
+          </a:prstGeom>
+        </p:spPr>
+      </p:pic>
       <p:sp>
         <p:nvSpPr>
           <p:cNvPr id="3" name="Rectangle 2">
@@ -7591,7 +7701,7 @@
             <p:nvPr/>
           </p:nvPicPr>
           <p:blipFill rotWithShape="1">
-            <a:blip r:embed="rId3"/>
+            <a:blip r:embed="rId4"/>
             <a:srcRect l="2662" r="52577"/>
             <a:stretch/>
           </p:blipFill>
@@ -7620,7 +7730,7 @@
             <p:nvPr/>
           </p:nvPicPr>
           <p:blipFill rotWithShape="1">
-            <a:blip r:embed="rId3"/>
+            <a:blip r:embed="rId4"/>
             <a:srcRect l="65793" r="3165"/>
             <a:stretch/>
           </p:blipFill>
@@ -7650,7 +7760,7 @@
           <p:nvPr/>
         </p:nvPicPr>
         <p:blipFill>
-          <a:blip r:embed="rId4"/>
+          <a:blip r:embed="rId5"/>
           <a:stretch>
             <a:fillRect/>
           </a:stretch>
@@ -7680,7 +7790,7 @@
           <p:nvPr/>
         </p:nvPicPr>
         <p:blipFill>
-          <a:blip r:embed="rId5"/>
+          <a:blip r:embed="rId6"/>
           <a:stretch>
             <a:fillRect/>
           </a:stretch>
@@ -7710,13 +7820,13 @@
           <p:nvPr/>
         </p:nvPicPr>
         <p:blipFill>
-          <a:blip r:embed="rId6">
+          <a:blip r:embed="rId7">
             <a:extLst>
               <a:ext uri="{28A0092B-C50C-407E-A947-70E740481C1C}">
                 <a14:useLocalDpi xmlns:a14="http://schemas.microsoft.com/office/drawing/2010/main" val="0"/>
               </a:ext>
               <a:ext uri="{96DAC541-7B7A-43D3-8B79-37D633B846F1}">
-                <asvg:svgBlip xmlns:asvg="http://schemas.microsoft.com/office/drawing/2016/SVG/main" r:embed="rId7"/>
+                <asvg:svgBlip xmlns:asvg="http://schemas.microsoft.com/office/drawing/2016/SVG/main" r:embed="rId8"/>
               </a:ext>
             </a:extLst>
           </a:blip>
@@ -7766,10 +7876,10 @@
       </p:grpSpPr>
       <p:pic>
         <p:nvPicPr>
-          <p:cNvPr id="13" name="Picture 12">
-            <a:extLst>
-              <a:ext uri="{FF2B5EF4-FFF2-40B4-BE49-F238E27FC236}">
-                <a16:creationId xmlns:a16="http://schemas.microsoft.com/office/drawing/2014/main" id="{751C721F-8587-457E-8B91-423DCC50D2F8}"/>
+          <p:cNvPr id="12" name="Picture 11">
+            <a:extLst>
+              <a:ext uri="{FF2B5EF4-FFF2-40B4-BE49-F238E27FC236}">
+                <a16:creationId xmlns:a16="http://schemas.microsoft.com/office/drawing/2014/main" id="{7A4E18BA-285E-406D-A8A2-30D9C5B7D409}"/>
               </a:ext>
             </a:extLst>
           </p:cNvPr>
@@ -7786,8 +7896,8 @@
         </p:blipFill>
         <p:spPr>
           <a:xfrm>
-            <a:off x="23939" y="0"/>
-            <a:ext cx="12144122" cy="6858000"/>
+            <a:off x="2368" y="0"/>
+            <a:ext cx="12187263" cy="6858000"/>
           </a:xfrm>
           <a:prstGeom prst="rect">
             <a:avLst/>
@@ -11427,6 +11537,66 @@
     <p:extLst>
       <p:ext uri="{BB962C8B-B14F-4D97-AF65-F5344CB8AC3E}">
         <p14:creationId xmlns:p14="http://schemas.microsoft.com/office/powerpoint/2010/main" val="1158769170"/>
+      </p:ext>
+    </p:extLst>
+  </p:cSld>
+  <p:clrMapOvr>
+    <a:masterClrMapping/>
+  </p:clrMapOvr>
+</p:sld>
+</file>
+
+<file path=ppt/slides/slide6.xml><?xml version="1.0" encoding="utf-8"?>
+<p:sld xmlns:a="http://schemas.openxmlformats.org/drawingml/2006/main" xmlns:r="http://schemas.openxmlformats.org/officeDocument/2006/relationships" xmlns:p="http://schemas.openxmlformats.org/presentationml/2006/main">
+  <p:cSld>
+    <p:spTree>
+      <p:nvGrpSpPr>
+        <p:cNvPr id="1" name=""/>
+        <p:cNvGrpSpPr/>
+        <p:nvPr/>
+      </p:nvGrpSpPr>
+      <p:grpSpPr>
+        <a:xfrm>
+          <a:off x="0" y="0"/>
+          <a:ext cx="0" cy="0"/>
+          <a:chOff x="0" y="0"/>
+          <a:chExt cx="0" cy="0"/>
+        </a:xfrm>
+      </p:grpSpPr>
+      <p:pic>
+        <p:nvPicPr>
+          <p:cNvPr id="5" name="Picture 4">
+            <a:extLst>
+              <a:ext uri="{FF2B5EF4-FFF2-40B4-BE49-F238E27FC236}">
+                <a16:creationId xmlns:a16="http://schemas.microsoft.com/office/drawing/2014/main" id="{F5992FAB-F59F-4217-A149-90787AD4197D}"/>
+              </a:ext>
+            </a:extLst>
+          </p:cNvPr>
+          <p:cNvPicPr>
+            <a:picLocks noChangeAspect="1"/>
+          </p:cNvPicPr>
+          <p:nvPr/>
+        </p:nvPicPr>
+        <p:blipFill>
+          <a:blip r:embed="rId2"/>
+          <a:stretch>
+            <a:fillRect/>
+          </a:stretch>
+        </p:blipFill>
+        <p:spPr>
+          <a:xfrm>
+            <a:off x="3166653" y="418680"/>
+            <a:ext cx="5858693" cy="6020640"/>
+          </a:xfrm>
+          <a:prstGeom prst="rect">
+            <a:avLst/>
+          </a:prstGeom>
+        </p:spPr>
+      </p:pic>
+    </p:spTree>
+    <p:extLst>
+      <p:ext uri="{BB962C8B-B14F-4D97-AF65-F5344CB8AC3E}">
+        <p14:creationId xmlns:p14="http://schemas.microsoft.com/office/powerpoint/2010/main" val="301003654"/>
       </p:ext>
     </p:extLst>
   </p:cSld>
